--- a/Move_Ratings.pptx
+++ b/Move_Ratings.pptx
@@ -6,19 +6,23 @@
     <p:sldMasterId id="2147483661" r:id="rId3"/>
     <p:sldMasterId id="2147483674" r:id="rId4"/>
     <p:sldMasterId id="2147483687" r:id="rId5"/>
+    <p:sldMasterId id="2147483700" r:id="rId6"/>
   </p:sldMasterIdLst>
   <p:sldIdLst>
-    <p:sldId id="256" r:id="rId6"/>
-    <p:sldId id="257" r:id="rId7"/>
-    <p:sldId id="258" r:id="rId8"/>
-    <p:sldId id="259" r:id="rId9"/>
-    <p:sldId id="260" r:id="rId10"/>
-    <p:sldId id="261" r:id="rId11"/>
-    <p:sldId id="262" r:id="rId12"/>
-    <p:sldId id="263" r:id="rId13"/>
-    <p:sldId id="264" r:id="rId14"/>
-    <p:sldId id="265" r:id="rId15"/>
-    <p:sldId id="266" r:id="rId16"/>
+    <p:sldId id="256" r:id="rId7"/>
+    <p:sldId id="257" r:id="rId8"/>
+    <p:sldId id="258" r:id="rId9"/>
+    <p:sldId id="259" r:id="rId10"/>
+    <p:sldId id="260" r:id="rId11"/>
+    <p:sldId id="261" r:id="rId12"/>
+    <p:sldId id="262" r:id="rId13"/>
+    <p:sldId id="263" r:id="rId14"/>
+    <p:sldId id="264" r:id="rId15"/>
+    <p:sldId id="265" r:id="rId16"/>
+    <p:sldId id="266" r:id="rId17"/>
+    <p:sldId id="267" r:id="rId18"/>
+    <p:sldId id="268" r:id="rId19"/>
+    <p:sldId id="269" r:id="rId20"/>
   </p:sldIdLst>
   <p:sldSz cx="10080625" cy="5670550"/>
   <p:notesSz cx="7772400" cy="10058400"/>
@@ -607,7 +611,7 @@
       </p:grpSpPr>
       <p:sp>
         <p:nvSpPr>
-          <p:cNvPr id="67" name="PlaceHolder 1"/>
+          <p:cNvPr id="56" name="PlaceHolder 1"/>
           <p:cNvSpPr>
             <a:spLocks noGrp="1"/>
           </p:cNvSpPr>
@@ -638,7 +642,7 @@
       </p:sp>
       <p:sp>
         <p:nvSpPr>
-          <p:cNvPr id="68" name="PlaceHolder 2"/>
+          <p:cNvPr id="57" name="PlaceHolder 2"/>
           <p:cNvSpPr>
             <a:spLocks noGrp="1"/>
           </p:cNvSpPr>
@@ -691,7 +695,7 @@
       </p:grpSpPr>
       <p:sp>
         <p:nvSpPr>
-          <p:cNvPr id="69" name="PlaceHolder 1"/>
+          <p:cNvPr id="58" name="PlaceHolder 1"/>
           <p:cNvSpPr>
             <a:spLocks noGrp="1"/>
           </p:cNvSpPr>
@@ -722,7 +726,7 @@
       </p:sp>
       <p:sp>
         <p:nvSpPr>
-          <p:cNvPr id="70" name="PlaceHolder 2"/>
+          <p:cNvPr id="59" name="PlaceHolder 2"/>
           <p:cNvSpPr>
             <a:spLocks noGrp="1"/>
           </p:cNvSpPr>
@@ -774,7 +778,7 @@
       </p:grpSpPr>
       <p:sp>
         <p:nvSpPr>
-          <p:cNvPr id="71" name="PlaceHolder 1"/>
+          <p:cNvPr id="60" name="PlaceHolder 1"/>
           <p:cNvSpPr>
             <a:spLocks noGrp="1"/>
           </p:cNvSpPr>
@@ -805,7 +809,7 @@
       </p:sp>
       <p:sp>
         <p:nvSpPr>
-          <p:cNvPr id="72" name="PlaceHolder 2"/>
+          <p:cNvPr id="61" name="PlaceHolder 2"/>
           <p:cNvSpPr>
             <a:spLocks noGrp="1"/>
           </p:cNvSpPr>
@@ -835,7 +839,7 @@
       </p:sp>
       <p:sp>
         <p:nvSpPr>
-          <p:cNvPr id="73" name="PlaceHolder 3"/>
+          <p:cNvPr id="62" name="PlaceHolder 3"/>
           <p:cNvSpPr>
             <a:spLocks noGrp="1"/>
           </p:cNvSpPr>
@@ -887,7 +891,7 @@
       </p:grpSpPr>
       <p:sp>
         <p:nvSpPr>
-          <p:cNvPr id="74" name="PlaceHolder 1"/>
+          <p:cNvPr id="63" name="PlaceHolder 1"/>
           <p:cNvSpPr>
             <a:spLocks noGrp="1"/>
           </p:cNvSpPr>
@@ -940,7 +944,7 @@
       </p:grpSpPr>
       <p:sp>
         <p:nvSpPr>
-          <p:cNvPr id="75" name="PlaceHolder 1"/>
+          <p:cNvPr id="64" name="PlaceHolder 1"/>
           <p:cNvSpPr>
             <a:spLocks noGrp="1"/>
           </p:cNvSpPr>
@@ -993,7 +997,7 @@
       </p:grpSpPr>
       <p:sp>
         <p:nvSpPr>
-          <p:cNvPr id="76" name="PlaceHolder 1"/>
+          <p:cNvPr id="65" name="PlaceHolder 1"/>
           <p:cNvSpPr>
             <a:spLocks noGrp="1"/>
           </p:cNvSpPr>
@@ -1024,7 +1028,7 @@
       </p:sp>
       <p:sp>
         <p:nvSpPr>
-          <p:cNvPr id="77" name="PlaceHolder 2"/>
+          <p:cNvPr id="66" name="PlaceHolder 2"/>
           <p:cNvSpPr>
             <a:spLocks noGrp="1"/>
           </p:cNvSpPr>
@@ -1054,7 +1058,7 @@
       </p:sp>
       <p:sp>
         <p:nvSpPr>
-          <p:cNvPr id="78" name="PlaceHolder 3"/>
+          <p:cNvPr id="67" name="PlaceHolder 3"/>
           <p:cNvSpPr>
             <a:spLocks noGrp="1"/>
           </p:cNvSpPr>
@@ -1084,7 +1088,7 @@
       </p:sp>
       <p:sp>
         <p:nvSpPr>
-          <p:cNvPr id="79" name="PlaceHolder 4"/>
+          <p:cNvPr id="68" name="PlaceHolder 4"/>
           <p:cNvSpPr>
             <a:spLocks noGrp="1"/>
           </p:cNvSpPr>
@@ -1220,7 +1224,7 @@
       </p:grpSpPr>
       <p:sp>
         <p:nvSpPr>
-          <p:cNvPr id="80" name="PlaceHolder 1"/>
+          <p:cNvPr id="69" name="PlaceHolder 1"/>
           <p:cNvSpPr>
             <a:spLocks noGrp="1"/>
           </p:cNvSpPr>
@@ -1251,7 +1255,7 @@
       </p:sp>
       <p:sp>
         <p:nvSpPr>
-          <p:cNvPr id="81" name="PlaceHolder 2"/>
+          <p:cNvPr id="70" name="PlaceHolder 2"/>
           <p:cNvSpPr>
             <a:spLocks noGrp="1"/>
           </p:cNvSpPr>
@@ -1281,7 +1285,7 @@
       </p:sp>
       <p:sp>
         <p:nvSpPr>
-          <p:cNvPr id="82" name="PlaceHolder 3"/>
+          <p:cNvPr id="71" name="PlaceHolder 3"/>
           <p:cNvSpPr>
             <a:spLocks noGrp="1"/>
           </p:cNvSpPr>
@@ -1311,7 +1315,7 @@
       </p:sp>
       <p:sp>
         <p:nvSpPr>
-          <p:cNvPr id="83" name="PlaceHolder 4"/>
+          <p:cNvPr id="72" name="PlaceHolder 4"/>
           <p:cNvSpPr>
             <a:spLocks noGrp="1"/>
           </p:cNvSpPr>
@@ -1363,7 +1367,7 @@
       </p:grpSpPr>
       <p:sp>
         <p:nvSpPr>
-          <p:cNvPr id="84" name="PlaceHolder 1"/>
+          <p:cNvPr id="73" name="PlaceHolder 1"/>
           <p:cNvSpPr>
             <a:spLocks noGrp="1"/>
           </p:cNvSpPr>
@@ -1394,7 +1398,7 @@
       </p:sp>
       <p:sp>
         <p:nvSpPr>
-          <p:cNvPr id="85" name="PlaceHolder 2"/>
+          <p:cNvPr id="74" name="PlaceHolder 2"/>
           <p:cNvSpPr>
             <a:spLocks noGrp="1"/>
           </p:cNvSpPr>
@@ -1424,7 +1428,7 @@
       </p:sp>
       <p:sp>
         <p:nvSpPr>
-          <p:cNvPr id="86" name="PlaceHolder 3"/>
+          <p:cNvPr id="75" name="PlaceHolder 3"/>
           <p:cNvSpPr>
             <a:spLocks noGrp="1"/>
           </p:cNvSpPr>
@@ -1454,7 +1458,7 @@
       </p:sp>
       <p:sp>
         <p:nvSpPr>
-          <p:cNvPr id="87" name="PlaceHolder 4"/>
+          <p:cNvPr id="76" name="PlaceHolder 4"/>
           <p:cNvSpPr>
             <a:spLocks noGrp="1"/>
           </p:cNvSpPr>
@@ -1506,7 +1510,7 @@
       </p:grpSpPr>
       <p:sp>
         <p:nvSpPr>
-          <p:cNvPr id="88" name="PlaceHolder 1"/>
+          <p:cNvPr id="77" name="PlaceHolder 1"/>
           <p:cNvSpPr>
             <a:spLocks noGrp="1"/>
           </p:cNvSpPr>
@@ -1537,7 +1541,7 @@
       </p:sp>
       <p:sp>
         <p:nvSpPr>
-          <p:cNvPr id="89" name="PlaceHolder 2"/>
+          <p:cNvPr id="78" name="PlaceHolder 2"/>
           <p:cNvSpPr>
             <a:spLocks noGrp="1"/>
           </p:cNvSpPr>
@@ -1567,7 +1571,7 @@
       </p:sp>
       <p:sp>
         <p:nvSpPr>
-          <p:cNvPr id="90" name="PlaceHolder 3"/>
+          <p:cNvPr id="79" name="PlaceHolder 3"/>
           <p:cNvSpPr>
             <a:spLocks noGrp="1"/>
           </p:cNvSpPr>
@@ -1619,7 +1623,7 @@
       </p:grpSpPr>
       <p:sp>
         <p:nvSpPr>
-          <p:cNvPr id="91" name="PlaceHolder 1"/>
+          <p:cNvPr id="80" name="PlaceHolder 1"/>
           <p:cNvSpPr>
             <a:spLocks noGrp="1"/>
           </p:cNvSpPr>
@@ -1650,7 +1654,7 @@
       </p:sp>
       <p:sp>
         <p:nvSpPr>
-          <p:cNvPr id="92" name="PlaceHolder 2"/>
+          <p:cNvPr id="81" name="PlaceHolder 2"/>
           <p:cNvSpPr>
             <a:spLocks noGrp="1"/>
           </p:cNvSpPr>
@@ -1680,7 +1684,7 @@
       </p:sp>
       <p:sp>
         <p:nvSpPr>
-          <p:cNvPr id="93" name="PlaceHolder 3"/>
+          <p:cNvPr id="82" name="PlaceHolder 3"/>
           <p:cNvSpPr>
             <a:spLocks noGrp="1"/>
           </p:cNvSpPr>
@@ -1710,7 +1714,7 @@
       </p:sp>
       <p:sp>
         <p:nvSpPr>
-          <p:cNvPr id="94" name="PlaceHolder 4"/>
+          <p:cNvPr id="83" name="PlaceHolder 4"/>
           <p:cNvSpPr>
             <a:spLocks noGrp="1"/>
           </p:cNvSpPr>
@@ -1740,7 +1744,7 @@
       </p:sp>
       <p:sp>
         <p:nvSpPr>
-          <p:cNvPr id="95" name="PlaceHolder 5"/>
+          <p:cNvPr id="84" name="PlaceHolder 5"/>
           <p:cNvSpPr>
             <a:spLocks noGrp="1"/>
           </p:cNvSpPr>
@@ -1792,7 +1796,7 @@
       </p:grpSpPr>
       <p:sp>
         <p:nvSpPr>
-          <p:cNvPr id="96" name="PlaceHolder 1"/>
+          <p:cNvPr id="85" name="PlaceHolder 1"/>
           <p:cNvSpPr>
             <a:spLocks noGrp="1"/>
           </p:cNvSpPr>
@@ -1823,7 +1827,7 @@
       </p:sp>
       <p:sp>
         <p:nvSpPr>
-          <p:cNvPr id="97" name="PlaceHolder 2"/>
+          <p:cNvPr id="86" name="PlaceHolder 2"/>
           <p:cNvSpPr>
             <a:spLocks noGrp="1"/>
           </p:cNvSpPr>
@@ -1853,7 +1857,7 @@
       </p:sp>
       <p:sp>
         <p:nvSpPr>
-          <p:cNvPr id="98" name="PlaceHolder 3"/>
+          <p:cNvPr id="87" name="PlaceHolder 3"/>
           <p:cNvSpPr>
             <a:spLocks noGrp="1"/>
           </p:cNvSpPr>
@@ -1883,7 +1887,7 @@
       </p:sp>
       <p:sp>
         <p:nvSpPr>
-          <p:cNvPr id="99" name="PlaceHolder 4"/>
+          <p:cNvPr id="88" name="PlaceHolder 4"/>
           <p:cNvSpPr>
             <a:spLocks noGrp="1"/>
           </p:cNvSpPr>
@@ -1913,7 +1917,7 @@
       </p:sp>
       <p:sp>
         <p:nvSpPr>
-          <p:cNvPr id="100" name="PlaceHolder 5"/>
+          <p:cNvPr id="89" name="PlaceHolder 5"/>
           <p:cNvSpPr>
             <a:spLocks noGrp="1"/>
           </p:cNvSpPr>
@@ -1943,7 +1947,7 @@
       </p:sp>
       <p:sp>
         <p:nvSpPr>
-          <p:cNvPr id="101" name="PlaceHolder 6"/>
+          <p:cNvPr id="90" name="PlaceHolder 6"/>
           <p:cNvSpPr>
             <a:spLocks noGrp="1"/>
           </p:cNvSpPr>
@@ -1973,7 +1977,7 @@
       </p:sp>
       <p:sp>
         <p:nvSpPr>
-          <p:cNvPr id="102" name="PlaceHolder 7"/>
+          <p:cNvPr id="91" name="PlaceHolder 7"/>
           <p:cNvSpPr>
             <a:spLocks noGrp="1"/>
           </p:cNvSpPr>
@@ -2047,7 +2051,7 @@
       </p:grpSpPr>
       <p:sp>
         <p:nvSpPr>
-          <p:cNvPr id="114" name="PlaceHolder 1"/>
+          <p:cNvPr id="109" name="PlaceHolder 1"/>
           <p:cNvSpPr>
             <a:spLocks noGrp="1"/>
           </p:cNvSpPr>
@@ -2078,7 +2082,7 @@
       </p:sp>
       <p:sp>
         <p:nvSpPr>
-          <p:cNvPr id="115" name="PlaceHolder 2"/>
+          <p:cNvPr id="110" name="PlaceHolder 2"/>
           <p:cNvSpPr>
             <a:spLocks noGrp="1"/>
           </p:cNvSpPr>
@@ -2131,7 +2135,7 @@
       </p:grpSpPr>
       <p:sp>
         <p:nvSpPr>
-          <p:cNvPr id="116" name="PlaceHolder 1"/>
+          <p:cNvPr id="111" name="PlaceHolder 1"/>
           <p:cNvSpPr>
             <a:spLocks noGrp="1"/>
           </p:cNvSpPr>
@@ -2162,7 +2166,7 @@
       </p:sp>
       <p:sp>
         <p:nvSpPr>
-          <p:cNvPr id="117" name="PlaceHolder 2"/>
+          <p:cNvPr id="112" name="PlaceHolder 2"/>
           <p:cNvSpPr>
             <a:spLocks noGrp="1"/>
           </p:cNvSpPr>
@@ -2214,7 +2218,7 @@
       </p:grpSpPr>
       <p:sp>
         <p:nvSpPr>
-          <p:cNvPr id="118" name="PlaceHolder 1"/>
+          <p:cNvPr id="113" name="PlaceHolder 1"/>
           <p:cNvSpPr>
             <a:spLocks noGrp="1"/>
           </p:cNvSpPr>
@@ -2245,7 +2249,7 @@
       </p:sp>
       <p:sp>
         <p:nvSpPr>
-          <p:cNvPr id="119" name="PlaceHolder 2"/>
+          <p:cNvPr id="114" name="PlaceHolder 2"/>
           <p:cNvSpPr>
             <a:spLocks noGrp="1"/>
           </p:cNvSpPr>
@@ -2275,7 +2279,7 @@
       </p:sp>
       <p:sp>
         <p:nvSpPr>
-          <p:cNvPr id="120" name="PlaceHolder 3"/>
+          <p:cNvPr id="115" name="PlaceHolder 3"/>
           <p:cNvSpPr>
             <a:spLocks noGrp="1"/>
           </p:cNvSpPr>
@@ -2327,7 +2331,7 @@
       </p:grpSpPr>
       <p:sp>
         <p:nvSpPr>
-          <p:cNvPr id="121" name="PlaceHolder 1"/>
+          <p:cNvPr id="116" name="PlaceHolder 1"/>
           <p:cNvSpPr>
             <a:spLocks noGrp="1"/>
           </p:cNvSpPr>
@@ -2463,7 +2467,7 @@
       </p:grpSpPr>
       <p:sp>
         <p:nvSpPr>
-          <p:cNvPr id="122" name="PlaceHolder 1"/>
+          <p:cNvPr id="117" name="PlaceHolder 1"/>
           <p:cNvSpPr>
             <a:spLocks noGrp="1"/>
           </p:cNvSpPr>
@@ -2516,7 +2520,7 @@
       </p:grpSpPr>
       <p:sp>
         <p:nvSpPr>
-          <p:cNvPr id="123" name="PlaceHolder 1"/>
+          <p:cNvPr id="118" name="PlaceHolder 1"/>
           <p:cNvSpPr>
             <a:spLocks noGrp="1"/>
           </p:cNvSpPr>
@@ -2547,7 +2551,7 @@
       </p:sp>
       <p:sp>
         <p:nvSpPr>
-          <p:cNvPr id="124" name="PlaceHolder 2"/>
+          <p:cNvPr id="119" name="PlaceHolder 2"/>
           <p:cNvSpPr>
             <a:spLocks noGrp="1"/>
           </p:cNvSpPr>
@@ -2577,7 +2581,7 @@
       </p:sp>
       <p:sp>
         <p:nvSpPr>
-          <p:cNvPr id="125" name="PlaceHolder 3"/>
+          <p:cNvPr id="120" name="PlaceHolder 3"/>
           <p:cNvSpPr>
             <a:spLocks noGrp="1"/>
           </p:cNvSpPr>
@@ -2607,7 +2611,7 @@
       </p:sp>
       <p:sp>
         <p:nvSpPr>
-          <p:cNvPr id="126" name="PlaceHolder 4"/>
+          <p:cNvPr id="121" name="PlaceHolder 4"/>
           <p:cNvSpPr>
             <a:spLocks noGrp="1"/>
           </p:cNvSpPr>
@@ -2659,7 +2663,7 @@
       </p:grpSpPr>
       <p:sp>
         <p:nvSpPr>
-          <p:cNvPr id="127" name="PlaceHolder 1"/>
+          <p:cNvPr id="122" name="PlaceHolder 1"/>
           <p:cNvSpPr>
             <a:spLocks noGrp="1"/>
           </p:cNvSpPr>
@@ -2690,7 +2694,7 @@
       </p:sp>
       <p:sp>
         <p:nvSpPr>
-          <p:cNvPr id="128" name="PlaceHolder 2"/>
+          <p:cNvPr id="123" name="PlaceHolder 2"/>
           <p:cNvSpPr>
             <a:spLocks noGrp="1"/>
           </p:cNvSpPr>
@@ -2720,7 +2724,7 @@
       </p:sp>
       <p:sp>
         <p:nvSpPr>
-          <p:cNvPr id="129" name="PlaceHolder 3"/>
+          <p:cNvPr id="124" name="PlaceHolder 3"/>
           <p:cNvSpPr>
             <a:spLocks noGrp="1"/>
           </p:cNvSpPr>
@@ -2750,7 +2754,7 @@
       </p:sp>
       <p:sp>
         <p:nvSpPr>
-          <p:cNvPr id="130" name="PlaceHolder 4"/>
+          <p:cNvPr id="125" name="PlaceHolder 4"/>
           <p:cNvSpPr>
             <a:spLocks noGrp="1"/>
           </p:cNvSpPr>
@@ -2802,7 +2806,7 @@
       </p:grpSpPr>
       <p:sp>
         <p:nvSpPr>
-          <p:cNvPr id="131" name="PlaceHolder 1"/>
+          <p:cNvPr id="126" name="PlaceHolder 1"/>
           <p:cNvSpPr>
             <a:spLocks noGrp="1"/>
           </p:cNvSpPr>
@@ -2833,7 +2837,7 @@
       </p:sp>
       <p:sp>
         <p:nvSpPr>
-          <p:cNvPr id="132" name="PlaceHolder 2"/>
+          <p:cNvPr id="127" name="PlaceHolder 2"/>
           <p:cNvSpPr>
             <a:spLocks noGrp="1"/>
           </p:cNvSpPr>
@@ -2863,7 +2867,7 @@
       </p:sp>
       <p:sp>
         <p:nvSpPr>
-          <p:cNvPr id="133" name="PlaceHolder 3"/>
+          <p:cNvPr id="128" name="PlaceHolder 3"/>
           <p:cNvSpPr>
             <a:spLocks noGrp="1"/>
           </p:cNvSpPr>
@@ -2893,7 +2897,7 @@
       </p:sp>
       <p:sp>
         <p:nvSpPr>
-          <p:cNvPr id="134" name="PlaceHolder 4"/>
+          <p:cNvPr id="129" name="PlaceHolder 4"/>
           <p:cNvSpPr>
             <a:spLocks noGrp="1"/>
           </p:cNvSpPr>
@@ -2945,7 +2949,7 @@
       </p:grpSpPr>
       <p:sp>
         <p:nvSpPr>
-          <p:cNvPr id="135" name="PlaceHolder 1"/>
+          <p:cNvPr id="130" name="PlaceHolder 1"/>
           <p:cNvSpPr>
             <a:spLocks noGrp="1"/>
           </p:cNvSpPr>
@@ -2976,7 +2980,7 @@
       </p:sp>
       <p:sp>
         <p:nvSpPr>
-          <p:cNvPr id="136" name="PlaceHolder 2"/>
+          <p:cNvPr id="131" name="PlaceHolder 2"/>
           <p:cNvSpPr>
             <a:spLocks noGrp="1"/>
           </p:cNvSpPr>
@@ -3006,7 +3010,7 @@
       </p:sp>
       <p:sp>
         <p:nvSpPr>
-          <p:cNvPr id="137" name="PlaceHolder 3"/>
+          <p:cNvPr id="132" name="PlaceHolder 3"/>
           <p:cNvSpPr>
             <a:spLocks noGrp="1"/>
           </p:cNvSpPr>
@@ -3058,7 +3062,7 @@
       </p:grpSpPr>
       <p:sp>
         <p:nvSpPr>
-          <p:cNvPr id="138" name="PlaceHolder 1"/>
+          <p:cNvPr id="133" name="PlaceHolder 1"/>
           <p:cNvSpPr>
             <a:spLocks noGrp="1"/>
           </p:cNvSpPr>
@@ -3089,7 +3093,7 @@
       </p:sp>
       <p:sp>
         <p:nvSpPr>
-          <p:cNvPr id="139" name="PlaceHolder 2"/>
+          <p:cNvPr id="134" name="PlaceHolder 2"/>
           <p:cNvSpPr>
             <a:spLocks noGrp="1"/>
           </p:cNvSpPr>
@@ -3119,7 +3123,7 @@
       </p:sp>
       <p:sp>
         <p:nvSpPr>
-          <p:cNvPr id="140" name="PlaceHolder 3"/>
+          <p:cNvPr id="135" name="PlaceHolder 3"/>
           <p:cNvSpPr>
             <a:spLocks noGrp="1"/>
           </p:cNvSpPr>
@@ -3149,7 +3153,7 @@
       </p:sp>
       <p:sp>
         <p:nvSpPr>
-          <p:cNvPr id="141" name="PlaceHolder 4"/>
+          <p:cNvPr id="136" name="PlaceHolder 4"/>
           <p:cNvSpPr>
             <a:spLocks noGrp="1"/>
           </p:cNvSpPr>
@@ -3179,7 +3183,7 @@
       </p:sp>
       <p:sp>
         <p:nvSpPr>
-          <p:cNvPr id="142" name="PlaceHolder 5"/>
+          <p:cNvPr id="137" name="PlaceHolder 5"/>
           <p:cNvSpPr>
             <a:spLocks noGrp="1"/>
           </p:cNvSpPr>
@@ -3231,7 +3235,7 @@
       </p:grpSpPr>
       <p:sp>
         <p:nvSpPr>
-          <p:cNvPr id="143" name="PlaceHolder 1"/>
+          <p:cNvPr id="138" name="PlaceHolder 1"/>
           <p:cNvSpPr>
             <a:spLocks noGrp="1"/>
           </p:cNvSpPr>
@@ -3262,7 +3266,7 @@
       </p:sp>
       <p:sp>
         <p:nvSpPr>
-          <p:cNvPr id="144" name="PlaceHolder 2"/>
+          <p:cNvPr id="139" name="PlaceHolder 2"/>
           <p:cNvSpPr>
             <a:spLocks noGrp="1"/>
           </p:cNvSpPr>
@@ -3292,7 +3296,7 @@
       </p:sp>
       <p:sp>
         <p:nvSpPr>
-          <p:cNvPr id="145" name="PlaceHolder 3"/>
+          <p:cNvPr id="140" name="PlaceHolder 3"/>
           <p:cNvSpPr>
             <a:spLocks noGrp="1"/>
           </p:cNvSpPr>
@@ -3322,7 +3326,7 @@
       </p:sp>
       <p:sp>
         <p:nvSpPr>
-          <p:cNvPr id="146" name="PlaceHolder 4"/>
+          <p:cNvPr id="141" name="PlaceHolder 4"/>
           <p:cNvSpPr>
             <a:spLocks noGrp="1"/>
           </p:cNvSpPr>
@@ -3352,7 +3356,7 @@
       </p:sp>
       <p:sp>
         <p:nvSpPr>
-          <p:cNvPr id="147" name="PlaceHolder 5"/>
+          <p:cNvPr id="142" name="PlaceHolder 5"/>
           <p:cNvSpPr>
             <a:spLocks noGrp="1"/>
           </p:cNvSpPr>
@@ -3382,7 +3386,7 @@
       </p:sp>
       <p:sp>
         <p:nvSpPr>
-          <p:cNvPr id="148" name="PlaceHolder 6"/>
+          <p:cNvPr id="143" name="PlaceHolder 6"/>
           <p:cNvSpPr>
             <a:spLocks noGrp="1"/>
           </p:cNvSpPr>
@@ -3412,7 +3416,7 @@
       </p:sp>
       <p:sp>
         <p:nvSpPr>
-          <p:cNvPr id="149" name="PlaceHolder 7"/>
+          <p:cNvPr id="144" name="PlaceHolder 7"/>
           <p:cNvSpPr>
             <a:spLocks noGrp="1"/>
           </p:cNvSpPr>
@@ -3486,7 +3490,7 @@
       </p:grpSpPr>
       <p:sp>
         <p:nvSpPr>
-          <p:cNvPr id="161" name="PlaceHolder 1"/>
+          <p:cNvPr id="156" name="PlaceHolder 1"/>
           <p:cNvSpPr>
             <a:spLocks noGrp="1"/>
           </p:cNvSpPr>
@@ -3517,7 +3521,7 @@
       </p:sp>
       <p:sp>
         <p:nvSpPr>
-          <p:cNvPr id="162" name="PlaceHolder 2"/>
+          <p:cNvPr id="157" name="PlaceHolder 2"/>
           <p:cNvSpPr>
             <a:spLocks noGrp="1"/>
           </p:cNvSpPr>
@@ -3570,7 +3574,7 @@
       </p:grpSpPr>
       <p:sp>
         <p:nvSpPr>
-          <p:cNvPr id="163" name="PlaceHolder 1"/>
+          <p:cNvPr id="158" name="PlaceHolder 1"/>
           <p:cNvSpPr>
             <a:spLocks noGrp="1"/>
           </p:cNvSpPr>
@@ -3601,7 +3605,7 @@
       </p:sp>
       <p:sp>
         <p:nvSpPr>
-          <p:cNvPr id="164" name="PlaceHolder 2"/>
+          <p:cNvPr id="159" name="PlaceHolder 2"/>
           <p:cNvSpPr>
             <a:spLocks noGrp="1"/>
           </p:cNvSpPr>
@@ -3766,7 +3770,7 @@
       </p:grpSpPr>
       <p:sp>
         <p:nvSpPr>
-          <p:cNvPr id="165" name="PlaceHolder 1"/>
+          <p:cNvPr id="160" name="PlaceHolder 1"/>
           <p:cNvSpPr>
             <a:spLocks noGrp="1"/>
           </p:cNvSpPr>
@@ -3797,7 +3801,7 @@
       </p:sp>
       <p:sp>
         <p:nvSpPr>
-          <p:cNvPr id="166" name="PlaceHolder 2"/>
+          <p:cNvPr id="161" name="PlaceHolder 2"/>
           <p:cNvSpPr>
             <a:spLocks noGrp="1"/>
           </p:cNvSpPr>
@@ -3827,7 +3831,7 @@
       </p:sp>
       <p:sp>
         <p:nvSpPr>
-          <p:cNvPr id="167" name="PlaceHolder 3"/>
+          <p:cNvPr id="162" name="PlaceHolder 3"/>
           <p:cNvSpPr>
             <a:spLocks noGrp="1"/>
           </p:cNvSpPr>
@@ -3879,7 +3883,7 @@
       </p:grpSpPr>
       <p:sp>
         <p:nvSpPr>
-          <p:cNvPr id="168" name="PlaceHolder 1"/>
+          <p:cNvPr id="163" name="PlaceHolder 1"/>
           <p:cNvSpPr>
             <a:spLocks noGrp="1"/>
           </p:cNvSpPr>
@@ -3932,7 +3936,7 @@
       </p:grpSpPr>
       <p:sp>
         <p:nvSpPr>
-          <p:cNvPr id="169" name="PlaceHolder 1"/>
+          <p:cNvPr id="164" name="PlaceHolder 1"/>
           <p:cNvSpPr>
             <a:spLocks noGrp="1"/>
           </p:cNvSpPr>
@@ -3985,7 +3989,7 @@
       </p:grpSpPr>
       <p:sp>
         <p:nvSpPr>
-          <p:cNvPr id="170" name="PlaceHolder 1"/>
+          <p:cNvPr id="165" name="PlaceHolder 1"/>
           <p:cNvSpPr>
             <a:spLocks noGrp="1"/>
           </p:cNvSpPr>
@@ -4016,7 +4020,7 @@
       </p:sp>
       <p:sp>
         <p:nvSpPr>
-          <p:cNvPr id="171" name="PlaceHolder 2"/>
+          <p:cNvPr id="166" name="PlaceHolder 2"/>
           <p:cNvSpPr>
             <a:spLocks noGrp="1"/>
           </p:cNvSpPr>
@@ -4046,7 +4050,7 @@
       </p:sp>
       <p:sp>
         <p:nvSpPr>
-          <p:cNvPr id="172" name="PlaceHolder 3"/>
+          <p:cNvPr id="167" name="PlaceHolder 3"/>
           <p:cNvSpPr>
             <a:spLocks noGrp="1"/>
           </p:cNvSpPr>
@@ -4076,7 +4080,7 @@
       </p:sp>
       <p:sp>
         <p:nvSpPr>
-          <p:cNvPr id="173" name="PlaceHolder 4"/>
+          <p:cNvPr id="168" name="PlaceHolder 4"/>
           <p:cNvSpPr>
             <a:spLocks noGrp="1"/>
           </p:cNvSpPr>
@@ -4128,7 +4132,7 @@
       </p:grpSpPr>
       <p:sp>
         <p:nvSpPr>
-          <p:cNvPr id="174" name="PlaceHolder 1"/>
+          <p:cNvPr id="169" name="PlaceHolder 1"/>
           <p:cNvSpPr>
             <a:spLocks noGrp="1"/>
           </p:cNvSpPr>
@@ -4159,7 +4163,7 @@
       </p:sp>
       <p:sp>
         <p:nvSpPr>
-          <p:cNvPr id="175" name="PlaceHolder 2"/>
+          <p:cNvPr id="170" name="PlaceHolder 2"/>
           <p:cNvSpPr>
             <a:spLocks noGrp="1"/>
           </p:cNvSpPr>
@@ -4189,7 +4193,7 @@
       </p:sp>
       <p:sp>
         <p:nvSpPr>
-          <p:cNvPr id="176" name="PlaceHolder 3"/>
+          <p:cNvPr id="171" name="PlaceHolder 3"/>
           <p:cNvSpPr>
             <a:spLocks noGrp="1"/>
           </p:cNvSpPr>
@@ -4219,7 +4223,7 @@
       </p:sp>
       <p:sp>
         <p:nvSpPr>
-          <p:cNvPr id="177" name="PlaceHolder 4"/>
+          <p:cNvPr id="172" name="PlaceHolder 4"/>
           <p:cNvSpPr>
             <a:spLocks noGrp="1"/>
           </p:cNvSpPr>
@@ -4271,7 +4275,7 @@
       </p:grpSpPr>
       <p:sp>
         <p:nvSpPr>
-          <p:cNvPr id="178" name="PlaceHolder 1"/>
+          <p:cNvPr id="173" name="PlaceHolder 1"/>
           <p:cNvSpPr>
             <a:spLocks noGrp="1"/>
           </p:cNvSpPr>
@@ -4302,7 +4306,7 @@
       </p:sp>
       <p:sp>
         <p:nvSpPr>
-          <p:cNvPr id="179" name="PlaceHolder 2"/>
+          <p:cNvPr id="174" name="PlaceHolder 2"/>
           <p:cNvSpPr>
             <a:spLocks noGrp="1"/>
           </p:cNvSpPr>
@@ -4332,7 +4336,7 @@
       </p:sp>
       <p:sp>
         <p:nvSpPr>
-          <p:cNvPr id="180" name="PlaceHolder 3"/>
+          <p:cNvPr id="175" name="PlaceHolder 3"/>
           <p:cNvSpPr>
             <a:spLocks noGrp="1"/>
           </p:cNvSpPr>
@@ -4362,7 +4366,7 @@
       </p:sp>
       <p:sp>
         <p:nvSpPr>
-          <p:cNvPr id="181" name="PlaceHolder 4"/>
+          <p:cNvPr id="176" name="PlaceHolder 4"/>
           <p:cNvSpPr>
             <a:spLocks noGrp="1"/>
           </p:cNvSpPr>
@@ -4414,7 +4418,7 @@
       </p:grpSpPr>
       <p:sp>
         <p:nvSpPr>
-          <p:cNvPr id="182" name="PlaceHolder 1"/>
+          <p:cNvPr id="177" name="PlaceHolder 1"/>
           <p:cNvSpPr>
             <a:spLocks noGrp="1"/>
           </p:cNvSpPr>
@@ -4445,7 +4449,7 @@
       </p:sp>
       <p:sp>
         <p:nvSpPr>
-          <p:cNvPr id="183" name="PlaceHolder 2"/>
+          <p:cNvPr id="178" name="PlaceHolder 2"/>
           <p:cNvSpPr>
             <a:spLocks noGrp="1"/>
           </p:cNvSpPr>
@@ -4475,7 +4479,7 @@
       </p:sp>
       <p:sp>
         <p:nvSpPr>
-          <p:cNvPr id="184" name="PlaceHolder 3"/>
+          <p:cNvPr id="179" name="PlaceHolder 3"/>
           <p:cNvSpPr>
             <a:spLocks noGrp="1"/>
           </p:cNvSpPr>
@@ -4527,7 +4531,7 @@
       </p:grpSpPr>
       <p:sp>
         <p:nvSpPr>
-          <p:cNvPr id="185" name="PlaceHolder 1"/>
+          <p:cNvPr id="180" name="PlaceHolder 1"/>
           <p:cNvSpPr>
             <a:spLocks noGrp="1"/>
           </p:cNvSpPr>
@@ -4558,7 +4562,7 @@
       </p:sp>
       <p:sp>
         <p:nvSpPr>
-          <p:cNvPr id="186" name="PlaceHolder 2"/>
+          <p:cNvPr id="181" name="PlaceHolder 2"/>
           <p:cNvSpPr>
             <a:spLocks noGrp="1"/>
           </p:cNvSpPr>
@@ -4588,7 +4592,7 @@
       </p:sp>
       <p:sp>
         <p:nvSpPr>
-          <p:cNvPr id="187" name="PlaceHolder 3"/>
+          <p:cNvPr id="182" name="PlaceHolder 3"/>
           <p:cNvSpPr>
             <a:spLocks noGrp="1"/>
           </p:cNvSpPr>
@@ -4618,7 +4622,7 @@
       </p:sp>
       <p:sp>
         <p:nvSpPr>
-          <p:cNvPr id="188" name="PlaceHolder 4"/>
+          <p:cNvPr id="183" name="PlaceHolder 4"/>
           <p:cNvSpPr>
             <a:spLocks noGrp="1"/>
           </p:cNvSpPr>
@@ -4648,7 +4652,7 @@
       </p:sp>
       <p:sp>
         <p:nvSpPr>
-          <p:cNvPr id="189" name="PlaceHolder 5"/>
+          <p:cNvPr id="184" name="PlaceHolder 5"/>
           <p:cNvSpPr>
             <a:spLocks noGrp="1"/>
           </p:cNvSpPr>
@@ -4700,7 +4704,7 @@
       </p:grpSpPr>
       <p:sp>
         <p:nvSpPr>
-          <p:cNvPr id="190" name="PlaceHolder 1"/>
+          <p:cNvPr id="185" name="PlaceHolder 1"/>
           <p:cNvSpPr>
             <a:spLocks noGrp="1"/>
           </p:cNvSpPr>
@@ -4731,7 +4735,7 @@
       </p:sp>
       <p:sp>
         <p:nvSpPr>
-          <p:cNvPr id="191" name="PlaceHolder 2"/>
+          <p:cNvPr id="186" name="PlaceHolder 2"/>
           <p:cNvSpPr>
             <a:spLocks noGrp="1"/>
           </p:cNvSpPr>
@@ -4761,7 +4765,7 @@
       </p:sp>
       <p:sp>
         <p:nvSpPr>
-          <p:cNvPr id="192" name="PlaceHolder 3"/>
+          <p:cNvPr id="187" name="PlaceHolder 3"/>
           <p:cNvSpPr>
             <a:spLocks noGrp="1"/>
           </p:cNvSpPr>
@@ -4791,7 +4795,7 @@
       </p:sp>
       <p:sp>
         <p:nvSpPr>
-          <p:cNvPr id="193" name="PlaceHolder 4"/>
+          <p:cNvPr id="188" name="PlaceHolder 4"/>
           <p:cNvSpPr>
             <a:spLocks noGrp="1"/>
           </p:cNvSpPr>
@@ -4821,7 +4825,7 @@
       </p:sp>
       <p:sp>
         <p:nvSpPr>
-          <p:cNvPr id="194" name="PlaceHolder 5"/>
+          <p:cNvPr id="189" name="PlaceHolder 5"/>
           <p:cNvSpPr>
             <a:spLocks noGrp="1"/>
           </p:cNvSpPr>
@@ -4851,7 +4855,7 @@
       </p:sp>
       <p:sp>
         <p:nvSpPr>
-          <p:cNvPr id="195" name="PlaceHolder 6"/>
+          <p:cNvPr id="190" name="PlaceHolder 6"/>
           <p:cNvSpPr>
             <a:spLocks noGrp="1"/>
           </p:cNvSpPr>
@@ -4881,7 +4885,7 @@
       </p:sp>
       <p:sp>
         <p:nvSpPr>
-          <p:cNvPr id="196" name="PlaceHolder 7"/>
+          <p:cNvPr id="191" name="PlaceHolder 7"/>
           <p:cNvSpPr>
             <a:spLocks noGrp="1"/>
           </p:cNvSpPr>
@@ -4909,6 +4913,28 @@
           </a:p>
         </p:txBody>
       </p:sp>
+    </p:spTree>
+  </p:cSld>
+</p:sldLayout>
+</file>
+
+<file path=ppt/slideLayouts/slideLayout49.xml><?xml version="1.0" encoding="utf-8"?>
+<p:sldLayout xmlns:a="http://schemas.openxmlformats.org/drawingml/2006/main" xmlns:p="http://schemas.openxmlformats.org/presentationml/2006/main" xmlns:r="http://schemas.openxmlformats.org/officeDocument/2006/relationships" xmlns:p14="http://schemas.microsoft.com/office/powerpoint/2010/main" xmlns:p15="http://schemas.microsoft.com/office/powerpoint/2012/main" xmlns:mc="http://schemas.openxmlformats.org/markup-compatibility/2006" type="blank" preserve="1">
+  <p:cSld name="Blank Slide">
+    <p:spTree>
+      <p:nvGrpSpPr>
+        <p:cNvPr id="1" name=""/>
+        <p:cNvGrpSpPr/>
+        <p:nvPr/>
+      </p:nvGrpSpPr>
+      <p:grpSpPr>
+        <a:xfrm>
+          <a:off x="0" y="0"/>
+          <a:ext cx="0" cy="0"/>
+          <a:chOff x="0" y="0"/>
+          <a:chExt cx="0" cy="0"/>
+        </a:xfrm>
+      </p:grpSpPr>
     </p:spTree>
   </p:cSld>
 </p:sldLayout>
@@ -4967,6 +4993,1107 @@
 </p:sldLayout>
 </file>
 
+<file path=ppt/slideLayouts/slideLayout50.xml><?xml version="1.0" encoding="utf-8"?>
+<p:sldLayout xmlns:a="http://schemas.openxmlformats.org/drawingml/2006/main" xmlns:p="http://schemas.openxmlformats.org/presentationml/2006/main" xmlns:r="http://schemas.openxmlformats.org/officeDocument/2006/relationships" xmlns:p14="http://schemas.microsoft.com/office/powerpoint/2010/main" xmlns:p15="http://schemas.microsoft.com/office/powerpoint/2012/main" xmlns:mc="http://schemas.openxmlformats.org/markup-compatibility/2006" type="tx" preserve="1">
+  <p:cSld name="Title Slide">
+    <p:spTree>
+      <p:nvGrpSpPr>
+        <p:cNvPr id="1" name=""/>
+        <p:cNvGrpSpPr/>
+        <p:nvPr/>
+      </p:nvGrpSpPr>
+      <p:grpSpPr>
+        <a:xfrm>
+          <a:off x="0" y="0"/>
+          <a:ext cx="0" cy="0"/>
+          <a:chOff x="0" y="0"/>
+          <a:chExt cx="0" cy="0"/>
+        </a:xfrm>
+      </p:grpSpPr>
+      <p:sp>
+        <p:nvSpPr>
+          <p:cNvPr id="203" name="PlaceHolder 1"/>
+          <p:cNvSpPr>
+            <a:spLocks noGrp="1"/>
+          </p:cNvSpPr>
+          <p:nvPr>
+            <p:ph type="title"/>
+          </p:nvPr>
+        </p:nvSpPr>
+        <p:spPr>
+          <a:xfrm>
+            <a:off x="540000" y="270000"/>
+            <a:ext cx="8999640" cy="989640"/>
+          </a:xfrm>
+          <a:prstGeom prst="rect">
+            <a:avLst/>
+          </a:prstGeom>
+        </p:spPr>
+        <p:txBody>
+          <a:bodyPr lIns="0" rIns="0" tIns="0" bIns="0" anchor="ctr">
+            <a:noAutofit/>
+          </a:bodyPr>
+          <a:p>
+            <a:pPr algn="ctr"/>
+            <a:endParaRPr b="0" lang="en-US" sz="4400" spc="-1" strike="noStrike">
+              <a:latin typeface="Arial"/>
+            </a:endParaRPr>
+          </a:p>
+        </p:txBody>
+      </p:sp>
+      <p:sp>
+        <p:nvSpPr>
+          <p:cNvPr id="204" name="PlaceHolder 2"/>
+          <p:cNvSpPr>
+            <a:spLocks noGrp="1"/>
+          </p:cNvSpPr>
+          <p:nvPr>
+            <p:ph type="subTitle"/>
+          </p:nvPr>
+        </p:nvSpPr>
+        <p:spPr>
+          <a:xfrm>
+            <a:off x="540000" y="1440000"/>
+            <a:ext cx="8999640" cy="3599640"/>
+          </a:xfrm>
+          <a:prstGeom prst="rect">
+            <a:avLst/>
+          </a:prstGeom>
+        </p:spPr>
+        <p:txBody>
+          <a:bodyPr lIns="0" rIns="0" tIns="0" bIns="0" anchor="ctr">
+            <a:noAutofit/>
+          </a:bodyPr>
+          <a:p>
+            <a:pPr algn="ctr"/>
+            <a:endParaRPr b="0" lang="en-US" sz="3200" spc="-1" strike="noStrike">
+              <a:latin typeface="Arial"/>
+            </a:endParaRPr>
+          </a:p>
+        </p:txBody>
+      </p:sp>
+    </p:spTree>
+  </p:cSld>
+</p:sldLayout>
+</file>
+
+<file path=ppt/slideLayouts/slideLayout51.xml><?xml version="1.0" encoding="utf-8"?>
+<p:sldLayout xmlns:a="http://schemas.openxmlformats.org/drawingml/2006/main" xmlns:p="http://schemas.openxmlformats.org/presentationml/2006/main" xmlns:r="http://schemas.openxmlformats.org/officeDocument/2006/relationships" xmlns:p14="http://schemas.microsoft.com/office/powerpoint/2010/main" xmlns:p15="http://schemas.microsoft.com/office/powerpoint/2012/main" xmlns:mc="http://schemas.openxmlformats.org/markup-compatibility/2006" type="obj" preserve="1">
+  <p:cSld name="Title, Content">
+    <p:spTree>
+      <p:nvGrpSpPr>
+        <p:cNvPr id="1" name=""/>
+        <p:cNvGrpSpPr/>
+        <p:nvPr/>
+      </p:nvGrpSpPr>
+      <p:grpSpPr>
+        <a:xfrm>
+          <a:off x="0" y="0"/>
+          <a:ext cx="0" cy="0"/>
+          <a:chOff x="0" y="0"/>
+          <a:chExt cx="0" cy="0"/>
+        </a:xfrm>
+      </p:grpSpPr>
+      <p:sp>
+        <p:nvSpPr>
+          <p:cNvPr id="205" name="PlaceHolder 1"/>
+          <p:cNvSpPr>
+            <a:spLocks noGrp="1"/>
+          </p:cNvSpPr>
+          <p:nvPr>
+            <p:ph type="title"/>
+          </p:nvPr>
+        </p:nvSpPr>
+        <p:spPr>
+          <a:xfrm>
+            <a:off x="540000" y="270000"/>
+            <a:ext cx="8999640" cy="989640"/>
+          </a:xfrm>
+          <a:prstGeom prst="rect">
+            <a:avLst/>
+          </a:prstGeom>
+        </p:spPr>
+        <p:txBody>
+          <a:bodyPr lIns="0" rIns="0" tIns="0" bIns="0" anchor="ctr">
+            <a:noAutofit/>
+          </a:bodyPr>
+          <a:p>
+            <a:pPr algn="ctr"/>
+            <a:endParaRPr b="0" lang="en-US" sz="4400" spc="-1" strike="noStrike">
+              <a:latin typeface="Arial"/>
+            </a:endParaRPr>
+          </a:p>
+        </p:txBody>
+      </p:sp>
+      <p:sp>
+        <p:nvSpPr>
+          <p:cNvPr id="206" name="PlaceHolder 2"/>
+          <p:cNvSpPr>
+            <a:spLocks noGrp="1"/>
+          </p:cNvSpPr>
+          <p:nvPr>
+            <p:ph type="body"/>
+          </p:nvPr>
+        </p:nvSpPr>
+        <p:spPr>
+          <a:xfrm>
+            <a:off x="540000" y="1440000"/>
+            <a:ext cx="8999640" cy="3599640"/>
+          </a:xfrm>
+          <a:prstGeom prst="rect">
+            <a:avLst/>
+          </a:prstGeom>
+        </p:spPr>
+        <p:txBody>
+          <a:bodyPr lIns="0" rIns="0" tIns="0" bIns="0">
+            <a:normAutofit/>
+          </a:bodyPr>
+          <a:p>
+            <a:endParaRPr b="0" lang="en-US" sz="3200" spc="-1" strike="noStrike">
+              <a:latin typeface="Arial"/>
+            </a:endParaRPr>
+          </a:p>
+        </p:txBody>
+      </p:sp>
+    </p:spTree>
+  </p:cSld>
+</p:sldLayout>
+</file>
+
+<file path=ppt/slideLayouts/slideLayout52.xml><?xml version="1.0" encoding="utf-8"?>
+<p:sldLayout xmlns:a="http://schemas.openxmlformats.org/drawingml/2006/main" xmlns:p="http://schemas.openxmlformats.org/presentationml/2006/main" xmlns:r="http://schemas.openxmlformats.org/officeDocument/2006/relationships" xmlns:p14="http://schemas.microsoft.com/office/powerpoint/2010/main" xmlns:p15="http://schemas.microsoft.com/office/powerpoint/2012/main" xmlns:mc="http://schemas.openxmlformats.org/markup-compatibility/2006" type="twoObj" preserve="1">
+  <p:cSld name="Title, 2 Content">
+    <p:spTree>
+      <p:nvGrpSpPr>
+        <p:cNvPr id="1" name=""/>
+        <p:cNvGrpSpPr/>
+        <p:nvPr/>
+      </p:nvGrpSpPr>
+      <p:grpSpPr>
+        <a:xfrm>
+          <a:off x="0" y="0"/>
+          <a:ext cx="0" cy="0"/>
+          <a:chOff x="0" y="0"/>
+          <a:chExt cx="0" cy="0"/>
+        </a:xfrm>
+      </p:grpSpPr>
+      <p:sp>
+        <p:nvSpPr>
+          <p:cNvPr id="207" name="PlaceHolder 1"/>
+          <p:cNvSpPr>
+            <a:spLocks noGrp="1"/>
+          </p:cNvSpPr>
+          <p:nvPr>
+            <p:ph type="title"/>
+          </p:nvPr>
+        </p:nvSpPr>
+        <p:spPr>
+          <a:xfrm>
+            <a:off x="540000" y="270000"/>
+            <a:ext cx="8999640" cy="989640"/>
+          </a:xfrm>
+          <a:prstGeom prst="rect">
+            <a:avLst/>
+          </a:prstGeom>
+        </p:spPr>
+        <p:txBody>
+          <a:bodyPr lIns="0" rIns="0" tIns="0" bIns="0" anchor="ctr">
+            <a:noAutofit/>
+          </a:bodyPr>
+          <a:p>
+            <a:pPr algn="ctr"/>
+            <a:endParaRPr b="0" lang="en-US" sz="4400" spc="-1" strike="noStrike">
+              <a:latin typeface="Arial"/>
+            </a:endParaRPr>
+          </a:p>
+        </p:txBody>
+      </p:sp>
+      <p:sp>
+        <p:nvSpPr>
+          <p:cNvPr id="208" name="PlaceHolder 2"/>
+          <p:cNvSpPr>
+            <a:spLocks noGrp="1"/>
+          </p:cNvSpPr>
+          <p:nvPr>
+            <p:ph type="body"/>
+          </p:nvPr>
+        </p:nvSpPr>
+        <p:spPr>
+          <a:xfrm>
+            <a:off x="540000" y="1440000"/>
+            <a:ext cx="4391640" cy="3599640"/>
+          </a:xfrm>
+          <a:prstGeom prst="rect">
+            <a:avLst/>
+          </a:prstGeom>
+        </p:spPr>
+        <p:txBody>
+          <a:bodyPr lIns="0" rIns="0" tIns="0" bIns="0">
+            <a:normAutofit/>
+          </a:bodyPr>
+          <a:p>
+            <a:endParaRPr b="0" lang="en-US" sz="3200" spc="-1" strike="noStrike">
+              <a:latin typeface="Arial"/>
+            </a:endParaRPr>
+          </a:p>
+        </p:txBody>
+      </p:sp>
+      <p:sp>
+        <p:nvSpPr>
+          <p:cNvPr id="209" name="PlaceHolder 3"/>
+          <p:cNvSpPr>
+            <a:spLocks noGrp="1"/>
+          </p:cNvSpPr>
+          <p:nvPr>
+            <p:ph type="body"/>
+          </p:nvPr>
+        </p:nvSpPr>
+        <p:spPr>
+          <a:xfrm>
+            <a:off x="5151600" y="1440000"/>
+            <a:ext cx="4391640" cy="3599640"/>
+          </a:xfrm>
+          <a:prstGeom prst="rect">
+            <a:avLst/>
+          </a:prstGeom>
+        </p:spPr>
+        <p:txBody>
+          <a:bodyPr lIns="0" rIns="0" tIns="0" bIns="0">
+            <a:normAutofit/>
+          </a:bodyPr>
+          <a:p>
+            <a:endParaRPr b="0" lang="en-US" sz="3200" spc="-1" strike="noStrike">
+              <a:latin typeface="Arial"/>
+            </a:endParaRPr>
+          </a:p>
+        </p:txBody>
+      </p:sp>
+    </p:spTree>
+  </p:cSld>
+</p:sldLayout>
+</file>
+
+<file path=ppt/slideLayouts/slideLayout53.xml><?xml version="1.0" encoding="utf-8"?>
+<p:sldLayout xmlns:a="http://schemas.openxmlformats.org/drawingml/2006/main" xmlns:p="http://schemas.openxmlformats.org/presentationml/2006/main" xmlns:r="http://schemas.openxmlformats.org/officeDocument/2006/relationships" xmlns:p14="http://schemas.microsoft.com/office/powerpoint/2010/main" xmlns:p15="http://schemas.microsoft.com/office/powerpoint/2012/main" xmlns:mc="http://schemas.openxmlformats.org/markup-compatibility/2006" type="titleOnly" preserve="1">
+  <p:cSld name="Title Only">
+    <p:spTree>
+      <p:nvGrpSpPr>
+        <p:cNvPr id="1" name=""/>
+        <p:cNvGrpSpPr/>
+        <p:nvPr/>
+      </p:nvGrpSpPr>
+      <p:grpSpPr>
+        <a:xfrm>
+          <a:off x="0" y="0"/>
+          <a:ext cx="0" cy="0"/>
+          <a:chOff x="0" y="0"/>
+          <a:chExt cx="0" cy="0"/>
+        </a:xfrm>
+      </p:grpSpPr>
+      <p:sp>
+        <p:nvSpPr>
+          <p:cNvPr id="210" name="PlaceHolder 1"/>
+          <p:cNvSpPr>
+            <a:spLocks noGrp="1"/>
+          </p:cNvSpPr>
+          <p:nvPr>
+            <p:ph type="title"/>
+          </p:nvPr>
+        </p:nvSpPr>
+        <p:spPr>
+          <a:xfrm>
+            <a:off x="540000" y="270000"/>
+            <a:ext cx="8999640" cy="989640"/>
+          </a:xfrm>
+          <a:prstGeom prst="rect">
+            <a:avLst/>
+          </a:prstGeom>
+        </p:spPr>
+        <p:txBody>
+          <a:bodyPr lIns="0" rIns="0" tIns="0" bIns="0" anchor="ctr">
+            <a:noAutofit/>
+          </a:bodyPr>
+          <a:p>
+            <a:pPr algn="ctr"/>
+            <a:endParaRPr b="0" lang="en-US" sz="4400" spc="-1" strike="noStrike">
+              <a:latin typeface="Arial"/>
+            </a:endParaRPr>
+          </a:p>
+        </p:txBody>
+      </p:sp>
+    </p:spTree>
+  </p:cSld>
+</p:sldLayout>
+</file>
+
+<file path=ppt/slideLayouts/slideLayout54.xml><?xml version="1.0" encoding="utf-8"?>
+<p:sldLayout xmlns:a="http://schemas.openxmlformats.org/drawingml/2006/main" xmlns:p="http://schemas.openxmlformats.org/presentationml/2006/main" xmlns:r="http://schemas.openxmlformats.org/officeDocument/2006/relationships" xmlns:p14="http://schemas.microsoft.com/office/powerpoint/2010/main" xmlns:p15="http://schemas.microsoft.com/office/powerpoint/2012/main" xmlns:mc="http://schemas.openxmlformats.org/markup-compatibility/2006" type="objOnly" preserve="1">
+  <p:cSld name="Centered Text">
+    <p:spTree>
+      <p:nvGrpSpPr>
+        <p:cNvPr id="1" name=""/>
+        <p:cNvGrpSpPr/>
+        <p:nvPr/>
+      </p:nvGrpSpPr>
+      <p:grpSpPr>
+        <a:xfrm>
+          <a:off x="0" y="0"/>
+          <a:ext cx="0" cy="0"/>
+          <a:chOff x="0" y="0"/>
+          <a:chExt cx="0" cy="0"/>
+        </a:xfrm>
+      </p:grpSpPr>
+      <p:sp>
+        <p:nvSpPr>
+          <p:cNvPr id="211" name="PlaceHolder 1"/>
+          <p:cNvSpPr>
+            <a:spLocks noGrp="1"/>
+          </p:cNvSpPr>
+          <p:nvPr>
+            <p:ph type="subTitle"/>
+          </p:nvPr>
+        </p:nvSpPr>
+        <p:spPr>
+          <a:xfrm>
+            <a:off x="540000" y="270000"/>
+            <a:ext cx="8999640" cy="4588560"/>
+          </a:xfrm>
+          <a:prstGeom prst="rect">
+            <a:avLst/>
+          </a:prstGeom>
+        </p:spPr>
+        <p:txBody>
+          <a:bodyPr lIns="0" rIns="0" tIns="0" bIns="0" anchor="ctr">
+            <a:noAutofit/>
+          </a:bodyPr>
+          <a:p>
+            <a:pPr algn="ctr"/>
+            <a:endParaRPr b="0" lang="en-US" sz="3200" spc="-1" strike="noStrike">
+              <a:latin typeface="Arial"/>
+            </a:endParaRPr>
+          </a:p>
+        </p:txBody>
+      </p:sp>
+    </p:spTree>
+  </p:cSld>
+</p:sldLayout>
+</file>
+
+<file path=ppt/slideLayouts/slideLayout55.xml><?xml version="1.0" encoding="utf-8"?>
+<p:sldLayout xmlns:a="http://schemas.openxmlformats.org/drawingml/2006/main" xmlns:p="http://schemas.openxmlformats.org/presentationml/2006/main" xmlns:r="http://schemas.openxmlformats.org/officeDocument/2006/relationships" xmlns:p14="http://schemas.microsoft.com/office/powerpoint/2010/main" xmlns:p15="http://schemas.microsoft.com/office/powerpoint/2012/main" xmlns:mc="http://schemas.openxmlformats.org/markup-compatibility/2006" type="twoObjAndObj" preserve="1">
+  <p:cSld name="Title, 2 Content and Content">
+    <p:spTree>
+      <p:nvGrpSpPr>
+        <p:cNvPr id="1" name=""/>
+        <p:cNvGrpSpPr/>
+        <p:nvPr/>
+      </p:nvGrpSpPr>
+      <p:grpSpPr>
+        <a:xfrm>
+          <a:off x="0" y="0"/>
+          <a:ext cx="0" cy="0"/>
+          <a:chOff x="0" y="0"/>
+          <a:chExt cx="0" cy="0"/>
+        </a:xfrm>
+      </p:grpSpPr>
+      <p:sp>
+        <p:nvSpPr>
+          <p:cNvPr id="212" name="PlaceHolder 1"/>
+          <p:cNvSpPr>
+            <a:spLocks noGrp="1"/>
+          </p:cNvSpPr>
+          <p:nvPr>
+            <p:ph type="title"/>
+          </p:nvPr>
+        </p:nvSpPr>
+        <p:spPr>
+          <a:xfrm>
+            <a:off x="540000" y="270000"/>
+            <a:ext cx="8999640" cy="989640"/>
+          </a:xfrm>
+          <a:prstGeom prst="rect">
+            <a:avLst/>
+          </a:prstGeom>
+        </p:spPr>
+        <p:txBody>
+          <a:bodyPr lIns="0" rIns="0" tIns="0" bIns="0" anchor="ctr">
+            <a:noAutofit/>
+          </a:bodyPr>
+          <a:p>
+            <a:pPr algn="ctr"/>
+            <a:endParaRPr b="0" lang="en-US" sz="4400" spc="-1" strike="noStrike">
+              <a:latin typeface="Arial"/>
+            </a:endParaRPr>
+          </a:p>
+        </p:txBody>
+      </p:sp>
+      <p:sp>
+        <p:nvSpPr>
+          <p:cNvPr id="213" name="PlaceHolder 2"/>
+          <p:cNvSpPr>
+            <a:spLocks noGrp="1"/>
+          </p:cNvSpPr>
+          <p:nvPr>
+            <p:ph type="body"/>
+          </p:nvPr>
+        </p:nvSpPr>
+        <p:spPr>
+          <a:xfrm>
+            <a:off x="540000" y="1440000"/>
+            <a:ext cx="4391640" cy="1716840"/>
+          </a:xfrm>
+          <a:prstGeom prst="rect">
+            <a:avLst/>
+          </a:prstGeom>
+        </p:spPr>
+        <p:txBody>
+          <a:bodyPr lIns="0" rIns="0" tIns="0" bIns="0">
+            <a:normAutofit/>
+          </a:bodyPr>
+          <a:p>
+            <a:endParaRPr b="0" lang="en-US" sz="3200" spc="-1" strike="noStrike">
+              <a:latin typeface="Arial"/>
+            </a:endParaRPr>
+          </a:p>
+        </p:txBody>
+      </p:sp>
+      <p:sp>
+        <p:nvSpPr>
+          <p:cNvPr id="214" name="PlaceHolder 3"/>
+          <p:cNvSpPr>
+            <a:spLocks noGrp="1"/>
+          </p:cNvSpPr>
+          <p:nvPr>
+            <p:ph type="body"/>
+          </p:nvPr>
+        </p:nvSpPr>
+        <p:spPr>
+          <a:xfrm>
+            <a:off x="5151600" y="1440000"/>
+            <a:ext cx="4391640" cy="3599640"/>
+          </a:xfrm>
+          <a:prstGeom prst="rect">
+            <a:avLst/>
+          </a:prstGeom>
+        </p:spPr>
+        <p:txBody>
+          <a:bodyPr lIns="0" rIns="0" tIns="0" bIns="0">
+            <a:normAutofit/>
+          </a:bodyPr>
+          <a:p>
+            <a:endParaRPr b="0" lang="en-US" sz="3200" spc="-1" strike="noStrike">
+              <a:latin typeface="Arial"/>
+            </a:endParaRPr>
+          </a:p>
+        </p:txBody>
+      </p:sp>
+      <p:sp>
+        <p:nvSpPr>
+          <p:cNvPr id="215" name="PlaceHolder 4"/>
+          <p:cNvSpPr>
+            <a:spLocks noGrp="1"/>
+          </p:cNvSpPr>
+          <p:nvPr>
+            <p:ph type="body"/>
+          </p:nvPr>
+        </p:nvSpPr>
+        <p:spPr>
+          <a:xfrm>
+            <a:off x="540000" y="3320280"/>
+            <a:ext cx="4391640" cy="1716840"/>
+          </a:xfrm>
+          <a:prstGeom prst="rect">
+            <a:avLst/>
+          </a:prstGeom>
+        </p:spPr>
+        <p:txBody>
+          <a:bodyPr lIns="0" rIns="0" tIns="0" bIns="0">
+            <a:normAutofit/>
+          </a:bodyPr>
+          <a:p>
+            <a:endParaRPr b="0" lang="en-US" sz="3200" spc="-1" strike="noStrike">
+              <a:latin typeface="Arial"/>
+            </a:endParaRPr>
+          </a:p>
+        </p:txBody>
+      </p:sp>
+    </p:spTree>
+  </p:cSld>
+</p:sldLayout>
+</file>
+
+<file path=ppt/slideLayouts/slideLayout56.xml><?xml version="1.0" encoding="utf-8"?>
+<p:sldLayout xmlns:a="http://schemas.openxmlformats.org/drawingml/2006/main" xmlns:p="http://schemas.openxmlformats.org/presentationml/2006/main" xmlns:r="http://schemas.openxmlformats.org/officeDocument/2006/relationships" xmlns:p14="http://schemas.microsoft.com/office/powerpoint/2010/main" xmlns:p15="http://schemas.microsoft.com/office/powerpoint/2012/main" xmlns:mc="http://schemas.openxmlformats.org/markup-compatibility/2006" type="objAndTwoObj" preserve="1">
+  <p:cSld name="Title Content and 2 Content">
+    <p:spTree>
+      <p:nvGrpSpPr>
+        <p:cNvPr id="1" name=""/>
+        <p:cNvGrpSpPr/>
+        <p:nvPr/>
+      </p:nvGrpSpPr>
+      <p:grpSpPr>
+        <a:xfrm>
+          <a:off x="0" y="0"/>
+          <a:ext cx="0" cy="0"/>
+          <a:chOff x="0" y="0"/>
+          <a:chExt cx="0" cy="0"/>
+        </a:xfrm>
+      </p:grpSpPr>
+      <p:sp>
+        <p:nvSpPr>
+          <p:cNvPr id="216" name="PlaceHolder 1"/>
+          <p:cNvSpPr>
+            <a:spLocks noGrp="1"/>
+          </p:cNvSpPr>
+          <p:nvPr>
+            <p:ph type="title"/>
+          </p:nvPr>
+        </p:nvSpPr>
+        <p:spPr>
+          <a:xfrm>
+            <a:off x="540000" y="270000"/>
+            <a:ext cx="8999640" cy="989640"/>
+          </a:xfrm>
+          <a:prstGeom prst="rect">
+            <a:avLst/>
+          </a:prstGeom>
+        </p:spPr>
+        <p:txBody>
+          <a:bodyPr lIns="0" rIns="0" tIns="0" bIns="0" anchor="ctr">
+            <a:noAutofit/>
+          </a:bodyPr>
+          <a:p>
+            <a:pPr algn="ctr"/>
+            <a:endParaRPr b="0" lang="en-US" sz="4400" spc="-1" strike="noStrike">
+              <a:latin typeface="Arial"/>
+            </a:endParaRPr>
+          </a:p>
+        </p:txBody>
+      </p:sp>
+      <p:sp>
+        <p:nvSpPr>
+          <p:cNvPr id="217" name="PlaceHolder 2"/>
+          <p:cNvSpPr>
+            <a:spLocks noGrp="1"/>
+          </p:cNvSpPr>
+          <p:nvPr>
+            <p:ph type="body"/>
+          </p:nvPr>
+        </p:nvSpPr>
+        <p:spPr>
+          <a:xfrm>
+            <a:off x="540000" y="1440000"/>
+            <a:ext cx="4391640" cy="3599640"/>
+          </a:xfrm>
+          <a:prstGeom prst="rect">
+            <a:avLst/>
+          </a:prstGeom>
+        </p:spPr>
+        <p:txBody>
+          <a:bodyPr lIns="0" rIns="0" tIns="0" bIns="0">
+            <a:normAutofit/>
+          </a:bodyPr>
+          <a:p>
+            <a:endParaRPr b="0" lang="en-US" sz="3200" spc="-1" strike="noStrike">
+              <a:latin typeface="Arial"/>
+            </a:endParaRPr>
+          </a:p>
+        </p:txBody>
+      </p:sp>
+      <p:sp>
+        <p:nvSpPr>
+          <p:cNvPr id="218" name="PlaceHolder 3"/>
+          <p:cNvSpPr>
+            <a:spLocks noGrp="1"/>
+          </p:cNvSpPr>
+          <p:nvPr>
+            <p:ph type="body"/>
+          </p:nvPr>
+        </p:nvSpPr>
+        <p:spPr>
+          <a:xfrm>
+            <a:off x="5151600" y="1440000"/>
+            <a:ext cx="4391640" cy="1716840"/>
+          </a:xfrm>
+          <a:prstGeom prst="rect">
+            <a:avLst/>
+          </a:prstGeom>
+        </p:spPr>
+        <p:txBody>
+          <a:bodyPr lIns="0" rIns="0" tIns="0" bIns="0">
+            <a:normAutofit/>
+          </a:bodyPr>
+          <a:p>
+            <a:endParaRPr b="0" lang="en-US" sz="3200" spc="-1" strike="noStrike">
+              <a:latin typeface="Arial"/>
+            </a:endParaRPr>
+          </a:p>
+        </p:txBody>
+      </p:sp>
+      <p:sp>
+        <p:nvSpPr>
+          <p:cNvPr id="219" name="PlaceHolder 4"/>
+          <p:cNvSpPr>
+            <a:spLocks noGrp="1"/>
+          </p:cNvSpPr>
+          <p:nvPr>
+            <p:ph type="body"/>
+          </p:nvPr>
+        </p:nvSpPr>
+        <p:spPr>
+          <a:xfrm>
+            <a:off x="5151600" y="3320280"/>
+            <a:ext cx="4391640" cy="1716840"/>
+          </a:xfrm>
+          <a:prstGeom prst="rect">
+            <a:avLst/>
+          </a:prstGeom>
+        </p:spPr>
+        <p:txBody>
+          <a:bodyPr lIns="0" rIns="0" tIns="0" bIns="0">
+            <a:normAutofit/>
+          </a:bodyPr>
+          <a:p>
+            <a:endParaRPr b="0" lang="en-US" sz="3200" spc="-1" strike="noStrike">
+              <a:latin typeface="Arial"/>
+            </a:endParaRPr>
+          </a:p>
+        </p:txBody>
+      </p:sp>
+    </p:spTree>
+  </p:cSld>
+</p:sldLayout>
+</file>
+
+<file path=ppt/slideLayouts/slideLayout57.xml><?xml version="1.0" encoding="utf-8"?>
+<p:sldLayout xmlns:a="http://schemas.openxmlformats.org/drawingml/2006/main" xmlns:p="http://schemas.openxmlformats.org/presentationml/2006/main" xmlns:r="http://schemas.openxmlformats.org/officeDocument/2006/relationships" xmlns:p14="http://schemas.microsoft.com/office/powerpoint/2010/main" xmlns:p15="http://schemas.microsoft.com/office/powerpoint/2012/main" xmlns:mc="http://schemas.openxmlformats.org/markup-compatibility/2006" type="twoObjOverTx" preserve="1">
+  <p:cSld name="Title, 2 Content over Content">
+    <p:spTree>
+      <p:nvGrpSpPr>
+        <p:cNvPr id="1" name=""/>
+        <p:cNvGrpSpPr/>
+        <p:nvPr/>
+      </p:nvGrpSpPr>
+      <p:grpSpPr>
+        <a:xfrm>
+          <a:off x="0" y="0"/>
+          <a:ext cx="0" cy="0"/>
+          <a:chOff x="0" y="0"/>
+          <a:chExt cx="0" cy="0"/>
+        </a:xfrm>
+      </p:grpSpPr>
+      <p:sp>
+        <p:nvSpPr>
+          <p:cNvPr id="220" name="PlaceHolder 1"/>
+          <p:cNvSpPr>
+            <a:spLocks noGrp="1"/>
+          </p:cNvSpPr>
+          <p:nvPr>
+            <p:ph type="title"/>
+          </p:nvPr>
+        </p:nvSpPr>
+        <p:spPr>
+          <a:xfrm>
+            <a:off x="540000" y="270000"/>
+            <a:ext cx="8999640" cy="989640"/>
+          </a:xfrm>
+          <a:prstGeom prst="rect">
+            <a:avLst/>
+          </a:prstGeom>
+        </p:spPr>
+        <p:txBody>
+          <a:bodyPr lIns="0" rIns="0" tIns="0" bIns="0" anchor="ctr">
+            <a:noAutofit/>
+          </a:bodyPr>
+          <a:p>
+            <a:pPr algn="ctr"/>
+            <a:endParaRPr b="0" lang="en-US" sz="4400" spc="-1" strike="noStrike">
+              <a:latin typeface="Arial"/>
+            </a:endParaRPr>
+          </a:p>
+        </p:txBody>
+      </p:sp>
+      <p:sp>
+        <p:nvSpPr>
+          <p:cNvPr id="221" name="PlaceHolder 2"/>
+          <p:cNvSpPr>
+            <a:spLocks noGrp="1"/>
+          </p:cNvSpPr>
+          <p:nvPr>
+            <p:ph type="body"/>
+          </p:nvPr>
+        </p:nvSpPr>
+        <p:spPr>
+          <a:xfrm>
+            <a:off x="540000" y="1440000"/>
+            <a:ext cx="4391640" cy="1716840"/>
+          </a:xfrm>
+          <a:prstGeom prst="rect">
+            <a:avLst/>
+          </a:prstGeom>
+        </p:spPr>
+        <p:txBody>
+          <a:bodyPr lIns="0" rIns="0" tIns="0" bIns="0">
+            <a:normAutofit/>
+          </a:bodyPr>
+          <a:p>
+            <a:endParaRPr b="0" lang="en-US" sz="3200" spc="-1" strike="noStrike">
+              <a:latin typeface="Arial"/>
+            </a:endParaRPr>
+          </a:p>
+        </p:txBody>
+      </p:sp>
+      <p:sp>
+        <p:nvSpPr>
+          <p:cNvPr id="222" name="PlaceHolder 3"/>
+          <p:cNvSpPr>
+            <a:spLocks noGrp="1"/>
+          </p:cNvSpPr>
+          <p:nvPr>
+            <p:ph type="body"/>
+          </p:nvPr>
+        </p:nvSpPr>
+        <p:spPr>
+          <a:xfrm>
+            <a:off x="5151600" y="1440000"/>
+            <a:ext cx="4391640" cy="1716840"/>
+          </a:xfrm>
+          <a:prstGeom prst="rect">
+            <a:avLst/>
+          </a:prstGeom>
+        </p:spPr>
+        <p:txBody>
+          <a:bodyPr lIns="0" rIns="0" tIns="0" bIns="0">
+            <a:normAutofit/>
+          </a:bodyPr>
+          <a:p>
+            <a:endParaRPr b="0" lang="en-US" sz="3200" spc="-1" strike="noStrike">
+              <a:latin typeface="Arial"/>
+            </a:endParaRPr>
+          </a:p>
+        </p:txBody>
+      </p:sp>
+      <p:sp>
+        <p:nvSpPr>
+          <p:cNvPr id="223" name="PlaceHolder 4"/>
+          <p:cNvSpPr>
+            <a:spLocks noGrp="1"/>
+          </p:cNvSpPr>
+          <p:nvPr>
+            <p:ph type="body"/>
+          </p:nvPr>
+        </p:nvSpPr>
+        <p:spPr>
+          <a:xfrm>
+            <a:off x="540000" y="3320280"/>
+            <a:ext cx="8999640" cy="1716840"/>
+          </a:xfrm>
+          <a:prstGeom prst="rect">
+            <a:avLst/>
+          </a:prstGeom>
+        </p:spPr>
+        <p:txBody>
+          <a:bodyPr lIns="0" rIns="0" tIns="0" bIns="0">
+            <a:normAutofit/>
+          </a:bodyPr>
+          <a:p>
+            <a:endParaRPr b="0" lang="en-US" sz="3200" spc="-1" strike="noStrike">
+              <a:latin typeface="Arial"/>
+            </a:endParaRPr>
+          </a:p>
+        </p:txBody>
+      </p:sp>
+    </p:spTree>
+  </p:cSld>
+</p:sldLayout>
+</file>
+
+<file path=ppt/slideLayouts/slideLayout58.xml><?xml version="1.0" encoding="utf-8"?>
+<p:sldLayout xmlns:a="http://schemas.openxmlformats.org/drawingml/2006/main" xmlns:p="http://schemas.openxmlformats.org/presentationml/2006/main" xmlns:r="http://schemas.openxmlformats.org/officeDocument/2006/relationships" xmlns:p14="http://schemas.microsoft.com/office/powerpoint/2010/main" xmlns:p15="http://schemas.microsoft.com/office/powerpoint/2012/main" xmlns:mc="http://schemas.openxmlformats.org/markup-compatibility/2006" type="objOverTx" preserve="1">
+  <p:cSld name="Title, Content over Content">
+    <p:spTree>
+      <p:nvGrpSpPr>
+        <p:cNvPr id="1" name=""/>
+        <p:cNvGrpSpPr/>
+        <p:nvPr/>
+      </p:nvGrpSpPr>
+      <p:grpSpPr>
+        <a:xfrm>
+          <a:off x="0" y="0"/>
+          <a:ext cx="0" cy="0"/>
+          <a:chOff x="0" y="0"/>
+          <a:chExt cx="0" cy="0"/>
+        </a:xfrm>
+      </p:grpSpPr>
+      <p:sp>
+        <p:nvSpPr>
+          <p:cNvPr id="224" name="PlaceHolder 1"/>
+          <p:cNvSpPr>
+            <a:spLocks noGrp="1"/>
+          </p:cNvSpPr>
+          <p:nvPr>
+            <p:ph type="title"/>
+          </p:nvPr>
+        </p:nvSpPr>
+        <p:spPr>
+          <a:xfrm>
+            <a:off x="540000" y="270000"/>
+            <a:ext cx="8999640" cy="989640"/>
+          </a:xfrm>
+          <a:prstGeom prst="rect">
+            <a:avLst/>
+          </a:prstGeom>
+        </p:spPr>
+        <p:txBody>
+          <a:bodyPr lIns="0" rIns="0" tIns="0" bIns="0" anchor="ctr">
+            <a:noAutofit/>
+          </a:bodyPr>
+          <a:p>
+            <a:pPr algn="ctr"/>
+            <a:endParaRPr b="0" lang="en-US" sz="4400" spc="-1" strike="noStrike">
+              <a:latin typeface="Arial"/>
+            </a:endParaRPr>
+          </a:p>
+        </p:txBody>
+      </p:sp>
+      <p:sp>
+        <p:nvSpPr>
+          <p:cNvPr id="225" name="PlaceHolder 2"/>
+          <p:cNvSpPr>
+            <a:spLocks noGrp="1"/>
+          </p:cNvSpPr>
+          <p:nvPr>
+            <p:ph type="body"/>
+          </p:nvPr>
+        </p:nvSpPr>
+        <p:spPr>
+          <a:xfrm>
+            <a:off x="540000" y="1440000"/>
+            <a:ext cx="8999640" cy="1716840"/>
+          </a:xfrm>
+          <a:prstGeom prst="rect">
+            <a:avLst/>
+          </a:prstGeom>
+        </p:spPr>
+        <p:txBody>
+          <a:bodyPr lIns="0" rIns="0" tIns="0" bIns="0">
+            <a:normAutofit/>
+          </a:bodyPr>
+          <a:p>
+            <a:endParaRPr b="0" lang="en-US" sz="3200" spc="-1" strike="noStrike">
+              <a:latin typeface="Arial"/>
+            </a:endParaRPr>
+          </a:p>
+        </p:txBody>
+      </p:sp>
+      <p:sp>
+        <p:nvSpPr>
+          <p:cNvPr id="226" name="PlaceHolder 3"/>
+          <p:cNvSpPr>
+            <a:spLocks noGrp="1"/>
+          </p:cNvSpPr>
+          <p:nvPr>
+            <p:ph type="body"/>
+          </p:nvPr>
+        </p:nvSpPr>
+        <p:spPr>
+          <a:xfrm>
+            <a:off x="540000" y="3320280"/>
+            <a:ext cx="8999640" cy="1716840"/>
+          </a:xfrm>
+          <a:prstGeom prst="rect">
+            <a:avLst/>
+          </a:prstGeom>
+        </p:spPr>
+        <p:txBody>
+          <a:bodyPr lIns="0" rIns="0" tIns="0" bIns="0">
+            <a:normAutofit/>
+          </a:bodyPr>
+          <a:p>
+            <a:endParaRPr b="0" lang="en-US" sz="3200" spc="-1" strike="noStrike">
+              <a:latin typeface="Arial"/>
+            </a:endParaRPr>
+          </a:p>
+        </p:txBody>
+      </p:sp>
+    </p:spTree>
+  </p:cSld>
+</p:sldLayout>
+</file>
+
+<file path=ppt/slideLayouts/slideLayout59.xml><?xml version="1.0" encoding="utf-8"?>
+<p:sldLayout xmlns:a="http://schemas.openxmlformats.org/drawingml/2006/main" xmlns:p="http://schemas.openxmlformats.org/presentationml/2006/main" xmlns:r="http://schemas.openxmlformats.org/officeDocument/2006/relationships" xmlns:p14="http://schemas.microsoft.com/office/powerpoint/2010/main" xmlns:p15="http://schemas.microsoft.com/office/powerpoint/2012/main" xmlns:mc="http://schemas.openxmlformats.org/markup-compatibility/2006" type="fourObj" preserve="1">
+  <p:cSld name="Title, 4 Content">
+    <p:spTree>
+      <p:nvGrpSpPr>
+        <p:cNvPr id="1" name=""/>
+        <p:cNvGrpSpPr/>
+        <p:nvPr/>
+      </p:nvGrpSpPr>
+      <p:grpSpPr>
+        <a:xfrm>
+          <a:off x="0" y="0"/>
+          <a:ext cx="0" cy="0"/>
+          <a:chOff x="0" y="0"/>
+          <a:chExt cx="0" cy="0"/>
+        </a:xfrm>
+      </p:grpSpPr>
+      <p:sp>
+        <p:nvSpPr>
+          <p:cNvPr id="227" name="PlaceHolder 1"/>
+          <p:cNvSpPr>
+            <a:spLocks noGrp="1"/>
+          </p:cNvSpPr>
+          <p:nvPr>
+            <p:ph type="title"/>
+          </p:nvPr>
+        </p:nvSpPr>
+        <p:spPr>
+          <a:xfrm>
+            <a:off x="540000" y="270000"/>
+            <a:ext cx="8999640" cy="989640"/>
+          </a:xfrm>
+          <a:prstGeom prst="rect">
+            <a:avLst/>
+          </a:prstGeom>
+        </p:spPr>
+        <p:txBody>
+          <a:bodyPr lIns="0" rIns="0" tIns="0" bIns="0" anchor="ctr">
+            <a:noAutofit/>
+          </a:bodyPr>
+          <a:p>
+            <a:pPr algn="ctr"/>
+            <a:endParaRPr b="0" lang="en-US" sz="4400" spc="-1" strike="noStrike">
+              <a:latin typeface="Arial"/>
+            </a:endParaRPr>
+          </a:p>
+        </p:txBody>
+      </p:sp>
+      <p:sp>
+        <p:nvSpPr>
+          <p:cNvPr id="228" name="PlaceHolder 2"/>
+          <p:cNvSpPr>
+            <a:spLocks noGrp="1"/>
+          </p:cNvSpPr>
+          <p:nvPr>
+            <p:ph type="body"/>
+          </p:nvPr>
+        </p:nvSpPr>
+        <p:spPr>
+          <a:xfrm>
+            <a:off x="540000" y="1440000"/>
+            <a:ext cx="4391640" cy="1716840"/>
+          </a:xfrm>
+          <a:prstGeom prst="rect">
+            <a:avLst/>
+          </a:prstGeom>
+        </p:spPr>
+        <p:txBody>
+          <a:bodyPr lIns="0" rIns="0" tIns="0" bIns="0">
+            <a:normAutofit/>
+          </a:bodyPr>
+          <a:p>
+            <a:endParaRPr b="0" lang="en-US" sz="3200" spc="-1" strike="noStrike">
+              <a:latin typeface="Arial"/>
+            </a:endParaRPr>
+          </a:p>
+        </p:txBody>
+      </p:sp>
+      <p:sp>
+        <p:nvSpPr>
+          <p:cNvPr id="229" name="PlaceHolder 3"/>
+          <p:cNvSpPr>
+            <a:spLocks noGrp="1"/>
+          </p:cNvSpPr>
+          <p:nvPr>
+            <p:ph type="body"/>
+          </p:nvPr>
+        </p:nvSpPr>
+        <p:spPr>
+          <a:xfrm>
+            <a:off x="5151600" y="1440000"/>
+            <a:ext cx="4391640" cy="1716840"/>
+          </a:xfrm>
+          <a:prstGeom prst="rect">
+            <a:avLst/>
+          </a:prstGeom>
+        </p:spPr>
+        <p:txBody>
+          <a:bodyPr lIns="0" rIns="0" tIns="0" bIns="0">
+            <a:normAutofit/>
+          </a:bodyPr>
+          <a:p>
+            <a:endParaRPr b="0" lang="en-US" sz="3200" spc="-1" strike="noStrike">
+              <a:latin typeface="Arial"/>
+            </a:endParaRPr>
+          </a:p>
+        </p:txBody>
+      </p:sp>
+      <p:sp>
+        <p:nvSpPr>
+          <p:cNvPr id="230" name="PlaceHolder 4"/>
+          <p:cNvSpPr>
+            <a:spLocks noGrp="1"/>
+          </p:cNvSpPr>
+          <p:nvPr>
+            <p:ph type="body"/>
+          </p:nvPr>
+        </p:nvSpPr>
+        <p:spPr>
+          <a:xfrm>
+            <a:off x="540000" y="3320280"/>
+            <a:ext cx="4391640" cy="1716840"/>
+          </a:xfrm>
+          <a:prstGeom prst="rect">
+            <a:avLst/>
+          </a:prstGeom>
+        </p:spPr>
+        <p:txBody>
+          <a:bodyPr lIns="0" rIns="0" tIns="0" bIns="0">
+            <a:normAutofit/>
+          </a:bodyPr>
+          <a:p>
+            <a:endParaRPr b="0" lang="en-US" sz="3200" spc="-1" strike="noStrike">
+              <a:latin typeface="Arial"/>
+            </a:endParaRPr>
+          </a:p>
+        </p:txBody>
+      </p:sp>
+      <p:sp>
+        <p:nvSpPr>
+          <p:cNvPr id="231" name="PlaceHolder 5"/>
+          <p:cNvSpPr>
+            <a:spLocks noGrp="1"/>
+          </p:cNvSpPr>
+          <p:nvPr>
+            <p:ph type="body"/>
+          </p:nvPr>
+        </p:nvSpPr>
+        <p:spPr>
+          <a:xfrm>
+            <a:off x="5151600" y="3320280"/>
+            <a:ext cx="4391640" cy="1716840"/>
+          </a:xfrm>
+          <a:prstGeom prst="rect">
+            <a:avLst/>
+          </a:prstGeom>
+        </p:spPr>
+        <p:txBody>
+          <a:bodyPr lIns="0" rIns="0" tIns="0" bIns="0">
+            <a:normAutofit/>
+          </a:bodyPr>
+          <a:p>
+            <a:endParaRPr b="0" lang="en-US" sz="3200" spc="-1" strike="noStrike">
+              <a:latin typeface="Arial"/>
+            </a:endParaRPr>
+          </a:p>
+        </p:txBody>
+      </p:sp>
+    </p:spTree>
+  </p:cSld>
+</p:sldLayout>
+</file>
+
 <file path=ppt/slideLayouts/slideLayout6.xml><?xml version="1.0" encoding="utf-8"?>
 <p:sldLayout xmlns:a="http://schemas.openxmlformats.org/drawingml/2006/main" xmlns:p="http://schemas.openxmlformats.org/presentationml/2006/main" xmlns:r="http://schemas.openxmlformats.org/officeDocument/2006/relationships" xmlns:p14="http://schemas.microsoft.com/office/powerpoint/2010/main" xmlns:p15="http://schemas.microsoft.com/office/powerpoint/2012/main" xmlns:mc="http://schemas.openxmlformats.org/markup-compatibility/2006" type="objOnly" preserve="1">
   <p:cSld name="Centered Text">
@@ -5009,6 +6136,239 @@
           </a:bodyPr>
           <a:p>
             <a:pPr algn="ctr"/>
+            <a:endParaRPr b="0" lang="en-US" sz="3200" spc="-1" strike="noStrike">
+              <a:latin typeface="Arial"/>
+            </a:endParaRPr>
+          </a:p>
+        </p:txBody>
+      </p:sp>
+    </p:spTree>
+  </p:cSld>
+</p:sldLayout>
+</file>
+
+<file path=ppt/slideLayouts/slideLayout60.xml><?xml version="1.0" encoding="utf-8"?>
+<p:sldLayout xmlns:a="http://schemas.openxmlformats.org/drawingml/2006/main" xmlns:p="http://schemas.openxmlformats.org/presentationml/2006/main" xmlns:r="http://schemas.openxmlformats.org/officeDocument/2006/relationships" xmlns:p14="http://schemas.microsoft.com/office/powerpoint/2010/main" xmlns:p15="http://schemas.microsoft.com/office/powerpoint/2012/main" xmlns:mc="http://schemas.openxmlformats.org/markup-compatibility/2006" type="blank" preserve="1">
+  <p:cSld name="Title, 6 Content">
+    <p:spTree>
+      <p:nvGrpSpPr>
+        <p:cNvPr id="1" name=""/>
+        <p:cNvGrpSpPr/>
+        <p:nvPr/>
+      </p:nvGrpSpPr>
+      <p:grpSpPr>
+        <a:xfrm>
+          <a:off x="0" y="0"/>
+          <a:ext cx="0" cy="0"/>
+          <a:chOff x="0" y="0"/>
+          <a:chExt cx="0" cy="0"/>
+        </a:xfrm>
+      </p:grpSpPr>
+      <p:sp>
+        <p:nvSpPr>
+          <p:cNvPr id="232" name="PlaceHolder 1"/>
+          <p:cNvSpPr>
+            <a:spLocks noGrp="1"/>
+          </p:cNvSpPr>
+          <p:nvPr>
+            <p:ph type="title"/>
+          </p:nvPr>
+        </p:nvSpPr>
+        <p:spPr>
+          <a:xfrm>
+            <a:off x="540000" y="270000"/>
+            <a:ext cx="8999640" cy="989640"/>
+          </a:xfrm>
+          <a:prstGeom prst="rect">
+            <a:avLst/>
+          </a:prstGeom>
+        </p:spPr>
+        <p:txBody>
+          <a:bodyPr lIns="0" rIns="0" tIns="0" bIns="0" anchor="ctr">
+            <a:noAutofit/>
+          </a:bodyPr>
+          <a:p>
+            <a:pPr algn="ctr"/>
+            <a:endParaRPr b="0" lang="en-US" sz="4400" spc="-1" strike="noStrike">
+              <a:latin typeface="Arial"/>
+            </a:endParaRPr>
+          </a:p>
+        </p:txBody>
+      </p:sp>
+      <p:sp>
+        <p:nvSpPr>
+          <p:cNvPr id="233" name="PlaceHolder 2"/>
+          <p:cNvSpPr>
+            <a:spLocks noGrp="1"/>
+          </p:cNvSpPr>
+          <p:nvPr>
+            <p:ph type="body"/>
+          </p:nvPr>
+        </p:nvSpPr>
+        <p:spPr>
+          <a:xfrm>
+            <a:off x="540000" y="1440000"/>
+            <a:ext cx="2897640" cy="1716840"/>
+          </a:xfrm>
+          <a:prstGeom prst="rect">
+            <a:avLst/>
+          </a:prstGeom>
+        </p:spPr>
+        <p:txBody>
+          <a:bodyPr lIns="0" rIns="0" tIns="0" bIns="0">
+            <a:normAutofit/>
+          </a:bodyPr>
+          <a:p>
+            <a:endParaRPr b="0" lang="en-US" sz="3200" spc="-1" strike="noStrike">
+              <a:latin typeface="Arial"/>
+            </a:endParaRPr>
+          </a:p>
+        </p:txBody>
+      </p:sp>
+      <p:sp>
+        <p:nvSpPr>
+          <p:cNvPr id="234" name="PlaceHolder 3"/>
+          <p:cNvSpPr>
+            <a:spLocks noGrp="1"/>
+          </p:cNvSpPr>
+          <p:nvPr>
+            <p:ph type="body"/>
+          </p:nvPr>
+        </p:nvSpPr>
+        <p:spPr>
+          <a:xfrm>
+            <a:off x="3583080" y="1440000"/>
+            <a:ext cx="2897640" cy="1716840"/>
+          </a:xfrm>
+          <a:prstGeom prst="rect">
+            <a:avLst/>
+          </a:prstGeom>
+        </p:spPr>
+        <p:txBody>
+          <a:bodyPr lIns="0" rIns="0" tIns="0" bIns="0">
+            <a:normAutofit/>
+          </a:bodyPr>
+          <a:p>
+            <a:endParaRPr b="0" lang="en-US" sz="3200" spc="-1" strike="noStrike">
+              <a:latin typeface="Arial"/>
+            </a:endParaRPr>
+          </a:p>
+        </p:txBody>
+      </p:sp>
+      <p:sp>
+        <p:nvSpPr>
+          <p:cNvPr id="235" name="PlaceHolder 4"/>
+          <p:cNvSpPr>
+            <a:spLocks noGrp="1"/>
+          </p:cNvSpPr>
+          <p:nvPr>
+            <p:ph type="body"/>
+          </p:nvPr>
+        </p:nvSpPr>
+        <p:spPr>
+          <a:xfrm>
+            <a:off x="6625800" y="1440000"/>
+            <a:ext cx="2897640" cy="1716840"/>
+          </a:xfrm>
+          <a:prstGeom prst="rect">
+            <a:avLst/>
+          </a:prstGeom>
+        </p:spPr>
+        <p:txBody>
+          <a:bodyPr lIns="0" rIns="0" tIns="0" bIns="0">
+            <a:normAutofit/>
+          </a:bodyPr>
+          <a:p>
+            <a:endParaRPr b="0" lang="en-US" sz="3200" spc="-1" strike="noStrike">
+              <a:latin typeface="Arial"/>
+            </a:endParaRPr>
+          </a:p>
+        </p:txBody>
+      </p:sp>
+      <p:sp>
+        <p:nvSpPr>
+          <p:cNvPr id="236" name="PlaceHolder 5"/>
+          <p:cNvSpPr>
+            <a:spLocks noGrp="1"/>
+          </p:cNvSpPr>
+          <p:nvPr>
+            <p:ph type="body"/>
+          </p:nvPr>
+        </p:nvSpPr>
+        <p:spPr>
+          <a:xfrm>
+            <a:off x="540000" y="3320280"/>
+            <a:ext cx="2897640" cy="1716840"/>
+          </a:xfrm>
+          <a:prstGeom prst="rect">
+            <a:avLst/>
+          </a:prstGeom>
+        </p:spPr>
+        <p:txBody>
+          <a:bodyPr lIns="0" rIns="0" tIns="0" bIns="0">
+            <a:normAutofit/>
+          </a:bodyPr>
+          <a:p>
+            <a:endParaRPr b="0" lang="en-US" sz="3200" spc="-1" strike="noStrike">
+              <a:latin typeface="Arial"/>
+            </a:endParaRPr>
+          </a:p>
+        </p:txBody>
+      </p:sp>
+      <p:sp>
+        <p:nvSpPr>
+          <p:cNvPr id="237" name="PlaceHolder 6"/>
+          <p:cNvSpPr>
+            <a:spLocks noGrp="1"/>
+          </p:cNvSpPr>
+          <p:nvPr>
+            <p:ph type="body"/>
+          </p:nvPr>
+        </p:nvSpPr>
+        <p:spPr>
+          <a:xfrm>
+            <a:off x="3583080" y="3320280"/>
+            <a:ext cx="2897640" cy="1716840"/>
+          </a:xfrm>
+          <a:prstGeom prst="rect">
+            <a:avLst/>
+          </a:prstGeom>
+        </p:spPr>
+        <p:txBody>
+          <a:bodyPr lIns="0" rIns="0" tIns="0" bIns="0">
+            <a:normAutofit/>
+          </a:bodyPr>
+          <a:p>
+            <a:endParaRPr b="0" lang="en-US" sz="3200" spc="-1" strike="noStrike">
+              <a:latin typeface="Arial"/>
+            </a:endParaRPr>
+          </a:p>
+        </p:txBody>
+      </p:sp>
+      <p:sp>
+        <p:nvSpPr>
+          <p:cNvPr id="238" name="PlaceHolder 7"/>
+          <p:cNvSpPr>
+            <a:spLocks noGrp="1"/>
+          </p:cNvSpPr>
+          <p:nvPr>
+            <p:ph type="body"/>
+          </p:nvPr>
+        </p:nvSpPr>
+        <p:spPr>
+          <a:xfrm>
+            <a:off x="6625800" y="3320280"/>
+            <a:ext cx="2897640" cy="1716840"/>
+          </a:xfrm>
+          <a:prstGeom prst="rect">
+            <a:avLst/>
+          </a:prstGeom>
+        </p:spPr>
+        <p:txBody>
+          <a:bodyPr lIns="0" rIns="0" tIns="0" bIns="0">
+            <a:normAutofit/>
+          </a:bodyPr>
+          <a:p>
             <a:endParaRPr b="0" lang="en-US" sz="3200" spc="-1" strike="noStrike">
               <a:latin typeface="Arial"/>
             </a:endParaRPr>
@@ -6087,501 +7447,54 @@
       </p:grpSpPr>
       <p:sp>
         <p:nvSpPr>
-          <p:cNvPr id="50" name="CustomShape 1"/>
+          <p:cNvPr id="50" name="Freeform 1"/>
           <p:cNvSpPr/>
           <p:nvPr/>
         </p:nvSpPr>
         <p:spPr>
           <a:xfrm>
-            <a:off x="360" y="360"/>
-            <a:ext cx="10079640" cy="5669640"/>
-          </a:xfrm>
-          <a:prstGeom prst="rect">
-            <a:avLst/>
-          </a:prstGeom>
-          <a:gradFill rotWithShape="0">
-            <a:gsLst>
-              <a:gs pos="30000">
-                <a:srgbClr val="000032"/>
-              </a:gs>
-              <a:gs pos="100000">
-                <a:srgbClr val="f60063"/>
-              </a:gs>
-            </a:gsLst>
-            <a:lin ang="4200000"/>
-          </a:gradFill>
-          <a:ln w="0">
-            <a:noFill/>
-          </a:ln>
-        </p:spPr>
-        <p:style>
-          <a:lnRef idx="0"/>
-          <a:fillRef idx="0"/>
-          <a:effectRef idx="0"/>
-          <a:fontRef idx="minor"/>
-        </p:style>
-      </p:sp>
-      <p:sp>
-        <p:nvSpPr>
-          <p:cNvPr id="51" name="CustomShape 2"/>
-          <p:cNvSpPr/>
-          <p:nvPr/>
-        </p:nvSpPr>
-        <p:spPr>
-          <a:xfrm flipH="1">
-            <a:off x="-2880" y="0"/>
-            <a:ext cx="10080000" cy="5670000"/>
-          </a:xfrm>
-          <a:prstGeom prst="rect">
-            <a:avLst/>
-          </a:prstGeom>
+            <a:off x="0" y="0"/>
+            <a:ext cx="10081080" cy="4252680"/>
+          </a:xfrm>
+          <a:custGeom>
+            <a:avLst/>
+            <a:gdLst/>
+            <a:ahLst/>
+            <a:rect l="0" t="0" r="r" b="b"/>
+            <a:pathLst>
+              <a:path w="28003" h="11813">
+                <a:moveTo>
+                  <a:pt x="0" y="11812"/>
+                </a:moveTo>
+                <a:lnTo>
+                  <a:pt x="0" y="0"/>
+                </a:lnTo>
+                <a:lnTo>
+                  <a:pt x="28002" y="0"/>
+                </a:lnTo>
+                <a:lnTo>
+                  <a:pt x="28002" y="7812"/>
+                </a:lnTo>
+                <a:lnTo>
+                  <a:pt x="0" y="11812"/>
+                </a:lnTo>
+                <a:close/>
+              </a:path>
+            </a:pathLst>
+          </a:custGeom>
           <a:solidFill>
-            <a:srgbClr val="ffffff"/>
+            <a:srgbClr val="729fcf"/>
           </a:solidFill>
           <a:ln w="0">
-            <a:noFill/>
+            <a:solidFill>
+              <a:srgbClr val="3465a4"/>
+            </a:solidFill>
           </a:ln>
         </p:spPr>
-        <p:style>
-          <a:lnRef idx="0"/>
-          <a:fillRef idx="0"/>
-          <a:effectRef idx="0"/>
-          <a:fontRef idx="minor"/>
-        </p:style>
-      </p:sp>
-      <p:sp>
-        <p:nvSpPr>
-          <p:cNvPr id="52" name="CustomShape 3"/>
-          <p:cNvSpPr/>
-          <p:nvPr/>
-        </p:nvSpPr>
-        <p:spPr>
-          <a:xfrm>
-            <a:off x="180360" y="5130360"/>
-            <a:ext cx="2339640" cy="392040"/>
-          </a:xfrm>
-          <a:prstGeom prst="rect">
-            <a:avLst/>
-          </a:prstGeom>
-          <a:noFill/>
-          <a:ln w="0">
-            <a:noFill/>
-          </a:ln>
-        </p:spPr>
-        <p:style>
-          <a:lnRef idx="0"/>
-          <a:fillRef idx="0"/>
-          <a:effectRef idx="0"/>
-          <a:fontRef idx="minor"/>
-        </p:style>
-        <p:txBody>
-          <a:bodyPr lIns="0" rIns="0" tIns="0" bIns="0" anchor="b">
-            <a:noAutofit/>
-          </a:bodyPr>
-          <a:p>
-            <a:pPr>
-              <a:lnSpc>
-                <a:spcPct val="100000"/>
-              </a:lnSpc>
-            </a:pPr>
-            <a:r>
-              <a:rPr b="0" lang="en-US" sz="1400" spc="-1" strike="noStrike">
-                <a:solidFill>
-                  <a:srgbClr val="ffffff"/>
-                </a:solidFill>
-                <a:latin typeface="Arial"/>
-              </a:rPr>
-              <a:t>&lt;date/time&gt;</a:t>
-            </a:r>
-            <a:endParaRPr b="0" lang="en-US" sz="1400" spc="-1" strike="noStrike">
-              <a:latin typeface="Arial"/>
-            </a:endParaRPr>
-          </a:p>
-        </p:txBody>
-      </p:sp>
-      <p:sp>
-        <p:nvSpPr>
-          <p:cNvPr id="53" name="CustomShape 4"/>
-          <p:cNvSpPr/>
-          <p:nvPr/>
-        </p:nvSpPr>
-        <p:spPr>
-          <a:xfrm>
-            <a:off x="7560360" y="5130360"/>
-            <a:ext cx="2339640" cy="392040"/>
-          </a:xfrm>
-          <a:prstGeom prst="rect">
-            <a:avLst/>
-          </a:prstGeom>
-          <a:noFill/>
-          <a:ln w="0">
-            <a:noFill/>
-          </a:ln>
-        </p:spPr>
-        <p:style>
-          <a:lnRef idx="0"/>
-          <a:fillRef idx="0"/>
-          <a:effectRef idx="0"/>
-          <a:fontRef idx="minor"/>
-        </p:style>
-        <p:txBody>
-          <a:bodyPr lIns="0" rIns="0" tIns="0" bIns="0" anchor="b">
-            <a:noAutofit/>
-          </a:bodyPr>
-          <a:p>
-            <a:pPr algn="r">
-              <a:lnSpc>
-                <a:spcPct val="100000"/>
-              </a:lnSpc>
-            </a:pPr>
-            <a:fld id="{4F2BB2CD-EF39-4A98-82F5-6D4B4A38FB58}" type="slidenum">
-              <a:rPr b="0" lang="en-US" sz="1400" spc="-1" strike="noStrike">
-                <a:solidFill>
-                  <a:srgbClr val="ffffff"/>
-                </a:solidFill>
-                <a:latin typeface="Arial"/>
-              </a:rPr>
-              <a:t>&lt;number&gt;</a:t>
-            </a:fld>
-            <a:endParaRPr b="0" lang="en-US" sz="1400" spc="-1" strike="noStrike">
-              <a:latin typeface="Arial"/>
-            </a:endParaRPr>
-          </a:p>
-        </p:txBody>
-      </p:sp>
-      <p:sp>
-        <p:nvSpPr>
-          <p:cNvPr id="54" name="CustomShape 5"/>
-          <p:cNvSpPr/>
-          <p:nvPr/>
-        </p:nvSpPr>
-        <p:spPr>
-          <a:xfrm>
-            <a:off x="1440360" y="1080360"/>
-            <a:ext cx="1439640" cy="1259640"/>
-          </a:xfrm>
-          <a:prstGeom prst="ellipse">
-            <a:avLst/>
-          </a:prstGeom>
-          <a:solidFill>
-            <a:srgbClr val="ffffff">
-              <a:alpha val="30000"/>
-            </a:srgbClr>
-          </a:solidFill>
-          <a:ln w="0">
-            <a:noFill/>
-          </a:ln>
-        </p:spPr>
-        <p:style>
-          <a:lnRef idx="0"/>
-          <a:fillRef idx="0"/>
-          <a:effectRef idx="0"/>
-          <a:fontRef idx="minor"/>
-        </p:style>
-      </p:sp>
-      <p:sp>
-        <p:nvSpPr>
-          <p:cNvPr id="55" name="CustomShape 6"/>
-          <p:cNvSpPr/>
-          <p:nvPr/>
-        </p:nvSpPr>
-        <p:spPr>
-          <a:xfrm>
-            <a:off x="7380360" y="3960360"/>
-            <a:ext cx="1439640" cy="1259640"/>
-          </a:xfrm>
-          <a:prstGeom prst="ellipse">
-            <a:avLst/>
-          </a:prstGeom>
-          <a:solidFill>
-            <a:srgbClr val="ffffff">
-              <a:alpha val="30000"/>
-            </a:srgbClr>
-          </a:solidFill>
-          <a:ln w="0">
-            <a:noFill/>
-          </a:ln>
-        </p:spPr>
-        <p:style>
-          <a:lnRef idx="0"/>
-          <a:fillRef idx="0"/>
-          <a:effectRef idx="0"/>
-          <a:fontRef idx="minor"/>
-        </p:style>
-      </p:sp>
-      <p:sp>
-        <p:nvSpPr>
-          <p:cNvPr id="56" name="CustomShape 7"/>
-          <p:cNvSpPr/>
-          <p:nvPr/>
-        </p:nvSpPr>
-        <p:spPr>
-          <a:xfrm>
-            <a:off x="9000360" y="2700360"/>
-            <a:ext cx="1259640" cy="1079640"/>
-          </a:xfrm>
-          <a:prstGeom prst="ellipse">
-            <a:avLst/>
-          </a:prstGeom>
-          <a:solidFill>
-            <a:srgbClr val="ffffff">
-              <a:alpha val="20000"/>
-            </a:srgbClr>
-          </a:solidFill>
-          <a:ln w="0">
-            <a:noFill/>
-          </a:ln>
-        </p:spPr>
-        <p:style>
-          <a:lnRef idx="0"/>
-          <a:fillRef idx="0"/>
-          <a:effectRef idx="0"/>
-          <a:fontRef idx="minor"/>
-        </p:style>
-      </p:sp>
-      <p:sp>
-        <p:nvSpPr>
-          <p:cNvPr id="57" name="CustomShape 8"/>
-          <p:cNvSpPr/>
-          <p:nvPr/>
-        </p:nvSpPr>
-        <p:spPr>
-          <a:xfrm>
-            <a:off x="-179640" y="2430360"/>
-            <a:ext cx="1439640" cy="1349640"/>
-          </a:xfrm>
-          <a:prstGeom prst="ellipse">
-            <a:avLst/>
-          </a:prstGeom>
-          <a:solidFill>
-            <a:srgbClr val="ffffff">
-              <a:alpha val="20000"/>
-            </a:srgbClr>
-          </a:solidFill>
-          <a:ln w="0">
-            <a:noFill/>
-          </a:ln>
-        </p:spPr>
-        <p:style>
-          <a:lnRef idx="0"/>
-          <a:fillRef idx="0"/>
-          <a:effectRef idx="0"/>
-          <a:fontRef idx="minor"/>
-        </p:style>
-      </p:sp>
-      <p:sp>
-        <p:nvSpPr>
-          <p:cNvPr id="58" name="CustomShape 9"/>
-          <p:cNvSpPr/>
-          <p:nvPr/>
-        </p:nvSpPr>
-        <p:spPr>
-          <a:xfrm>
-            <a:off x="540360" y="1080360"/>
-            <a:ext cx="719640" cy="719640"/>
-          </a:xfrm>
-          <a:prstGeom prst="ellipse">
-            <a:avLst/>
-          </a:prstGeom>
-          <a:solidFill>
-            <a:srgbClr val="ffffff">
-              <a:alpha val="20000"/>
-            </a:srgbClr>
-          </a:solidFill>
-          <a:ln w="0">
-            <a:noFill/>
-          </a:ln>
-        </p:spPr>
-        <p:style>
-          <a:lnRef idx="0"/>
-          <a:fillRef idx="0"/>
-          <a:effectRef idx="0"/>
-          <a:fontRef idx="minor"/>
-        </p:style>
-      </p:sp>
-      <p:sp>
-        <p:nvSpPr>
-          <p:cNvPr id="59" name="CustomShape 10"/>
-          <p:cNvSpPr/>
-          <p:nvPr/>
-        </p:nvSpPr>
-        <p:spPr>
-          <a:xfrm>
-            <a:off x="360" y="1260360"/>
-            <a:ext cx="719640" cy="719640"/>
-          </a:xfrm>
-          <a:prstGeom prst="ellipse">
-            <a:avLst/>
-          </a:prstGeom>
-          <a:solidFill>
-            <a:srgbClr val="ffffff">
-              <a:alpha val="10000"/>
-            </a:srgbClr>
-          </a:solidFill>
-          <a:ln w="0">
-            <a:noFill/>
-          </a:ln>
-        </p:spPr>
-        <p:style>
-          <a:lnRef idx="0"/>
-          <a:fillRef idx="0"/>
-          <a:effectRef idx="0"/>
-          <a:fontRef idx="minor"/>
-        </p:style>
-      </p:sp>
-      <p:sp>
-        <p:nvSpPr>
-          <p:cNvPr id="60" name="CustomShape 11"/>
-          <p:cNvSpPr/>
-          <p:nvPr/>
-        </p:nvSpPr>
-        <p:spPr>
-          <a:xfrm>
-            <a:off x="360" y="5220360"/>
-            <a:ext cx="1619640" cy="1259640"/>
-          </a:xfrm>
-          <a:prstGeom prst="ellipse">
-            <a:avLst/>
-          </a:prstGeom>
-          <a:solidFill>
-            <a:srgbClr val="ffffff">
-              <a:alpha val="15000"/>
-            </a:srgbClr>
-          </a:solidFill>
-          <a:ln w="0">
-            <a:noFill/>
-          </a:ln>
-        </p:spPr>
-        <p:style>
-          <a:lnRef idx="0"/>
-          <a:fillRef idx="0"/>
-          <a:effectRef idx="0"/>
-          <a:fontRef idx="minor"/>
-        </p:style>
-      </p:sp>
-      <p:sp>
-        <p:nvSpPr>
-          <p:cNvPr id="61" name="CustomShape 12"/>
-          <p:cNvSpPr/>
-          <p:nvPr/>
-        </p:nvSpPr>
-        <p:spPr>
-          <a:xfrm>
-            <a:off x="9720360" y="4680360"/>
-            <a:ext cx="719640" cy="719640"/>
-          </a:xfrm>
-          <a:prstGeom prst="ellipse">
-            <a:avLst/>
-          </a:prstGeom>
-          <a:solidFill>
-            <a:srgbClr val="ffffff">
-              <a:alpha val="30000"/>
-            </a:srgbClr>
-          </a:solidFill>
-          <a:ln w="0">
-            <a:noFill/>
-          </a:ln>
-        </p:spPr>
-        <p:style>
-          <a:lnRef idx="0"/>
-          <a:fillRef idx="0"/>
-          <a:effectRef idx="0"/>
-          <a:fontRef idx="minor"/>
-        </p:style>
-      </p:sp>
-      <p:sp>
-        <p:nvSpPr>
-          <p:cNvPr id="62" name="CustomShape 13"/>
-          <p:cNvSpPr/>
-          <p:nvPr/>
-        </p:nvSpPr>
-        <p:spPr>
-          <a:xfrm>
-            <a:off x="9540360" y="3420360"/>
-            <a:ext cx="719640" cy="719640"/>
-          </a:xfrm>
-          <a:prstGeom prst="ellipse">
-            <a:avLst/>
-          </a:prstGeom>
-          <a:solidFill>
-            <a:srgbClr val="ffffff">
-              <a:alpha val="10000"/>
-            </a:srgbClr>
-          </a:solidFill>
-          <a:ln w="0">
-            <a:noFill/>
-          </a:ln>
-        </p:spPr>
-        <p:style>
-          <a:lnRef idx="0"/>
-          <a:fillRef idx="0"/>
-          <a:effectRef idx="0"/>
-          <a:fontRef idx="minor"/>
-        </p:style>
-      </p:sp>
-      <p:sp>
-        <p:nvSpPr>
-          <p:cNvPr id="63" name="CustomShape 14"/>
-          <p:cNvSpPr/>
-          <p:nvPr/>
-        </p:nvSpPr>
-        <p:spPr>
-          <a:xfrm>
-            <a:off x="8100360" y="4680360"/>
-            <a:ext cx="1079640" cy="842040"/>
-          </a:xfrm>
-          <a:prstGeom prst="ellipse">
-            <a:avLst/>
-          </a:prstGeom>
-          <a:solidFill>
-            <a:srgbClr val="ffffff">
-              <a:alpha val="20000"/>
-            </a:srgbClr>
-          </a:solidFill>
-          <a:ln w="0">
-            <a:noFill/>
-          </a:ln>
-        </p:spPr>
-        <p:style>
-          <a:lnRef idx="0"/>
-          <a:fillRef idx="0"/>
-          <a:effectRef idx="0"/>
-          <a:fontRef idx="minor"/>
-        </p:style>
-      </p:sp>
-      <p:sp>
-        <p:nvSpPr>
-          <p:cNvPr id="64" name="CustomShape 15"/>
-          <p:cNvSpPr/>
-          <p:nvPr/>
-        </p:nvSpPr>
-        <p:spPr>
-          <a:xfrm>
-            <a:off x="7920360" y="5400360"/>
-            <a:ext cx="899640" cy="899640"/>
-          </a:xfrm>
-          <a:prstGeom prst="ellipse">
-            <a:avLst/>
-          </a:prstGeom>
-          <a:solidFill>
-            <a:srgbClr val="ffffff">
-              <a:alpha val="25000"/>
-            </a:srgbClr>
-          </a:solidFill>
-          <a:ln w="0">
-            <a:noFill/>
-          </a:ln>
-        </p:spPr>
-        <p:style>
-          <a:lnRef idx="0"/>
-          <a:fillRef idx="0"/>
-          <a:effectRef idx="0"/>
-          <a:fontRef idx="minor"/>
-        </p:style>
-      </p:sp>
-      <p:sp>
-        <p:nvSpPr>
-          <p:cNvPr id="65" name="PlaceHolder 16"/>
+      </p:sp>
+      <p:sp>
+        <p:nvSpPr>
+          <p:cNvPr id="51" name="PlaceHolder 2"/>
           <p:cNvSpPr>
             <a:spLocks noGrp="1"/>
           </p:cNvSpPr>
@@ -6590,9 +7503,9 @@
           </p:nvPr>
         </p:nvSpPr>
         <p:spPr>
-          <a:xfrm>
-            <a:off x="540000" y="270000"/>
-            <a:ext cx="8999640" cy="989640"/>
+          <a:xfrm rot="21111000">
+            <a:off x="488160" y="2604600"/>
+            <a:ext cx="9002520" cy="954360"/>
           </a:xfrm>
           <a:prstGeom prst="rect">
             <a:avLst/>
@@ -6605,20 +7518,20 @@
           <a:p>
             <a:pPr algn="ctr"/>
             <a:r>
-              <a:rPr b="0" lang="en-US" sz="1800" spc="-1" strike="noStrike">
+              <a:rPr b="1" lang="en-US" sz="5270" spc="-1" strike="noStrike">
                 <a:latin typeface="Arial"/>
               </a:rPr>
               <a:t>Click to edit the title text format</a:t>
             </a:r>
-            <a:endParaRPr b="0" lang="en-US" sz="1800" spc="-1" strike="noStrike">
-              <a:latin typeface="Arial"/>
-            </a:endParaRPr>
-          </a:p>
-        </p:txBody>
-      </p:sp>
-      <p:sp>
-        <p:nvSpPr>
-          <p:cNvPr id="66" name="PlaceHolder 17"/>
+            <a:endParaRPr b="1" lang="en-US" sz="5270" spc="-1" strike="noStrike">
+              <a:latin typeface="Arial"/>
+            </a:endParaRPr>
+          </a:p>
+        </p:txBody>
+      </p:sp>
+      <p:sp>
+        <p:nvSpPr>
+          <p:cNvPr id="52" name="PlaceHolder 3"/>
           <p:cNvSpPr>
             <a:spLocks noGrp="1"/>
           </p:cNvSpPr>
@@ -6627,23 +7540,23 @@
           </p:nvPr>
         </p:nvSpPr>
         <p:spPr>
-          <a:xfrm>
-            <a:off x="540000" y="1440000"/>
-            <a:ext cx="8999640" cy="3599640"/>
-          </a:xfrm>
-          <a:prstGeom prst="rect">
-            <a:avLst/>
-          </a:prstGeom>
-        </p:spPr>
-        <p:txBody>
-          <a:bodyPr lIns="0" rIns="0" tIns="0" bIns="0">
-            <a:normAutofit/>
+          <a:xfrm rot="21111000">
+            <a:off x="462960" y="3606120"/>
+            <a:ext cx="8802720" cy="3314880"/>
+          </a:xfrm>
+          <a:prstGeom prst="rect">
+            <a:avLst/>
+          </a:prstGeom>
+        </p:spPr>
+        <p:txBody>
+          <a:bodyPr lIns="0" rIns="0" tIns="0" bIns="0">
+            <a:noAutofit/>
           </a:bodyPr>
           <a:p>
             <a:pPr marL="432000" indent="-324000" algn="ctr">
-              <a:spcBef>
-                <a:spcPts val="1417"/>
-              </a:spcBef>
+              <a:spcAft>
+                <a:spcPts val="1182"/>
+              </a:spcAft>
               <a:buClr>
                 <a:srgbClr val="000000"/>
               </a:buClr>
@@ -6652,20 +7565,20 @@
               <a:buChar char=""/>
             </a:pPr>
             <a:r>
-              <a:rPr b="0" lang="en-US" sz="1800" spc="-1" strike="noStrike">
+              <a:rPr b="0" lang="en-US" sz="2700" spc="-1" strike="noStrike">
                 <a:latin typeface="Arial"/>
               </a:rPr>
               <a:t>Click to edit the outline text format</a:t>
             </a:r>
-            <a:endParaRPr b="0" lang="en-US" sz="1800" spc="-1" strike="noStrike">
+            <a:endParaRPr b="0" lang="en-US" sz="2700" spc="-1" strike="noStrike">
               <a:latin typeface="Arial"/>
             </a:endParaRPr>
           </a:p>
           <a:p>
             <a:pPr lvl="1" marL="864000" indent="-324000" algn="ctr">
-              <a:spcBef>
-                <a:spcPts val="1134"/>
-              </a:spcBef>
+              <a:spcAft>
+                <a:spcPts val="850"/>
+              </a:spcAft>
               <a:buClr>
                 <a:srgbClr val="000000"/>
               </a:buClr>
@@ -6674,20 +7587,20 @@
               <a:buChar char=""/>
             </a:pPr>
             <a:r>
-              <a:rPr b="0" lang="en-US" sz="1800" spc="-1" strike="noStrike">
+              <a:rPr b="0" lang="en-US" sz="2100" spc="-1" strike="noStrike">
                 <a:latin typeface="Arial"/>
               </a:rPr>
               <a:t>Second Outline Level</a:t>
             </a:r>
-            <a:endParaRPr b="0" lang="en-US" sz="1800" spc="-1" strike="noStrike">
+            <a:endParaRPr b="0" lang="en-US" sz="2100" spc="-1" strike="noStrike">
               <a:latin typeface="Arial"/>
             </a:endParaRPr>
           </a:p>
           <a:p>
             <a:pPr lvl="2" marL="1296000" indent="-288000" algn="ctr">
-              <a:spcBef>
-                <a:spcPts val="850"/>
-              </a:spcBef>
+              <a:spcAft>
+                <a:spcPts val="638"/>
+              </a:spcAft>
               <a:buClr>
                 <a:srgbClr val="000000"/>
               </a:buClr>
@@ -6707,9 +7620,9 @@
           </a:p>
           <a:p>
             <a:pPr lvl="3" marL="1728000" indent="-216000" algn="ctr">
-              <a:spcBef>
-                <a:spcPts val="567"/>
-              </a:spcBef>
+              <a:spcAft>
+                <a:spcPts val="425"/>
+              </a:spcAft>
               <a:buClr>
                 <a:srgbClr val="000000"/>
               </a:buClr>
@@ -6718,20 +7631,20 @@
               <a:buChar char=""/>
             </a:pPr>
             <a:r>
-              <a:rPr b="0" lang="en-US" sz="1800" spc="-1" strike="noStrike">
+              <a:rPr b="0" lang="en-US" sz="1500" spc="-1" strike="noStrike">
                 <a:latin typeface="Arial"/>
               </a:rPr>
               <a:t>Fourth Outline Level</a:t>
             </a:r>
-            <a:endParaRPr b="0" lang="en-US" sz="1800" spc="-1" strike="noStrike">
+            <a:endParaRPr b="0" lang="en-US" sz="1500" spc="-1" strike="noStrike">
               <a:latin typeface="Arial"/>
             </a:endParaRPr>
           </a:p>
           <a:p>
             <a:pPr lvl="4" marL="2160000" indent="-216000" algn="ctr">
-              <a:spcBef>
-                <a:spcPts val="283"/>
-              </a:spcBef>
+              <a:spcAft>
+                <a:spcPts val="213"/>
+              </a:spcAft>
               <a:buClr>
                 <a:srgbClr val="000000"/>
               </a:buClr>
@@ -6740,20 +7653,20 @@
               <a:buChar char=""/>
             </a:pPr>
             <a:r>
-              <a:rPr b="0" lang="en-US" sz="1800" spc="-1" strike="noStrike">
+              <a:rPr b="0" lang="en-US" sz="1500" spc="-1" strike="noStrike">
                 <a:latin typeface="Arial"/>
               </a:rPr>
               <a:t>Fifth Outline Level</a:t>
             </a:r>
-            <a:endParaRPr b="0" lang="en-US" sz="1800" spc="-1" strike="noStrike">
+            <a:endParaRPr b="0" lang="en-US" sz="1500" spc="-1" strike="noStrike">
               <a:latin typeface="Arial"/>
             </a:endParaRPr>
           </a:p>
           <a:p>
             <a:pPr lvl="5" marL="2592000" indent="-216000" algn="ctr">
-              <a:spcBef>
-                <a:spcPts val="283"/>
-              </a:spcBef>
+              <a:spcAft>
+                <a:spcPts val="213"/>
+              </a:spcAft>
               <a:buClr>
                 <a:srgbClr val="000000"/>
               </a:buClr>
@@ -6762,20 +7675,20 @@
               <a:buChar char=""/>
             </a:pPr>
             <a:r>
-              <a:rPr b="0" lang="en-US" sz="1800" spc="-1" strike="noStrike">
+              <a:rPr b="0" lang="en-US" sz="1500" spc="-1" strike="noStrike">
                 <a:latin typeface="Arial"/>
               </a:rPr>
               <a:t>Sixth Outline Level</a:t>
             </a:r>
-            <a:endParaRPr b="0" lang="en-US" sz="1800" spc="-1" strike="noStrike">
+            <a:endParaRPr b="0" lang="en-US" sz="1500" spc="-1" strike="noStrike">
               <a:latin typeface="Arial"/>
             </a:endParaRPr>
           </a:p>
           <a:p>
             <a:pPr lvl="6" marL="3024000" indent="-216000" algn="ctr">
-              <a:spcBef>
-                <a:spcPts val="283"/>
-              </a:spcBef>
+              <a:spcAft>
+                <a:spcPts val="213"/>
+              </a:spcAft>
               <a:buClr>
                 <a:srgbClr val="000000"/>
               </a:buClr>
@@ -6784,13 +7697,124 @@
               <a:buChar char=""/>
             </a:pPr>
             <a:r>
-              <a:rPr b="0" lang="en-US" sz="1800" spc="-1" strike="noStrike">
+              <a:rPr b="0" lang="en-US" sz="1500" spc="-1" strike="noStrike">
                 <a:latin typeface="Arial"/>
               </a:rPr>
               <a:t>Seventh Outline Level</a:t>
             </a:r>
-            <a:endParaRPr b="0" lang="en-US" sz="1800" spc="-1" strike="noStrike">
-              <a:latin typeface="Arial"/>
+            <a:endParaRPr b="0" lang="en-US" sz="1500" spc="-1" strike="noStrike">
+              <a:latin typeface="Arial"/>
+            </a:endParaRPr>
+          </a:p>
+        </p:txBody>
+      </p:sp>
+      <p:sp>
+        <p:nvSpPr>
+          <p:cNvPr id="53" name="PlaceHolder 4"/>
+          <p:cNvSpPr>
+            <a:spLocks noGrp="1"/>
+          </p:cNvSpPr>
+          <p:nvPr>
+            <p:ph type="dt"/>
+          </p:nvPr>
+        </p:nvSpPr>
+        <p:spPr>
+          <a:xfrm>
+            <a:off x="7020000" y="4914000"/>
+            <a:ext cx="2880360" cy="391320"/>
+          </a:xfrm>
+          <a:prstGeom prst="rect">
+            <a:avLst/>
+          </a:prstGeom>
+        </p:spPr>
+        <p:txBody>
+          <a:bodyPr lIns="0" rIns="0" tIns="0" bIns="0">
+            <a:noAutofit/>
+          </a:bodyPr>
+          <a:p>
+            <a:pPr algn="r"/>
+            <a:r>
+              <a:rPr b="0" lang="en-US" sz="1400" spc="-1" strike="noStrike">
+                <a:latin typeface="Liberation Sans Narrow"/>
+              </a:rPr>
+              <a:t>&lt;date/time&gt;</a:t>
+            </a:r>
+            <a:endParaRPr b="0" lang="en-US" sz="1400" spc="-1" strike="noStrike">
+              <a:latin typeface="Liberation Sans Narrow"/>
+            </a:endParaRPr>
+          </a:p>
+        </p:txBody>
+      </p:sp>
+      <p:sp>
+        <p:nvSpPr>
+          <p:cNvPr id="54" name="PlaceHolder 5"/>
+          <p:cNvSpPr>
+            <a:spLocks noGrp="1"/>
+          </p:cNvSpPr>
+          <p:nvPr>
+            <p:ph type="ftr"/>
+          </p:nvPr>
+        </p:nvSpPr>
+        <p:spPr>
+          <a:xfrm>
+            <a:off x="5580000" y="5130000"/>
+            <a:ext cx="4320360" cy="391320"/>
+          </a:xfrm>
+          <a:prstGeom prst="rect">
+            <a:avLst/>
+          </a:prstGeom>
+        </p:spPr>
+        <p:txBody>
+          <a:bodyPr lIns="0" rIns="0" tIns="0" bIns="0">
+            <a:noAutofit/>
+          </a:bodyPr>
+          <a:p>
+            <a:pPr algn="r"/>
+            <a:r>
+              <a:rPr b="0" lang="en-US" sz="1400" spc="-1" strike="noStrike">
+                <a:latin typeface="Liberation Sans Narrow"/>
+              </a:rPr>
+              <a:t>&lt;footer&gt;</a:t>
+            </a:r>
+            <a:endParaRPr b="0" lang="en-US" sz="1400" spc="-1" strike="noStrike">
+              <a:latin typeface="Liberation Sans Narrow"/>
+            </a:endParaRPr>
+          </a:p>
+        </p:txBody>
+      </p:sp>
+      <p:sp>
+        <p:nvSpPr>
+          <p:cNvPr id="55" name="PlaceHolder 6"/>
+          <p:cNvSpPr>
+            <a:spLocks noGrp="1"/>
+          </p:cNvSpPr>
+          <p:nvPr>
+            <p:ph type="sldNum"/>
+          </p:nvPr>
+        </p:nvSpPr>
+        <p:spPr>
+          <a:xfrm>
+            <a:off x="7380000" y="4590000"/>
+            <a:ext cx="2520000" cy="391320"/>
+          </a:xfrm>
+          <a:prstGeom prst="rect">
+            <a:avLst/>
+          </a:prstGeom>
+        </p:spPr>
+        <p:txBody>
+          <a:bodyPr lIns="0" rIns="0" tIns="0" bIns="0">
+            <a:noAutofit/>
+          </a:bodyPr>
+          <a:p>
+            <a:pPr algn="r"/>
+            <a:fld id="{3A9C1EF3-8D84-466A-9919-2809E60F05A4}" type="slidenum">
+              <a:rPr b="0" lang="en-US" sz="2600" spc="-1" strike="noStrike">
+                <a:latin typeface="Liberation Sans Narrow"/>
+              </a:rPr>
+              <a:t>&lt;number&gt;</a:t>
+            </a:fld>
+            <a:endParaRPr b="0" lang="en-US" sz="2600" spc="-1" strike="noStrike">
+              <a:latin typeface="Liberation Sans Narrow"/>
             </a:endParaRPr>
           </a:p>
         </p:txBody>
@@ -6834,14 +7858,14 @@
       </p:grpSpPr>
       <p:sp>
         <p:nvSpPr>
-          <p:cNvPr id="103" name="CustomShape 1"/>
+          <p:cNvPr id="92" name="CustomShape 1"/>
           <p:cNvSpPr/>
           <p:nvPr/>
         </p:nvSpPr>
         <p:spPr>
           <a:xfrm>
-            <a:off x="0" y="360"/>
-            <a:ext cx="10079640" cy="5669280"/>
+            <a:off x="360" y="360"/>
+            <a:ext cx="10079640" cy="5669640"/>
           </a:xfrm>
           <a:prstGeom prst="rect">
             <a:avLst/>
@@ -6870,13 +7894,13 @@
       </p:sp>
       <p:sp>
         <p:nvSpPr>
-          <p:cNvPr id="104" name="CustomShape 2"/>
+          <p:cNvPr id="93" name="CustomShape 2"/>
           <p:cNvSpPr/>
           <p:nvPr/>
         </p:nvSpPr>
         <p:spPr>
           <a:xfrm flipH="1">
-            <a:off x="-2520" y="0"/>
+            <a:off x="-2880" y="0"/>
             <a:ext cx="10080000" cy="5670000"/>
           </a:xfrm>
           <a:prstGeom prst="rect">
@@ -6898,35 +7922,7 @@
       </p:sp>
       <p:sp>
         <p:nvSpPr>
-          <p:cNvPr id="105" name="CustomShape 3"/>
-          <p:cNvSpPr/>
-          <p:nvPr/>
-        </p:nvSpPr>
-        <p:spPr>
-          <a:xfrm>
-            <a:off x="0" y="1260360"/>
-            <a:ext cx="10259640" cy="4499280"/>
-          </a:xfrm>
-          <a:prstGeom prst="rect">
-            <a:avLst/>
-          </a:prstGeom>
-          <a:solidFill>
-            <a:srgbClr val="ffffff"/>
-          </a:solidFill>
-          <a:ln w="0">
-            <a:noFill/>
-          </a:ln>
-        </p:spPr>
-        <p:style>
-          <a:lnRef idx="0"/>
-          <a:fillRef idx="0"/>
-          <a:effectRef idx="0"/>
-          <a:fontRef idx="minor"/>
-        </p:style>
-      </p:sp>
-      <p:sp>
-        <p:nvSpPr>
-          <p:cNvPr id="106" name="CustomShape 4"/>
+          <p:cNvPr id="94" name="CustomShape 3"/>
           <p:cNvSpPr/>
           <p:nvPr/>
         </p:nvSpPr>
@@ -6961,6 +7957,9 @@
             </a:pPr>
             <a:r>
               <a:rPr b="0" lang="en-US" sz="1400" spc="-1" strike="noStrike">
+                <a:solidFill>
+                  <a:srgbClr val="ffffff"/>
+                </a:solidFill>
                 <a:latin typeface="Arial"/>
               </a:rPr>
               <a:t>&lt;date/time&gt;</a:t>
@@ -6973,7 +7972,7 @@
       </p:sp>
       <p:sp>
         <p:nvSpPr>
-          <p:cNvPr id="107" name="CustomShape 5"/>
+          <p:cNvPr id="95" name="CustomShape 4"/>
           <p:cNvSpPr/>
           <p:nvPr/>
         </p:nvSpPr>
@@ -7006,8 +8005,11 @@
                 <a:spcPct val="100000"/>
               </a:lnSpc>
             </a:pPr>
-            <a:fld id="{8005D354-10D8-4B6A-9EBB-E00B092BE5A5}" type="slidenum">
+            <a:fld id="{39F98DAC-3CA4-4428-950B-037C75C424E7}" type="slidenum">
               <a:rPr b="0" lang="en-US" sz="1400" spc="-1" strike="noStrike">
+                <a:solidFill>
+                  <a:srgbClr val="ffffff"/>
+                </a:solidFill>
                 <a:latin typeface="Arial"/>
               </a:rPr>
               <a:t>&lt;number&gt;</a:t>
@@ -7020,7 +8022,7 @@
       </p:sp>
       <p:sp>
         <p:nvSpPr>
-          <p:cNvPr id="108" name="CustomShape 6"/>
+          <p:cNvPr id="96" name="CustomShape 5"/>
           <p:cNvSpPr/>
           <p:nvPr/>
         </p:nvSpPr>
@@ -7050,7 +8052,7 @@
       </p:sp>
       <p:sp>
         <p:nvSpPr>
-          <p:cNvPr id="109" name="CustomShape 7"/>
+          <p:cNvPr id="97" name="CustomShape 6"/>
           <p:cNvSpPr/>
           <p:nvPr/>
         </p:nvSpPr>
@@ -7080,14 +8082,14 @@
       </p:sp>
       <p:sp>
         <p:nvSpPr>
-          <p:cNvPr id="110" name="CustomShape 8"/>
+          <p:cNvPr id="98" name="CustomShape 7"/>
           <p:cNvSpPr/>
           <p:nvPr/>
         </p:nvSpPr>
         <p:spPr>
           <a:xfrm>
-            <a:off x="540360" y="1080360"/>
-            <a:ext cx="719640" cy="719640"/>
+            <a:off x="9000360" y="2700360"/>
+            <a:ext cx="1259640" cy="1079640"/>
           </a:xfrm>
           <a:prstGeom prst="ellipse">
             <a:avLst/>
@@ -7110,7 +8112,67 @@
       </p:sp>
       <p:sp>
         <p:nvSpPr>
-          <p:cNvPr id="111" name="CustomShape 9"/>
+          <p:cNvPr id="99" name="CustomShape 8"/>
+          <p:cNvSpPr/>
+          <p:nvPr/>
+        </p:nvSpPr>
+        <p:spPr>
+          <a:xfrm>
+            <a:off x="-179640" y="2430360"/>
+            <a:ext cx="1439640" cy="1349640"/>
+          </a:xfrm>
+          <a:prstGeom prst="ellipse">
+            <a:avLst/>
+          </a:prstGeom>
+          <a:solidFill>
+            <a:srgbClr val="ffffff">
+              <a:alpha val="20000"/>
+            </a:srgbClr>
+          </a:solidFill>
+          <a:ln w="0">
+            <a:noFill/>
+          </a:ln>
+        </p:spPr>
+        <p:style>
+          <a:lnRef idx="0"/>
+          <a:fillRef idx="0"/>
+          <a:effectRef idx="0"/>
+          <a:fontRef idx="minor"/>
+        </p:style>
+      </p:sp>
+      <p:sp>
+        <p:nvSpPr>
+          <p:cNvPr id="100" name="CustomShape 9"/>
+          <p:cNvSpPr/>
+          <p:nvPr/>
+        </p:nvSpPr>
+        <p:spPr>
+          <a:xfrm>
+            <a:off x="540360" y="1080360"/>
+            <a:ext cx="719640" cy="719640"/>
+          </a:xfrm>
+          <a:prstGeom prst="ellipse">
+            <a:avLst/>
+          </a:prstGeom>
+          <a:solidFill>
+            <a:srgbClr val="ffffff">
+              <a:alpha val="20000"/>
+            </a:srgbClr>
+          </a:solidFill>
+          <a:ln w="0">
+            <a:noFill/>
+          </a:ln>
+        </p:spPr>
+        <p:style>
+          <a:lnRef idx="0"/>
+          <a:fillRef idx="0"/>
+          <a:effectRef idx="0"/>
+          <a:fontRef idx="minor"/>
+        </p:style>
+      </p:sp>
+      <p:sp>
+        <p:nvSpPr>
+          <p:cNvPr id="101" name="CustomShape 10"/>
           <p:cNvSpPr/>
           <p:nvPr/>
         </p:nvSpPr>
@@ -7140,7 +8202,157 @@
       </p:sp>
       <p:sp>
         <p:nvSpPr>
-          <p:cNvPr id="112" name="PlaceHolder 10"/>
+          <p:cNvPr id="102" name="CustomShape 11"/>
+          <p:cNvSpPr/>
+          <p:nvPr/>
+        </p:nvSpPr>
+        <p:spPr>
+          <a:xfrm>
+            <a:off x="360" y="5220360"/>
+            <a:ext cx="1619640" cy="1259640"/>
+          </a:xfrm>
+          <a:prstGeom prst="ellipse">
+            <a:avLst/>
+          </a:prstGeom>
+          <a:solidFill>
+            <a:srgbClr val="ffffff">
+              <a:alpha val="15000"/>
+            </a:srgbClr>
+          </a:solidFill>
+          <a:ln w="0">
+            <a:noFill/>
+          </a:ln>
+        </p:spPr>
+        <p:style>
+          <a:lnRef idx="0"/>
+          <a:fillRef idx="0"/>
+          <a:effectRef idx="0"/>
+          <a:fontRef idx="minor"/>
+        </p:style>
+      </p:sp>
+      <p:sp>
+        <p:nvSpPr>
+          <p:cNvPr id="103" name="CustomShape 12"/>
+          <p:cNvSpPr/>
+          <p:nvPr/>
+        </p:nvSpPr>
+        <p:spPr>
+          <a:xfrm>
+            <a:off x="9720360" y="4680360"/>
+            <a:ext cx="719640" cy="719640"/>
+          </a:xfrm>
+          <a:prstGeom prst="ellipse">
+            <a:avLst/>
+          </a:prstGeom>
+          <a:solidFill>
+            <a:srgbClr val="ffffff">
+              <a:alpha val="30000"/>
+            </a:srgbClr>
+          </a:solidFill>
+          <a:ln w="0">
+            <a:noFill/>
+          </a:ln>
+        </p:spPr>
+        <p:style>
+          <a:lnRef idx="0"/>
+          <a:fillRef idx="0"/>
+          <a:effectRef idx="0"/>
+          <a:fontRef idx="minor"/>
+        </p:style>
+      </p:sp>
+      <p:sp>
+        <p:nvSpPr>
+          <p:cNvPr id="104" name="CustomShape 13"/>
+          <p:cNvSpPr/>
+          <p:nvPr/>
+        </p:nvSpPr>
+        <p:spPr>
+          <a:xfrm>
+            <a:off x="9540360" y="3420360"/>
+            <a:ext cx="719640" cy="719640"/>
+          </a:xfrm>
+          <a:prstGeom prst="ellipse">
+            <a:avLst/>
+          </a:prstGeom>
+          <a:solidFill>
+            <a:srgbClr val="ffffff">
+              <a:alpha val="10000"/>
+            </a:srgbClr>
+          </a:solidFill>
+          <a:ln w="0">
+            <a:noFill/>
+          </a:ln>
+        </p:spPr>
+        <p:style>
+          <a:lnRef idx="0"/>
+          <a:fillRef idx="0"/>
+          <a:effectRef idx="0"/>
+          <a:fontRef idx="minor"/>
+        </p:style>
+      </p:sp>
+      <p:sp>
+        <p:nvSpPr>
+          <p:cNvPr id="105" name="CustomShape 14"/>
+          <p:cNvSpPr/>
+          <p:nvPr/>
+        </p:nvSpPr>
+        <p:spPr>
+          <a:xfrm>
+            <a:off x="8100360" y="4680360"/>
+            <a:ext cx="1079640" cy="842040"/>
+          </a:xfrm>
+          <a:prstGeom prst="ellipse">
+            <a:avLst/>
+          </a:prstGeom>
+          <a:solidFill>
+            <a:srgbClr val="ffffff">
+              <a:alpha val="20000"/>
+            </a:srgbClr>
+          </a:solidFill>
+          <a:ln w="0">
+            <a:noFill/>
+          </a:ln>
+        </p:spPr>
+        <p:style>
+          <a:lnRef idx="0"/>
+          <a:fillRef idx="0"/>
+          <a:effectRef idx="0"/>
+          <a:fontRef idx="minor"/>
+        </p:style>
+      </p:sp>
+      <p:sp>
+        <p:nvSpPr>
+          <p:cNvPr id="106" name="CustomShape 15"/>
+          <p:cNvSpPr/>
+          <p:nvPr/>
+        </p:nvSpPr>
+        <p:spPr>
+          <a:xfrm>
+            <a:off x="7920360" y="5400360"/>
+            <a:ext cx="899640" cy="899640"/>
+          </a:xfrm>
+          <a:prstGeom prst="ellipse">
+            <a:avLst/>
+          </a:prstGeom>
+          <a:solidFill>
+            <a:srgbClr val="ffffff">
+              <a:alpha val="25000"/>
+            </a:srgbClr>
+          </a:solidFill>
+          <a:ln w="0">
+            <a:noFill/>
+          </a:ln>
+        </p:spPr>
+        <p:style>
+          <a:lnRef idx="0"/>
+          <a:fillRef idx="0"/>
+          <a:effectRef idx="0"/>
+          <a:fontRef idx="minor"/>
+        </p:style>
+      </p:sp>
+      <p:sp>
+        <p:nvSpPr>
+          <p:cNvPr id="107" name="PlaceHolder 16"/>
           <p:cNvSpPr>
             <a:spLocks noGrp="1"/>
           </p:cNvSpPr>
@@ -7177,7 +8389,7 @@
       </p:sp>
       <p:sp>
         <p:nvSpPr>
-          <p:cNvPr id="113" name="PlaceHolder 11"/>
+          <p:cNvPr id="108" name="PlaceHolder 17"/>
           <p:cNvSpPr>
             <a:spLocks noGrp="1"/>
           </p:cNvSpPr>
@@ -7187,8 +8399,8 @@
         </p:nvSpPr>
         <p:spPr>
           <a:xfrm>
-            <a:off x="504000" y="1326600"/>
-            <a:ext cx="9072000" cy="3288600"/>
+            <a:off x="540000" y="1440000"/>
+            <a:ext cx="8999640" cy="3599640"/>
           </a:xfrm>
           <a:prstGeom prst="rect">
             <a:avLst/>
@@ -7199,7 +8411,7 @@
             <a:normAutofit/>
           </a:bodyPr>
           <a:p>
-            <a:pPr marL="432000" indent="-324000">
+            <a:pPr marL="432000" indent="-324000" algn="ctr">
               <a:spcBef>
                 <a:spcPts val="1417"/>
               </a:spcBef>
@@ -7211,17 +8423,17 @@
               <a:buChar char=""/>
             </a:pPr>
             <a:r>
-              <a:rPr b="0" lang="en-US" sz="3200" spc="-1" strike="noStrike">
+              <a:rPr b="0" lang="en-US" sz="1800" spc="-1" strike="noStrike">
                 <a:latin typeface="Arial"/>
               </a:rPr>
               <a:t>Click to edit the outline text format</a:t>
             </a:r>
-            <a:endParaRPr b="0" lang="en-US" sz="3200" spc="-1" strike="noStrike">
-              <a:latin typeface="Arial"/>
-            </a:endParaRPr>
-          </a:p>
-          <a:p>
-            <a:pPr lvl="1" marL="864000" indent="-324000">
+            <a:endParaRPr b="0" lang="en-US" sz="1800" spc="-1" strike="noStrike">
+              <a:latin typeface="Arial"/>
+            </a:endParaRPr>
+          </a:p>
+          <a:p>
+            <a:pPr lvl="1" marL="864000" indent="-324000" algn="ctr">
               <a:spcBef>
                 <a:spcPts val="1134"/>
               </a:spcBef>
@@ -7233,17 +8445,17 @@
               <a:buChar char=""/>
             </a:pPr>
             <a:r>
-              <a:rPr b="0" lang="en-US" sz="2800" spc="-1" strike="noStrike">
+              <a:rPr b="0" lang="en-US" sz="1800" spc="-1" strike="noStrike">
                 <a:latin typeface="Arial"/>
               </a:rPr>
               <a:t>Second Outline Level</a:t>
             </a:r>
-            <a:endParaRPr b="0" lang="en-US" sz="2800" spc="-1" strike="noStrike">
-              <a:latin typeface="Arial"/>
-            </a:endParaRPr>
-          </a:p>
-          <a:p>
-            <a:pPr lvl="2" marL="1296000" indent="-288000">
+            <a:endParaRPr b="0" lang="en-US" sz="1800" spc="-1" strike="noStrike">
+              <a:latin typeface="Arial"/>
+            </a:endParaRPr>
+          </a:p>
+          <a:p>
+            <a:pPr lvl="2" marL="1296000" indent="-288000" algn="ctr">
               <a:spcBef>
                 <a:spcPts val="850"/>
               </a:spcBef>
@@ -7255,17 +8467,17 @@
               <a:buChar char=""/>
             </a:pPr>
             <a:r>
-              <a:rPr b="0" lang="en-US" sz="2400" spc="-1" strike="noStrike">
+              <a:rPr b="0" lang="en-US" sz="1800" spc="-1" strike="noStrike">
                 <a:latin typeface="Arial"/>
               </a:rPr>
               <a:t>Third Outline Level</a:t>
             </a:r>
-            <a:endParaRPr b="0" lang="en-US" sz="2400" spc="-1" strike="noStrike">
-              <a:latin typeface="Arial"/>
-            </a:endParaRPr>
-          </a:p>
-          <a:p>
-            <a:pPr lvl="3" marL="1728000" indent="-216000">
+            <a:endParaRPr b="0" lang="en-US" sz="1800" spc="-1" strike="noStrike">
+              <a:latin typeface="Arial"/>
+            </a:endParaRPr>
+          </a:p>
+          <a:p>
+            <a:pPr lvl="3" marL="1728000" indent="-216000" algn="ctr">
               <a:spcBef>
                 <a:spcPts val="567"/>
               </a:spcBef>
@@ -7277,17 +8489,17 @@
               <a:buChar char=""/>
             </a:pPr>
             <a:r>
-              <a:rPr b="0" lang="en-US" sz="2000" spc="-1" strike="noStrike">
+              <a:rPr b="0" lang="en-US" sz="1800" spc="-1" strike="noStrike">
                 <a:latin typeface="Arial"/>
               </a:rPr>
               <a:t>Fourth Outline Level</a:t>
             </a:r>
-            <a:endParaRPr b="0" lang="en-US" sz="2000" spc="-1" strike="noStrike">
-              <a:latin typeface="Arial"/>
-            </a:endParaRPr>
-          </a:p>
-          <a:p>
-            <a:pPr lvl="4" marL="2160000" indent="-216000">
+            <a:endParaRPr b="0" lang="en-US" sz="1800" spc="-1" strike="noStrike">
+              <a:latin typeface="Arial"/>
+            </a:endParaRPr>
+          </a:p>
+          <a:p>
+            <a:pPr lvl="4" marL="2160000" indent="-216000" algn="ctr">
               <a:spcBef>
                 <a:spcPts val="283"/>
               </a:spcBef>
@@ -7299,17 +8511,17 @@
               <a:buChar char=""/>
             </a:pPr>
             <a:r>
-              <a:rPr b="0" lang="en-US" sz="2000" spc="-1" strike="noStrike">
+              <a:rPr b="0" lang="en-US" sz="1800" spc="-1" strike="noStrike">
                 <a:latin typeface="Arial"/>
               </a:rPr>
               <a:t>Fifth Outline Level</a:t>
             </a:r>
-            <a:endParaRPr b="0" lang="en-US" sz="2000" spc="-1" strike="noStrike">
-              <a:latin typeface="Arial"/>
-            </a:endParaRPr>
-          </a:p>
-          <a:p>
-            <a:pPr lvl="5" marL="2592000" indent="-216000">
+            <a:endParaRPr b="0" lang="en-US" sz="1800" spc="-1" strike="noStrike">
+              <a:latin typeface="Arial"/>
+            </a:endParaRPr>
+          </a:p>
+          <a:p>
+            <a:pPr lvl="5" marL="2592000" indent="-216000" algn="ctr">
               <a:spcBef>
                 <a:spcPts val="283"/>
               </a:spcBef>
@@ -7321,17 +8533,17 @@
               <a:buChar char=""/>
             </a:pPr>
             <a:r>
-              <a:rPr b="0" lang="en-US" sz="2000" spc="-1" strike="noStrike">
+              <a:rPr b="0" lang="en-US" sz="1800" spc="-1" strike="noStrike">
                 <a:latin typeface="Arial"/>
               </a:rPr>
               <a:t>Sixth Outline Level</a:t>
             </a:r>
-            <a:endParaRPr b="0" lang="en-US" sz="2000" spc="-1" strike="noStrike">
-              <a:latin typeface="Arial"/>
-            </a:endParaRPr>
-          </a:p>
-          <a:p>
-            <a:pPr lvl="6" marL="3024000" indent="-216000">
+            <a:endParaRPr b="0" lang="en-US" sz="1800" spc="-1" strike="noStrike">
+              <a:latin typeface="Arial"/>
+            </a:endParaRPr>
+          </a:p>
+          <a:p>
+            <a:pPr lvl="6" marL="3024000" indent="-216000" algn="ctr">
               <a:spcBef>
                 <a:spcPts val="283"/>
               </a:spcBef>
@@ -7343,12 +8555,12 @@
               <a:buChar char=""/>
             </a:pPr>
             <a:r>
-              <a:rPr b="0" lang="en-US" sz="2000" spc="-1" strike="noStrike">
+              <a:rPr b="0" lang="en-US" sz="1800" spc="-1" strike="noStrike">
                 <a:latin typeface="Arial"/>
               </a:rPr>
               <a:t>Seventh Outline Level</a:t>
             </a:r>
-            <a:endParaRPr b="0" lang="en-US" sz="2000" spc="-1" strike="noStrike">
+            <a:endParaRPr b="0" lang="en-US" sz="1800" spc="-1" strike="noStrike">
               <a:latin typeface="Arial"/>
             </a:endParaRPr>
           </a:p>
@@ -7393,7 +8605,7 @@
       </p:grpSpPr>
       <p:sp>
         <p:nvSpPr>
-          <p:cNvPr id="150" name="CustomShape 1"/>
+          <p:cNvPr id="145" name="CustomShape 1"/>
           <p:cNvSpPr/>
           <p:nvPr/>
         </p:nvSpPr>
@@ -7429,7 +8641,7 @@
       </p:sp>
       <p:sp>
         <p:nvSpPr>
-          <p:cNvPr id="151" name="CustomShape 2"/>
+          <p:cNvPr id="146" name="CustomShape 2"/>
           <p:cNvSpPr/>
           <p:nvPr/>
         </p:nvSpPr>
@@ -7457,7 +8669,7 @@
       </p:sp>
       <p:sp>
         <p:nvSpPr>
-          <p:cNvPr id="152" name="CustomShape 3"/>
+          <p:cNvPr id="147" name="CustomShape 3"/>
           <p:cNvSpPr/>
           <p:nvPr/>
         </p:nvSpPr>
@@ -7485,7 +8697,7 @@
       </p:sp>
       <p:sp>
         <p:nvSpPr>
-          <p:cNvPr id="153" name="CustomShape 4"/>
+          <p:cNvPr id="148" name="CustomShape 4"/>
           <p:cNvSpPr/>
           <p:nvPr/>
         </p:nvSpPr>
@@ -7532,7 +8744,7 @@
       </p:sp>
       <p:sp>
         <p:nvSpPr>
-          <p:cNvPr id="154" name="CustomShape 5"/>
+          <p:cNvPr id="149" name="CustomShape 5"/>
           <p:cNvSpPr/>
           <p:nvPr/>
         </p:nvSpPr>
@@ -7565,7 +8777,7 @@
                 <a:spcPct val="100000"/>
               </a:lnSpc>
             </a:pPr>
-            <a:fld id="{BEA7CA5F-60F0-4BBF-9A43-4939A6CDECF3}" type="slidenum">
+            <a:fld id="{FC290EBC-95D3-4EC7-98BF-08F461C976EC}" type="slidenum">
               <a:rPr b="0" lang="en-US" sz="1400" spc="-1" strike="noStrike">
                 <a:latin typeface="Arial"/>
               </a:rPr>
@@ -7579,7 +8791,7 @@
       </p:sp>
       <p:sp>
         <p:nvSpPr>
-          <p:cNvPr id="155" name="CustomShape 6"/>
+          <p:cNvPr id="150" name="CustomShape 6"/>
           <p:cNvSpPr/>
           <p:nvPr/>
         </p:nvSpPr>
@@ -7609,7 +8821,7 @@
       </p:sp>
       <p:sp>
         <p:nvSpPr>
-          <p:cNvPr id="156" name="CustomShape 7"/>
+          <p:cNvPr id="151" name="CustomShape 7"/>
           <p:cNvSpPr/>
           <p:nvPr/>
         </p:nvSpPr>
@@ -7639,7 +8851,7 @@
       </p:sp>
       <p:sp>
         <p:nvSpPr>
-          <p:cNvPr id="157" name="CustomShape 8"/>
+          <p:cNvPr id="152" name="CustomShape 8"/>
           <p:cNvSpPr/>
           <p:nvPr/>
         </p:nvSpPr>
@@ -7669,7 +8881,7 @@
       </p:sp>
       <p:sp>
         <p:nvSpPr>
-          <p:cNvPr id="158" name="CustomShape 9"/>
+          <p:cNvPr id="153" name="CustomShape 9"/>
           <p:cNvSpPr/>
           <p:nvPr/>
         </p:nvSpPr>
@@ -7699,7 +8911,7 @@
       </p:sp>
       <p:sp>
         <p:nvSpPr>
-          <p:cNvPr id="159" name="PlaceHolder 10"/>
+          <p:cNvPr id="154" name="PlaceHolder 10"/>
           <p:cNvSpPr>
             <a:spLocks noGrp="1"/>
           </p:cNvSpPr>
@@ -7736,7 +8948,566 @@
       </p:sp>
       <p:sp>
         <p:nvSpPr>
-          <p:cNvPr id="160" name="PlaceHolder 11"/>
+          <p:cNvPr id="155" name="PlaceHolder 11"/>
+          <p:cNvSpPr>
+            <a:spLocks noGrp="1"/>
+          </p:cNvSpPr>
+          <p:nvPr>
+            <p:ph type="body"/>
+          </p:nvPr>
+        </p:nvSpPr>
+        <p:spPr>
+          <a:xfrm>
+            <a:off x="504000" y="1326600"/>
+            <a:ext cx="9072000" cy="3288600"/>
+          </a:xfrm>
+          <a:prstGeom prst="rect">
+            <a:avLst/>
+          </a:prstGeom>
+        </p:spPr>
+        <p:txBody>
+          <a:bodyPr lIns="0" rIns="0" tIns="0" bIns="0">
+            <a:normAutofit/>
+          </a:bodyPr>
+          <a:p>
+            <a:pPr marL="432000" indent="-324000">
+              <a:spcBef>
+                <a:spcPts val="1417"/>
+              </a:spcBef>
+              <a:buClr>
+                <a:srgbClr val="000000"/>
+              </a:buClr>
+              <a:buSzPct val="45000"/>
+              <a:buFont typeface="Wingdings" charset="2"/>
+              <a:buChar char=""/>
+            </a:pPr>
+            <a:r>
+              <a:rPr b="0" lang="en-US" sz="3200" spc="-1" strike="noStrike">
+                <a:latin typeface="Arial"/>
+              </a:rPr>
+              <a:t>Click to edit the outline text format</a:t>
+            </a:r>
+            <a:endParaRPr b="0" lang="en-US" sz="3200" spc="-1" strike="noStrike">
+              <a:latin typeface="Arial"/>
+            </a:endParaRPr>
+          </a:p>
+          <a:p>
+            <a:pPr lvl="1" marL="864000" indent="-324000">
+              <a:spcBef>
+                <a:spcPts val="1134"/>
+              </a:spcBef>
+              <a:buClr>
+                <a:srgbClr val="000000"/>
+              </a:buClr>
+              <a:buSzPct val="75000"/>
+              <a:buFont typeface="Symbol" charset="2"/>
+              <a:buChar char=""/>
+            </a:pPr>
+            <a:r>
+              <a:rPr b="0" lang="en-US" sz="2800" spc="-1" strike="noStrike">
+                <a:latin typeface="Arial"/>
+              </a:rPr>
+              <a:t>Second Outline Level</a:t>
+            </a:r>
+            <a:endParaRPr b="0" lang="en-US" sz="2800" spc="-1" strike="noStrike">
+              <a:latin typeface="Arial"/>
+            </a:endParaRPr>
+          </a:p>
+          <a:p>
+            <a:pPr lvl="2" marL="1296000" indent="-288000">
+              <a:spcBef>
+                <a:spcPts val="850"/>
+              </a:spcBef>
+              <a:buClr>
+                <a:srgbClr val="000000"/>
+              </a:buClr>
+              <a:buSzPct val="45000"/>
+              <a:buFont typeface="Wingdings" charset="2"/>
+              <a:buChar char=""/>
+            </a:pPr>
+            <a:r>
+              <a:rPr b="0" lang="en-US" sz="2400" spc="-1" strike="noStrike">
+                <a:latin typeface="Arial"/>
+              </a:rPr>
+              <a:t>Third Outline Level</a:t>
+            </a:r>
+            <a:endParaRPr b="0" lang="en-US" sz="2400" spc="-1" strike="noStrike">
+              <a:latin typeface="Arial"/>
+            </a:endParaRPr>
+          </a:p>
+          <a:p>
+            <a:pPr lvl="3" marL="1728000" indent="-216000">
+              <a:spcBef>
+                <a:spcPts val="567"/>
+              </a:spcBef>
+              <a:buClr>
+                <a:srgbClr val="000000"/>
+              </a:buClr>
+              <a:buSzPct val="75000"/>
+              <a:buFont typeface="Symbol" charset="2"/>
+              <a:buChar char=""/>
+            </a:pPr>
+            <a:r>
+              <a:rPr b="0" lang="en-US" sz="2000" spc="-1" strike="noStrike">
+                <a:latin typeface="Arial"/>
+              </a:rPr>
+              <a:t>Fourth Outline Level</a:t>
+            </a:r>
+            <a:endParaRPr b="0" lang="en-US" sz="2000" spc="-1" strike="noStrike">
+              <a:latin typeface="Arial"/>
+            </a:endParaRPr>
+          </a:p>
+          <a:p>
+            <a:pPr lvl="4" marL="2160000" indent="-216000">
+              <a:spcBef>
+                <a:spcPts val="283"/>
+              </a:spcBef>
+              <a:buClr>
+                <a:srgbClr val="000000"/>
+              </a:buClr>
+              <a:buSzPct val="45000"/>
+              <a:buFont typeface="Wingdings" charset="2"/>
+              <a:buChar char=""/>
+            </a:pPr>
+            <a:r>
+              <a:rPr b="0" lang="en-US" sz="2000" spc="-1" strike="noStrike">
+                <a:latin typeface="Arial"/>
+              </a:rPr>
+              <a:t>Fifth Outline Level</a:t>
+            </a:r>
+            <a:endParaRPr b="0" lang="en-US" sz="2000" spc="-1" strike="noStrike">
+              <a:latin typeface="Arial"/>
+            </a:endParaRPr>
+          </a:p>
+          <a:p>
+            <a:pPr lvl="5" marL="2592000" indent="-216000">
+              <a:spcBef>
+                <a:spcPts val="283"/>
+              </a:spcBef>
+              <a:buClr>
+                <a:srgbClr val="000000"/>
+              </a:buClr>
+              <a:buSzPct val="45000"/>
+              <a:buFont typeface="Wingdings" charset="2"/>
+              <a:buChar char=""/>
+            </a:pPr>
+            <a:r>
+              <a:rPr b="0" lang="en-US" sz="2000" spc="-1" strike="noStrike">
+                <a:latin typeface="Arial"/>
+              </a:rPr>
+              <a:t>Sixth Outline Level</a:t>
+            </a:r>
+            <a:endParaRPr b="0" lang="en-US" sz="2000" spc="-1" strike="noStrike">
+              <a:latin typeface="Arial"/>
+            </a:endParaRPr>
+          </a:p>
+          <a:p>
+            <a:pPr lvl="6" marL="3024000" indent="-216000">
+              <a:spcBef>
+                <a:spcPts val="283"/>
+              </a:spcBef>
+              <a:buClr>
+                <a:srgbClr val="000000"/>
+              </a:buClr>
+              <a:buSzPct val="45000"/>
+              <a:buFont typeface="Wingdings" charset="2"/>
+              <a:buChar char=""/>
+            </a:pPr>
+            <a:r>
+              <a:rPr b="0" lang="en-US" sz="2000" spc="-1" strike="noStrike">
+                <a:latin typeface="Arial"/>
+              </a:rPr>
+              <a:t>Seventh Outline Level</a:t>
+            </a:r>
+            <a:endParaRPr b="0" lang="en-US" sz="2000" spc="-1" strike="noStrike">
+              <a:latin typeface="Arial"/>
+            </a:endParaRPr>
+          </a:p>
+        </p:txBody>
+      </p:sp>
+    </p:spTree>
+  </p:cSld>
+  <p:clrMap bg1="lt1" bg2="lt2" tx1="dk1" tx2="dk2" accent1="accent1" accent2="accent2" accent3="accent3" accent4="accent4" accent5="accent5" accent6="accent6" hlink="hlink" folHlink="folHlink"/>
+  <p:sldLayoutIdLst>
+    <p:sldLayoutId id="2147483688" r:id="rId2"/>
+    <p:sldLayoutId id="2147483689" r:id="rId3"/>
+    <p:sldLayoutId id="2147483690" r:id="rId4"/>
+    <p:sldLayoutId id="2147483691" r:id="rId5"/>
+    <p:sldLayoutId id="2147483692" r:id="rId6"/>
+    <p:sldLayoutId id="2147483693" r:id="rId7"/>
+    <p:sldLayoutId id="2147483694" r:id="rId8"/>
+    <p:sldLayoutId id="2147483695" r:id="rId9"/>
+    <p:sldLayoutId id="2147483696" r:id="rId10"/>
+    <p:sldLayoutId id="2147483697" r:id="rId11"/>
+    <p:sldLayoutId id="2147483698" r:id="rId12"/>
+    <p:sldLayoutId id="2147483699" r:id="rId13"/>
+  </p:sldLayoutIdLst>
+</p:sldMaster>
+</file>
+
+<file path=ppt/slideMasters/slideMaster5.xml><?xml version="1.0" encoding="utf-8"?>
+<p:sldMaster xmlns:a="http://schemas.openxmlformats.org/drawingml/2006/main" xmlns:p="http://schemas.openxmlformats.org/presentationml/2006/main" xmlns:r="http://schemas.openxmlformats.org/officeDocument/2006/relationships" xmlns:p14="http://schemas.microsoft.com/office/powerpoint/2010/main" xmlns:p15="http://schemas.microsoft.com/office/powerpoint/2012/main" xmlns:mc="http://schemas.openxmlformats.org/markup-compatibility/2006">
+  <p:cSld>
+    <p:spTree>
+      <p:nvGrpSpPr>
+        <p:cNvPr id="1" name=""/>
+        <p:cNvGrpSpPr/>
+        <p:nvPr/>
+      </p:nvGrpSpPr>
+      <p:grpSpPr>
+        <a:xfrm>
+          <a:off x="0" y="0"/>
+          <a:ext cx="0" cy="0"/>
+          <a:chOff x="0" y="0"/>
+          <a:chExt cx="0" cy="0"/>
+        </a:xfrm>
+      </p:grpSpPr>
+      <p:sp>
+        <p:nvSpPr>
+          <p:cNvPr id="192" name="CustomShape 1"/>
+          <p:cNvSpPr/>
+          <p:nvPr/>
+        </p:nvSpPr>
+        <p:spPr>
+          <a:xfrm>
+            <a:off x="0" y="360"/>
+            <a:ext cx="10079640" cy="5669280"/>
+          </a:xfrm>
+          <a:prstGeom prst="rect">
+            <a:avLst/>
+          </a:prstGeom>
+          <a:gradFill rotWithShape="0">
+            <a:gsLst>
+              <a:gs pos="30000">
+                <a:srgbClr val="000032"/>
+              </a:gs>
+              <a:gs pos="100000">
+                <a:srgbClr val="f60063"/>
+              </a:gs>
+            </a:gsLst>
+            <a:lin ang="4200000"/>
+          </a:gradFill>
+          <a:ln w="0">
+            <a:noFill/>
+          </a:ln>
+        </p:spPr>
+        <p:style>
+          <a:lnRef idx="0"/>
+          <a:fillRef idx="0"/>
+          <a:effectRef idx="0"/>
+          <a:fontRef idx="minor"/>
+        </p:style>
+      </p:sp>
+      <p:sp>
+        <p:nvSpPr>
+          <p:cNvPr id="193" name="CustomShape 2"/>
+          <p:cNvSpPr/>
+          <p:nvPr/>
+        </p:nvSpPr>
+        <p:spPr>
+          <a:xfrm flipH="1">
+            <a:off x="-2520" y="0"/>
+            <a:ext cx="10080000" cy="5670000"/>
+          </a:xfrm>
+          <a:prstGeom prst="rect">
+            <a:avLst/>
+          </a:prstGeom>
+          <a:solidFill>
+            <a:srgbClr val="ffffff"/>
+          </a:solidFill>
+          <a:ln w="0">
+            <a:noFill/>
+          </a:ln>
+        </p:spPr>
+        <p:style>
+          <a:lnRef idx="0"/>
+          <a:fillRef idx="0"/>
+          <a:effectRef idx="0"/>
+          <a:fontRef idx="minor"/>
+        </p:style>
+      </p:sp>
+      <p:sp>
+        <p:nvSpPr>
+          <p:cNvPr id="194" name="CustomShape 3"/>
+          <p:cNvSpPr/>
+          <p:nvPr/>
+        </p:nvSpPr>
+        <p:spPr>
+          <a:xfrm>
+            <a:off x="0" y="1260360"/>
+            <a:ext cx="10259640" cy="4499280"/>
+          </a:xfrm>
+          <a:prstGeom prst="rect">
+            <a:avLst/>
+          </a:prstGeom>
+          <a:solidFill>
+            <a:srgbClr val="ffffff"/>
+          </a:solidFill>
+          <a:ln w="0">
+            <a:noFill/>
+          </a:ln>
+        </p:spPr>
+        <p:style>
+          <a:lnRef idx="0"/>
+          <a:fillRef idx="0"/>
+          <a:effectRef idx="0"/>
+          <a:fontRef idx="minor"/>
+        </p:style>
+      </p:sp>
+      <p:sp>
+        <p:nvSpPr>
+          <p:cNvPr id="195" name="CustomShape 4"/>
+          <p:cNvSpPr/>
+          <p:nvPr/>
+        </p:nvSpPr>
+        <p:spPr>
+          <a:xfrm>
+            <a:off x="180360" y="5130360"/>
+            <a:ext cx="2339640" cy="392040"/>
+          </a:xfrm>
+          <a:prstGeom prst="rect">
+            <a:avLst/>
+          </a:prstGeom>
+          <a:noFill/>
+          <a:ln w="0">
+            <a:noFill/>
+          </a:ln>
+        </p:spPr>
+        <p:style>
+          <a:lnRef idx="0"/>
+          <a:fillRef idx="0"/>
+          <a:effectRef idx="0"/>
+          <a:fontRef idx="minor"/>
+        </p:style>
+        <p:txBody>
+          <a:bodyPr lIns="0" rIns="0" tIns="0" bIns="0" anchor="b">
+            <a:noAutofit/>
+          </a:bodyPr>
+          <a:p>
+            <a:pPr>
+              <a:lnSpc>
+                <a:spcPct val="100000"/>
+              </a:lnSpc>
+            </a:pPr>
+            <a:r>
+              <a:rPr b="0" lang="en-US" sz="1400" spc="-1" strike="noStrike">
+                <a:latin typeface="Arial"/>
+              </a:rPr>
+              <a:t>&lt;date/time&gt;</a:t>
+            </a:r>
+            <a:endParaRPr b="0" lang="en-US" sz="1400" spc="-1" strike="noStrike">
+              <a:latin typeface="Arial"/>
+            </a:endParaRPr>
+          </a:p>
+        </p:txBody>
+      </p:sp>
+      <p:sp>
+        <p:nvSpPr>
+          <p:cNvPr id="196" name="CustomShape 5"/>
+          <p:cNvSpPr/>
+          <p:nvPr/>
+        </p:nvSpPr>
+        <p:spPr>
+          <a:xfrm>
+            <a:off x="7560360" y="5130360"/>
+            <a:ext cx="2339640" cy="392040"/>
+          </a:xfrm>
+          <a:prstGeom prst="rect">
+            <a:avLst/>
+          </a:prstGeom>
+          <a:noFill/>
+          <a:ln w="0">
+            <a:noFill/>
+          </a:ln>
+        </p:spPr>
+        <p:style>
+          <a:lnRef idx="0"/>
+          <a:fillRef idx="0"/>
+          <a:effectRef idx="0"/>
+          <a:fontRef idx="minor"/>
+        </p:style>
+        <p:txBody>
+          <a:bodyPr lIns="0" rIns="0" tIns="0" bIns="0" anchor="b">
+            <a:noAutofit/>
+          </a:bodyPr>
+          <a:p>
+            <a:pPr algn="r">
+              <a:lnSpc>
+                <a:spcPct val="100000"/>
+              </a:lnSpc>
+            </a:pPr>
+            <a:fld id="{DF67E6C9-13D1-4F2F-89F1-8E5B6BE41599}" type="slidenum">
+              <a:rPr b="0" lang="en-US" sz="1400" spc="-1" strike="noStrike">
+                <a:latin typeface="Arial"/>
+              </a:rPr>
+              <a:t>&lt;number&gt;</a:t>
+            </a:fld>
+            <a:endParaRPr b="0" lang="en-US" sz="1400" spc="-1" strike="noStrike">
+              <a:latin typeface="Arial"/>
+            </a:endParaRPr>
+          </a:p>
+        </p:txBody>
+      </p:sp>
+      <p:sp>
+        <p:nvSpPr>
+          <p:cNvPr id="197" name="CustomShape 6"/>
+          <p:cNvSpPr/>
+          <p:nvPr/>
+        </p:nvSpPr>
+        <p:spPr>
+          <a:xfrm>
+            <a:off x="1440360" y="1080360"/>
+            <a:ext cx="1439640" cy="1259640"/>
+          </a:xfrm>
+          <a:prstGeom prst="ellipse">
+            <a:avLst/>
+          </a:prstGeom>
+          <a:solidFill>
+            <a:srgbClr val="ffffff">
+              <a:alpha val="30000"/>
+            </a:srgbClr>
+          </a:solidFill>
+          <a:ln w="0">
+            <a:noFill/>
+          </a:ln>
+        </p:spPr>
+        <p:style>
+          <a:lnRef idx="0"/>
+          <a:fillRef idx="0"/>
+          <a:effectRef idx="0"/>
+          <a:fontRef idx="minor"/>
+        </p:style>
+      </p:sp>
+      <p:sp>
+        <p:nvSpPr>
+          <p:cNvPr id="198" name="CustomShape 7"/>
+          <p:cNvSpPr/>
+          <p:nvPr/>
+        </p:nvSpPr>
+        <p:spPr>
+          <a:xfrm>
+            <a:off x="7380360" y="3960360"/>
+            <a:ext cx="1439640" cy="1259640"/>
+          </a:xfrm>
+          <a:prstGeom prst="ellipse">
+            <a:avLst/>
+          </a:prstGeom>
+          <a:solidFill>
+            <a:srgbClr val="ffffff">
+              <a:alpha val="30000"/>
+            </a:srgbClr>
+          </a:solidFill>
+          <a:ln w="0">
+            <a:noFill/>
+          </a:ln>
+        </p:spPr>
+        <p:style>
+          <a:lnRef idx="0"/>
+          <a:fillRef idx="0"/>
+          <a:effectRef idx="0"/>
+          <a:fontRef idx="minor"/>
+        </p:style>
+      </p:sp>
+      <p:sp>
+        <p:nvSpPr>
+          <p:cNvPr id="199" name="CustomShape 8"/>
+          <p:cNvSpPr/>
+          <p:nvPr/>
+        </p:nvSpPr>
+        <p:spPr>
+          <a:xfrm>
+            <a:off x="540360" y="1080360"/>
+            <a:ext cx="719640" cy="719640"/>
+          </a:xfrm>
+          <a:prstGeom prst="ellipse">
+            <a:avLst/>
+          </a:prstGeom>
+          <a:solidFill>
+            <a:srgbClr val="ffffff">
+              <a:alpha val="20000"/>
+            </a:srgbClr>
+          </a:solidFill>
+          <a:ln w="0">
+            <a:noFill/>
+          </a:ln>
+        </p:spPr>
+        <p:style>
+          <a:lnRef idx="0"/>
+          <a:fillRef idx="0"/>
+          <a:effectRef idx="0"/>
+          <a:fontRef idx="minor"/>
+        </p:style>
+      </p:sp>
+      <p:sp>
+        <p:nvSpPr>
+          <p:cNvPr id="200" name="CustomShape 9"/>
+          <p:cNvSpPr/>
+          <p:nvPr/>
+        </p:nvSpPr>
+        <p:spPr>
+          <a:xfrm>
+            <a:off x="360" y="1260360"/>
+            <a:ext cx="719640" cy="719640"/>
+          </a:xfrm>
+          <a:prstGeom prst="ellipse">
+            <a:avLst/>
+          </a:prstGeom>
+          <a:solidFill>
+            <a:srgbClr val="ffffff">
+              <a:alpha val="10000"/>
+            </a:srgbClr>
+          </a:solidFill>
+          <a:ln w="0">
+            <a:noFill/>
+          </a:ln>
+        </p:spPr>
+        <p:style>
+          <a:lnRef idx="0"/>
+          <a:fillRef idx="0"/>
+          <a:effectRef idx="0"/>
+          <a:fontRef idx="minor"/>
+        </p:style>
+      </p:sp>
+      <p:sp>
+        <p:nvSpPr>
+          <p:cNvPr id="201" name="PlaceHolder 10"/>
+          <p:cNvSpPr>
+            <a:spLocks noGrp="1"/>
+          </p:cNvSpPr>
+          <p:nvPr>
+            <p:ph type="title"/>
+          </p:nvPr>
+        </p:nvSpPr>
+        <p:spPr>
+          <a:xfrm>
+            <a:off x="540000" y="270000"/>
+            <a:ext cx="8999640" cy="989640"/>
+          </a:xfrm>
+          <a:prstGeom prst="rect">
+            <a:avLst/>
+          </a:prstGeom>
+        </p:spPr>
+        <p:txBody>
+          <a:bodyPr lIns="0" rIns="0" tIns="0" bIns="0" anchor="ctr">
+            <a:noAutofit/>
+          </a:bodyPr>
+          <a:p>
+            <a:pPr algn="ctr"/>
+            <a:r>
+              <a:rPr b="0" lang="en-US" sz="1800" spc="-1" strike="noStrike">
+                <a:latin typeface="Arial"/>
+              </a:rPr>
+              <a:t>Click to edit the title text format</a:t>
+            </a:r>
+            <a:endParaRPr b="0" lang="en-US" sz="1800" spc="-1" strike="noStrike">
+              <a:latin typeface="Arial"/>
+            </a:endParaRPr>
+          </a:p>
+        </p:txBody>
+      </p:sp>
+      <p:sp>
+        <p:nvSpPr>
+          <p:cNvPr id="202" name="PlaceHolder 11"/>
           <p:cNvSpPr>
             <a:spLocks noGrp="1"/>
           </p:cNvSpPr>
@@ -7917,18 +9688,18 @@
   </p:cSld>
   <p:clrMap bg1="lt1" bg2="lt2" tx1="dk1" tx2="dk2" accent1="accent1" accent2="accent2" accent3="accent3" accent4="accent4" accent5="accent5" accent6="accent6" hlink="hlink" folHlink="folHlink"/>
   <p:sldLayoutIdLst>
-    <p:sldLayoutId id="2147483688" r:id="rId2"/>
-    <p:sldLayoutId id="2147483689" r:id="rId3"/>
-    <p:sldLayoutId id="2147483690" r:id="rId4"/>
-    <p:sldLayoutId id="2147483691" r:id="rId5"/>
-    <p:sldLayoutId id="2147483692" r:id="rId6"/>
-    <p:sldLayoutId id="2147483693" r:id="rId7"/>
-    <p:sldLayoutId id="2147483694" r:id="rId8"/>
-    <p:sldLayoutId id="2147483695" r:id="rId9"/>
-    <p:sldLayoutId id="2147483696" r:id="rId10"/>
-    <p:sldLayoutId id="2147483697" r:id="rId11"/>
-    <p:sldLayoutId id="2147483698" r:id="rId12"/>
-    <p:sldLayoutId id="2147483699" r:id="rId13"/>
+    <p:sldLayoutId id="2147483701" r:id="rId2"/>
+    <p:sldLayoutId id="2147483702" r:id="rId3"/>
+    <p:sldLayoutId id="2147483703" r:id="rId4"/>
+    <p:sldLayoutId id="2147483704" r:id="rId5"/>
+    <p:sldLayoutId id="2147483705" r:id="rId6"/>
+    <p:sldLayoutId id="2147483706" r:id="rId7"/>
+    <p:sldLayoutId id="2147483707" r:id="rId8"/>
+    <p:sldLayoutId id="2147483708" r:id="rId9"/>
+    <p:sldLayoutId id="2147483709" r:id="rId10"/>
+    <p:sldLayoutId id="2147483710" r:id="rId11"/>
+    <p:sldLayoutId id="2147483711" r:id="rId12"/>
+    <p:sldLayoutId id="2147483712" r:id="rId13"/>
   </p:sldLayoutIdLst>
 </p:sldMaster>
 </file>
@@ -7952,7 +9723,7 @@
       </p:grpSpPr>
       <p:sp>
         <p:nvSpPr>
-          <p:cNvPr id="197" name="CustomShape 1"/>
+          <p:cNvPr id="239" name="CustomShape 1"/>
           <p:cNvSpPr/>
           <p:nvPr/>
         </p:nvSpPr>
@@ -8002,13 +9773,13 @@
       </p:sp>
       <p:sp>
         <p:nvSpPr>
-          <p:cNvPr id="198" name="CustomShape 2"/>
+          <p:cNvPr id="240" name="CustomShape 2"/>
           <p:cNvSpPr/>
           <p:nvPr/>
         </p:nvSpPr>
         <p:spPr>
           <a:xfrm>
-            <a:off x="504000" y="2592000"/>
+            <a:off x="504000" y="2088000"/>
             <a:ext cx="9071280" cy="2022480"/>
           </a:xfrm>
           <a:prstGeom prst="rect">
@@ -8071,7 +9842,7 @@
       </p:sp>
       <p:pic>
         <p:nvPicPr>
-          <p:cNvPr id="199" name="" descr=""/>
+          <p:cNvPr id="241" name="" descr=""/>
           <p:cNvPicPr/>
           <p:nvPr/>
         </p:nvPicPr>
@@ -8081,30 +9852,7 @@
         </p:blipFill>
         <p:spPr>
           <a:xfrm>
-            <a:off x="3657600" y="3972240"/>
-            <a:ext cx="3028680" cy="1514160"/>
-          </a:xfrm>
-          <a:prstGeom prst="rect">
-            <a:avLst/>
-          </a:prstGeom>
-          <a:ln w="0">
-            <a:noFill/>
-          </a:ln>
-        </p:spPr>
-      </p:pic>
-      <p:pic>
-        <p:nvPicPr>
-          <p:cNvPr id="200" name="" descr=""/>
-          <p:cNvPicPr/>
-          <p:nvPr/>
-        </p:nvPicPr>
-        <p:blipFill>
-          <a:blip r:embed="rId2"/>
-          <a:stretch/>
-        </p:blipFill>
-        <p:spPr>
-          <a:xfrm>
-            <a:off x="4572000" y="457200"/>
+            <a:off x="8337600" y="3070800"/>
             <a:ext cx="1752120" cy="2599920"/>
           </a:xfrm>
           <a:prstGeom prst="rect">
@@ -8145,9 +9893,32 @@
           <a:chExt cx="0" cy="0"/>
         </a:xfrm>
       </p:grpSpPr>
-      <p:sp>
-        <p:nvSpPr>
-          <p:cNvPr id="224" name="CustomShape 1"/>
+      <p:pic>
+        <p:nvPicPr>
+          <p:cNvPr id="268" name="" descr=""/>
+          <p:cNvPicPr/>
+          <p:nvPr/>
+        </p:nvPicPr>
+        <p:blipFill>
+          <a:blip r:embed="rId1"/>
+          <a:stretch/>
+        </p:blipFill>
+        <p:spPr>
+          <a:xfrm>
+            <a:off x="28800" y="457200"/>
+            <a:ext cx="5121000" cy="3886200"/>
+          </a:xfrm>
+          <a:prstGeom prst="rect">
+            <a:avLst/>
+          </a:prstGeom>
+          <a:ln w="0">
+            <a:noFill/>
+          </a:ln>
+        </p:spPr>
+      </p:pic>
+      <p:sp>
+        <p:nvSpPr>
+          <p:cNvPr id="269" name="CustomShape 1"/>
           <p:cNvSpPr/>
           <p:nvPr/>
         </p:nvSpPr>
@@ -8187,7 +9958,7 @@
                 </a:solidFill>
                 <a:latin typeface="Arial"/>
               </a:rPr>
-              <a:t>Summary</a:t>
+              <a:t>Stationarity</a:t>
             </a:r>
             <a:endParaRPr b="0" lang="en-US" sz="3300" spc="-1" strike="noStrike">
               <a:latin typeface="Arial"/>
@@ -8197,7 +9968,7 @@
       </p:sp>
       <p:sp>
         <p:nvSpPr>
-          <p:cNvPr id="225" name="CustomShape 2"/>
+          <p:cNvPr id="270" name="CustomShape 2"/>
           <p:cNvSpPr/>
           <p:nvPr/>
         </p:nvSpPr>
@@ -8220,143 +9991,22 @@
           <a:effectRef idx="0"/>
           <a:fontRef idx="minor"/>
         </p:style>
-        <p:txBody>
-          <a:bodyPr lIns="0" rIns="0" tIns="0" bIns="0">
-            <a:normAutofit/>
-          </a:bodyPr>
-          <a:p>
-            <a:pPr marL="432000" indent="-323640">
-              <a:lnSpc>
-                <a:spcPct val="100000"/>
-              </a:lnSpc>
-              <a:spcAft>
-                <a:spcPts val="1060"/>
-              </a:spcAft>
-              <a:buClr>
-                <a:srgbClr val="000000"/>
-              </a:buClr>
-              <a:buSzPct val="45000"/>
-              <a:buFont typeface="Wingdings" charset="2"/>
-              <a:buChar char=""/>
-            </a:pPr>
-            <a:r>
-              <a:rPr b="0" lang="en-US" sz="2400" spc="-1" strike="noStrike">
-                <a:latin typeface="Arial"/>
-              </a:rPr>
-              <a:t>Means of the ratings is a simple and quick method</a:t>
-            </a:r>
-            <a:endParaRPr b="0" lang="en-US" sz="2400" spc="-1" strike="noStrike">
-              <a:latin typeface="Arial"/>
-            </a:endParaRPr>
-          </a:p>
-          <a:p>
-            <a:pPr marL="432000" indent="-323640">
-              <a:lnSpc>
-                <a:spcPct val="100000"/>
-              </a:lnSpc>
-              <a:spcAft>
-                <a:spcPts val="1060"/>
-              </a:spcAft>
-              <a:buClr>
-                <a:srgbClr val="000000"/>
-              </a:buClr>
-              <a:buSzPct val="45000"/>
-              <a:buFont typeface="Wingdings" charset="2"/>
-              <a:buChar char=""/>
-            </a:pPr>
-            <a:r>
-              <a:rPr b="0" lang="en-US" sz="2400" spc="-1" strike="noStrike">
-                <a:latin typeface="Arial"/>
-              </a:rPr>
-              <a:t>A more sophisticated method gives more accurate results</a:t>
-            </a:r>
-            <a:endParaRPr b="0" lang="en-US" sz="2400" spc="-1" strike="noStrike">
-              <a:latin typeface="Arial"/>
-            </a:endParaRPr>
-          </a:p>
-        </p:txBody>
-      </p:sp>
-      <p:sp>
-        <p:nvSpPr>
-          <p:cNvPr id="226" name="TextShape 3"/>
-          <p:cNvSpPr txBox="1"/>
-          <p:nvPr/>
-        </p:nvSpPr>
-        <p:spPr>
-          <a:xfrm>
-            <a:off x="1462680" y="1439640"/>
-            <a:ext cx="7153560" cy="3599640"/>
-          </a:xfrm>
-          <a:prstGeom prst="rect">
-            <a:avLst/>
-          </a:prstGeom>
-          <a:noFill/>
-          <a:ln w="0">
-            <a:noFill/>
-          </a:ln>
-        </p:spPr>
-        <p:txBody>
-          <a:bodyPr lIns="0" rIns="0" tIns="0" bIns="0">
-            <a:normAutofit/>
-          </a:bodyPr>
-          <a:p>
-            <a:endParaRPr b="0" lang="en-US" sz="3200" spc="-1" strike="noStrike">
-              <a:latin typeface="Arial"/>
-            </a:endParaRPr>
-          </a:p>
-        </p:txBody>
-      </p:sp>
-      <p:sp>
-        <p:nvSpPr>
-          <p:cNvPr id="227" name="TextShape 4"/>
-          <p:cNvSpPr txBox="1"/>
-          <p:nvPr/>
-        </p:nvSpPr>
-        <p:spPr>
-          <a:xfrm>
-            <a:off x="540000" y="270000"/>
-            <a:ext cx="8999640" cy="989640"/>
-          </a:xfrm>
-          <a:prstGeom prst="rect">
-            <a:avLst/>
-          </a:prstGeom>
-          <a:noFill/>
-          <a:ln w="0">
-            <a:noFill/>
-          </a:ln>
-        </p:spPr>
-        <p:txBody>
-          <a:bodyPr lIns="0" rIns="0" tIns="0" bIns="0" anchor="ctr">
-            <a:noAutofit/>
-          </a:bodyPr>
-          <a:p>
-            <a:pPr algn="ctr"/>
-            <a:r>
-              <a:rPr b="0" lang="en-US" sz="4400" spc="-1" strike="noStrike">
-                <a:latin typeface="Arial"/>
-              </a:rPr>
-              <a:t>Conclusion</a:t>
-            </a:r>
-            <a:endParaRPr b="0" lang="en-US" sz="4400" spc="-1" strike="noStrike">
-              <a:latin typeface="Arial"/>
-            </a:endParaRPr>
-          </a:p>
-        </p:txBody>
       </p:sp>
       <p:pic>
         <p:nvPicPr>
-          <p:cNvPr id="228" name="" descr=""/>
+          <p:cNvPr id="271" name="" descr=""/>
           <p:cNvPicPr/>
           <p:nvPr/>
         </p:nvPicPr>
         <p:blipFill>
-          <a:blip r:embed="rId1"/>
+          <a:blip r:embed="rId2"/>
+          <a:srcRect l="4002" t="0" r="0" b="0"/>
           <a:stretch/>
         </p:blipFill>
         <p:spPr>
           <a:xfrm>
-            <a:off x="3200400" y="2271960"/>
-            <a:ext cx="3200400" cy="3214440"/>
+            <a:off x="5029200" y="360"/>
+            <a:ext cx="5482080" cy="5670360"/>
           </a:xfrm>
           <a:prstGeom prst="rect">
             <a:avLst/>
@@ -8398,7 +10048,426 @@
       </p:grpSpPr>
       <p:sp>
         <p:nvSpPr>
-          <p:cNvPr id="229" name="CustomShape 1"/>
+          <p:cNvPr id="272" name="TextShape 1"/>
+          <p:cNvSpPr txBox="1"/>
+          <p:nvPr/>
+        </p:nvSpPr>
+        <p:spPr>
+          <a:xfrm>
+            <a:off x="540000" y="270000"/>
+            <a:ext cx="8999640" cy="989640"/>
+          </a:xfrm>
+          <a:prstGeom prst="rect">
+            <a:avLst/>
+          </a:prstGeom>
+          <a:noFill/>
+          <a:ln w="0">
+            <a:noFill/>
+          </a:ln>
+        </p:spPr>
+        <p:txBody>
+          <a:bodyPr lIns="0" rIns="0" tIns="0" bIns="0" anchor="ctr">
+            <a:noAutofit/>
+          </a:bodyPr>
+          <a:p>
+            <a:pPr algn="ctr"/>
+            <a:endParaRPr b="0" lang="en-US" sz="4400" spc="-1" strike="noStrike">
+              <a:latin typeface="Arial"/>
+            </a:endParaRPr>
+          </a:p>
+        </p:txBody>
+      </p:sp>
+      <p:pic>
+        <p:nvPicPr>
+          <p:cNvPr id="273" name="" descr=""/>
+          <p:cNvPicPr/>
+          <p:nvPr/>
+        </p:nvPicPr>
+        <p:blipFill>
+          <a:blip r:embed="rId1"/>
+          <a:stretch/>
+        </p:blipFill>
+        <p:spPr>
+          <a:xfrm>
+            <a:off x="2514600" y="368640"/>
+            <a:ext cx="5383800" cy="5670360"/>
+          </a:xfrm>
+          <a:prstGeom prst="rect">
+            <a:avLst/>
+          </a:prstGeom>
+          <a:ln w="0">
+            <a:noFill/>
+          </a:ln>
+        </p:spPr>
+      </p:pic>
+    </p:spTree>
+  </p:cSld>
+  <mc:AlternateContent>
+    <mc:Choice Requires="p14">
+      <p:transition spd="slow" p14:dur="2000"/>
+    </mc:Choice>
+    <mc:Fallback>
+      <p:transition spd="slow"/>
+    </mc:Fallback>
+  </mc:AlternateContent>
+</p:sld>
+</file>
+
+<file path=ppt/slides/slide12.xml><?xml version="1.0" encoding="utf-8"?>
+<p:sld xmlns:a="http://schemas.openxmlformats.org/drawingml/2006/main" xmlns:p="http://schemas.openxmlformats.org/presentationml/2006/main" xmlns:r="http://schemas.openxmlformats.org/officeDocument/2006/relationships" xmlns:p14="http://schemas.microsoft.com/office/powerpoint/2010/main" xmlns:p15="http://schemas.microsoft.com/office/powerpoint/2012/main" xmlns:mc="http://schemas.openxmlformats.org/markup-compatibility/2006">
+  <p:cSld>
+    <p:spTree>
+      <p:nvGrpSpPr>
+        <p:cNvPr id="1" name=""/>
+        <p:cNvGrpSpPr/>
+        <p:nvPr/>
+      </p:nvGrpSpPr>
+      <p:grpSpPr>
+        <a:xfrm>
+          <a:off x="0" y="0"/>
+          <a:ext cx="0" cy="0"/>
+          <a:chOff x="0" y="0"/>
+          <a:chExt cx="0" cy="0"/>
+        </a:xfrm>
+      </p:grpSpPr>
+      <p:sp>
+        <p:nvSpPr>
+          <p:cNvPr id="274" name="TextShape 1"/>
+          <p:cNvSpPr txBox="1"/>
+          <p:nvPr/>
+        </p:nvSpPr>
+        <p:spPr>
+          <a:xfrm>
+            <a:off x="540000" y="270000"/>
+            <a:ext cx="8999640" cy="989640"/>
+          </a:xfrm>
+          <a:prstGeom prst="rect">
+            <a:avLst/>
+          </a:prstGeom>
+          <a:noFill/>
+          <a:ln w="0">
+            <a:noFill/>
+          </a:ln>
+        </p:spPr>
+        <p:txBody>
+          <a:bodyPr lIns="0" rIns="0" tIns="0" bIns="0" anchor="ctr">
+            <a:noAutofit/>
+          </a:bodyPr>
+          <a:p>
+            <a:pPr algn="ctr"/>
+            <a:endParaRPr b="0" lang="en-US" sz="4400" spc="-1" strike="noStrike">
+              <a:latin typeface="Arial"/>
+            </a:endParaRPr>
+          </a:p>
+        </p:txBody>
+      </p:sp>
+      <p:pic>
+        <p:nvPicPr>
+          <p:cNvPr id="275" name="" descr=""/>
+          <p:cNvPicPr/>
+          <p:nvPr/>
+        </p:nvPicPr>
+        <p:blipFill>
+          <a:blip r:embed="rId1"/>
+          <a:stretch/>
+        </p:blipFill>
+        <p:spPr>
+          <a:xfrm>
+            <a:off x="2147040" y="44640"/>
+            <a:ext cx="5790960" cy="5670360"/>
+          </a:xfrm>
+          <a:prstGeom prst="rect">
+            <a:avLst/>
+          </a:prstGeom>
+          <a:ln w="0">
+            <a:noFill/>
+          </a:ln>
+        </p:spPr>
+      </p:pic>
+    </p:spTree>
+  </p:cSld>
+  <mc:AlternateContent>
+    <mc:Choice Requires="p14">
+      <p:transition spd="slow" p14:dur="2000"/>
+    </mc:Choice>
+    <mc:Fallback>
+      <p:transition spd="slow"/>
+    </mc:Fallback>
+  </mc:AlternateContent>
+</p:sld>
+</file>
+
+<file path=ppt/slides/slide13.xml><?xml version="1.0" encoding="utf-8"?>
+<p:sld xmlns:a="http://schemas.openxmlformats.org/drawingml/2006/main" xmlns:p="http://schemas.openxmlformats.org/presentationml/2006/main" xmlns:r="http://schemas.openxmlformats.org/officeDocument/2006/relationships" xmlns:p14="http://schemas.microsoft.com/office/powerpoint/2010/main" xmlns:p15="http://schemas.microsoft.com/office/powerpoint/2012/main" xmlns:mc="http://schemas.openxmlformats.org/markup-compatibility/2006">
+  <p:cSld>
+    <p:spTree>
+      <p:nvGrpSpPr>
+        <p:cNvPr id="1" name=""/>
+        <p:cNvGrpSpPr/>
+        <p:nvPr/>
+      </p:nvGrpSpPr>
+      <p:grpSpPr>
+        <a:xfrm>
+          <a:off x="0" y="0"/>
+          <a:ext cx="0" cy="0"/>
+          <a:chOff x="0" y="0"/>
+          <a:chExt cx="0" cy="0"/>
+        </a:xfrm>
+      </p:grpSpPr>
+      <p:sp>
+        <p:nvSpPr>
+          <p:cNvPr id="276" name="CustomShape 1"/>
+          <p:cNvSpPr/>
+          <p:nvPr/>
+        </p:nvSpPr>
+        <p:spPr>
+          <a:xfrm>
+            <a:off x="540000" y="270000"/>
+            <a:ext cx="8999640" cy="989640"/>
+          </a:xfrm>
+          <a:prstGeom prst="rect">
+            <a:avLst/>
+          </a:prstGeom>
+          <a:noFill/>
+          <a:ln w="0">
+            <a:noFill/>
+          </a:ln>
+        </p:spPr>
+        <p:style>
+          <a:lnRef idx="0"/>
+          <a:fillRef idx="0"/>
+          <a:effectRef idx="0"/>
+          <a:fontRef idx="minor"/>
+        </p:style>
+        <p:txBody>
+          <a:bodyPr lIns="0" rIns="0" tIns="0" bIns="0" anchor="ctr">
+            <a:noAutofit/>
+          </a:bodyPr>
+          <a:p>
+            <a:pPr algn="ctr">
+              <a:lnSpc>
+                <a:spcPct val="100000"/>
+              </a:lnSpc>
+            </a:pPr>
+            <a:r>
+              <a:rPr b="0" lang="en-US" sz="3300" spc="-1" strike="noStrike">
+                <a:solidFill>
+                  <a:srgbClr val="ffffff"/>
+                </a:solidFill>
+                <a:latin typeface="Arial"/>
+              </a:rPr>
+              <a:t>Summary</a:t>
+            </a:r>
+            <a:endParaRPr b="0" lang="en-US" sz="3300" spc="-1" strike="noStrike">
+              <a:latin typeface="Arial"/>
+            </a:endParaRPr>
+          </a:p>
+        </p:txBody>
+      </p:sp>
+      <p:sp>
+        <p:nvSpPr>
+          <p:cNvPr id="277" name="CustomShape 2"/>
+          <p:cNvSpPr/>
+          <p:nvPr/>
+        </p:nvSpPr>
+        <p:spPr>
+          <a:xfrm>
+            <a:off x="540000" y="1440000"/>
+            <a:ext cx="8999640" cy="3599640"/>
+          </a:xfrm>
+          <a:prstGeom prst="rect">
+            <a:avLst/>
+          </a:prstGeom>
+          <a:noFill/>
+          <a:ln w="0">
+            <a:noFill/>
+          </a:ln>
+        </p:spPr>
+        <p:style>
+          <a:lnRef idx="0"/>
+          <a:fillRef idx="0"/>
+          <a:effectRef idx="0"/>
+          <a:fontRef idx="minor"/>
+        </p:style>
+        <p:txBody>
+          <a:bodyPr lIns="0" rIns="0" tIns="0" bIns="0">
+            <a:normAutofit/>
+          </a:bodyPr>
+          <a:p>
+            <a:pPr marL="432000" indent="-323640">
+              <a:lnSpc>
+                <a:spcPct val="100000"/>
+              </a:lnSpc>
+              <a:spcAft>
+                <a:spcPts val="1060"/>
+              </a:spcAft>
+              <a:buClr>
+                <a:srgbClr val="000000"/>
+              </a:buClr>
+              <a:buSzPct val="45000"/>
+              <a:buFont typeface="Wingdings" charset="2"/>
+              <a:buChar char=""/>
+            </a:pPr>
+            <a:r>
+              <a:rPr b="0" lang="en-US" sz="2400" spc="-1" strike="noStrike">
+                <a:latin typeface="Arial"/>
+              </a:rPr>
+              <a:t>Means of the ratings is a simple and quick method</a:t>
+            </a:r>
+            <a:endParaRPr b="0" lang="en-US" sz="2400" spc="-1" strike="noStrike">
+              <a:latin typeface="Arial"/>
+            </a:endParaRPr>
+          </a:p>
+          <a:p>
+            <a:pPr marL="432000" indent="-323640">
+              <a:lnSpc>
+                <a:spcPct val="100000"/>
+              </a:lnSpc>
+              <a:spcAft>
+                <a:spcPts val="1060"/>
+              </a:spcAft>
+              <a:buClr>
+                <a:srgbClr val="000000"/>
+              </a:buClr>
+              <a:buSzPct val="45000"/>
+              <a:buFont typeface="Wingdings" charset="2"/>
+              <a:buChar char=""/>
+            </a:pPr>
+            <a:r>
+              <a:rPr b="0" lang="en-US" sz="2400" spc="-1" strike="noStrike">
+                <a:latin typeface="Arial"/>
+              </a:rPr>
+              <a:t>A more sophisticated method gives more accurate results</a:t>
+            </a:r>
+            <a:endParaRPr b="0" lang="en-US" sz="2400" spc="-1" strike="noStrike">
+              <a:latin typeface="Arial"/>
+            </a:endParaRPr>
+          </a:p>
+        </p:txBody>
+      </p:sp>
+      <p:sp>
+        <p:nvSpPr>
+          <p:cNvPr id="278" name="TextShape 3"/>
+          <p:cNvSpPr txBox="1"/>
+          <p:nvPr/>
+        </p:nvSpPr>
+        <p:spPr>
+          <a:xfrm>
+            <a:off x="1462680" y="1439640"/>
+            <a:ext cx="7153560" cy="3599640"/>
+          </a:xfrm>
+          <a:prstGeom prst="rect">
+            <a:avLst/>
+          </a:prstGeom>
+          <a:noFill/>
+          <a:ln w="0">
+            <a:noFill/>
+          </a:ln>
+        </p:spPr>
+        <p:txBody>
+          <a:bodyPr lIns="0" rIns="0" tIns="0" bIns="0">
+            <a:normAutofit/>
+          </a:bodyPr>
+          <a:p>
+            <a:endParaRPr b="0" lang="en-US" sz="3200" spc="-1" strike="noStrike">
+              <a:latin typeface="Arial"/>
+            </a:endParaRPr>
+          </a:p>
+        </p:txBody>
+      </p:sp>
+      <p:sp>
+        <p:nvSpPr>
+          <p:cNvPr id="279" name="TextShape 4"/>
+          <p:cNvSpPr txBox="1"/>
+          <p:nvPr/>
+        </p:nvSpPr>
+        <p:spPr>
+          <a:xfrm>
+            <a:off x="540000" y="270000"/>
+            <a:ext cx="8999640" cy="989640"/>
+          </a:xfrm>
+          <a:prstGeom prst="rect">
+            <a:avLst/>
+          </a:prstGeom>
+          <a:noFill/>
+          <a:ln w="0">
+            <a:noFill/>
+          </a:ln>
+        </p:spPr>
+        <p:txBody>
+          <a:bodyPr lIns="0" rIns="0" tIns="0" bIns="0" anchor="ctr">
+            <a:noAutofit/>
+          </a:bodyPr>
+          <a:p>
+            <a:pPr algn="ctr"/>
+            <a:r>
+              <a:rPr b="0" lang="en-US" sz="4400" spc="-1" strike="noStrike">
+                <a:latin typeface="Arial"/>
+              </a:rPr>
+              <a:t>Conclusion</a:t>
+            </a:r>
+            <a:endParaRPr b="0" lang="en-US" sz="4400" spc="-1" strike="noStrike">
+              <a:latin typeface="Arial"/>
+            </a:endParaRPr>
+          </a:p>
+        </p:txBody>
+      </p:sp>
+      <p:pic>
+        <p:nvPicPr>
+          <p:cNvPr id="280" name="" descr=""/>
+          <p:cNvPicPr/>
+          <p:nvPr/>
+        </p:nvPicPr>
+        <p:blipFill>
+          <a:blip r:embed="rId1"/>
+          <a:stretch/>
+        </p:blipFill>
+        <p:spPr>
+          <a:xfrm>
+            <a:off x="3200400" y="2271960"/>
+            <a:ext cx="3200400" cy="3214440"/>
+          </a:xfrm>
+          <a:prstGeom prst="rect">
+            <a:avLst/>
+          </a:prstGeom>
+          <a:ln w="0">
+            <a:noFill/>
+          </a:ln>
+        </p:spPr>
+      </p:pic>
+    </p:spTree>
+  </p:cSld>
+  <mc:AlternateContent>
+    <mc:Choice Requires="p14">
+      <p:transition spd="slow" p14:dur="2000"/>
+    </mc:Choice>
+    <mc:Fallback>
+      <p:transition spd="slow"/>
+    </mc:Fallback>
+  </mc:AlternateContent>
+</p:sld>
+</file>
+
+<file path=ppt/slides/slide14.xml><?xml version="1.0" encoding="utf-8"?>
+<p:sld xmlns:a="http://schemas.openxmlformats.org/drawingml/2006/main" xmlns:p="http://schemas.openxmlformats.org/presentationml/2006/main" xmlns:r="http://schemas.openxmlformats.org/officeDocument/2006/relationships" xmlns:p14="http://schemas.microsoft.com/office/powerpoint/2010/main" xmlns:p15="http://schemas.microsoft.com/office/powerpoint/2012/main" xmlns:mc="http://schemas.openxmlformats.org/markup-compatibility/2006">
+  <p:cSld>
+    <p:spTree>
+      <p:nvGrpSpPr>
+        <p:cNvPr id="1" name=""/>
+        <p:cNvGrpSpPr/>
+        <p:nvPr/>
+      </p:nvGrpSpPr>
+      <p:grpSpPr>
+        <a:xfrm>
+          <a:off x="0" y="0"/>
+          <a:ext cx="0" cy="0"/>
+          <a:chOff x="0" y="0"/>
+          <a:chExt cx="0" cy="0"/>
+        </a:xfrm>
+      </p:grpSpPr>
+      <p:sp>
+        <p:nvSpPr>
+          <p:cNvPr id="281" name="CustomShape 1"/>
           <p:cNvSpPr/>
           <p:nvPr/>
         </p:nvSpPr>
@@ -8448,7 +10517,7 @@
       </p:sp>
       <p:sp>
         <p:nvSpPr>
-          <p:cNvPr id="230" name="CustomShape 2"/>
+          <p:cNvPr id="282" name="CustomShape 2"/>
           <p:cNvSpPr/>
           <p:nvPr/>
         </p:nvSpPr>
@@ -8474,7 +10543,7 @@
       </p:sp>
       <p:sp>
         <p:nvSpPr>
-          <p:cNvPr id="231" name="TextShape 3"/>
+          <p:cNvPr id="283" name="TextShape 3"/>
           <p:cNvSpPr txBox="1"/>
           <p:nvPr/>
         </p:nvSpPr>
@@ -8511,7 +10580,7 @@
       </p:sp>
       <p:sp>
         <p:nvSpPr>
-          <p:cNvPr id="232" name="TextShape 4"/>
+          <p:cNvPr id="284" name="TextShape 4"/>
           <p:cNvSpPr txBox="1"/>
           <p:nvPr/>
         </p:nvSpPr>
@@ -8541,7 +10610,7 @@
       </p:sp>
       <p:pic>
         <p:nvPicPr>
-          <p:cNvPr id="233" name="" descr=""/>
+          <p:cNvPr id="285" name="" descr=""/>
           <p:cNvPicPr/>
           <p:nvPr/>
         </p:nvPicPr>
@@ -8594,14 +10663,14 @@
       </p:grpSpPr>
       <p:sp>
         <p:nvSpPr>
-          <p:cNvPr id="201" name="CustomShape 1"/>
-          <p:cNvSpPr/>
+          <p:cNvPr id="242" name="TextShape 1"/>
+          <p:cNvSpPr txBox="1"/>
           <p:nvPr/>
         </p:nvSpPr>
         <p:spPr>
           <a:xfrm>
-            <a:off x="540000" y="270000"/>
-            <a:ext cx="8999640" cy="989640"/>
+            <a:off x="466200" y="3247560"/>
+            <a:ext cx="9002520" cy="954360"/>
           </a:xfrm>
           <a:prstGeom prst="rect">
             <a:avLst/>
@@ -8611,142 +10680,43 @@
             <a:noFill/>
           </a:ln>
         </p:spPr>
-        <p:style>
-          <a:lnRef idx="0"/>
-          <a:fillRef idx="0"/>
-          <a:effectRef idx="0"/>
-          <a:fontRef idx="minor"/>
-        </p:style>
         <p:txBody>
           <a:bodyPr lIns="0" rIns="0" tIns="0" bIns="0" anchor="ctr">
             <a:noAutofit/>
           </a:bodyPr>
           <a:p>
-            <a:pPr algn="ctr">
-              <a:lnSpc>
-                <a:spcPct val="100000"/>
-              </a:lnSpc>
-            </a:pPr>
-            <a:r>
-              <a:rPr b="0" lang="en-US" sz="3300" spc="-1" strike="noStrike">
-                <a:solidFill>
-                  <a:srgbClr val="ffffff"/>
-                </a:solidFill>
-                <a:latin typeface="Arial"/>
-              </a:rPr>
-              <a:t>Overview</a:t>
-            </a:r>
-            <a:endParaRPr b="0" lang="en-US" sz="3300" spc="-1" strike="noStrike">
-              <a:latin typeface="Arial"/>
-            </a:endParaRPr>
-          </a:p>
-        </p:txBody>
-      </p:sp>
-      <p:sp>
-        <p:nvSpPr>
-          <p:cNvPr id="202" name="CustomShape 2"/>
-          <p:cNvSpPr/>
+            <a:pPr algn="ctr"/>
+            <a:endParaRPr b="1" lang="en-US" sz="5270" spc="-1" strike="noStrike">
+              <a:latin typeface="Arial"/>
+            </a:endParaRPr>
+          </a:p>
+        </p:txBody>
+      </p:sp>
+      <p:sp>
+        <p:nvSpPr>
+          <p:cNvPr id="243" name="TextShape 2"/>
+          <p:cNvSpPr txBox="1"/>
           <p:nvPr/>
         </p:nvSpPr>
         <p:spPr>
           <a:xfrm>
-            <a:off x="540000" y="1440000"/>
-            <a:ext cx="8999640" cy="3599640"/>
-          </a:xfrm>
-          <a:prstGeom prst="rect">
-            <a:avLst/>
-          </a:prstGeom>
-          <a:solidFill>
-            <a:srgbClr val="ffffff">
-              <a:alpha val="50000"/>
-            </a:srgbClr>
-          </a:solidFill>
+            <a:off x="272520" y="4246920"/>
+            <a:ext cx="8802720" cy="3314880"/>
+          </a:xfrm>
+          <a:prstGeom prst="rect">
+            <a:avLst/>
+          </a:prstGeom>
+          <a:noFill/>
           <a:ln w="0">
             <a:noFill/>
           </a:ln>
         </p:spPr>
-        <p:style>
-          <a:lnRef idx="0"/>
-          <a:fillRef idx="0"/>
-          <a:effectRef idx="0"/>
-          <a:fontRef idx="minor"/>
-        </p:style>
         <p:txBody>
           <a:bodyPr lIns="0" rIns="0" tIns="0" bIns="0">
             <a:normAutofit/>
           </a:bodyPr>
           <a:p>
-            <a:pPr marL="432000" indent="-323640">
-              <a:lnSpc>
-                <a:spcPct val="100000"/>
-              </a:lnSpc>
-              <a:spcAft>
-                <a:spcPts val="1057"/>
-              </a:spcAft>
-              <a:buClr>
-                <a:srgbClr val="000000"/>
-              </a:buClr>
-              <a:buSzPct val="45000"/>
-              <a:buFont typeface="Wingdings" charset="2"/>
-              <a:buChar char=""/>
-            </a:pPr>
-            <a:r>
-              <a:rPr b="0" lang="en-US" sz="2400" spc="-1" strike="noStrike">
-                <a:latin typeface="Arial"/>
-              </a:rPr>
-              <a:t>Exploration</a:t>
-            </a:r>
-            <a:endParaRPr b="0" lang="en-US" sz="2400" spc="-1" strike="noStrike">
-              <a:latin typeface="Arial"/>
-            </a:endParaRPr>
-          </a:p>
-          <a:p>
-            <a:pPr marL="432000" indent="-323640">
-              <a:lnSpc>
-                <a:spcPct val="100000"/>
-              </a:lnSpc>
-              <a:spcAft>
-                <a:spcPts val="1057"/>
-              </a:spcAft>
-              <a:buClr>
-                <a:srgbClr val="000000"/>
-              </a:buClr>
-              <a:buSzPct val="45000"/>
-              <a:buFont typeface="Wingdings" charset="2"/>
-              <a:buChar char=""/>
-            </a:pPr>
-            <a:r>
-              <a:rPr b="0" lang="en-US" sz="2400" spc="-1" strike="noStrike">
-                <a:latin typeface="Arial"/>
-              </a:rPr>
-              <a:t>Analysis</a:t>
-            </a:r>
-            <a:endParaRPr b="0" lang="en-US" sz="2400" spc="-1" strike="noStrike">
-              <a:latin typeface="Arial"/>
-            </a:endParaRPr>
-          </a:p>
-          <a:p>
-            <a:pPr marL="432000" indent="-323640">
-              <a:lnSpc>
-                <a:spcPct val="100000"/>
-              </a:lnSpc>
-              <a:spcAft>
-                <a:spcPts val="1057"/>
-              </a:spcAft>
-              <a:buClr>
-                <a:srgbClr val="000000"/>
-              </a:buClr>
-              <a:buSzPct val="45000"/>
-              <a:buFont typeface="Wingdings" charset="2"/>
-              <a:buChar char=""/>
-            </a:pPr>
-            <a:r>
-              <a:rPr b="0" lang="en-US" sz="2400" spc="-1" strike="noStrike">
-                <a:latin typeface="Arial"/>
-              </a:rPr>
-              <a:t>Results</a:t>
-            </a:r>
-            <a:endParaRPr b="0" lang="en-US" sz="2400" spc="-1" strike="noStrike">
+            <a:endParaRPr b="0" lang="en-US" sz="3200" spc="-1" strike="noStrike">
               <a:latin typeface="Arial"/>
             </a:endParaRPr>
           </a:p>
@@ -8754,7 +10724,7 @@
       </p:sp>
       <p:pic>
         <p:nvPicPr>
-          <p:cNvPr id="203" name="" descr=""/>
+          <p:cNvPr id="244" name="" descr=""/>
           <p:cNvPicPr/>
           <p:nvPr/>
         </p:nvPicPr>
@@ -8764,8 +10734,8 @@
         </p:blipFill>
         <p:spPr>
           <a:xfrm>
-            <a:off x="2743200" y="914400"/>
-            <a:ext cx="5992200" cy="3581640"/>
+            <a:off x="2851560" y="-11880"/>
+            <a:ext cx="4373640" cy="5670360"/>
           </a:xfrm>
           <a:prstGeom prst="rect">
             <a:avLst/>
@@ -8807,7 +10777,7 @@
       </p:grpSpPr>
       <p:sp>
         <p:nvSpPr>
-          <p:cNvPr id="204" name="CustomShape 1"/>
+          <p:cNvPr id="245" name="CustomShape 1"/>
           <p:cNvSpPr/>
           <p:nvPr/>
         </p:nvSpPr>
@@ -8847,7 +10817,7 @@
                 </a:solidFill>
                 <a:latin typeface="Arial"/>
               </a:rPr>
-              <a:t>Goals</a:t>
+              <a:t>Overview</a:t>
             </a:r>
             <a:endParaRPr b="0" lang="en-US" sz="3300" spc="-1" strike="noStrike">
               <a:latin typeface="Arial"/>
@@ -8857,7 +10827,7 @@
       </p:sp>
       <p:sp>
         <p:nvSpPr>
-          <p:cNvPr id="205" name="CustomShape 2"/>
+          <p:cNvPr id="246" name="CustomShape 2"/>
           <p:cNvSpPr/>
           <p:nvPr/>
         </p:nvSpPr>
@@ -8869,7 +10839,11 @@
           <a:prstGeom prst="rect">
             <a:avLst/>
           </a:prstGeom>
-          <a:noFill/>
+          <a:solidFill>
+            <a:srgbClr val="ffffff">
+              <a:alpha val="50000"/>
+            </a:srgbClr>
+          </a:solidFill>
           <a:ln w="0">
             <a:noFill/>
           </a:ln>
@@ -8881,80 +10855,81 @@
           <a:fontRef idx="minor"/>
         </p:style>
         <p:txBody>
-          <a:bodyPr lIns="0" rIns="0" tIns="0" bIns="0" anchor="ctr">
-            <a:noAutofit/>
-          </a:bodyPr>
-          <a:p>
-            <a:pPr algn="ctr">
+          <a:bodyPr lIns="0" rIns="0" tIns="0" bIns="0">
+            <a:normAutofit/>
+          </a:bodyPr>
+          <a:p>
+            <a:pPr marL="432000" indent="-323640">
               <a:lnSpc>
                 <a:spcPct val="100000"/>
               </a:lnSpc>
+              <a:spcAft>
+                <a:spcPts val="1057"/>
+              </a:spcAft>
+              <a:buClr>
+                <a:srgbClr val="000000"/>
+              </a:buClr>
+              <a:buSzPct val="45000"/>
+              <a:buFont typeface="Wingdings" charset="2"/>
+              <a:buChar char=""/>
             </a:pPr>
             <a:r>
-              <a:rPr b="0" lang="en-US" sz="3200" spc="-1" strike="noStrike">
+              <a:rPr b="0" lang="en-US" sz="2400" spc="-1" strike="noStrike">
                 <a:latin typeface="Arial"/>
               </a:rPr>
-              <a:t>Given a dataset</a:t>
+              <a:t>Exploration</a:t>
             </a:r>
-            <a:endParaRPr b="0" lang="en-US" sz="3200" spc="-1" strike="noStrike">
-              <a:latin typeface="Arial"/>
-            </a:endParaRPr>
-          </a:p>
-          <a:p>
-            <a:pPr algn="ctr">
+            <a:endParaRPr b="0" lang="en-US" sz="2400" spc="-1" strike="noStrike">
+              <a:latin typeface="Arial"/>
+            </a:endParaRPr>
+          </a:p>
+          <a:p>
+            <a:pPr marL="432000" indent="-323640">
               <a:lnSpc>
                 <a:spcPct val="100000"/>
               </a:lnSpc>
+              <a:spcAft>
+                <a:spcPts val="1057"/>
+              </a:spcAft>
+              <a:buClr>
+                <a:srgbClr val="000000"/>
+              </a:buClr>
+              <a:buSzPct val="45000"/>
+              <a:buFont typeface="Wingdings" charset="2"/>
+              <a:buChar char=""/>
             </a:pPr>
             <a:r>
-              <a:rPr b="0" lang="en-US" sz="3200" spc="-1" strike="noStrike">
+              <a:rPr b="0" lang="en-US" sz="2400" spc="-1" strike="noStrike">
                 <a:latin typeface="Arial"/>
               </a:rPr>
-              <a:t>Determine a good recommender model</a:t>
+              <a:t>Analysis</a:t>
             </a:r>
-            <a:endParaRPr b="0" lang="en-US" sz="3200" spc="-1" strike="noStrike">
-              <a:latin typeface="Arial"/>
-            </a:endParaRPr>
-          </a:p>
-          <a:p>
-            <a:pPr algn="ctr">
+            <a:endParaRPr b="0" lang="en-US" sz="2400" spc="-1" strike="noStrike">
+              <a:latin typeface="Arial"/>
+            </a:endParaRPr>
+          </a:p>
+          <a:p>
+            <a:pPr marL="432000" indent="-323640">
               <a:lnSpc>
                 <a:spcPct val="100000"/>
               </a:lnSpc>
+              <a:spcAft>
+                <a:spcPts val="1057"/>
+              </a:spcAft>
+              <a:buClr>
+                <a:srgbClr val="000000"/>
+              </a:buClr>
+              <a:buSzPct val="45000"/>
+              <a:buFont typeface="Wingdings" charset="2"/>
+              <a:buChar char=""/>
             </a:pPr>
             <a:r>
-              <a:rPr b="0" lang="en-US" sz="3200" spc="-1" strike="noStrike">
+              <a:rPr b="0" lang="en-US" sz="2400" spc="-1" strike="noStrike">
                 <a:latin typeface="Arial"/>
               </a:rPr>
-              <a:t>Make recommendations</a:t>
+              <a:t>Results</a:t>
             </a:r>
-            <a:endParaRPr b="0" lang="en-US" sz="3200" spc="-1" strike="noStrike">
-              <a:latin typeface="Arial"/>
-            </a:endParaRPr>
-          </a:p>
-          <a:p>
-            <a:pPr algn="ctr">
-              <a:lnSpc>
-                <a:spcPct val="100000"/>
-              </a:lnSpc>
-            </a:pPr>
-            <a:r>
-              <a:rPr b="0" lang="en-US" sz="3200" spc="-1" strike="noStrike">
-                <a:latin typeface="Arial"/>
-              </a:rPr>
-              <a:t>Using a web-app inteface</a:t>
-            </a:r>
-            <a:endParaRPr b="0" lang="en-US" sz="3200" spc="-1" strike="noStrike">
-              <a:latin typeface="Arial"/>
-            </a:endParaRPr>
-          </a:p>
-          <a:p>
-            <a:pPr algn="ctr">
-              <a:lnSpc>
-                <a:spcPct val="100000"/>
-              </a:lnSpc>
-            </a:pPr>
-            <a:endParaRPr b="0" lang="en-US" sz="3200" spc="-1" strike="noStrike">
+            <a:endParaRPr b="0" lang="en-US" sz="2400" spc="-1" strike="noStrike">
               <a:latin typeface="Arial"/>
             </a:endParaRPr>
           </a:p>
@@ -8962,7 +10937,7 @@
       </p:sp>
       <p:pic>
         <p:nvPicPr>
-          <p:cNvPr id="206" name="" descr=""/>
+          <p:cNvPr id="247" name="" descr=""/>
           <p:cNvPicPr/>
           <p:nvPr/>
         </p:nvPicPr>
@@ -8972,8 +10947,8 @@
         </p:blipFill>
         <p:spPr>
           <a:xfrm>
-            <a:off x="457200" y="228600"/>
-            <a:ext cx="2619000" cy="1742760"/>
+            <a:off x="2743200" y="914400"/>
+            <a:ext cx="5992200" cy="3581640"/>
           </a:xfrm>
           <a:prstGeom prst="rect">
             <a:avLst/>
@@ -9015,7 +10990,7 @@
       </p:grpSpPr>
       <p:sp>
         <p:nvSpPr>
-          <p:cNvPr id="207" name="CustomShape 1"/>
+          <p:cNvPr id="248" name="CustomShape 1"/>
           <p:cNvSpPr/>
           <p:nvPr/>
         </p:nvSpPr>
@@ -9055,7 +11030,7 @@
                 </a:solidFill>
                 <a:latin typeface="Arial"/>
               </a:rPr>
-              <a:t>Data Set</a:t>
+              <a:t>Goals</a:t>
             </a:r>
             <a:endParaRPr b="0" lang="en-US" sz="3300" spc="-1" strike="noStrike">
               <a:latin typeface="Arial"/>
@@ -9065,7 +11040,7 @@
       </p:sp>
       <p:sp>
         <p:nvSpPr>
-          <p:cNvPr id="208" name="CustomShape 2"/>
+          <p:cNvPr id="249" name="CustomShape 2"/>
           <p:cNvSpPr/>
           <p:nvPr/>
         </p:nvSpPr>
@@ -9089,106 +11064,80 @@
           <a:fontRef idx="minor"/>
         </p:style>
         <p:txBody>
-          <a:bodyPr lIns="0" rIns="0" tIns="0" bIns="0">
-            <a:normAutofit/>
-          </a:bodyPr>
-          <a:p>
-            <a:pPr marL="432000" indent="-323640">
+          <a:bodyPr lIns="0" rIns="0" tIns="0" bIns="0" anchor="ctr">
+            <a:noAutofit/>
+          </a:bodyPr>
+          <a:p>
+            <a:pPr algn="ctr">
               <a:lnSpc>
                 <a:spcPct val="100000"/>
               </a:lnSpc>
-              <a:spcAft>
-                <a:spcPts val="1060"/>
-              </a:spcAft>
-              <a:buClr>
-                <a:srgbClr val="000000"/>
-              </a:buClr>
-              <a:buSzPct val="45000"/>
-              <a:buFont typeface="Wingdings" charset="2"/>
-              <a:buChar char=""/>
             </a:pPr>
             <a:r>
-              <a:rPr b="0" lang="en-US" sz="2400" spc="-1" strike="noStrike">
+              <a:rPr b="0" lang="en-US" sz="3200" spc="-1" strike="noStrike">
                 <a:latin typeface="Arial"/>
               </a:rPr>
-              <a:t>20 genres</a:t>
+              <a:t>Given a dataset</a:t>
             </a:r>
-            <a:endParaRPr b="0" lang="en-US" sz="2400" spc="-1" strike="noStrike">
-              <a:latin typeface="Arial"/>
-            </a:endParaRPr>
-          </a:p>
-          <a:p>
-            <a:pPr marL="432000" indent="-323640">
+            <a:endParaRPr b="0" lang="en-US" sz="3200" spc="-1" strike="noStrike">
+              <a:latin typeface="Arial"/>
+            </a:endParaRPr>
+          </a:p>
+          <a:p>
+            <a:pPr algn="ctr">
               <a:lnSpc>
                 <a:spcPct val="100000"/>
               </a:lnSpc>
-              <a:spcAft>
-                <a:spcPts val="1060"/>
-              </a:spcAft>
-              <a:buClr>
-                <a:srgbClr val="000000"/>
-              </a:buClr>
-              <a:buSzPct val="45000"/>
-              <a:buFont typeface="Wingdings" charset="2"/>
-              <a:buChar char=""/>
             </a:pPr>
             <a:r>
-              <a:rPr b="0" lang="en-US" sz="2100" spc="-1" strike="noStrike">
+              <a:rPr b="0" lang="en-US" sz="3200" spc="-1" strike="noStrike">
                 <a:latin typeface="Arial"/>
               </a:rPr>
-              <a:t>using ml small 2018 data set </a:t>
+              <a:t>Determine a good recommender model</a:t>
             </a:r>
-            <a:endParaRPr b="0" lang="en-US" sz="2100" spc="-1" strike="noStrike">
-              <a:latin typeface="Arial"/>
-            </a:endParaRPr>
-          </a:p>
-          <a:p>
-            <a:pPr lvl="1" marL="864000" indent="-323640">
+            <a:endParaRPr b="0" lang="en-US" sz="3200" spc="-1" strike="noStrike">
+              <a:latin typeface="Arial"/>
+            </a:endParaRPr>
+          </a:p>
+          <a:p>
+            <a:pPr algn="ctr">
               <a:lnSpc>
                 <a:spcPct val="100000"/>
               </a:lnSpc>
-              <a:spcAft>
-                <a:spcPts val="850"/>
-              </a:spcAft>
-              <a:buClr>
-                <a:srgbClr val="000000"/>
-              </a:buClr>
-              <a:buSzPct val="75000"/>
-              <a:buFont typeface="Symbol"/>
-              <a:buChar char=""/>
             </a:pPr>
             <a:r>
-              <a:rPr b="0" lang="en-US" sz="2100" spc="-1" strike="noStrike">
+              <a:rPr b="0" lang="en-US" sz="3200" spc="-1" strike="noStrike">
                 <a:latin typeface="Arial"/>
               </a:rPr>
-              <a:t>~100000 movies</a:t>
+              <a:t>Make recommendations</a:t>
             </a:r>
-            <a:endParaRPr b="0" lang="en-US" sz="2100" spc="-1" strike="noStrike">
-              <a:latin typeface="Arial"/>
-            </a:endParaRPr>
-          </a:p>
-          <a:p>
-            <a:pPr lvl="1" marL="864000" indent="-323640">
+            <a:endParaRPr b="0" lang="en-US" sz="3200" spc="-1" strike="noStrike">
+              <a:latin typeface="Arial"/>
+            </a:endParaRPr>
+          </a:p>
+          <a:p>
+            <a:pPr algn="ctr">
               <a:lnSpc>
                 <a:spcPct val="100000"/>
               </a:lnSpc>
-              <a:spcAft>
-                <a:spcPts val="850"/>
-              </a:spcAft>
-              <a:buClr>
-                <a:srgbClr val="000000"/>
-              </a:buClr>
-              <a:buSzPct val="75000"/>
-              <a:buFont typeface="Symbol"/>
-              <a:buChar char=""/>
             </a:pPr>
             <a:r>
-              <a:rPr b="0" lang="en-US" sz="2100" spc="-1" strike="noStrike">
+              <a:rPr b="0" lang="en-US" sz="3200" spc="-1" strike="noStrike">
                 <a:latin typeface="Arial"/>
               </a:rPr>
-              <a:t>Exploded into multiple genres fore each movie</a:t>
+              <a:t>Using a web-app inteface</a:t>
             </a:r>
-            <a:endParaRPr b="0" lang="en-US" sz="2100" spc="-1" strike="noStrike">
+            <a:endParaRPr b="0" lang="en-US" sz="3200" spc="-1" strike="noStrike">
+              <a:latin typeface="Arial"/>
+            </a:endParaRPr>
+          </a:p>
+          <a:p>
+            <a:pPr algn="ctr">
+              <a:lnSpc>
+                <a:spcPct val="100000"/>
+              </a:lnSpc>
+            </a:pPr>
+            <a:endParaRPr b="0" lang="en-US" sz="3200" spc="-1" strike="noStrike">
               <a:latin typeface="Arial"/>
             </a:endParaRPr>
           </a:p>
@@ -9196,7 +11145,7 @@
       </p:sp>
       <p:pic>
         <p:nvPicPr>
-          <p:cNvPr id="209" name="" descr=""/>
+          <p:cNvPr id="250" name="" descr=""/>
           <p:cNvPicPr/>
           <p:nvPr/>
         </p:nvPicPr>
@@ -9206,31 +11155,8 @@
         </p:blipFill>
         <p:spPr>
           <a:xfrm>
-            <a:off x="4114800" y="3220200"/>
-            <a:ext cx="4971960" cy="1819440"/>
-          </a:xfrm>
-          <a:prstGeom prst="rect">
-            <a:avLst/>
-          </a:prstGeom>
-          <a:ln w="0">
-            <a:noFill/>
-          </a:ln>
-        </p:spPr>
-      </p:pic>
-      <p:pic>
-        <p:nvPicPr>
-          <p:cNvPr id="210" name="" descr=""/>
-          <p:cNvPicPr/>
-          <p:nvPr/>
-        </p:nvPicPr>
-        <p:blipFill>
-          <a:blip r:embed="rId2"/>
-          <a:stretch/>
-        </p:blipFill>
-        <p:spPr>
-          <a:xfrm>
-            <a:off x="7448760" y="228960"/>
-            <a:ext cx="1923840" cy="2857320"/>
+            <a:off x="457200" y="228600"/>
+            <a:ext cx="2619000" cy="1742760"/>
           </a:xfrm>
           <a:prstGeom prst="rect">
             <a:avLst/>
@@ -9270,9 +11196,190 @@
           <a:chExt cx="0" cy="0"/>
         </a:xfrm>
       </p:grpSpPr>
+      <p:sp>
+        <p:nvSpPr>
+          <p:cNvPr id="251" name="CustomShape 1"/>
+          <p:cNvSpPr/>
+          <p:nvPr/>
+        </p:nvSpPr>
+        <p:spPr>
+          <a:xfrm>
+            <a:off x="540000" y="270000"/>
+            <a:ext cx="8999640" cy="989640"/>
+          </a:xfrm>
+          <a:prstGeom prst="rect">
+            <a:avLst/>
+          </a:prstGeom>
+          <a:noFill/>
+          <a:ln w="0">
+            <a:noFill/>
+          </a:ln>
+        </p:spPr>
+        <p:style>
+          <a:lnRef idx="0"/>
+          <a:fillRef idx="0"/>
+          <a:effectRef idx="0"/>
+          <a:fontRef idx="minor"/>
+        </p:style>
+        <p:txBody>
+          <a:bodyPr lIns="0" rIns="0" tIns="0" bIns="0" anchor="ctr">
+            <a:noAutofit/>
+          </a:bodyPr>
+          <a:p>
+            <a:pPr algn="ctr">
+              <a:lnSpc>
+                <a:spcPct val="100000"/>
+              </a:lnSpc>
+            </a:pPr>
+            <a:r>
+              <a:rPr b="0" lang="en-US" sz="3300" spc="-1" strike="noStrike">
+                <a:solidFill>
+                  <a:srgbClr val="ffffff"/>
+                </a:solidFill>
+                <a:latin typeface="Arial"/>
+              </a:rPr>
+              <a:t>Data Set</a:t>
+            </a:r>
+            <a:endParaRPr b="0" lang="en-US" sz="3300" spc="-1" strike="noStrike">
+              <a:latin typeface="Arial"/>
+            </a:endParaRPr>
+          </a:p>
+        </p:txBody>
+      </p:sp>
+      <p:sp>
+        <p:nvSpPr>
+          <p:cNvPr id="252" name="CustomShape 2"/>
+          <p:cNvSpPr/>
+          <p:nvPr/>
+        </p:nvSpPr>
+        <p:spPr>
+          <a:xfrm>
+            <a:off x="540000" y="1440000"/>
+            <a:ext cx="8999640" cy="3599640"/>
+          </a:xfrm>
+          <a:prstGeom prst="rect">
+            <a:avLst/>
+          </a:prstGeom>
+          <a:noFill/>
+          <a:ln w="0">
+            <a:noFill/>
+          </a:ln>
+        </p:spPr>
+        <p:style>
+          <a:lnRef idx="0"/>
+          <a:fillRef idx="0"/>
+          <a:effectRef idx="0"/>
+          <a:fontRef idx="minor"/>
+        </p:style>
+        <p:txBody>
+          <a:bodyPr lIns="0" rIns="0" tIns="0" bIns="0">
+            <a:normAutofit/>
+          </a:bodyPr>
+          <a:p>
+            <a:pPr marL="432000" indent="-323640">
+              <a:lnSpc>
+                <a:spcPct val="100000"/>
+              </a:lnSpc>
+              <a:spcAft>
+                <a:spcPts val="1060"/>
+              </a:spcAft>
+              <a:buClr>
+                <a:srgbClr val="000000"/>
+              </a:buClr>
+              <a:buSzPct val="45000"/>
+              <a:buFont typeface="Wingdings" charset="2"/>
+              <a:buChar char=""/>
+            </a:pPr>
+            <a:r>
+              <a:rPr b="0" lang="en-US" sz="2400" spc="-1" strike="noStrike">
+                <a:latin typeface="Arial"/>
+              </a:rPr>
+              <a:t>20 genres</a:t>
+            </a:r>
+            <a:endParaRPr b="0" lang="en-US" sz="2400" spc="-1" strike="noStrike">
+              <a:latin typeface="Arial"/>
+            </a:endParaRPr>
+          </a:p>
+          <a:p>
+            <a:pPr marL="432000" indent="-323640">
+              <a:lnSpc>
+                <a:spcPct val="100000"/>
+              </a:lnSpc>
+              <a:spcAft>
+                <a:spcPts val="1060"/>
+              </a:spcAft>
+              <a:buClr>
+                <a:srgbClr val="000000"/>
+              </a:buClr>
+              <a:buSzPct val="45000"/>
+              <a:buFont typeface="Wingdings" charset="2"/>
+              <a:buChar char=""/>
+            </a:pPr>
+            <a:r>
+              <a:rPr b="0" lang="en-US" sz="2100" spc="-1" strike="noStrike">
+                <a:latin typeface="Arial"/>
+              </a:rPr>
+              <a:t>using ml small 2018 data set </a:t>
+            </a:r>
+            <a:endParaRPr b="0" lang="en-US" sz="2100" spc="-1" strike="noStrike">
+              <a:latin typeface="Arial"/>
+            </a:endParaRPr>
+          </a:p>
+          <a:p>
+            <a:pPr>
+              <a:lnSpc>
+                <a:spcPct val="100000"/>
+              </a:lnSpc>
+              <a:spcAft>
+                <a:spcPts val="850"/>
+              </a:spcAft>
+            </a:pPr>
+            <a:r>
+              <a:rPr b="0" lang="en-US" sz="2100" spc="-1" strike="noStrike">
+                <a:latin typeface="Arial"/>
+              </a:rPr>
+              <a:t>	</a:t>
+            </a:r>
+            <a:r>
+              <a:rPr b="0" lang="en-US" sz="2100" spc="-1" strike="noStrike">
+                <a:latin typeface="Arial"/>
+              </a:rPr>
+              <a:t>~9742  movies</a:t>
+            </a:r>
+            <a:endParaRPr b="0" lang="en-US" sz="2100" spc="-1" strike="noStrike">
+              <a:latin typeface="Arial"/>
+            </a:endParaRPr>
+          </a:p>
+          <a:p>
+            <a:pPr lvl="1" marL="864000" indent="-323640">
+              <a:lnSpc>
+                <a:spcPct val="100000"/>
+              </a:lnSpc>
+              <a:spcAft>
+                <a:spcPts val="850"/>
+              </a:spcAft>
+              <a:buClr>
+                <a:srgbClr val="000000"/>
+              </a:buClr>
+              <a:buSzPct val="75000"/>
+              <a:buFont typeface="Symbol"/>
+              <a:buChar char=""/>
+            </a:pPr>
+            <a:r>
+              <a:rPr b="0" lang="en-US" sz="2100" spc="-1" strike="noStrike">
+                <a:latin typeface="Arial"/>
+              </a:rPr>
+              <a:t>Exploded into multiple genres for each movie</a:t>
+            </a:r>
+            <a:endParaRPr b="0" lang="en-US" sz="2100" spc="-1" strike="noStrike">
+              <a:latin typeface="Arial"/>
+            </a:endParaRPr>
+          </a:p>
+        </p:txBody>
+      </p:sp>
       <p:pic>
         <p:nvPicPr>
-          <p:cNvPr id="211" name="" descr=""/>
+          <p:cNvPr id="253" name="" descr=""/>
           <p:cNvPicPr/>
           <p:nvPr/>
         </p:nvPicPr>
@@ -9282,8 +11389,31 @@
         </p:blipFill>
         <p:spPr>
           <a:xfrm>
-            <a:off x="875160" y="380520"/>
-            <a:ext cx="8334360" cy="4886280"/>
+            <a:off x="4114800" y="3220200"/>
+            <a:ext cx="4971960" cy="1819440"/>
+          </a:xfrm>
+          <a:prstGeom prst="rect">
+            <a:avLst/>
+          </a:prstGeom>
+          <a:ln w="0">
+            <a:noFill/>
+          </a:ln>
+        </p:spPr>
+      </p:pic>
+      <p:pic>
+        <p:nvPicPr>
+          <p:cNvPr id="254" name="" descr=""/>
+          <p:cNvPicPr/>
+          <p:nvPr/>
+        </p:nvPicPr>
+        <p:blipFill>
+          <a:blip r:embed="rId2"/>
+          <a:stretch/>
+        </p:blipFill>
+        <p:spPr>
+          <a:xfrm>
+            <a:off x="7448760" y="228960"/>
+            <a:ext cx="1923840" cy="2857320"/>
           </a:xfrm>
           <a:prstGeom prst="rect">
             <a:avLst/>
@@ -9323,61 +11453,9 @@
           <a:chExt cx="0" cy="0"/>
         </a:xfrm>
       </p:grpSpPr>
-      <p:sp>
-        <p:nvSpPr>
-          <p:cNvPr id="212" name="CustomShape 1"/>
-          <p:cNvSpPr/>
-          <p:nvPr/>
-        </p:nvSpPr>
-        <p:spPr>
-          <a:xfrm>
-            <a:off x="540000" y="270000"/>
-            <a:ext cx="8999640" cy="989640"/>
-          </a:xfrm>
-          <a:prstGeom prst="rect">
-            <a:avLst/>
-          </a:prstGeom>
-          <a:noFill/>
-          <a:ln w="0">
-            <a:noFill/>
-          </a:ln>
-        </p:spPr>
-        <p:style>
-          <a:lnRef idx="0"/>
-          <a:fillRef idx="0"/>
-          <a:effectRef idx="0"/>
-          <a:fontRef idx="minor"/>
-        </p:style>
-      </p:sp>
-      <p:sp>
-        <p:nvSpPr>
-          <p:cNvPr id="213" name="CustomShape 2"/>
-          <p:cNvSpPr/>
-          <p:nvPr/>
-        </p:nvSpPr>
-        <p:spPr>
-          <a:xfrm>
-            <a:off x="540000" y="1440000"/>
-            <a:ext cx="8999640" cy="3599640"/>
-          </a:xfrm>
-          <a:prstGeom prst="rect">
-            <a:avLst/>
-          </a:prstGeom>
-          <a:noFill/>
-          <a:ln w="0">
-            <a:noFill/>
-          </a:ln>
-        </p:spPr>
-        <p:style>
-          <a:lnRef idx="0"/>
-          <a:fillRef idx="0"/>
-          <a:effectRef idx="0"/>
-          <a:fontRef idx="minor"/>
-        </p:style>
-      </p:sp>
       <p:pic>
         <p:nvPicPr>
-          <p:cNvPr id="214" name="" descr=""/>
+          <p:cNvPr id="255" name="" descr=""/>
           <p:cNvPicPr/>
           <p:nvPr/>
         </p:nvPicPr>
@@ -9387,31 +11465,8 @@
         </p:blipFill>
         <p:spPr>
           <a:xfrm>
-            <a:off x="228600" y="657720"/>
-            <a:ext cx="3485880" cy="2542680"/>
-          </a:xfrm>
-          <a:prstGeom prst="rect">
-            <a:avLst/>
-          </a:prstGeom>
-          <a:ln w="0">
-            <a:noFill/>
-          </a:ln>
-        </p:spPr>
-      </p:pic>
-      <p:pic>
-        <p:nvPicPr>
-          <p:cNvPr id="215" name="" descr=""/>
-          <p:cNvPicPr/>
-          <p:nvPr/>
-        </p:nvPicPr>
-        <p:blipFill>
-          <a:blip r:embed="rId2"/>
-          <a:stretch/>
-        </p:blipFill>
-        <p:spPr>
-          <a:xfrm>
-            <a:off x="4572000" y="2514600"/>
-            <a:ext cx="4762080" cy="2542680"/>
+            <a:off x="875160" y="380520"/>
+            <a:ext cx="8334360" cy="4886280"/>
           </a:xfrm>
           <a:prstGeom prst="rect">
             <a:avLst/>
@@ -9453,7 +11508,7 @@
       </p:grpSpPr>
       <p:sp>
         <p:nvSpPr>
-          <p:cNvPr id="216" name="CustomShape 1"/>
+          <p:cNvPr id="256" name="CustomShape 1"/>
           <p:cNvSpPr/>
           <p:nvPr/>
         </p:nvSpPr>
@@ -9476,34 +11531,10 @@
           <a:effectRef idx="0"/>
           <a:fontRef idx="minor"/>
         </p:style>
-        <p:txBody>
-          <a:bodyPr lIns="0" rIns="0" tIns="0" bIns="0" anchor="ctr">
-            <a:noAutofit/>
-          </a:bodyPr>
-          <a:p>
-            <a:pPr algn="ctr">
-              <a:lnSpc>
-                <a:spcPct val="100000"/>
-              </a:lnSpc>
-            </a:pPr>
-            <a:r>
-              <a:rPr b="0" lang="en-US" sz="3300" spc="-1" strike="noStrike">
-                <a:solidFill>
-                  <a:srgbClr val="ffffff"/>
-                </a:solidFill>
-                <a:latin typeface="Arial"/>
-              </a:rPr>
-              <a:t>Exploration </a:t>
-            </a:r>
-            <a:endParaRPr b="0" lang="en-US" sz="3300" spc="-1" strike="noStrike">
-              <a:latin typeface="Arial"/>
-            </a:endParaRPr>
-          </a:p>
-        </p:txBody>
-      </p:sp>
-      <p:sp>
-        <p:nvSpPr>
-          <p:cNvPr id="217" name="CustomShape 2"/>
+      </p:sp>
+      <p:sp>
+        <p:nvSpPr>
+          <p:cNvPr id="257" name="CustomShape 2"/>
           <p:cNvSpPr/>
           <p:nvPr/>
         </p:nvSpPr>
@@ -9529,7 +11560,7 @@
       </p:sp>
       <p:pic>
         <p:nvPicPr>
-          <p:cNvPr id="218" name="" descr=""/>
+          <p:cNvPr id="258" name="" descr=""/>
           <p:cNvPicPr/>
           <p:nvPr/>
         </p:nvPicPr>
@@ -9539,8 +11570,8 @@
         </p:blipFill>
         <p:spPr>
           <a:xfrm>
-            <a:off x="457200" y="24480"/>
-            <a:ext cx="5277960" cy="5670360"/>
+            <a:off x="228600" y="1440000"/>
+            <a:ext cx="3485880" cy="2542680"/>
           </a:xfrm>
           <a:prstGeom prst="rect">
             <a:avLst/>
@@ -9550,6 +11581,66 @@
           </a:ln>
         </p:spPr>
       </p:pic>
+      <p:pic>
+        <p:nvPicPr>
+          <p:cNvPr id="259" name="" descr=""/>
+          <p:cNvPicPr/>
+          <p:nvPr/>
+        </p:nvPicPr>
+        <p:blipFill>
+          <a:blip r:embed="rId2"/>
+          <a:stretch/>
+        </p:blipFill>
+        <p:spPr>
+          <a:xfrm>
+            <a:off x="4572000" y="2514600"/>
+            <a:ext cx="4762080" cy="2542680"/>
+          </a:xfrm>
+          <a:prstGeom prst="rect">
+            <a:avLst/>
+          </a:prstGeom>
+          <a:ln w="0">
+            <a:noFill/>
+          </a:ln>
+        </p:spPr>
+      </p:pic>
+      <p:sp>
+        <p:nvSpPr>
+          <p:cNvPr id="260" name="TextShape 3"/>
+          <p:cNvSpPr txBox="1"/>
+          <p:nvPr/>
+        </p:nvSpPr>
+        <p:spPr>
+          <a:xfrm>
+            <a:off x="540000" y="270000"/>
+            <a:ext cx="8999640" cy="989640"/>
+          </a:xfrm>
+          <a:prstGeom prst="rect">
+            <a:avLst/>
+          </a:prstGeom>
+          <a:noFill/>
+          <a:ln w="0">
+            <a:noFill/>
+          </a:ln>
+        </p:spPr>
+        <p:txBody>
+          <a:bodyPr lIns="0" rIns="0" tIns="0" bIns="0" anchor="ctr">
+            <a:noAutofit/>
+          </a:bodyPr>
+          <a:p>
+            <a:pPr algn="ctr"/>
+            <a:r>
+              <a:rPr b="0" lang="en-US" sz="4400" spc="-1" strike="noStrike">
+                <a:latin typeface="Arial"/>
+              </a:rPr>
+              <a:t>Search for nulls and correlation</a:t>
+            </a:r>
+            <a:endParaRPr b="0" lang="en-US" sz="4400" spc="-1" strike="noStrike">
+              <a:latin typeface="Arial"/>
+            </a:endParaRPr>
+          </a:p>
+        </p:txBody>
+      </p:sp>
     </p:spTree>
   </p:cSld>
   <mc:AlternateContent>
@@ -9582,8 +11673,8 @@
       </p:grpSpPr>
       <p:sp>
         <p:nvSpPr>
-          <p:cNvPr id="219" name="CustomShape 1"/>
-          <p:cNvSpPr/>
+          <p:cNvPr id="261" name="TextShape 1"/>
+          <p:cNvSpPr txBox="1"/>
           <p:nvPr/>
         </p:nvSpPr>
         <p:spPr>
@@ -9599,66 +11690,21 @@
             <a:noFill/>
           </a:ln>
         </p:spPr>
-        <p:style>
-          <a:lnRef idx="0"/>
-          <a:fillRef idx="0"/>
-          <a:effectRef idx="0"/>
-          <a:fontRef idx="minor"/>
-        </p:style>
         <p:txBody>
           <a:bodyPr lIns="0" rIns="0" tIns="0" bIns="0" anchor="ctr">
             <a:noAutofit/>
           </a:bodyPr>
           <a:p>
-            <a:pPr algn="ctr">
-              <a:lnSpc>
-                <a:spcPct val="100000"/>
-              </a:lnSpc>
-            </a:pPr>
-            <a:r>
-              <a:rPr b="0" lang="en-US" sz="3300" spc="-1" strike="noStrike">
-                <a:solidFill>
-                  <a:srgbClr val="ffffff"/>
-                </a:solidFill>
-                <a:latin typeface="Arial"/>
-              </a:rPr>
-              <a:t>Stationarity</a:t>
-            </a:r>
-            <a:endParaRPr b="0" lang="en-US" sz="3300" spc="-1" strike="noStrike">
-              <a:latin typeface="Arial"/>
-            </a:endParaRPr>
-          </a:p>
-        </p:txBody>
-      </p:sp>
-      <p:sp>
-        <p:nvSpPr>
-          <p:cNvPr id="220" name="CustomShape 2"/>
-          <p:cNvSpPr/>
-          <p:nvPr/>
-        </p:nvSpPr>
-        <p:spPr>
-          <a:xfrm>
-            <a:off x="540000" y="1440000"/>
-            <a:ext cx="8999640" cy="3599640"/>
-          </a:xfrm>
-          <a:prstGeom prst="rect">
-            <a:avLst/>
-          </a:prstGeom>
-          <a:noFill/>
-          <a:ln w="0">
-            <a:noFill/>
-          </a:ln>
-        </p:spPr>
-        <p:style>
-          <a:lnRef idx="0"/>
-          <a:fillRef idx="0"/>
-          <a:effectRef idx="0"/>
-          <a:fontRef idx="minor"/>
-        </p:style>
+            <a:pPr algn="ctr"/>
+            <a:endParaRPr b="0" lang="en-US" sz="4400" spc="-1" strike="noStrike">
+              <a:latin typeface="Arial"/>
+            </a:endParaRPr>
+          </a:p>
+        </p:txBody>
       </p:sp>
       <p:pic>
         <p:nvPicPr>
-          <p:cNvPr id="221" name="" descr=""/>
+          <p:cNvPr id="262" name="" descr=""/>
           <p:cNvPicPr/>
           <p:nvPr/>
         </p:nvPicPr>
@@ -9668,8 +11714,8 @@
         </p:blipFill>
         <p:spPr>
           <a:xfrm>
-            <a:off x="2514600" y="273240"/>
-            <a:ext cx="5710680" cy="5670360"/>
+            <a:off x="1302120" y="-12240"/>
+            <a:ext cx="7472160" cy="5670360"/>
           </a:xfrm>
           <a:prstGeom prst="rect">
             <a:avLst/>
@@ -9711,8 +11757,8 @@
       </p:grpSpPr>
       <p:sp>
         <p:nvSpPr>
-          <p:cNvPr id="222" name="TextShape 1"/>
-          <p:cNvSpPr txBox="1"/>
+          <p:cNvPr id="263" name="CustomShape 1"/>
+          <p:cNvSpPr/>
           <p:nvPr/>
         </p:nvSpPr>
         <p:spPr>
@@ -9728,21 +11774,66 @@
             <a:noFill/>
           </a:ln>
         </p:spPr>
+        <p:style>
+          <a:lnRef idx="0"/>
+          <a:fillRef idx="0"/>
+          <a:effectRef idx="0"/>
+          <a:fontRef idx="minor"/>
+        </p:style>
         <p:txBody>
           <a:bodyPr lIns="0" rIns="0" tIns="0" bIns="0" anchor="ctr">
             <a:noAutofit/>
           </a:bodyPr>
           <a:p>
-            <a:pPr algn="ctr"/>
-            <a:endParaRPr b="0" lang="en-US" sz="4400" spc="-1" strike="noStrike">
-              <a:latin typeface="Arial"/>
-            </a:endParaRPr>
-          </a:p>
-        </p:txBody>
+            <a:pPr algn="ctr">
+              <a:lnSpc>
+                <a:spcPct val="100000"/>
+              </a:lnSpc>
+            </a:pPr>
+            <a:r>
+              <a:rPr b="0" lang="en-US" sz="3300" spc="-1" strike="noStrike">
+                <a:solidFill>
+                  <a:srgbClr val="ffffff"/>
+                </a:solidFill>
+                <a:latin typeface="Arial"/>
+              </a:rPr>
+              <a:t>Exploration </a:t>
+            </a:r>
+            <a:endParaRPr b="0" lang="en-US" sz="3300" spc="-1" strike="noStrike">
+              <a:latin typeface="Arial"/>
+            </a:endParaRPr>
+          </a:p>
+        </p:txBody>
+      </p:sp>
+      <p:sp>
+        <p:nvSpPr>
+          <p:cNvPr id="264" name="CustomShape 2"/>
+          <p:cNvSpPr/>
+          <p:nvPr/>
+        </p:nvSpPr>
+        <p:spPr>
+          <a:xfrm>
+            <a:off x="540000" y="1440000"/>
+            <a:ext cx="8999640" cy="3599640"/>
+          </a:xfrm>
+          <a:prstGeom prst="rect">
+            <a:avLst/>
+          </a:prstGeom>
+          <a:noFill/>
+          <a:ln w="0">
+            <a:noFill/>
+          </a:ln>
+        </p:spPr>
+        <p:style>
+          <a:lnRef idx="0"/>
+          <a:fillRef idx="0"/>
+          <a:effectRef idx="0"/>
+          <a:fontRef idx="minor"/>
+        </p:style>
       </p:sp>
       <p:pic>
         <p:nvPicPr>
-          <p:cNvPr id="223" name="" descr=""/>
+          <p:cNvPr id="265" name="" descr=""/>
           <p:cNvPicPr/>
           <p:nvPr/>
         </p:nvPicPr>
@@ -9752,8 +11843,8 @@
         </p:blipFill>
         <p:spPr>
           <a:xfrm>
-            <a:off x="2147040" y="44640"/>
-            <a:ext cx="5790960" cy="5670360"/>
+            <a:off x="457200" y="24480"/>
+            <a:ext cx="5277960" cy="5670360"/>
           </a:xfrm>
           <a:prstGeom prst="rect">
             <a:avLst/>
@@ -9763,6 +11854,66 @@
           </a:ln>
         </p:spPr>
       </p:pic>
+      <p:pic>
+        <p:nvPicPr>
+          <p:cNvPr id="266" name="" descr=""/>
+          <p:cNvPicPr/>
+          <p:nvPr/>
+        </p:nvPicPr>
+        <p:blipFill>
+          <a:blip r:embed="rId2"/>
+          <a:stretch/>
+        </p:blipFill>
+        <p:spPr>
+          <a:xfrm>
+            <a:off x="6343920" y="2143440"/>
+            <a:ext cx="3028680" cy="1514160"/>
+          </a:xfrm>
+          <a:prstGeom prst="rect">
+            <a:avLst/>
+          </a:prstGeom>
+          <a:ln w="0">
+            <a:noFill/>
+          </a:ln>
+        </p:spPr>
+      </p:pic>
+      <p:sp>
+        <p:nvSpPr>
+          <p:cNvPr id="267" name="TextShape 3"/>
+          <p:cNvSpPr txBox="1"/>
+          <p:nvPr/>
+        </p:nvSpPr>
+        <p:spPr>
+          <a:xfrm>
+            <a:off x="1287360" y="270000"/>
+            <a:ext cx="8999640" cy="989640"/>
+          </a:xfrm>
+          <a:prstGeom prst="rect">
+            <a:avLst/>
+          </a:prstGeom>
+          <a:noFill/>
+          <a:ln w="0">
+            <a:noFill/>
+          </a:ln>
+        </p:spPr>
+        <p:txBody>
+          <a:bodyPr lIns="0" rIns="0" tIns="0" bIns="0" anchor="ctr">
+            <a:noAutofit/>
+          </a:bodyPr>
+          <a:p>
+            <a:pPr algn="ctr"/>
+            <a:r>
+              <a:rPr b="0" lang="en-US" sz="4400" spc="-1" strike="noStrike">
+                <a:latin typeface="Arial"/>
+              </a:rPr>
+              <a:t>Relative proportions</a:t>
+            </a:r>
+            <a:endParaRPr b="0" lang="en-US" sz="4400" spc="-1" strike="noStrike">
+              <a:latin typeface="Arial"/>
+            </a:endParaRPr>
+          </a:p>
+        </p:txBody>
+      </p:sp>
     </p:spTree>
   </p:cSld>
   <mc:AlternateContent>
@@ -10678,4 +12829,230 @@
     </a:fmtScheme>
   </a:themeElements>
 </a:theme>
+</file>
+
+<file path=ppt/theme/theme5.xml><?xml version="1.0" encoding="utf-8"?>
+<a:theme xmlns:a="http://schemas.openxmlformats.org/drawingml/2006/main" name="Office Theme">
+  <a:themeElements>
+    <a:clrScheme name="Office">
+      <a:dk1>
+        <a:sysClr val="windowText" lastClr="000000"/>
+      </a:dk1>
+      <a:lt1>
+        <a:sysClr val="window" lastClr="FFFFFF"/>
+      </a:lt1>
+      <a:dk2>
+        <a:srgbClr val="1f497d"/>
+      </a:dk2>
+      <a:lt2>
+        <a:srgbClr val="eeece1"/>
+      </a:lt2>
+      <a:accent1>
+        <a:srgbClr val="4f81bd"/>
+      </a:accent1>
+      <a:accent2>
+        <a:srgbClr val="c0504d"/>
+      </a:accent2>
+      <a:accent3>
+        <a:srgbClr val="9bbb59"/>
+      </a:accent3>
+      <a:accent4>
+        <a:srgbClr val="8064a2"/>
+      </a:accent4>
+      <a:accent5>
+        <a:srgbClr val="4bacc6"/>
+      </a:accent5>
+      <a:accent6>
+        <a:srgbClr val="f79646"/>
+      </a:accent6>
+      <a:hlink>
+        <a:srgbClr val="0000ff"/>
+      </a:hlink>
+      <a:folHlink>
+        <a:srgbClr val="800080"/>
+      </a:folHlink>
+    </a:clrScheme>
+    <a:fontScheme name="Office">
+      <a:majorFont>
+        <a:latin typeface="Arial"/>
+        <a:ea typeface="DejaVu Sans"/>
+        <a:cs typeface="DejaVu Sans"/>
+      </a:majorFont>
+      <a:minorFont>
+        <a:latin typeface="Arial"/>
+        <a:ea typeface="DejaVu Sans"/>
+        <a:cs typeface="DejaVu Sans"/>
+      </a:minorFont>
+    </a:fontScheme>
+    <a:fmtScheme name="Office">
+      <a:fillStyleLst>
+        <a:solidFill>
+          <a:schemeClr val="phClr"/>
+        </a:solidFill>
+        <a:gradFill rotWithShape="1">
+          <a:gsLst>
+            <a:gs pos="0">
+              <a:schemeClr val="phClr">
+                <a:tint val="50000"/>
+                <a:satMod val="300000"/>
+              </a:schemeClr>
+            </a:gs>
+            <a:gs pos="35000">
+              <a:schemeClr val="phClr">
+                <a:tint val="37000"/>
+                <a:satMod val="300000"/>
+              </a:schemeClr>
+            </a:gs>
+            <a:gs pos="100000">
+              <a:schemeClr val="phClr">
+                <a:tint val="15000"/>
+                <a:satMod val="350000"/>
+              </a:schemeClr>
+            </a:gs>
+          </a:gsLst>
+          <a:lin ang="16200000" scaled="1"/>
+        </a:gradFill>
+        <a:gradFill rotWithShape="1">
+          <a:gsLst>
+            <a:gs pos="0">
+              <a:schemeClr val="phClr">
+                <a:shade val="51000"/>
+                <a:satMod val="130000"/>
+              </a:schemeClr>
+            </a:gs>
+            <a:gs pos="80000">
+              <a:schemeClr val="phClr">
+                <a:shade val="93000"/>
+                <a:satMod val="130000"/>
+              </a:schemeClr>
+            </a:gs>
+            <a:gs pos="100000">
+              <a:schemeClr val="phClr">
+                <a:shade val="94000"/>
+                <a:satMod val="135000"/>
+              </a:schemeClr>
+            </a:gs>
+          </a:gsLst>
+          <a:lin ang="16200000" scaled="0"/>
+        </a:gradFill>
+      </a:fillStyleLst>
+      <a:lnStyleLst>
+        <a:ln w="9525" cap="flat" cmpd="sng" algn="ctr">
+          <a:solidFill>
+            <a:schemeClr val="phClr">
+              <a:shade val="95000"/>
+              <a:satMod val="105000"/>
+            </a:schemeClr>
+          </a:solidFill>
+          <a:prstDash val="solid"/>
+          <a:miter/>
+        </a:ln>
+        <a:ln w="25400" cap="flat" cmpd="sng" algn="ctr">
+          <a:solidFill>
+            <a:schemeClr val="phClr"/>
+          </a:solidFill>
+          <a:prstDash val="solid"/>
+          <a:miter/>
+        </a:ln>
+        <a:ln w="38100" cap="flat" cmpd="sng" algn="ctr">
+          <a:solidFill>
+            <a:schemeClr val="phClr"/>
+          </a:solidFill>
+          <a:prstDash val="solid"/>
+          <a:miter/>
+        </a:ln>
+      </a:lnStyleLst>
+      <a:effectStyleLst>
+        <a:effectStyle>
+          <a:effectLst>
+            <a:outerShdw blurRad="40000" dist="20000" dir="5400000" rotWithShape="0">
+              <a:srgbClr val="000000">
+                <a:alpha val="38000"/>
+              </a:srgbClr>
+            </a:outerShdw>
+          </a:effectLst>
+        </a:effectStyle>
+        <a:effectStyle>
+          <a:effectLst>
+            <a:outerShdw blurRad="40000" dist="23000" dir="5400000" rotWithShape="0">
+              <a:srgbClr val="000000">
+                <a:alpha val="35000"/>
+              </a:srgbClr>
+            </a:outerShdw>
+          </a:effectLst>
+        </a:effectStyle>
+        <a:effectStyle>
+          <a:effectLst>
+            <a:outerShdw blurRad="40000" dist="23000" dir="5400000" rotWithShape="0">
+              <a:srgbClr val="000000">
+                <a:alpha val="35000"/>
+              </a:srgbClr>
+            </a:outerShdw>
+          </a:effectLst>
+          <a:scene3d>
+            <a:camera prst="orthographicFront">
+              <a:rot lat="0" lon="0" rev="0"/>
+            </a:camera>
+            <a:lightRig rig="threePt" dir="t">
+              <a:rot lat="0" lon="0" rev="1200000"/>
+            </a:lightRig>
+          </a:scene3d>
+          <a:sp3d>
+            <a:bevelT w="63500" h="25400"/>
+          </a:sp3d>
+        </a:effectStyle>
+      </a:effectStyleLst>
+      <a:bgFillStyleLst>
+        <a:solidFill>
+          <a:schemeClr val="phClr"/>
+        </a:solidFill>
+        <a:gradFill rotWithShape="1">
+          <a:gsLst>
+            <a:gs pos="0">
+              <a:schemeClr val="phClr">
+                <a:tint val="40000"/>
+                <a:satMod val="350000"/>
+              </a:schemeClr>
+            </a:gs>
+            <a:gs pos="40000">
+              <a:schemeClr val="phClr">
+                <a:tint val="45000"/>
+                <a:shade val="99000"/>
+                <a:satMod val="350000"/>
+              </a:schemeClr>
+            </a:gs>
+            <a:gs pos="100000">
+              <a:schemeClr val="phClr">
+                <a:shade val="20000"/>
+                <a:satMod val="255000"/>
+              </a:schemeClr>
+            </a:gs>
+          </a:gsLst>
+          <a:path path="circle">
+            <a:fillToRect l="50000" t="-80000" r="50000" b="180000"/>
+          </a:path>
+        </a:gradFill>
+        <a:gradFill rotWithShape="1">
+          <a:gsLst>
+            <a:gs pos="0">
+              <a:schemeClr val="phClr">
+                <a:tint val="80000"/>
+                <a:satMod val="300000"/>
+              </a:schemeClr>
+            </a:gs>
+            <a:gs pos="100000">
+              <a:schemeClr val="phClr">
+                <a:shade val="30000"/>
+                <a:satMod val="200000"/>
+              </a:schemeClr>
+            </a:gs>
+          </a:gsLst>
+          <a:path path="circle">
+            <a:fillToRect l="50000" t="50000" r="50000" b="50000"/>
+          </a:path>
+        </a:gradFill>
+      </a:bgFillStyleLst>
+    </a:fmtScheme>
+  </a:themeElements>
+</a:theme>
 </file>
--- a/Move_Ratings.pptx
+++ b/Move_Ratings.pptx
@@ -7,22 +7,23 @@
     <p:sldMasterId id="2147483674" r:id="rId4"/>
     <p:sldMasterId id="2147483687" r:id="rId5"/>
     <p:sldMasterId id="2147483700" r:id="rId6"/>
+    <p:sldMasterId id="2147483713" r:id="rId7"/>
   </p:sldMasterIdLst>
   <p:sldIdLst>
-    <p:sldId id="256" r:id="rId7"/>
-    <p:sldId id="257" r:id="rId8"/>
-    <p:sldId id="258" r:id="rId9"/>
-    <p:sldId id="259" r:id="rId10"/>
-    <p:sldId id="260" r:id="rId11"/>
-    <p:sldId id="261" r:id="rId12"/>
-    <p:sldId id="262" r:id="rId13"/>
-    <p:sldId id="263" r:id="rId14"/>
-    <p:sldId id="264" r:id="rId15"/>
-    <p:sldId id="265" r:id="rId16"/>
-    <p:sldId id="266" r:id="rId17"/>
-    <p:sldId id="267" r:id="rId18"/>
-    <p:sldId id="268" r:id="rId19"/>
-    <p:sldId id="269" r:id="rId20"/>
+    <p:sldId id="256" r:id="rId8"/>
+    <p:sldId id="257" r:id="rId9"/>
+    <p:sldId id="258" r:id="rId10"/>
+    <p:sldId id="259" r:id="rId11"/>
+    <p:sldId id="260" r:id="rId12"/>
+    <p:sldId id="261" r:id="rId13"/>
+    <p:sldId id="262" r:id="rId14"/>
+    <p:sldId id="263" r:id="rId15"/>
+    <p:sldId id="264" r:id="rId16"/>
+    <p:sldId id="265" r:id="rId17"/>
+    <p:sldId id="266" r:id="rId18"/>
+    <p:sldId id="267" r:id="rId19"/>
+    <p:sldId id="268" r:id="rId20"/>
+    <p:sldId id="269" r:id="rId21"/>
   </p:sldIdLst>
   <p:sldSz cx="10080625" cy="5670550"/>
   <p:notesSz cx="7772400" cy="10058400"/>
@@ -70,7 +71,7 @@
       </p:grpSpPr>
       <p:sp>
         <p:nvSpPr>
-          <p:cNvPr id="35" name="PlaceHolder 1"/>
+          <p:cNvPr id="24" name="PlaceHolder 1"/>
           <p:cNvSpPr>
             <a:spLocks noGrp="1"/>
           </p:cNvSpPr>
@@ -81,7 +82,7 @@
         <p:spPr>
           <a:xfrm>
             <a:off x="540000" y="270000"/>
-            <a:ext cx="8999640" cy="989640"/>
+            <a:ext cx="8999280" cy="989280"/>
           </a:xfrm>
           <a:prstGeom prst="rect">
             <a:avLst/>
@@ -101,7 +102,7 @@
       </p:sp>
       <p:sp>
         <p:nvSpPr>
-          <p:cNvPr id="36" name="PlaceHolder 2"/>
+          <p:cNvPr id="25" name="PlaceHolder 2"/>
           <p:cNvSpPr>
             <a:spLocks noGrp="1"/>
           </p:cNvSpPr>
@@ -112,26 +113,26 @@
         <p:spPr>
           <a:xfrm>
             <a:off x="540000" y="1440000"/>
-            <a:ext cx="8999640" cy="1716840"/>
-          </a:xfrm>
-          <a:prstGeom prst="rect">
-            <a:avLst/>
-          </a:prstGeom>
-        </p:spPr>
-        <p:txBody>
-          <a:bodyPr lIns="0" rIns="0" tIns="0" bIns="0">
-            <a:normAutofit/>
-          </a:bodyPr>
-          <a:p>
-            <a:endParaRPr b="0" lang="en-US" sz="3200" spc="-1" strike="noStrike">
-              <a:latin typeface="Arial"/>
-            </a:endParaRPr>
-          </a:p>
-        </p:txBody>
-      </p:sp>
-      <p:sp>
-        <p:nvSpPr>
-          <p:cNvPr id="37" name="PlaceHolder 3"/>
+            <a:ext cx="8999280" cy="1716840"/>
+          </a:xfrm>
+          <a:prstGeom prst="rect">
+            <a:avLst/>
+          </a:prstGeom>
+        </p:spPr>
+        <p:txBody>
+          <a:bodyPr lIns="0" rIns="0" tIns="0" bIns="0">
+            <a:normAutofit/>
+          </a:bodyPr>
+          <a:p>
+            <a:endParaRPr b="0" lang="en-US" sz="3200" spc="-1" strike="noStrike">
+              <a:latin typeface="Arial"/>
+            </a:endParaRPr>
+          </a:p>
+        </p:txBody>
+      </p:sp>
+      <p:sp>
+        <p:nvSpPr>
+          <p:cNvPr id="26" name="PlaceHolder 3"/>
           <p:cNvSpPr>
             <a:spLocks noGrp="1"/>
           </p:cNvSpPr>
@@ -142,7 +143,7 @@
         <p:spPr>
           <a:xfrm>
             <a:off x="540000" y="3320280"/>
-            <a:ext cx="8999640" cy="1716840"/>
+            <a:ext cx="8999280" cy="1716840"/>
           </a:xfrm>
           <a:prstGeom prst="rect">
             <a:avLst/>
@@ -183,7 +184,7 @@
       </p:grpSpPr>
       <p:sp>
         <p:nvSpPr>
-          <p:cNvPr id="38" name="PlaceHolder 1"/>
+          <p:cNvPr id="27" name="PlaceHolder 1"/>
           <p:cNvSpPr>
             <a:spLocks noGrp="1"/>
           </p:cNvSpPr>
@@ -194,7 +195,7 @@
         <p:spPr>
           <a:xfrm>
             <a:off x="540000" y="270000"/>
-            <a:ext cx="8999640" cy="989640"/>
+            <a:ext cx="8999280" cy="989280"/>
           </a:xfrm>
           <a:prstGeom prst="rect">
             <a:avLst/>
@@ -214,7 +215,7 @@
       </p:sp>
       <p:sp>
         <p:nvSpPr>
-          <p:cNvPr id="39" name="PlaceHolder 2"/>
+          <p:cNvPr id="28" name="PlaceHolder 2"/>
           <p:cNvSpPr>
             <a:spLocks noGrp="1"/>
           </p:cNvSpPr>
@@ -244,7 +245,7 @@
       </p:sp>
       <p:sp>
         <p:nvSpPr>
-          <p:cNvPr id="40" name="PlaceHolder 3"/>
+          <p:cNvPr id="29" name="PlaceHolder 3"/>
           <p:cNvSpPr>
             <a:spLocks noGrp="1"/>
           </p:cNvSpPr>
@@ -274,7 +275,7 @@
       </p:sp>
       <p:sp>
         <p:nvSpPr>
-          <p:cNvPr id="41" name="PlaceHolder 4"/>
+          <p:cNvPr id="30" name="PlaceHolder 4"/>
           <p:cNvSpPr>
             <a:spLocks noGrp="1"/>
           </p:cNvSpPr>
@@ -304,7 +305,7 @@
       </p:sp>
       <p:sp>
         <p:nvSpPr>
-          <p:cNvPr id="42" name="PlaceHolder 5"/>
+          <p:cNvPr id="31" name="PlaceHolder 5"/>
           <p:cNvSpPr>
             <a:spLocks noGrp="1"/>
           </p:cNvSpPr>
@@ -356,7 +357,7 @@
       </p:grpSpPr>
       <p:sp>
         <p:nvSpPr>
-          <p:cNvPr id="43" name="PlaceHolder 1"/>
+          <p:cNvPr id="32" name="PlaceHolder 1"/>
           <p:cNvSpPr>
             <a:spLocks noGrp="1"/>
           </p:cNvSpPr>
@@ -367,7 +368,7 @@
         <p:spPr>
           <a:xfrm>
             <a:off x="540000" y="270000"/>
-            <a:ext cx="8999640" cy="989640"/>
+            <a:ext cx="8999280" cy="989280"/>
           </a:xfrm>
           <a:prstGeom prst="rect">
             <a:avLst/>
@@ -387,7 +388,7 @@
       </p:sp>
       <p:sp>
         <p:nvSpPr>
-          <p:cNvPr id="44" name="PlaceHolder 2"/>
+          <p:cNvPr id="33" name="PlaceHolder 2"/>
           <p:cNvSpPr>
             <a:spLocks noGrp="1"/>
           </p:cNvSpPr>
@@ -417,7 +418,7 @@
       </p:sp>
       <p:sp>
         <p:nvSpPr>
-          <p:cNvPr id="45" name="PlaceHolder 3"/>
+          <p:cNvPr id="34" name="PlaceHolder 3"/>
           <p:cNvSpPr>
             <a:spLocks noGrp="1"/>
           </p:cNvSpPr>
@@ -447,7 +448,7 @@
       </p:sp>
       <p:sp>
         <p:nvSpPr>
-          <p:cNvPr id="46" name="PlaceHolder 4"/>
+          <p:cNvPr id="35" name="PlaceHolder 4"/>
           <p:cNvSpPr>
             <a:spLocks noGrp="1"/>
           </p:cNvSpPr>
@@ -477,7 +478,7 @@
       </p:sp>
       <p:sp>
         <p:nvSpPr>
-          <p:cNvPr id="47" name="PlaceHolder 5"/>
+          <p:cNvPr id="36" name="PlaceHolder 5"/>
           <p:cNvSpPr>
             <a:spLocks noGrp="1"/>
           </p:cNvSpPr>
@@ -507,7 +508,7 @@
       </p:sp>
       <p:sp>
         <p:nvSpPr>
-          <p:cNvPr id="48" name="PlaceHolder 6"/>
+          <p:cNvPr id="37" name="PlaceHolder 6"/>
           <p:cNvSpPr>
             <a:spLocks noGrp="1"/>
           </p:cNvSpPr>
@@ -537,7 +538,7 @@
       </p:sp>
       <p:sp>
         <p:nvSpPr>
-          <p:cNvPr id="49" name="PlaceHolder 7"/>
+          <p:cNvPr id="38" name="PlaceHolder 7"/>
           <p:cNvSpPr>
             <a:spLocks noGrp="1"/>
           </p:cNvSpPr>
@@ -622,7 +623,7 @@
         <p:spPr>
           <a:xfrm>
             <a:off x="540000" y="270000"/>
-            <a:ext cx="8999640" cy="989640"/>
+            <a:ext cx="8999280" cy="989280"/>
           </a:xfrm>
           <a:prstGeom prst="rect">
             <a:avLst/>
@@ -653,7 +654,7 @@
         <p:spPr>
           <a:xfrm>
             <a:off x="540000" y="1440000"/>
-            <a:ext cx="8999640" cy="3599640"/>
+            <a:ext cx="8999280" cy="3599280"/>
           </a:xfrm>
           <a:prstGeom prst="rect">
             <a:avLst/>
@@ -706,7 +707,7 @@
         <p:spPr>
           <a:xfrm>
             <a:off x="540000" y="270000"/>
-            <a:ext cx="8999640" cy="989640"/>
+            <a:ext cx="8999280" cy="989280"/>
           </a:xfrm>
           <a:prstGeom prst="rect">
             <a:avLst/>
@@ -737,7 +738,7 @@
         <p:spPr>
           <a:xfrm>
             <a:off x="540000" y="1440000"/>
-            <a:ext cx="8999640" cy="3599640"/>
+            <a:ext cx="8999280" cy="3599280"/>
           </a:xfrm>
           <a:prstGeom prst="rect">
             <a:avLst/>
@@ -789,7 +790,7 @@
         <p:spPr>
           <a:xfrm>
             <a:off x="540000" y="270000"/>
-            <a:ext cx="8999640" cy="989640"/>
+            <a:ext cx="8999280" cy="989280"/>
           </a:xfrm>
           <a:prstGeom prst="rect">
             <a:avLst/>
@@ -820,7 +821,7 @@
         <p:spPr>
           <a:xfrm>
             <a:off x="540000" y="1440000"/>
-            <a:ext cx="4391640" cy="3599640"/>
+            <a:ext cx="4391640" cy="3599280"/>
           </a:xfrm>
           <a:prstGeom prst="rect">
             <a:avLst/>
@@ -850,7 +851,7 @@
         <p:spPr>
           <a:xfrm>
             <a:off x="5151600" y="1440000"/>
-            <a:ext cx="4391640" cy="3599640"/>
+            <a:ext cx="4391640" cy="3599280"/>
           </a:xfrm>
           <a:prstGeom prst="rect">
             <a:avLst/>
@@ -902,7 +903,7 @@
         <p:spPr>
           <a:xfrm>
             <a:off x="540000" y="270000"/>
-            <a:ext cx="8999640" cy="989640"/>
+            <a:ext cx="8999280" cy="989280"/>
           </a:xfrm>
           <a:prstGeom prst="rect">
             <a:avLst/>
@@ -955,7 +956,7 @@
         <p:spPr>
           <a:xfrm>
             <a:off x="540000" y="270000"/>
-            <a:ext cx="8999640" cy="4588560"/>
+            <a:ext cx="8999280" cy="4587120"/>
           </a:xfrm>
           <a:prstGeom prst="rect">
             <a:avLst/>
@@ -1008,7 +1009,7 @@
         <p:spPr>
           <a:xfrm>
             <a:off x="540000" y="270000"/>
-            <a:ext cx="8999640" cy="989640"/>
+            <a:ext cx="8999280" cy="989280"/>
           </a:xfrm>
           <a:prstGeom prst="rect">
             <a:avLst/>
@@ -1069,7 +1070,7 @@
         <p:spPr>
           <a:xfrm>
             <a:off x="5151600" y="1440000"/>
-            <a:ext cx="4391640" cy="3599640"/>
+            <a:ext cx="4391640" cy="3599280"/>
           </a:xfrm>
           <a:prstGeom prst="rect">
             <a:avLst/>
@@ -1140,7 +1141,7 @@
       </p:grpSpPr>
       <p:sp>
         <p:nvSpPr>
-          <p:cNvPr id="14" name="PlaceHolder 1"/>
+          <p:cNvPr id="3" name="PlaceHolder 1"/>
           <p:cNvSpPr>
             <a:spLocks noGrp="1"/>
           </p:cNvSpPr>
@@ -1151,7 +1152,7 @@
         <p:spPr>
           <a:xfrm>
             <a:off x="540000" y="270000"/>
-            <a:ext cx="8999640" cy="989640"/>
+            <a:ext cx="8999280" cy="989280"/>
           </a:xfrm>
           <a:prstGeom prst="rect">
             <a:avLst/>
@@ -1171,7 +1172,7 @@
       </p:sp>
       <p:sp>
         <p:nvSpPr>
-          <p:cNvPr id="15" name="PlaceHolder 2"/>
+          <p:cNvPr id="4" name="PlaceHolder 2"/>
           <p:cNvSpPr>
             <a:spLocks noGrp="1"/>
           </p:cNvSpPr>
@@ -1182,7 +1183,7 @@
         <p:spPr>
           <a:xfrm>
             <a:off x="540000" y="1440000"/>
-            <a:ext cx="8999640" cy="3599640"/>
+            <a:ext cx="8999280" cy="3599280"/>
           </a:xfrm>
           <a:prstGeom prst="rect">
             <a:avLst/>
@@ -1235,7 +1236,7 @@
         <p:spPr>
           <a:xfrm>
             <a:off x="540000" y="270000"/>
-            <a:ext cx="8999640" cy="989640"/>
+            <a:ext cx="8999280" cy="989280"/>
           </a:xfrm>
           <a:prstGeom prst="rect">
             <a:avLst/>
@@ -1266,7 +1267,7 @@
         <p:spPr>
           <a:xfrm>
             <a:off x="540000" y="1440000"/>
-            <a:ext cx="4391640" cy="3599640"/>
+            <a:ext cx="4391640" cy="3599280"/>
           </a:xfrm>
           <a:prstGeom prst="rect">
             <a:avLst/>
@@ -1378,7 +1379,7 @@
         <p:spPr>
           <a:xfrm>
             <a:off x="540000" y="270000"/>
-            <a:ext cx="8999640" cy="989640"/>
+            <a:ext cx="8999280" cy="989280"/>
           </a:xfrm>
           <a:prstGeom prst="rect">
             <a:avLst/>
@@ -1469,7 +1470,7 @@
         <p:spPr>
           <a:xfrm>
             <a:off x="540000" y="3320280"/>
-            <a:ext cx="8999640" cy="1716840"/>
+            <a:ext cx="8999280" cy="1716840"/>
           </a:xfrm>
           <a:prstGeom prst="rect">
             <a:avLst/>
@@ -1521,7 +1522,7 @@
         <p:spPr>
           <a:xfrm>
             <a:off x="540000" y="270000"/>
-            <a:ext cx="8999640" cy="989640"/>
+            <a:ext cx="8999280" cy="989280"/>
           </a:xfrm>
           <a:prstGeom prst="rect">
             <a:avLst/>
@@ -1552,7 +1553,7 @@
         <p:spPr>
           <a:xfrm>
             <a:off x="540000" y="1440000"/>
-            <a:ext cx="8999640" cy="1716840"/>
+            <a:ext cx="8999280" cy="1716840"/>
           </a:xfrm>
           <a:prstGeom prst="rect">
             <a:avLst/>
@@ -1582,7 +1583,7 @@
         <p:spPr>
           <a:xfrm>
             <a:off x="540000" y="3320280"/>
-            <a:ext cx="8999640" cy="1716840"/>
+            <a:ext cx="8999280" cy="1716840"/>
           </a:xfrm>
           <a:prstGeom prst="rect">
             <a:avLst/>
@@ -1634,7 +1635,7 @@
         <p:spPr>
           <a:xfrm>
             <a:off x="540000" y="270000"/>
-            <a:ext cx="8999640" cy="989640"/>
+            <a:ext cx="8999280" cy="989280"/>
           </a:xfrm>
           <a:prstGeom prst="rect">
             <a:avLst/>
@@ -1807,7 +1808,7 @@
         <p:spPr>
           <a:xfrm>
             <a:off x="540000" y="270000"/>
-            <a:ext cx="8999640" cy="989640"/>
+            <a:ext cx="8999280" cy="989280"/>
           </a:xfrm>
           <a:prstGeom prst="rect">
             <a:avLst/>
@@ -2051,7 +2052,7 @@
       </p:grpSpPr>
       <p:sp>
         <p:nvSpPr>
-          <p:cNvPr id="109" name="PlaceHolder 1"/>
+          <p:cNvPr id="103" name="PlaceHolder 1"/>
           <p:cNvSpPr>
             <a:spLocks noGrp="1"/>
           </p:cNvSpPr>
@@ -2062,7 +2063,7 @@
         <p:spPr>
           <a:xfrm>
             <a:off x="540000" y="270000"/>
-            <a:ext cx="8999640" cy="989640"/>
+            <a:ext cx="8999280" cy="989280"/>
           </a:xfrm>
           <a:prstGeom prst="rect">
             <a:avLst/>
@@ -2082,7 +2083,7 @@
       </p:sp>
       <p:sp>
         <p:nvSpPr>
-          <p:cNvPr id="110" name="PlaceHolder 2"/>
+          <p:cNvPr id="104" name="PlaceHolder 2"/>
           <p:cNvSpPr>
             <a:spLocks noGrp="1"/>
           </p:cNvSpPr>
@@ -2093,7 +2094,7 @@
         <p:spPr>
           <a:xfrm>
             <a:off x="540000" y="1440000"/>
-            <a:ext cx="8999640" cy="3599640"/>
+            <a:ext cx="8999280" cy="3599280"/>
           </a:xfrm>
           <a:prstGeom prst="rect">
             <a:avLst/>
@@ -2135,7 +2136,7 @@
       </p:grpSpPr>
       <p:sp>
         <p:nvSpPr>
-          <p:cNvPr id="111" name="PlaceHolder 1"/>
+          <p:cNvPr id="105" name="PlaceHolder 1"/>
           <p:cNvSpPr>
             <a:spLocks noGrp="1"/>
           </p:cNvSpPr>
@@ -2146,7 +2147,7 @@
         <p:spPr>
           <a:xfrm>
             <a:off x="540000" y="270000"/>
-            <a:ext cx="8999640" cy="989640"/>
+            <a:ext cx="8999280" cy="989280"/>
           </a:xfrm>
           <a:prstGeom prst="rect">
             <a:avLst/>
@@ -2166,7 +2167,7 @@
       </p:sp>
       <p:sp>
         <p:nvSpPr>
-          <p:cNvPr id="112" name="PlaceHolder 2"/>
+          <p:cNvPr id="106" name="PlaceHolder 2"/>
           <p:cNvSpPr>
             <a:spLocks noGrp="1"/>
           </p:cNvSpPr>
@@ -2177,7 +2178,7 @@
         <p:spPr>
           <a:xfrm>
             <a:off x="540000" y="1440000"/>
-            <a:ext cx="8999640" cy="3599640"/>
+            <a:ext cx="8999280" cy="3599280"/>
           </a:xfrm>
           <a:prstGeom prst="rect">
             <a:avLst/>
@@ -2218,7 +2219,7 @@
       </p:grpSpPr>
       <p:sp>
         <p:nvSpPr>
-          <p:cNvPr id="113" name="PlaceHolder 1"/>
+          <p:cNvPr id="107" name="PlaceHolder 1"/>
           <p:cNvSpPr>
             <a:spLocks noGrp="1"/>
           </p:cNvSpPr>
@@ -2229,7 +2230,7 @@
         <p:spPr>
           <a:xfrm>
             <a:off x="540000" y="270000"/>
-            <a:ext cx="8999640" cy="989640"/>
+            <a:ext cx="8999280" cy="989280"/>
           </a:xfrm>
           <a:prstGeom prst="rect">
             <a:avLst/>
@@ -2249,7 +2250,7 @@
       </p:sp>
       <p:sp>
         <p:nvSpPr>
-          <p:cNvPr id="114" name="PlaceHolder 2"/>
+          <p:cNvPr id="108" name="PlaceHolder 2"/>
           <p:cNvSpPr>
             <a:spLocks noGrp="1"/>
           </p:cNvSpPr>
@@ -2260,26 +2261,26 @@
         <p:spPr>
           <a:xfrm>
             <a:off x="540000" y="1440000"/>
-            <a:ext cx="4391640" cy="3599640"/>
-          </a:xfrm>
-          <a:prstGeom prst="rect">
-            <a:avLst/>
-          </a:prstGeom>
-        </p:spPr>
-        <p:txBody>
-          <a:bodyPr lIns="0" rIns="0" tIns="0" bIns="0">
-            <a:normAutofit/>
-          </a:bodyPr>
-          <a:p>
-            <a:endParaRPr b="0" lang="en-US" sz="3200" spc="-1" strike="noStrike">
-              <a:latin typeface="Arial"/>
-            </a:endParaRPr>
-          </a:p>
-        </p:txBody>
-      </p:sp>
-      <p:sp>
-        <p:nvSpPr>
-          <p:cNvPr id="115" name="PlaceHolder 3"/>
+            <a:ext cx="4391640" cy="3599280"/>
+          </a:xfrm>
+          <a:prstGeom prst="rect">
+            <a:avLst/>
+          </a:prstGeom>
+        </p:spPr>
+        <p:txBody>
+          <a:bodyPr lIns="0" rIns="0" tIns="0" bIns="0">
+            <a:normAutofit/>
+          </a:bodyPr>
+          <a:p>
+            <a:endParaRPr b="0" lang="en-US" sz="3200" spc="-1" strike="noStrike">
+              <a:latin typeface="Arial"/>
+            </a:endParaRPr>
+          </a:p>
+        </p:txBody>
+      </p:sp>
+      <p:sp>
+        <p:nvSpPr>
+          <p:cNvPr id="109" name="PlaceHolder 3"/>
           <p:cNvSpPr>
             <a:spLocks noGrp="1"/>
           </p:cNvSpPr>
@@ -2290,7 +2291,7 @@
         <p:spPr>
           <a:xfrm>
             <a:off x="5151600" y="1440000"/>
-            <a:ext cx="4391640" cy="3599640"/>
+            <a:ext cx="4391640" cy="3599280"/>
           </a:xfrm>
           <a:prstGeom prst="rect">
             <a:avLst/>
@@ -2331,7 +2332,7 @@
       </p:grpSpPr>
       <p:sp>
         <p:nvSpPr>
-          <p:cNvPr id="116" name="PlaceHolder 1"/>
+          <p:cNvPr id="110" name="PlaceHolder 1"/>
           <p:cNvSpPr>
             <a:spLocks noGrp="1"/>
           </p:cNvSpPr>
@@ -2342,7 +2343,7 @@
         <p:spPr>
           <a:xfrm>
             <a:off x="540000" y="270000"/>
-            <a:ext cx="8999640" cy="989640"/>
+            <a:ext cx="8999280" cy="989280"/>
           </a:xfrm>
           <a:prstGeom prst="rect">
             <a:avLst/>
@@ -2384,7 +2385,7 @@
       </p:grpSpPr>
       <p:sp>
         <p:nvSpPr>
-          <p:cNvPr id="16" name="PlaceHolder 1"/>
+          <p:cNvPr id="5" name="PlaceHolder 1"/>
           <p:cNvSpPr>
             <a:spLocks noGrp="1"/>
           </p:cNvSpPr>
@@ -2395,7 +2396,7 @@
         <p:spPr>
           <a:xfrm>
             <a:off x="540000" y="270000"/>
-            <a:ext cx="8999640" cy="989640"/>
+            <a:ext cx="8999280" cy="989280"/>
           </a:xfrm>
           <a:prstGeom prst="rect">
             <a:avLst/>
@@ -2415,7 +2416,7 @@
       </p:sp>
       <p:sp>
         <p:nvSpPr>
-          <p:cNvPr id="17" name="PlaceHolder 2"/>
+          <p:cNvPr id="6" name="PlaceHolder 2"/>
           <p:cNvSpPr>
             <a:spLocks noGrp="1"/>
           </p:cNvSpPr>
@@ -2426,7 +2427,7 @@
         <p:spPr>
           <a:xfrm>
             <a:off x="540000" y="1440000"/>
-            <a:ext cx="8999640" cy="3599640"/>
+            <a:ext cx="8999280" cy="3599280"/>
           </a:xfrm>
           <a:prstGeom prst="rect">
             <a:avLst/>
@@ -2467,7 +2468,7 @@
       </p:grpSpPr>
       <p:sp>
         <p:nvSpPr>
-          <p:cNvPr id="117" name="PlaceHolder 1"/>
+          <p:cNvPr id="111" name="PlaceHolder 1"/>
           <p:cNvSpPr>
             <a:spLocks noGrp="1"/>
           </p:cNvSpPr>
@@ -2478,7 +2479,7 @@
         <p:spPr>
           <a:xfrm>
             <a:off x="540000" y="270000"/>
-            <a:ext cx="8999640" cy="4588560"/>
+            <a:ext cx="8999280" cy="4587120"/>
           </a:xfrm>
           <a:prstGeom prst="rect">
             <a:avLst/>
@@ -2520,7 +2521,7 @@
       </p:grpSpPr>
       <p:sp>
         <p:nvSpPr>
-          <p:cNvPr id="118" name="PlaceHolder 1"/>
+          <p:cNvPr id="112" name="PlaceHolder 1"/>
           <p:cNvSpPr>
             <a:spLocks noGrp="1"/>
           </p:cNvSpPr>
@@ -2531,7 +2532,7 @@
         <p:spPr>
           <a:xfrm>
             <a:off x="540000" y="270000"/>
-            <a:ext cx="8999640" cy="989640"/>
+            <a:ext cx="8999280" cy="989280"/>
           </a:xfrm>
           <a:prstGeom prst="rect">
             <a:avLst/>
@@ -2551,7 +2552,7 @@
       </p:sp>
       <p:sp>
         <p:nvSpPr>
-          <p:cNvPr id="119" name="PlaceHolder 2"/>
+          <p:cNvPr id="113" name="PlaceHolder 2"/>
           <p:cNvSpPr>
             <a:spLocks noGrp="1"/>
           </p:cNvSpPr>
@@ -2581,7 +2582,7 @@
       </p:sp>
       <p:sp>
         <p:nvSpPr>
-          <p:cNvPr id="120" name="PlaceHolder 3"/>
+          <p:cNvPr id="114" name="PlaceHolder 3"/>
           <p:cNvSpPr>
             <a:spLocks noGrp="1"/>
           </p:cNvSpPr>
@@ -2592,26 +2593,26 @@
         <p:spPr>
           <a:xfrm>
             <a:off x="5151600" y="1440000"/>
-            <a:ext cx="4391640" cy="3599640"/>
-          </a:xfrm>
-          <a:prstGeom prst="rect">
-            <a:avLst/>
-          </a:prstGeom>
-        </p:spPr>
-        <p:txBody>
-          <a:bodyPr lIns="0" rIns="0" tIns="0" bIns="0">
-            <a:normAutofit/>
-          </a:bodyPr>
-          <a:p>
-            <a:endParaRPr b="0" lang="en-US" sz="3200" spc="-1" strike="noStrike">
-              <a:latin typeface="Arial"/>
-            </a:endParaRPr>
-          </a:p>
-        </p:txBody>
-      </p:sp>
-      <p:sp>
-        <p:nvSpPr>
-          <p:cNvPr id="121" name="PlaceHolder 4"/>
+            <a:ext cx="4391640" cy="3599280"/>
+          </a:xfrm>
+          <a:prstGeom prst="rect">
+            <a:avLst/>
+          </a:prstGeom>
+        </p:spPr>
+        <p:txBody>
+          <a:bodyPr lIns="0" rIns="0" tIns="0" bIns="0">
+            <a:normAutofit/>
+          </a:bodyPr>
+          <a:p>
+            <a:endParaRPr b="0" lang="en-US" sz="3200" spc="-1" strike="noStrike">
+              <a:latin typeface="Arial"/>
+            </a:endParaRPr>
+          </a:p>
+        </p:txBody>
+      </p:sp>
+      <p:sp>
+        <p:nvSpPr>
+          <p:cNvPr id="115" name="PlaceHolder 4"/>
           <p:cNvSpPr>
             <a:spLocks noGrp="1"/>
           </p:cNvSpPr>
@@ -2663,7 +2664,7 @@
       </p:grpSpPr>
       <p:sp>
         <p:nvSpPr>
-          <p:cNvPr id="122" name="PlaceHolder 1"/>
+          <p:cNvPr id="116" name="PlaceHolder 1"/>
           <p:cNvSpPr>
             <a:spLocks noGrp="1"/>
           </p:cNvSpPr>
@@ -2674,7 +2675,7 @@
         <p:spPr>
           <a:xfrm>
             <a:off x="540000" y="270000"/>
-            <a:ext cx="8999640" cy="989640"/>
+            <a:ext cx="8999280" cy="989280"/>
           </a:xfrm>
           <a:prstGeom prst="rect">
             <a:avLst/>
@@ -2694,7 +2695,7 @@
       </p:sp>
       <p:sp>
         <p:nvSpPr>
-          <p:cNvPr id="123" name="PlaceHolder 2"/>
+          <p:cNvPr id="117" name="PlaceHolder 2"/>
           <p:cNvSpPr>
             <a:spLocks noGrp="1"/>
           </p:cNvSpPr>
@@ -2705,26 +2706,26 @@
         <p:spPr>
           <a:xfrm>
             <a:off x="540000" y="1440000"/>
-            <a:ext cx="4391640" cy="3599640"/>
-          </a:xfrm>
-          <a:prstGeom prst="rect">
-            <a:avLst/>
-          </a:prstGeom>
-        </p:spPr>
-        <p:txBody>
-          <a:bodyPr lIns="0" rIns="0" tIns="0" bIns="0">
-            <a:normAutofit/>
-          </a:bodyPr>
-          <a:p>
-            <a:endParaRPr b="0" lang="en-US" sz="3200" spc="-1" strike="noStrike">
-              <a:latin typeface="Arial"/>
-            </a:endParaRPr>
-          </a:p>
-        </p:txBody>
-      </p:sp>
-      <p:sp>
-        <p:nvSpPr>
-          <p:cNvPr id="124" name="PlaceHolder 3"/>
+            <a:ext cx="4391640" cy="3599280"/>
+          </a:xfrm>
+          <a:prstGeom prst="rect">
+            <a:avLst/>
+          </a:prstGeom>
+        </p:spPr>
+        <p:txBody>
+          <a:bodyPr lIns="0" rIns="0" tIns="0" bIns="0">
+            <a:normAutofit/>
+          </a:bodyPr>
+          <a:p>
+            <a:endParaRPr b="0" lang="en-US" sz="3200" spc="-1" strike="noStrike">
+              <a:latin typeface="Arial"/>
+            </a:endParaRPr>
+          </a:p>
+        </p:txBody>
+      </p:sp>
+      <p:sp>
+        <p:nvSpPr>
+          <p:cNvPr id="118" name="PlaceHolder 3"/>
           <p:cNvSpPr>
             <a:spLocks noGrp="1"/>
           </p:cNvSpPr>
@@ -2754,7 +2755,7 @@
       </p:sp>
       <p:sp>
         <p:nvSpPr>
-          <p:cNvPr id="125" name="PlaceHolder 4"/>
+          <p:cNvPr id="119" name="PlaceHolder 4"/>
           <p:cNvSpPr>
             <a:spLocks noGrp="1"/>
           </p:cNvSpPr>
@@ -2806,7 +2807,7 @@
       </p:grpSpPr>
       <p:sp>
         <p:nvSpPr>
-          <p:cNvPr id="126" name="PlaceHolder 1"/>
+          <p:cNvPr id="120" name="PlaceHolder 1"/>
           <p:cNvSpPr>
             <a:spLocks noGrp="1"/>
           </p:cNvSpPr>
@@ -2817,7 +2818,7 @@
         <p:spPr>
           <a:xfrm>
             <a:off x="540000" y="270000"/>
-            <a:ext cx="8999640" cy="989640"/>
+            <a:ext cx="8999280" cy="989280"/>
           </a:xfrm>
           <a:prstGeom prst="rect">
             <a:avLst/>
@@ -2837,7 +2838,7 @@
       </p:sp>
       <p:sp>
         <p:nvSpPr>
-          <p:cNvPr id="127" name="PlaceHolder 2"/>
+          <p:cNvPr id="121" name="PlaceHolder 2"/>
           <p:cNvSpPr>
             <a:spLocks noGrp="1"/>
           </p:cNvSpPr>
@@ -2867,7 +2868,7 @@
       </p:sp>
       <p:sp>
         <p:nvSpPr>
-          <p:cNvPr id="128" name="PlaceHolder 3"/>
+          <p:cNvPr id="122" name="PlaceHolder 3"/>
           <p:cNvSpPr>
             <a:spLocks noGrp="1"/>
           </p:cNvSpPr>
@@ -2897,7 +2898,7 @@
       </p:sp>
       <p:sp>
         <p:nvSpPr>
-          <p:cNvPr id="129" name="PlaceHolder 4"/>
+          <p:cNvPr id="123" name="PlaceHolder 4"/>
           <p:cNvSpPr>
             <a:spLocks noGrp="1"/>
           </p:cNvSpPr>
@@ -2908,7 +2909,7 @@
         <p:spPr>
           <a:xfrm>
             <a:off x="540000" y="3320280"/>
-            <a:ext cx="8999640" cy="1716840"/>
+            <a:ext cx="8999280" cy="1716840"/>
           </a:xfrm>
           <a:prstGeom prst="rect">
             <a:avLst/>
@@ -2949,7 +2950,7 @@
       </p:grpSpPr>
       <p:sp>
         <p:nvSpPr>
-          <p:cNvPr id="130" name="PlaceHolder 1"/>
+          <p:cNvPr id="124" name="PlaceHolder 1"/>
           <p:cNvSpPr>
             <a:spLocks noGrp="1"/>
           </p:cNvSpPr>
@@ -2960,7 +2961,7 @@
         <p:spPr>
           <a:xfrm>
             <a:off x="540000" y="270000"/>
-            <a:ext cx="8999640" cy="989640"/>
+            <a:ext cx="8999280" cy="989280"/>
           </a:xfrm>
           <a:prstGeom prst="rect">
             <a:avLst/>
@@ -2980,7 +2981,7 @@
       </p:sp>
       <p:sp>
         <p:nvSpPr>
-          <p:cNvPr id="131" name="PlaceHolder 2"/>
+          <p:cNvPr id="125" name="PlaceHolder 2"/>
           <p:cNvSpPr>
             <a:spLocks noGrp="1"/>
           </p:cNvSpPr>
@@ -2991,26 +2992,26 @@
         <p:spPr>
           <a:xfrm>
             <a:off x="540000" y="1440000"/>
-            <a:ext cx="8999640" cy="1716840"/>
-          </a:xfrm>
-          <a:prstGeom prst="rect">
-            <a:avLst/>
-          </a:prstGeom>
-        </p:spPr>
-        <p:txBody>
-          <a:bodyPr lIns="0" rIns="0" tIns="0" bIns="0">
-            <a:normAutofit/>
-          </a:bodyPr>
-          <a:p>
-            <a:endParaRPr b="0" lang="en-US" sz="3200" spc="-1" strike="noStrike">
-              <a:latin typeface="Arial"/>
-            </a:endParaRPr>
-          </a:p>
-        </p:txBody>
-      </p:sp>
-      <p:sp>
-        <p:nvSpPr>
-          <p:cNvPr id="132" name="PlaceHolder 3"/>
+            <a:ext cx="8999280" cy="1716840"/>
+          </a:xfrm>
+          <a:prstGeom prst="rect">
+            <a:avLst/>
+          </a:prstGeom>
+        </p:spPr>
+        <p:txBody>
+          <a:bodyPr lIns="0" rIns="0" tIns="0" bIns="0">
+            <a:normAutofit/>
+          </a:bodyPr>
+          <a:p>
+            <a:endParaRPr b="0" lang="en-US" sz="3200" spc="-1" strike="noStrike">
+              <a:latin typeface="Arial"/>
+            </a:endParaRPr>
+          </a:p>
+        </p:txBody>
+      </p:sp>
+      <p:sp>
+        <p:nvSpPr>
+          <p:cNvPr id="126" name="PlaceHolder 3"/>
           <p:cNvSpPr>
             <a:spLocks noGrp="1"/>
           </p:cNvSpPr>
@@ -3021,7 +3022,7 @@
         <p:spPr>
           <a:xfrm>
             <a:off x="540000" y="3320280"/>
-            <a:ext cx="8999640" cy="1716840"/>
+            <a:ext cx="8999280" cy="1716840"/>
           </a:xfrm>
           <a:prstGeom prst="rect">
             <a:avLst/>
@@ -3062,7 +3063,7 @@
       </p:grpSpPr>
       <p:sp>
         <p:nvSpPr>
-          <p:cNvPr id="133" name="PlaceHolder 1"/>
+          <p:cNvPr id="127" name="PlaceHolder 1"/>
           <p:cNvSpPr>
             <a:spLocks noGrp="1"/>
           </p:cNvSpPr>
@@ -3073,7 +3074,7 @@
         <p:spPr>
           <a:xfrm>
             <a:off x="540000" y="270000"/>
-            <a:ext cx="8999640" cy="989640"/>
+            <a:ext cx="8999280" cy="989280"/>
           </a:xfrm>
           <a:prstGeom prst="rect">
             <a:avLst/>
@@ -3093,7 +3094,7 @@
       </p:sp>
       <p:sp>
         <p:nvSpPr>
-          <p:cNvPr id="134" name="PlaceHolder 2"/>
+          <p:cNvPr id="128" name="PlaceHolder 2"/>
           <p:cNvSpPr>
             <a:spLocks noGrp="1"/>
           </p:cNvSpPr>
@@ -3123,7 +3124,7 @@
       </p:sp>
       <p:sp>
         <p:nvSpPr>
-          <p:cNvPr id="135" name="PlaceHolder 3"/>
+          <p:cNvPr id="129" name="PlaceHolder 3"/>
           <p:cNvSpPr>
             <a:spLocks noGrp="1"/>
           </p:cNvSpPr>
@@ -3153,7 +3154,7 @@
       </p:sp>
       <p:sp>
         <p:nvSpPr>
-          <p:cNvPr id="136" name="PlaceHolder 4"/>
+          <p:cNvPr id="130" name="PlaceHolder 4"/>
           <p:cNvSpPr>
             <a:spLocks noGrp="1"/>
           </p:cNvSpPr>
@@ -3183,7 +3184,7 @@
       </p:sp>
       <p:sp>
         <p:nvSpPr>
-          <p:cNvPr id="137" name="PlaceHolder 5"/>
+          <p:cNvPr id="131" name="PlaceHolder 5"/>
           <p:cNvSpPr>
             <a:spLocks noGrp="1"/>
           </p:cNvSpPr>
@@ -3235,7 +3236,7 @@
       </p:grpSpPr>
       <p:sp>
         <p:nvSpPr>
-          <p:cNvPr id="138" name="PlaceHolder 1"/>
+          <p:cNvPr id="132" name="PlaceHolder 1"/>
           <p:cNvSpPr>
             <a:spLocks noGrp="1"/>
           </p:cNvSpPr>
@@ -3246,7 +3247,7 @@
         <p:spPr>
           <a:xfrm>
             <a:off x="540000" y="270000"/>
-            <a:ext cx="8999640" cy="989640"/>
+            <a:ext cx="8999280" cy="989280"/>
           </a:xfrm>
           <a:prstGeom prst="rect">
             <a:avLst/>
@@ -3266,7 +3267,7 @@
       </p:sp>
       <p:sp>
         <p:nvSpPr>
-          <p:cNvPr id="139" name="PlaceHolder 2"/>
+          <p:cNvPr id="133" name="PlaceHolder 2"/>
           <p:cNvSpPr>
             <a:spLocks noGrp="1"/>
           </p:cNvSpPr>
@@ -3296,7 +3297,7 @@
       </p:sp>
       <p:sp>
         <p:nvSpPr>
-          <p:cNvPr id="140" name="PlaceHolder 3"/>
+          <p:cNvPr id="134" name="PlaceHolder 3"/>
           <p:cNvSpPr>
             <a:spLocks noGrp="1"/>
           </p:cNvSpPr>
@@ -3326,7 +3327,7 @@
       </p:sp>
       <p:sp>
         <p:nvSpPr>
-          <p:cNvPr id="141" name="PlaceHolder 4"/>
+          <p:cNvPr id="135" name="PlaceHolder 4"/>
           <p:cNvSpPr>
             <a:spLocks noGrp="1"/>
           </p:cNvSpPr>
@@ -3356,7 +3357,7 @@
       </p:sp>
       <p:sp>
         <p:nvSpPr>
-          <p:cNvPr id="142" name="PlaceHolder 5"/>
+          <p:cNvPr id="136" name="PlaceHolder 5"/>
           <p:cNvSpPr>
             <a:spLocks noGrp="1"/>
           </p:cNvSpPr>
@@ -3386,7 +3387,7 @@
       </p:sp>
       <p:sp>
         <p:nvSpPr>
-          <p:cNvPr id="143" name="PlaceHolder 6"/>
+          <p:cNvPr id="137" name="PlaceHolder 6"/>
           <p:cNvSpPr>
             <a:spLocks noGrp="1"/>
           </p:cNvSpPr>
@@ -3416,7 +3417,7 @@
       </p:sp>
       <p:sp>
         <p:nvSpPr>
-          <p:cNvPr id="144" name="PlaceHolder 7"/>
+          <p:cNvPr id="138" name="PlaceHolder 7"/>
           <p:cNvSpPr>
             <a:spLocks noGrp="1"/>
           </p:cNvSpPr>
@@ -3490,7 +3491,7 @@
       </p:grpSpPr>
       <p:sp>
         <p:nvSpPr>
-          <p:cNvPr id="156" name="PlaceHolder 1"/>
+          <p:cNvPr id="150" name="PlaceHolder 1"/>
           <p:cNvSpPr>
             <a:spLocks noGrp="1"/>
           </p:cNvSpPr>
@@ -3501,7 +3502,7 @@
         <p:spPr>
           <a:xfrm>
             <a:off x="540000" y="270000"/>
-            <a:ext cx="8999640" cy="989640"/>
+            <a:ext cx="8999280" cy="989280"/>
           </a:xfrm>
           <a:prstGeom prst="rect">
             <a:avLst/>
@@ -3521,7 +3522,7 @@
       </p:sp>
       <p:sp>
         <p:nvSpPr>
-          <p:cNvPr id="157" name="PlaceHolder 2"/>
+          <p:cNvPr id="151" name="PlaceHolder 2"/>
           <p:cNvSpPr>
             <a:spLocks noGrp="1"/>
           </p:cNvSpPr>
@@ -3532,7 +3533,7 @@
         <p:spPr>
           <a:xfrm>
             <a:off x="540000" y="1440000"/>
-            <a:ext cx="8999640" cy="3599640"/>
+            <a:ext cx="8999280" cy="3599280"/>
           </a:xfrm>
           <a:prstGeom prst="rect">
             <a:avLst/>
@@ -3574,7 +3575,7 @@
       </p:grpSpPr>
       <p:sp>
         <p:nvSpPr>
-          <p:cNvPr id="158" name="PlaceHolder 1"/>
+          <p:cNvPr id="152" name="PlaceHolder 1"/>
           <p:cNvSpPr>
             <a:spLocks noGrp="1"/>
           </p:cNvSpPr>
@@ -3585,7 +3586,7 @@
         <p:spPr>
           <a:xfrm>
             <a:off x="540000" y="270000"/>
-            <a:ext cx="8999640" cy="989640"/>
+            <a:ext cx="8999280" cy="989280"/>
           </a:xfrm>
           <a:prstGeom prst="rect">
             <a:avLst/>
@@ -3605,7 +3606,7 @@
       </p:sp>
       <p:sp>
         <p:nvSpPr>
-          <p:cNvPr id="159" name="PlaceHolder 2"/>
+          <p:cNvPr id="153" name="PlaceHolder 2"/>
           <p:cNvSpPr>
             <a:spLocks noGrp="1"/>
           </p:cNvSpPr>
@@ -3616,7 +3617,7 @@
         <p:spPr>
           <a:xfrm>
             <a:off x="540000" y="1440000"/>
-            <a:ext cx="8999640" cy="3599640"/>
+            <a:ext cx="8999280" cy="3599280"/>
           </a:xfrm>
           <a:prstGeom prst="rect">
             <a:avLst/>
@@ -3657,7 +3658,7 @@
       </p:grpSpPr>
       <p:sp>
         <p:nvSpPr>
-          <p:cNvPr id="18" name="PlaceHolder 1"/>
+          <p:cNvPr id="7" name="PlaceHolder 1"/>
           <p:cNvSpPr>
             <a:spLocks noGrp="1"/>
           </p:cNvSpPr>
@@ -3668,7 +3669,7 @@
         <p:spPr>
           <a:xfrm>
             <a:off x="540000" y="270000"/>
-            <a:ext cx="8999640" cy="989640"/>
+            <a:ext cx="8999280" cy="989280"/>
           </a:xfrm>
           <a:prstGeom prst="rect">
             <a:avLst/>
@@ -3688,7 +3689,7 @@
       </p:sp>
       <p:sp>
         <p:nvSpPr>
-          <p:cNvPr id="19" name="PlaceHolder 2"/>
+          <p:cNvPr id="8" name="PlaceHolder 2"/>
           <p:cNvSpPr>
             <a:spLocks noGrp="1"/>
           </p:cNvSpPr>
@@ -3699,26 +3700,26 @@
         <p:spPr>
           <a:xfrm>
             <a:off x="540000" y="1440000"/>
-            <a:ext cx="4391640" cy="3599640"/>
-          </a:xfrm>
-          <a:prstGeom prst="rect">
-            <a:avLst/>
-          </a:prstGeom>
-        </p:spPr>
-        <p:txBody>
-          <a:bodyPr lIns="0" rIns="0" tIns="0" bIns="0">
-            <a:normAutofit/>
-          </a:bodyPr>
-          <a:p>
-            <a:endParaRPr b="0" lang="en-US" sz="3200" spc="-1" strike="noStrike">
-              <a:latin typeface="Arial"/>
-            </a:endParaRPr>
-          </a:p>
-        </p:txBody>
-      </p:sp>
-      <p:sp>
-        <p:nvSpPr>
-          <p:cNvPr id="20" name="PlaceHolder 3"/>
+            <a:ext cx="4391640" cy="3599280"/>
+          </a:xfrm>
+          <a:prstGeom prst="rect">
+            <a:avLst/>
+          </a:prstGeom>
+        </p:spPr>
+        <p:txBody>
+          <a:bodyPr lIns="0" rIns="0" tIns="0" bIns="0">
+            <a:normAutofit/>
+          </a:bodyPr>
+          <a:p>
+            <a:endParaRPr b="0" lang="en-US" sz="3200" spc="-1" strike="noStrike">
+              <a:latin typeface="Arial"/>
+            </a:endParaRPr>
+          </a:p>
+        </p:txBody>
+      </p:sp>
+      <p:sp>
+        <p:nvSpPr>
+          <p:cNvPr id="9" name="PlaceHolder 3"/>
           <p:cNvSpPr>
             <a:spLocks noGrp="1"/>
           </p:cNvSpPr>
@@ -3729,7 +3730,7 @@
         <p:spPr>
           <a:xfrm>
             <a:off x="5151600" y="1440000"/>
-            <a:ext cx="4391640" cy="3599640"/>
+            <a:ext cx="4391640" cy="3599280"/>
           </a:xfrm>
           <a:prstGeom prst="rect">
             <a:avLst/>
@@ -3770,7 +3771,7 @@
       </p:grpSpPr>
       <p:sp>
         <p:nvSpPr>
-          <p:cNvPr id="160" name="PlaceHolder 1"/>
+          <p:cNvPr id="154" name="PlaceHolder 1"/>
           <p:cNvSpPr>
             <a:spLocks noGrp="1"/>
           </p:cNvSpPr>
@@ -3781,7 +3782,7 @@
         <p:spPr>
           <a:xfrm>
             <a:off x="540000" y="270000"/>
-            <a:ext cx="8999640" cy="989640"/>
+            <a:ext cx="8999280" cy="989280"/>
           </a:xfrm>
           <a:prstGeom prst="rect">
             <a:avLst/>
@@ -3801,7 +3802,7 @@
       </p:sp>
       <p:sp>
         <p:nvSpPr>
-          <p:cNvPr id="161" name="PlaceHolder 2"/>
+          <p:cNvPr id="155" name="PlaceHolder 2"/>
           <p:cNvSpPr>
             <a:spLocks noGrp="1"/>
           </p:cNvSpPr>
@@ -3812,26 +3813,26 @@
         <p:spPr>
           <a:xfrm>
             <a:off x="540000" y="1440000"/>
-            <a:ext cx="4391640" cy="3599640"/>
-          </a:xfrm>
-          <a:prstGeom prst="rect">
-            <a:avLst/>
-          </a:prstGeom>
-        </p:spPr>
-        <p:txBody>
-          <a:bodyPr lIns="0" rIns="0" tIns="0" bIns="0">
-            <a:normAutofit/>
-          </a:bodyPr>
-          <a:p>
-            <a:endParaRPr b="0" lang="en-US" sz="3200" spc="-1" strike="noStrike">
-              <a:latin typeface="Arial"/>
-            </a:endParaRPr>
-          </a:p>
-        </p:txBody>
-      </p:sp>
-      <p:sp>
-        <p:nvSpPr>
-          <p:cNvPr id="162" name="PlaceHolder 3"/>
+            <a:ext cx="4391640" cy="3599280"/>
+          </a:xfrm>
+          <a:prstGeom prst="rect">
+            <a:avLst/>
+          </a:prstGeom>
+        </p:spPr>
+        <p:txBody>
+          <a:bodyPr lIns="0" rIns="0" tIns="0" bIns="0">
+            <a:normAutofit/>
+          </a:bodyPr>
+          <a:p>
+            <a:endParaRPr b="0" lang="en-US" sz="3200" spc="-1" strike="noStrike">
+              <a:latin typeface="Arial"/>
+            </a:endParaRPr>
+          </a:p>
+        </p:txBody>
+      </p:sp>
+      <p:sp>
+        <p:nvSpPr>
+          <p:cNvPr id="156" name="PlaceHolder 3"/>
           <p:cNvSpPr>
             <a:spLocks noGrp="1"/>
           </p:cNvSpPr>
@@ -3842,7 +3843,7 @@
         <p:spPr>
           <a:xfrm>
             <a:off x="5151600" y="1440000"/>
-            <a:ext cx="4391640" cy="3599640"/>
+            <a:ext cx="4391640" cy="3599280"/>
           </a:xfrm>
           <a:prstGeom prst="rect">
             <a:avLst/>
@@ -3883,7 +3884,7 @@
       </p:grpSpPr>
       <p:sp>
         <p:nvSpPr>
-          <p:cNvPr id="163" name="PlaceHolder 1"/>
+          <p:cNvPr id="157" name="PlaceHolder 1"/>
           <p:cNvSpPr>
             <a:spLocks noGrp="1"/>
           </p:cNvSpPr>
@@ -3894,7 +3895,7 @@
         <p:spPr>
           <a:xfrm>
             <a:off x="540000" y="270000"/>
-            <a:ext cx="8999640" cy="989640"/>
+            <a:ext cx="8999280" cy="989280"/>
           </a:xfrm>
           <a:prstGeom prst="rect">
             <a:avLst/>
@@ -3936,7 +3937,7 @@
       </p:grpSpPr>
       <p:sp>
         <p:nvSpPr>
-          <p:cNvPr id="164" name="PlaceHolder 1"/>
+          <p:cNvPr id="158" name="PlaceHolder 1"/>
           <p:cNvSpPr>
             <a:spLocks noGrp="1"/>
           </p:cNvSpPr>
@@ -3947,7 +3948,7 @@
         <p:spPr>
           <a:xfrm>
             <a:off x="540000" y="270000"/>
-            <a:ext cx="8999640" cy="4588560"/>
+            <a:ext cx="8999280" cy="4587120"/>
           </a:xfrm>
           <a:prstGeom prst="rect">
             <a:avLst/>
@@ -3989,7 +3990,7 @@
       </p:grpSpPr>
       <p:sp>
         <p:nvSpPr>
-          <p:cNvPr id="165" name="PlaceHolder 1"/>
+          <p:cNvPr id="159" name="PlaceHolder 1"/>
           <p:cNvSpPr>
             <a:spLocks noGrp="1"/>
           </p:cNvSpPr>
@@ -4000,7 +4001,7 @@
         <p:spPr>
           <a:xfrm>
             <a:off x="540000" y="270000"/>
-            <a:ext cx="8999640" cy="989640"/>
+            <a:ext cx="8999280" cy="989280"/>
           </a:xfrm>
           <a:prstGeom prst="rect">
             <a:avLst/>
@@ -4020,7 +4021,7 @@
       </p:sp>
       <p:sp>
         <p:nvSpPr>
-          <p:cNvPr id="166" name="PlaceHolder 2"/>
+          <p:cNvPr id="160" name="PlaceHolder 2"/>
           <p:cNvSpPr>
             <a:spLocks noGrp="1"/>
           </p:cNvSpPr>
@@ -4050,7 +4051,7 @@
       </p:sp>
       <p:sp>
         <p:nvSpPr>
-          <p:cNvPr id="167" name="PlaceHolder 3"/>
+          <p:cNvPr id="161" name="PlaceHolder 3"/>
           <p:cNvSpPr>
             <a:spLocks noGrp="1"/>
           </p:cNvSpPr>
@@ -4061,26 +4062,26 @@
         <p:spPr>
           <a:xfrm>
             <a:off x="5151600" y="1440000"/>
-            <a:ext cx="4391640" cy="3599640"/>
-          </a:xfrm>
-          <a:prstGeom prst="rect">
-            <a:avLst/>
-          </a:prstGeom>
-        </p:spPr>
-        <p:txBody>
-          <a:bodyPr lIns="0" rIns="0" tIns="0" bIns="0">
-            <a:normAutofit/>
-          </a:bodyPr>
-          <a:p>
-            <a:endParaRPr b="0" lang="en-US" sz="3200" spc="-1" strike="noStrike">
-              <a:latin typeface="Arial"/>
-            </a:endParaRPr>
-          </a:p>
-        </p:txBody>
-      </p:sp>
-      <p:sp>
-        <p:nvSpPr>
-          <p:cNvPr id="168" name="PlaceHolder 4"/>
+            <a:ext cx="4391640" cy="3599280"/>
+          </a:xfrm>
+          <a:prstGeom prst="rect">
+            <a:avLst/>
+          </a:prstGeom>
+        </p:spPr>
+        <p:txBody>
+          <a:bodyPr lIns="0" rIns="0" tIns="0" bIns="0">
+            <a:normAutofit/>
+          </a:bodyPr>
+          <a:p>
+            <a:endParaRPr b="0" lang="en-US" sz="3200" spc="-1" strike="noStrike">
+              <a:latin typeface="Arial"/>
+            </a:endParaRPr>
+          </a:p>
+        </p:txBody>
+      </p:sp>
+      <p:sp>
+        <p:nvSpPr>
+          <p:cNvPr id="162" name="PlaceHolder 4"/>
           <p:cNvSpPr>
             <a:spLocks noGrp="1"/>
           </p:cNvSpPr>
@@ -4132,7 +4133,7 @@
       </p:grpSpPr>
       <p:sp>
         <p:nvSpPr>
-          <p:cNvPr id="169" name="PlaceHolder 1"/>
+          <p:cNvPr id="163" name="PlaceHolder 1"/>
           <p:cNvSpPr>
             <a:spLocks noGrp="1"/>
           </p:cNvSpPr>
@@ -4143,7 +4144,7 @@
         <p:spPr>
           <a:xfrm>
             <a:off x="540000" y="270000"/>
-            <a:ext cx="8999640" cy="989640"/>
+            <a:ext cx="8999280" cy="989280"/>
           </a:xfrm>
           <a:prstGeom prst="rect">
             <a:avLst/>
@@ -4163,7 +4164,7 @@
       </p:sp>
       <p:sp>
         <p:nvSpPr>
-          <p:cNvPr id="170" name="PlaceHolder 2"/>
+          <p:cNvPr id="164" name="PlaceHolder 2"/>
           <p:cNvSpPr>
             <a:spLocks noGrp="1"/>
           </p:cNvSpPr>
@@ -4174,26 +4175,26 @@
         <p:spPr>
           <a:xfrm>
             <a:off x="540000" y="1440000"/>
-            <a:ext cx="4391640" cy="3599640"/>
-          </a:xfrm>
-          <a:prstGeom prst="rect">
-            <a:avLst/>
-          </a:prstGeom>
-        </p:spPr>
-        <p:txBody>
-          <a:bodyPr lIns="0" rIns="0" tIns="0" bIns="0">
-            <a:normAutofit/>
-          </a:bodyPr>
-          <a:p>
-            <a:endParaRPr b="0" lang="en-US" sz="3200" spc="-1" strike="noStrike">
-              <a:latin typeface="Arial"/>
-            </a:endParaRPr>
-          </a:p>
-        </p:txBody>
-      </p:sp>
-      <p:sp>
-        <p:nvSpPr>
-          <p:cNvPr id="171" name="PlaceHolder 3"/>
+            <a:ext cx="4391640" cy="3599280"/>
+          </a:xfrm>
+          <a:prstGeom prst="rect">
+            <a:avLst/>
+          </a:prstGeom>
+        </p:spPr>
+        <p:txBody>
+          <a:bodyPr lIns="0" rIns="0" tIns="0" bIns="0">
+            <a:normAutofit/>
+          </a:bodyPr>
+          <a:p>
+            <a:endParaRPr b="0" lang="en-US" sz="3200" spc="-1" strike="noStrike">
+              <a:latin typeface="Arial"/>
+            </a:endParaRPr>
+          </a:p>
+        </p:txBody>
+      </p:sp>
+      <p:sp>
+        <p:nvSpPr>
+          <p:cNvPr id="165" name="PlaceHolder 3"/>
           <p:cNvSpPr>
             <a:spLocks noGrp="1"/>
           </p:cNvSpPr>
@@ -4223,7 +4224,7 @@
       </p:sp>
       <p:sp>
         <p:nvSpPr>
-          <p:cNvPr id="172" name="PlaceHolder 4"/>
+          <p:cNvPr id="166" name="PlaceHolder 4"/>
           <p:cNvSpPr>
             <a:spLocks noGrp="1"/>
           </p:cNvSpPr>
@@ -4275,7 +4276,7 @@
       </p:grpSpPr>
       <p:sp>
         <p:nvSpPr>
-          <p:cNvPr id="173" name="PlaceHolder 1"/>
+          <p:cNvPr id="167" name="PlaceHolder 1"/>
           <p:cNvSpPr>
             <a:spLocks noGrp="1"/>
           </p:cNvSpPr>
@@ -4286,7 +4287,7 @@
         <p:spPr>
           <a:xfrm>
             <a:off x="540000" y="270000"/>
-            <a:ext cx="8999640" cy="989640"/>
+            <a:ext cx="8999280" cy="989280"/>
           </a:xfrm>
           <a:prstGeom prst="rect">
             <a:avLst/>
@@ -4306,7 +4307,7 @@
       </p:sp>
       <p:sp>
         <p:nvSpPr>
-          <p:cNvPr id="174" name="PlaceHolder 2"/>
+          <p:cNvPr id="168" name="PlaceHolder 2"/>
           <p:cNvSpPr>
             <a:spLocks noGrp="1"/>
           </p:cNvSpPr>
@@ -4336,7 +4337,7 @@
       </p:sp>
       <p:sp>
         <p:nvSpPr>
-          <p:cNvPr id="175" name="PlaceHolder 3"/>
+          <p:cNvPr id="169" name="PlaceHolder 3"/>
           <p:cNvSpPr>
             <a:spLocks noGrp="1"/>
           </p:cNvSpPr>
@@ -4366,7 +4367,7 @@
       </p:sp>
       <p:sp>
         <p:nvSpPr>
-          <p:cNvPr id="176" name="PlaceHolder 4"/>
+          <p:cNvPr id="170" name="PlaceHolder 4"/>
           <p:cNvSpPr>
             <a:spLocks noGrp="1"/>
           </p:cNvSpPr>
@@ -4377,7 +4378,7 @@
         <p:spPr>
           <a:xfrm>
             <a:off x="540000" y="3320280"/>
-            <a:ext cx="8999640" cy="1716840"/>
+            <a:ext cx="8999280" cy="1716840"/>
           </a:xfrm>
           <a:prstGeom prst="rect">
             <a:avLst/>
@@ -4418,7 +4419,7 @@
       </p:grpSpPr>
       <p:sp>
         <p:nvSpPr>
-          <p:cNvPr id="177" name="PlaceHolder 1"/>
+          <p:cNvPr id="171" name="PlaceHolder 1"/>
           <p:cNvSpPr>
             <a:spLocks noGrp="1"/>
           </p:cNvSpPr>
@@ -4429,7 +4430,7 @@
         <p:spPr>
           <a:xfrm>
             <a:off x="540000" y="270000"/>
-            <a:ext cx="8999640" cy="989640"/>
+            <a:ext cx="8999280" cy="989280"/>
           </a:xfrm>
           <a:prstGeom prst="rect">
             <a:avLst/>
@@ -4449,7 +4450,7 @@
       </p:sp>
       <p:sp>
         <p:nvSpPr>
-          <p:cNvPr id="178" name="PlaceHolder 2"/>
+          <p:cNvPr id="172" name="PlaceHolder 2"/>
           <p:cNvSpPr>
             <a:spLocks noGrp="1"/>
           </p:cNvSpPr>
@@ -4460,26 +4461,26 @@
         <p:spPr>
           <a:xfrm>
             <a:off x="540000" y="1440000"/>
-            <a:ext cx="8999640" cy="1716840"/>
-          </a:xfrm>
-          <a:prstGeom prst="rect">
-            <a:avLst/>
-          </a:prstGeom>
-        </p:spPr>
-        <p:txBody>
-          <a:bodyPr lIns="0" rIns="0" tIns="0" bIns="0">
-            <a:normAutofit/>
-          </a:bodyPr>
-          <a:p>
-            <a:endParaRPr b="0" lang="en-US" sz="3200" spc="-1" strike="noStrike">
-              <a:latin typeface="Arial"/>
-            </a:endParaRPr>
-          </a:p>
-        </p:txBody>
-      </p:sp>
-      <p:sp>
-        <p:nvSpPr>
-          <p:cNvPr id="179" name="PlaceHolder 3"/>
+            <a:ext cx="8999280" cy="1716840"/>
+          </a:xfrm>
+          <a:prstGeom prst="rect">
+            <a:avLst/>
+          </a:prstGeom>
+        </p:spPr>
+        <p:txBody>
+          <a:bodyPr lIns="0" rIns="0" tIns="0" bIns="0">
+            <a:normAutofit/>
+          </a:bodyPr>
+          <a:p>
+            <a:endParaRPr b="0" lang="en-US" sz="3200" spc="-1" strike="noStrike">
+              <a:latin typeface="Arial"/>
+            </a:endParaRPr>
+          </a:p>
+        </p:txBody>
+      </p:sp>
+      <p:sp>
+        <p:nvSpPr>
+          <p:cNvPr id="173" name="PlaceHolder 3"/>
           <p:cNvSpPr>
             <a:spLocks noGrp="1"/>
           </p:cNvSpPr>
@@ -4490,7 +4491,7 @@
         <p:spPr>
           <a:xfrm>
             <a:off x="540000" y="3320280"/>
-            <a:ext cx="8999640" cy="1716840"/>
+            <a:ext cx="8999280" cy="1716840"/>
           </a:xfrm>
           <a:prstGeom prst="rect">
             <a:avLst/>
@@ -4531,7 +4532,7 @@
       </p:grpSpPr>
       <p:sp>
         <p:nvSpPr>
-          <p:cNvPr id="180" name="PlaceHolder 1"/>
+          <p:cNvPr id="174" name="PlaceHolder 1"/>
           <p:cNvSpPr>
             <a:spLocks noGrp="1"/>
           </p:cNvSpPr>
@@ -4542,7 +4543,7 @@
         <p:spPr>
           <a:xfrm>
             <a:off x="540000" y="270000"/>
-            <a:ext cx="8999640" cy="989640"/>
+            <a:ext cx="8999280" cy="989280"/>
           </a:xfrm>
           <a:prstGeom prst="rect">
             <a:avLst/>
@@ -4562,7 +4563,7 @@
       </p:sp>
       <p:sp>
         <p:nvSpPr>
-          <p:cNvPr id="181" name="PlaceHolder 2"/>
+          <p:cNvPr id="175" name="PlaceHolder 2"/>
           <p:cNvSpPr>
             <a:spLocks noGrp="1"/>
           </p:cNvSpPr>
@@ -4592,7 +4593,7 @@
       </p:sp>
       <p:sp>
         <p:nvSpPr>
-          <p:cNvPr id="182" name="PlaceHolder 3"/>
+          <p:cNvPr id="176" name="PlaceHolder 3"/>
           <p:cNvSpPr>
             <a:spLocks noGrp="1"/>
           </p:cNvSpPr>
@@ -4622,7 +4623,7 @@
       </p:sp>
       <p:sp>
         <p:nvSpPr>
-          <p:cNvPr id="183" name="PlaceHolder 4"/>
+          <p:cNvPr id="177" name="PlaceHolder 4"/>
           <p:cNvSpPr>
             <a:spLocks noGrp="1"/>
           </p:cNvSpPr>
@@ -4652,7 +4653,7 @@
       </p:sp>
       <p:sp>
         <p:nvSpPr>
-          <p:cNvPr id="184" name="PlaceHolder 5"/>
+          <p:cNvPr id="178" name="PlaceHolder 5"/>
           <p:cNvSpPr>
             <a:spLocks noGrp="1"/>
           </p:cNvSpPr>
@@ -4704,7 +4705,7 @@
       </p:grpSpPr>
       <p:sp>
         <p:nvSpPr>
-          <p:cNvPr id="185" name="PlaceHolder 1"/>
+          <p:cNvPr id="179" name="PlaceHolder 1"/>
           <p:cNvSpPr>
             <a:spLocks noGrp="1"/>
           </p:cNvSpPr>
@@ -4715,7 +4716,7 @@
         <p:spPr>
           <a:xfrm>
             <a:off x="540000" y="270000"/>
-            <a:ext cx="8999640" cy="989640"/>
+            <a:ext cx="8999280" cy="989280"/>
           </a:xfrm>
           <a:prstGeom prst="rect">
             <a:avLst/>
@@ -4735,7 +4736,7 @@
       </p:sp>
       <p:sp>
         <p:nvSpPr>
-          <p:cNvPr id="186" name="PlaceHolder 2"/>
+          <p:cNvPr id="180" name="PlaceHolder 2"/>
           <p:cNvSpPr>
             <a:spLocks noGrp="1"/>
           </p:cNvSpPr>
@@ -4765,7 +4766,7 @@
       </p:sp>
       <p:sp>
         <p:nvSpPr>
-          <p:cNvPr id="187" name="PlaceHolder 3"/>
+          <p:cNvPr id="181" name="PlaceHolder 3"/>
           <p:cNvSpPr>
             <a:spLocks noGrp="1"/>
           </p:cNvSpPr>
@@ -4795,7 +4796,7 @@
       </p:sp>
       <p:sp>
         <p:nvSpPr>
-          <p:cNvPr id="188" name="PlaceHolder 4"/>
+          <p:cNvPr id="182" name="PlaceHolder 4"/>
           <p:cNvSpPr>
             <a:spLocks noGrp="1"/>
           </p:cNvSpPr>
@@ -4825,7 +4826,7 @@
       </p:sp>
       <p:sp>
         <p:nvSpPr>
-          <p:cNvPr id="189" name="PlaceHolder 5"/>
+          <p:cNvPr id="183" name="PlaceHolder 5"/>
           <p:cNvSpPr>
             <a:spLocks noGrp="1"/>
           </p:cNvSpPr>
@@ -4855,7 +4856,7 @@
       </p:sp>
       <p:sp>
         <p:nvSpPr>
-          <p:cNvPr id="190" name="PlaceHolder 6"/>
+          <p:cNvPr id="184" name="PlaceHolder 6"/>
           <p:cNvSpPr>
             <a:spLocks noGrp="1"/>
           </p:cNvSpPr>
@@ -4885,7 +4886,7 @@
       </p:sp>
       <p:sp>
         <p:nvSpPr>
-          <p:cNvPr id="191" name="PlaceHolder 7"/>
+          <p:cNvPr id="185" name="PlaceHolder 7"/>
           <p:cNvSpPr>
             <a:spLocks noGrp="1"/>
           </p:cNvSpPr>
@@ -4959,7 +4960,7 @@
       </p:grpSpPr>
       <p:sp>
         <p:nvSpPr>
-          <p:cNvPr id="21" name="PlaceHolder 1"/>
+          <p:cNvPr id="10" name="PlaceHolder 1"/>
           <p:cNvSpPr>
             <a:spLocks noGrp="1"/>
           </p:cNvSpPr>
@@ -4970,7 +4971,7 @@
         <p:spPr>
           <a:xfrm>
             <a:off x="540000" y="270000"/>
-            <a:ext cx="8999640" cy="989640"/>
+            <a:ext cx="8999280" cy="989280"/>
           </a:xfrm>
           <a:prstGeom prst="rect">
             <a:avLst/>
@@ -5012,7 +5013,7 @@
       </p:grpSpPr>
       <p:sp>
         <p:nvSpPr>
-          <p:cNvPr id="203" name="PlaceHolder 1"/>
+          <p:cNvPr id="197" name="PlaceHolder 1"/>
           <p:cNvSpPr>
             <a:spLocks noGrp="1"/>
           </p:cNvSpPr>
@@ -5023,7 +5024,7 @@
         <p:spPr>
           <a:xfrm>
             <a:off x="540000" y="270000"/>
-            <a:ext cx="8999640" cy="989640"/>
+            <a:ext cx="8999280" cy="989280"/>
           </a:xfrm>
           <a:prstGeom prst="rect">
             <a:avLst/>
@@ -5043,7 +5044,7 @@
       </p:sp>
       <p:sp>
         <p:nvSpPr>
-          <p:cNvPr id="204" name="PlaceHolder 2"/>
+          <p:cNvPr id="198" name="PlaceHolder 2"/>
           <p:cNvSpPr>
             <a:spLocks noGrp="1"/>
           </p:cNvSpPr>
@@ -5054,7 +5055,7 @@
         <p:spPr>
           <a:xfrm>
             <a:off x="540000" y="1440000"/>
-            <a:ext cx="8999640" cy="3599640"/>
+            <a:ext cx="8999280" cy="3599280"/>
           </a:xfrm>
           <a:prstGeom prst="rect">
             <a:avLst/>
@@ -5096,7 +5097,7 @@
       </p:grpSpPr>
       <p:sp>
         <p:nvSpPr>
-          <p:cNvPr id="205" name="PlaceHolder 1"/>
+          <p:cNvPr id="199" name="PlaceHolder 1"/>
           <p:cNvSpPr>
             <a:spLocks noGrp="1"/>
           </p:cNvSpPr>
@@ -5107,7 +5108,7 @@
         <p:spPr>
           <a:xfrm>
             <a:off x="540000" y="270000"/>
-            <a:ext cx="8999640" cy="989640"/>
+            <a:ext cx="8999280" cy="989280"/>
           </a:xfrm>
           <a:prstGeom prst="rect">
             <a:avLst/>
@@ -5127,7 +5128,7 @@
       </p:sp>
       <p:sp>
         <p:nvSpPr>
-          <p:cNvPr id="206" name="PlaceHolder 2"/>
+          <p:cNvPr id="200" name="PlaceHolder 2"/>
           <p:cNvSpPr>
             <a:spLocks noGrp="1"/>
           </p:cNvSpPr>
@@ -5138,7 +5139,7 @@
         <p:spPr>
           <a:xfrm>
             <a:off x="540000" y="1440000"/>
-            <a:ext cx="8999640" cy="3599640"/>
+            <a:ext cx="8999280" cy="3599280"/>
           </a:xfrm>
           <a:prstGeom prst="rect">
             <a:avLst/>
@@ -5179,7 +5180,7 @@
       </p:grpSpPr>
       <p:sp>
         <p:nvSpPr>
-          <p:cNvPr id="207" name="PlaceHolder 1"/>
+          <p:cNvPr id="201" name="PlaceHolder 1"/>
           <p:cNvSpPr>
             <a:spLocks noGrp="1"/>
           </p:cNvSpPr>
@@ -5190,7 +5191,7 @@
         <p:spPr>
           <a:xfrm>
             <a:off x="540000" y="270000"/>
-            <a:ext cx="8999640" cy="989640"/>
+            <a:ext cx="8999280" cy="989280"/>
           </a:xfrm>
           <a:prstGeom prst="rect">
             <a:avLst/>
@@ -5210,7 +5211,7 @@
       </p:sp>
       <p:sp>
         <p:nvSpPr>
-          <p:cNvPr id="208" name="PlaceHolder 2"/>
+          <p:cNvPr id="202" name="PlaceHolder 2"/>
           <p:cNvSpPr>
             <a:spLocks noGrp="1"/>
           </p:cNvSpPr>
@@ -5221,26 +5222,26 @@
         <p:spPr>
           <a:xfrm>
             <a:off x="540000" y="1440000"/>
-            <a:ext cx="4391640" cy="3599640"/>
-          </a:xfrm>
-          <a:prstGeom prst="rect">
-            <a:avLst/>
-          </a:prstGeom>
-        </p:spPr>
-        <p:txBody>
-          <a:bodyPr lIns="0" rIns="0" tIns="0" bIns="0">
-            <a:normAutofit/>
-          </a:bodyPr>
-          <a:p>
-            <a:endParaRPr b="0" lang="en-US" sz="3200" spc="-1" strike="noStrike">
-              <a:latin typeface="Arial"/>
-            </a:endParaRPr>
-          </a:p>
-        </p:txBody>
-      </p:sp>
-      <p:sp>
-        <p:nvSpPr>
-          <p:cNvPr id="209" name="PlaceHolder 3"/>
+            <a:ext cx="4391640" cy="3599280"/>
+          </a:xfrm>
+          <a:prstGeom prst="rect">
+            <a:avLst/>
+          </a:prstGeom>
+        </p:spPr>
+        <p:txBody>
+          <a:bodyPr lIns="0" rIns="0" tIns="0" bIns="0">
+            <a:normAutofit/>
+          </a:bodyPr>
+          <a:p>
+            <a:endParaRPr b="0" lang="en-US" sz="3200" spc="-1" strike="noStrike">
+              <a:latin typeface="Arial"/>
+            </a:endParaRPr>
+          </a:p>
+        </p:txBody>
+      </p:sp>
+      <p:sp>
+        <p:nvSpPr>
+          <p:cNvPr id="203" name="PlaceHolder 3"/>
           <p:cNvSpPr>
             <a:spLocks noGrp="1"/>
           </p:cNvSpPr>
@@ -5251,7 +5252,7 @@
         <p:spPr>
           <a:xfrm>
             <a:off x="5151600" y="1440000"/>
-            <a:ext cx="4391640" cy="3599640"/>
+            <a:ext cx="4391640" cy="3599280"/>
           </a:xfrm>
           <a:prstGeom prst="rect">
             <a:avLst/>
@@ -5292,7 +5293,7 @@
       </p:grpSpPr>
       <p:sp>
         <p:nvSpPr>
-          <p:cNvPr id="210" name="PlaceHolder 1"/>
+          <p:cNvPr id="204" name="PlaceHolder 1"/>
           <p:cNvSpPr>
             <a:spLocks noGrp="1"/>
           </p:cNvSpPr>
@@ -5303,7 +5304,7 @@
         <p:spPr>
           <a:xfrm>
             <a:off x="540000" y="270000"/>
-            <a:ext cx="8999640" cy="989640"/>
+            <a:ext cx="8999280" cy="989280"/>
           </a:xfrm>
           <a:prstGeom prst="rect">
             <a:avLst/>
@@ -5345,7 +5346,7 @@
       </p:grpSpPr>
       <p:sp>
         <p:nvSpPr>
-          <p:cNvPr id="211" name="PlaceHolder 1"/>
+          <p:cNvPr id="205" name="PlaceHolder 1"/>
           <p:cNvSpPr>
             <a:spLocks noGrp="1"/>
           </p:cNvSpPr>
@@ -5356,7 +5357,7 @@
         <p:spPr>
           <a:xfrm>
             <a:off x="540000" y="270000"/>
-            <a:ext cx="8999640" cy="4588560"/>
+            <a:ext cx="8999280" cy="4587120"/>
           </a:xfrm>
           <a:prstGeom prst="rect">
             <a:avLst/>
@@ -5398,7 +5399,7 @@
       </p:grpSpPr>
       <p:sp>
         <p:nvSpPr>
-          <p:cNvPr id="212" name="PlaceHolder 1"/>
+          <p:cNvPr id="206" name="PlaceHolder 1"/>
           <p:cNvSpPr>
             <a:spLocks noGrp="1"/>
           </p:cNvSpPr>
@@ -5409,7 +5410,7 @@
         <p:spPr>
           <a:xfrm>
             <a:off x="540000" y="270000"/>
-            <a:ext cx="8999640" cy="989640"/>
+            <a:ext cx="8999280" cy="989280"/>
           </a:xfrm>
           <a:prstGeom prst="rect">
             <a:avLst/>
@@ -5429,7 +5430,7 @@
       </p:sp>
       <p:sp>
         <p:nvSpPr>
-          <p:cNvPr id="213" name="PlaceHolder 2"/>
+          <p:cNvPr id="207" name="PlaceHolder 2"/>
           <p:cNvSpPr>
             <a:spLocks noGrp="1"/>
           </p:cNvSpPr>
@@ -5459,7 +5460,7 @@
       </p:sp>
       <p:sp>
         <p:nvSpPr>
-          <p:cNvPr id="214" name="PlaceHolder 3"/>
+          <p:cNvPr id="208" name="PlaceHolder 3"/>
           <p:cNvSpPr>
             <a:spLocks noGrp="1"/>
           </p:cNvSpPr>
@@ -5470,26 +5471,26 @@
         <p:spPr>
           <a:xfrm>
             <a:off x="5151600" y="1440000"/>
-            <a:ext cx="4391640" cy="3599640"/>
-          </a:xfrm>
-          <a:prstGeom prst="rect">
-            <a:avLst/>
-          </a:prstGeom>
-        </p:spPr>
-        <p:txBody>
-          <a:bodyPr lIns="0" rIns="0" tIns="0" bIns="0">
-            <a:normAutofit/>
-          </a:bodyPr>
-          <a:p>
-            <a:endParaRPr b="0" lang="en-US" sz="3200" spc="-1" strike="noStrike">
-              <a:latin typeface="Arial"/>
-            </a:endParaRPr>
-          </a:p>
-        </p:txBody>
-      </p:sp>
-      <p:sp>
-        <p:nvSpPr>
-          <p:cNvPr id="215" name="PlaceHolder 4"/>
+            <a:ext cx="4391640" cy="3599280"/>
+          </a:xfrm>
+          <a:prstGeom prst="rect">
+            <a:avLst/>
+          </a:prstGeom>
+        </p:spPr>
+        <p:txBody>
+          <a:bodyPr lIns="0" rIns="0" tIns="0" bIns="0">
+            <a:normAutofit/>
+          </a:bodyPr>
+          <a:p>
+            <a:endParaRPr b="0" lang="en-US" sz="3200" spc="-1" strike="noStrike">
+              <a:latin typeface="Arial"/>
+            </a:endParaRPr>
+          </a:p>
+        </p:txBody>
+      </p:sp>
+      <p:sp>
+        <p:nvSpPr>
+          <p:cNvPr id="209" name="PlaceHolder 4"/>
           <p:cNvSpPr>
             <a:spLocks noGrp="1"/>
           </p:cNvSpPr>
@@ -5541,7 +5542,7 @@
       </p:grpSpPr>
       <p:sp>
         <p:nvSpPr>
-          <p:cNvPr id="216" name="PlaceHolder 1"/>
+          <p:cNvPr id="210" name="PlaceHolder 1"/>
           <p:cNvSpPr>
             <a:spLocks noGrp="1"/>
           </p:cNvSpPr>
@@ -5552,7 +5553,7 @@
         <p:spPr>
           <a:xfrm>
             <a:off x="540000" y="270000"/>
-            <a:ext cx="8999640" cy="989640"/>
+            <a:ext cx="8999280" cy="989280"/>
           </a:xfrm>
           <a:prstGeom prst="rect">
             <a:avLst/>
@@ -5572,7 +5573,7 @@
       </p:sp>
       <p:sp>
         <p:nvSpPr>
-          <p:cNvPr id="217" name="PlaceHolder 2"/>
+          <p:cNvPr id="211" name="PlaceHolder 2"/>
           <p:cNvSpPr>
             <a:spLocks noGrp="1"/>
           </p:cNvSpPr>
@@ -5583,26 +5584,26 @@
         <p:spPr>
           <a:xfrm>
             <a:off x="540000" y="1440000"/>
-            <a:ext cx="4391640" cy="3599640"/>
-          </a:xfrm>
-          <a:prstGeom prst="rect">
-            <a:avLst/>
-          </a:prstGeom>
-        </p:spPr>
-        <p:txBody>
-          <a:bodyPr lIns="0" rIns="0" tIns="0" bIns="0">
-            <a:normAutofit/>
-          </a:bodyPr>
-          <a:p>
-            <a:endParaRPr b="0" lang="en-US" sz="3200" spc="-1" strike="noStrike">
-              <a:latin typeface="Arial"/>
-            </a:endParaRPr>
-          </a:p>
-        </p:txBody>
-      </p:sp>
-      <p:sp>
-        <p:nvSpPr>
-          <p:cNvPr id="218" name="PlaceHolder 3"/>
+            <a:ext cx="4391640" cy="3599280"/>
+          </a:xfrm>
+          <a:prstGeom prst="rect">
+            <a:avLst/>
+          </a:prstGeom>
+        </p:spPr>
+        <p:txBody>
+          <a:bodyPr lIns="0" rIns="0" tIns="0" bIns="0">
+            <a:normAutofit/>
+          </a:bodyPr>
+          <a:p>
+            <a:endParaRPr b="0" lang="en-US" sz="3200" spc="-1" strike="noStrike">
+              <a:latin typeface="Arial"/>
+            </a:endParaRPr>
+          </a:p>
+        </p:txBody>
+      </p:sp>
+      <p:sp>
+        <p:nvSpPr>
+          <p:cNvPr id="212" name="PlaceHolder 3"/>
           <p:cNvSpPr>
             <a:spLocks noGrp="1"/>
           </p:cNvSpPr>
@@ -5632,7 +5633,7 @@
       </p:sp>
       <p:sp>
         <p:nvSpPr>
-          <p:cNvPr id="219" name="PlaceHolder 4"/>
+          <p:cNvPr id="213" name="PlaceHolder 4"/>
           <p:cNvSpPr>
             <a:spLocks noGrp="1"/>
           </p:cNvSpPr>
@@ -5684,7 +5685,7 @@
       </p:grpSpPr>
       <p:sp>
         <p:nvSpPr>
-          <p:cNvPr id="220" name="PlaceHolder 1"/>
+          <p:cNvPr id="214" name="PlaceHolder 1"/>
           <p:cNvSpPr>
             <a:spLocks noGrp="1"/>
           </p:cNvSpPr>
@@ -5695,7 +5696,7 @@
         <p:spPr>
           <a:xfrm>
             <a:off x="540000" y="270000"/>
-            <a:ext cx="8999640" cy="989640"/>
+            <a:ext cx="8999280" cy="989280"/>
           </a:xfrm>
           <a:prstGeom prst="rect">
             <a:avLst/>
@@ -5715,7 +5716,7 @@
       </p:sp>
       <p:sp>
         <p:nvSpPr>
-          <p:cNvPr id="221" name="PlaceHolder 2"/>
+          <p:cNvPr id="215" name="PlaceHolder 2"/>
           <p:cNvSpPr>
             <a:spLocks noGrp="1"/>
           </p:cNvSpPr>
@@ -5745,7 +5746,7 @@
       </p:sp>
       <p:sp>
         <p:nvSpPr>
-          <p:cNvPr id="222" name="PlaceHolder 3"/>
+          <p:cNvPr id="216" name="PlaceHolder 3"/>
           <p:cNvSpPr>
             <a:spLocks noGrp="1"/>
           </p:cNvSpPr>
@@ -5775,7 +5776,7 @@
       </p:sp>
       <p:sp>
         <p:nvSpPr>
-          <p:cNvPr id="223" name="PlaceHolder 4"/>
+          <p:cNvPr id="217" name="PlaceHolder 4"/>
           <p:cNvSpPr>
             <a:spLocks noGrp="1"/>
           </p:cNvSpPr>
@@ -5786,7 +5787,7 @@
         <p:spPr>
           <a:xfrm>
             <a:off x="540000" y="3320280"/>
-            <a:ext cx="8999640" cy="1716840"/>
+            <a:ext cx="8999280" cy="1716840"/>
           </a:xfrm>
           <a:prstGeom prst="rect">
             <a:avLst/>
@@ -5827,7 +5828,7 @@
       </p:grpSpPr>
       <p:sp>
         <p:nvSpPr>
-          <p:cNvPr id="224" name="PlaceHolder 1"/>
+          <p:cNvPr id="218" name="PlaceHolder 1"/>
           <p:cNvSpPr>
             <a:spLocks noGrp="1"/>
           </p:cNvSpPr>
@@ -5838,7 +5839,7 @@
         <p:spPr>
           <a:xfrm>
             <a:off x="540000" y="270000"/>
-            <a:ext cx="8999640" cy="989640"/>
+            <a:ext cx="8999280" cy="989280"/>
           </a:xfrm>
           <a:prstGeom prst="rect">
             <a:avLst/>
@@ -5858,7 +5859,7 @@
       </p:sp>
       <p:sp>
         <p:nvSpPr>
-          <p:cNvPr id="225" name="PlaceHolder 2"/>
+          <p:cNvPr id="219" name="PlaceHolder 2"/>
           <p:cNvSpPr>
             <a:spLocks noGrp="1"/>
           </p:cNvSpPr>
@@ -5869,26 +5870,26 @@
         <p:spPr>
           <a:xfrm>
             <a:off x="540000" y="1440000"/>
-            <a:ext cx="8999640" cy="1716840"/>
-          </a:xfrm>
-          <a:prstGeom prst="rect">
-            <a:avLst/>
-          </a:prstGeom>
-        </p:spPr>
-        <p:txBody>
-          <a:bodyPr lIns="0" rIns="0" tIns="0" bIns="0">
-            <a:normAutofit/>
-          </a:bodyPr>
-          <a:p>
-            <a:endParaRPr b="0" lang="en-US" sz="3200" spc="-1" strike="noStrike">
-              <a:latin typeface="Arial"/>
-            </a:endParaRPr>
-          </a:p>
-        </p:txBody>
-      </p:sp>
-      <p:sp>
-        <p:nvSpPr>
-          <p:cNvPr id="226" name="PlaceHolder 3"/>
+            <a:ext cx="8999280" cy="1716840"/>
+          </a:xfrm>
+          <a:prstGeom prst="rect">
+            <a:avLst/>
+          </a:prstGeom>
+        </p:spPr>
+        <p:txBody>
+          <a:bodyPr lIns="0" rIns="0" tIns="0" bIns="0">
+            <a:normAutofit/>
+          </a:bodyPr>
+          <a:p>
+            <a:endParaRPr b="0" lang="en-US" sz="3200" spc="-1" strike="noStrike">
+              <a:latin typeface="Arial"/>
+            </a:endParaRPr>
+          </a:p>
+        </p:txBody>
+      </p:sp>
+      <p:sp>
+        <p:nvSpPr>
+          <p:cNvPr id="220" name="PlaceHolder 3"/>
           <p:cNvSpPr>
             <a:spLocks noGrp="1"/>
           </p:cNvSpPr>
@@ -5899,7 +5900,7 @@
         <p:spPr>
           <a:xfrm>
             <a:off x="540000" y="3320280"/>
-            <a:ext cx="8999640" cy="1716840"/>
+            <a:ext cx="8999280" cy="1716840"/>
           </a:xfrm>
           <a:prstGeom prst="rect">
             <a:avLst/>
@@ -5940,7 +5941,7 @@
       </p:grpSpPr>
       <p:sp>
         <p:nvSpPr>
-          <p:cNvPr id="227" name="PlaceHolder 1"/>
+          <p:cNvPr id="221" name="PlaceHolder 1"/>
           <p:cNvSpPr>
             <a:spLocks noGrp="1"/>
           </p:cNvSpPr>
@@ -5951,7 +5952,7 @@
         <p:spPr>
           <a:xfrm>
             <a:off x="540000" y="270000"/>
-            <a:ext cx="8999640" cy="989640"/>
+            <a:ext cx="8999280" cy="989280"/>
           </a:xfrm>
           <a:prstGeom prst="rect">
             <a:avLst/>
@@ -5971,7 +5972,7 @@
       </p:sp>
       <p:sp>
         <p:nvSpPr>
-          <p:cNvPr id="228" name="PlaceHolder 2"/>
+          <p:cNvPr id="222" name="PlaceHolder 2"/>
           <p:cNvSpPr>
             <a:spLocks noGrp="1"/>
           </p:cNvSpPr>
@@ -6001,7 +6002,7 @@
       </p:sp>
       <p:sp>
         <p:nvSpPr>
-          <p:cNvPr id="229" name="PlaceHolder 3"/>
+          <p:cNvPr id="223" name="PlaceHolder 3"/>
           <p:cNvSpPr>
             <a:spLocks noGrp="1"/>
           </p:cNvSpPr>
@@ -6031,7 +6032,7 @@
       </p:sp>
       <p:sp>
         <p:nvSpPr>
-          <p:cNvPr id="230" name="PlaceHolder 4"/>
+          <p:cNvPr id="224" name="PlaceHolder 4"/>
           <p:cNvSpPr>
             <a:spLocks noGrp="1"/>
           </p:cNvSpPr>
@@ -6061,7 +6062,7 @@
       </p:sp>
       <p:sp>
         <p:nvSpPr>
-          <p:cNvPr id="231" name="PlaceHolder 5"/>
+          <p:cNvPr id="225" name="PlaceHolder 5"/>
           <p:cNvSpPr>
             <a:spLocks noGrp="1"/>
           </p:cNvSpPr>
@@ -6113,7 +6114,7 @@
       </p:grpSpPr>
       <p:sp>
         <p:nvSpPr>
-          <p:cNvPr id="22" name="PlaceHolder 1"/>
+          <p:cNvPr id="11" name="PlaceHolder 1"/>
           <p:cNvSpPr>
             <a:spLocks noGrp="1"/>
           </p:cNvSpPr>
@@ -6124,7 +6125,7 @@
         <p:spPr>
           <a:xfrm>
             <a:off x="540000" y="270000"/>
-            <a:ext cx="8999640" cy="4588560"/>
+            <a:ext cx="8999280" cy="4587120"/>
           </a:xfrm>
           <a:prstGeom prst="rect">
             <a:avLst/>
@@ -6166,7 +6167,7 @@
       </p:grpSpPr>
       <p:sp>
         <p:nvSpPr>
-          <p:cNvPr id="232" name="PlaceHolder 1"/>
+          <p:cNvPr id="226" name="PlaceHolder 1"/>
           <p:cNvSpPr>
             <a:spLocks noGrp="1"/>
           </p:cNvSpPr>
@@ -6177,7 +6178,7 @@
         <p:spPr>
           <a:xfrm>
             <a:off x="540000" y="270000"/>
-            <a:ext cx="8999640" cy="989640"/>
+            <a:ext cx="8999280" cy="989280"/>
           </a:xfrm>
           <a:prstGeom prst="rect">
             <a:avLst/>
@@ -6197,7 +6198,7 @@
       </p:sp>
       <p:sp>
         <p:nvSpPr>
-          <p:cNvPr id="233" name="PlaceHolder 2"/>
+          <p:cNvPr id="227" name="PlaceHolder 2"/>
           <p:cNvSpPr>
             <a:spLocks noGrp="1"/>
           </p:cNvSpPr>
@@ -6227,7 +6228,7 @@
       </p:sp>
       <p:sp>
         <p:nvSpPr>
-          <p:cNvPr id="234" name="PlaceHolder 3"/>
+          <p:cNvPr id="228" name="PlaceHolder 3"/>
           <p:cNvSpPr>
             <a:spLocks noGrp="1"/>
           </p:cNvSpPr>
@@ -6257,7 +6258,7 @@
       </p:sp>
       <p:sp>
         <p:nvSpPr>
-          <p:cNvPr id="235" name="PlaceHolder 4"/>
+          <p:cNvPr id="229" name="PlaceHolder 4"/>
           <p:cNvSpPr>
             <a:spLocks noGrp="1"/>
           </p:cNvSpPr>
@@ -6287,7 +6288,7 @@
       </p:sp>
       <p:sp>
         <p:nvSpPr>
-          <p:cNvPr id="236" name="PlaceHolder 5"/>
+          <p:cNvPr id="230" name="PlaceHolder 5"/>
           <p:cNvSpPr>
             <a:spLocks noGrp="1"/>
           </p:cNvSpPr>
@@ -6317,7 +6318,7 @@
       </p:sp>
       <p:sp>
         <p:nvSpPr>
-          <p:cNvPr id="237" name="PlaceHolder 6"/>
+          <p:cNvPr id="231" name="PlaceHolder 6"/>
           <p:cNvSpPr>
             <a:spLocks noGrp="1"/>
           </p:cNvSpPr>
@@ -6347,7 +6348,7 @@
       </p:sp>
       <p:sp>
         <p:nvSpPr>
-          <p:cNvPr id="238" name="PlaceHolder 7"/>
+          <p:cNvPr id="232" name="PlaceHolder 7"/>
           <p:cNvSpPr>
             <a:spLocks noGrp="1"/>
           </p:cNvSpPr>
@@ -6359,6 +6360,843 @@
           <a:xfrm>
             <a:off x="6625800" y="3320280"/>
             <a:ext cx="2897640" cy="1716840"/>
+          </a:xfrm>
+          <a:prstGeom prst="rect">
+            <a:avLst/>
+          </a:prstGeom>
+        </p:spPr>
+        <p:txBody>
+          <a:bodyPr lIns="0" rIns="0" tIns="0" bIns="0">
+            <a:normAutofit/>
+          </a:bodyPr>
+          <a:p>
+            <a:endParaRPr b="0" lang="en-US" sz="3200" spc="-1" strike="noStrike">
+              <a:latin typeface="Arial"/>
+            </a:endParaRPr>
+          </a:p>
+        </p:txBody>
+      </p:sp>
+    </p:spTree>
+  </p:cSld>
+</p:sldLayout>
+</file>
+
+<file path=ppt/slideLayouts/slideLayout61.xml><?xml version="1.0" encoding="utf-8"?>
+<p:sldLayout xmlns:a="http://schemas.openxmlformats.org/drawingml/2006/main" xmlns:p="http://schemas.openxmlformats.org/presentationml/2006/main" xmlns:r="http://schemas.openxmlformats.org/officeDocument/2006/relationships" xmlns:p14="http://schemas.microsoft.com/office/powerpoint/2010/main" xmlns:p15="http://schemas.microsoft.com/office/powerpoint/2012/main" xmlns:mc="http://schemas.openxmlformats.org/markup-compatibility/2006" type="blank" preserve="1">
+  <p:cSld name="Blank Slide">
+    <p:spTree>
+      <p:nvGrpSpPr>
+        <p:cNvPr id="1" name=""/>
+        <p:cNvGrpSpPr/>
+        <p:nvPr/>
+      </p:nvGrpSpPr>
+      <p:grpSpPr>
+        <a:xfrm>
+          <a:off x="0" y="0"/>
+          <a:ext cx="0" cy="0"/>
+          <a:chOff x="0" y="0"/>
+          <a:chExt cx="0" cy="0"/>
+        </a:xfrm>
+      </p:grpSpPr>
+    </p:spTree>
+  </p:cSld>
+</p:sldLayout>
+</file>
+
+<file path=ppt/slideLayouts/slideLayout62.xml><?xml version="1.0" encoding="utf-8"?>
+<p:sldLayout xmlns:a="http://schemas.openxmlformats.org/drawingml/2006/main" xmlns:p="http://schemas.openxmlformats.org/presentationml/2006/main" xmlns:r="http://schemas.openxmlformats.org/officeDocument/2006/relationships" xmlns:p14="http://schemas.microsoft.com/office/powerpoint/2010/main" xmlns:p15="http://schemas.microsoft.com/office/powerpoint/2012/main" xmlns:mc="http://schemas.openxmlformats.org/markup-compatibility/2006" type="tx" preserve="1">
+  <p:cSld name="Title Slide">
+    <p:spTree>
+      <p:nvGrpSpPr>
+        <p:cNvPr id="1" name=""/>
+        <p:cNvGrpSpPr/>
+        <p:nvPr/>
+      </p:nvGrpSpPr>
+      <p:grpSpPr>
+        <a:xfrm>
+          <a:off x="0" y="0"/>
+          <a:ext cx="0" cy="0"/>
+          <a:chOff x="0" y="0"/>
+          <a:chExt cx="0" cy="0"/>
+        </a:xfrm>
+      </p:grpSpPr>
+      <p:sp>
+        <p:nvSpPr>
+          <p:cNvPr id="244" name="PlaceHolder 1"/>
+          <p:cNvSpPr>
+            <a:spLocks noGrp="1"/>
+          </p:cNvSpPr>
+          <p:nvPr>
+            <p:ph type="title"/>
+          </p:nvPr>
+        </p:nvSpPr>
+        <p:spPr>
+          <a:xfrm>
+            <a:off x="540000" y="270000"/>
+            <a:ext cx="8999280" cy="989280"/>
+          </a:xfrm>
+          <a:prstGeom prst="rect">
+            <a:avLst/>
+          </a:prstGeom>
+        </p:spPr>
+        <p:txBody>
+          <a:bodyPr lIns="0" rIns="0" tIns="0" bIns="0" anchor="ctr">
+            <a:noAutofit/>
+          </a:bodyPr>
+          <a:p>
+            <a:pPr algn="ctr"/>
+            <a:endParaRPr b="0" lang="en-US" sz="4400" spc="-1" strike="noStrike">
+              <a:latin typeface="Arial"/>
+            </a:endParaRPr>
+          </a:p>
+        </p:txBody>
+      </p:sp>
+      <p:sp>
+        <p:nvSpPr>
+          <p:cNvPr id="245" name="PlaceHolder 2"/>
+          <p:cNvSpPr>
+            <a:spLocks noGrp="1"/>
+          </p:cNvSpPr>
+          <p:nvPr>
+            <p:ph type="subTitle"/>
+          </p:nvPr>
+        </p:nvSpPr>
+        <p:spPr>
+          <a:xfrm>
+            <a:off x="540000" y="1440000"/>
+            <a:ext cx="8999280" cy="3599280"/>
+          </a:xfrm>
+          <a:prstGeom prst="rect">
+            <a:avLst/>
+          </a:prstGeom>
+        </p:spPr>
+        <p:txBody>
+          <a:bodyPr lIns="0" rIns="0" tIns="0" bIns="0" anchor="ctr">
+            <a:noAutofit/>
+          </a:bodyPr>
+          <a:p>
+            <a:pPr algn="ctr"/>
+            <a:endParaRPr b="0" lang="en-US" sz="3200" spc="-1" strike="noStrike">
+              <a:latin typeface="Arial"/>
+            </a:endParaRPr>
+          </a:p>
+        </p:txBody>
+      </p:sp>
+    </p:spTree>
+  </p:cSld>
+</p:sldLayout>
+</file>
+
+<file path=ppt/slideLayouts/slideLayout63.xml><?xml version="1.0" encoding="utf-8"?>
+<p:sldLayout xmlns:a="http://schemas.openxmlformats.org/drawingml/2006/main" xmlns:p="http://schemas.openxmlformats.org/presentationml/2006/main" xmlns:r="http://schemas.openxmlformats.org/officeDocument/2006/relationships" xmlns:p14="http://schemas.microsoft.com/office/powerpoint/2010/main" xmlns:p15="http://schemas.microsoft.com/office/powerpoint/2012/main" xmlns:mc="http://schemas.openxmlformats.org/markup-compatibility/2006" type="obj" preserve="1">
+  <p:cSld name="Title, Content">
+    <p:spTree>
+      <p:nvGrpSpPr>
+        <p:cNvPr id="1" name=""/>
+        <p:cNvGrpSpPr/>
+        <p:nvPr/>
+      </p:nvGrpSpPr>
+      <p:grpSpPr>
+        <a:xfrm>
+          <a:off x="0" y="0"/>
+          <a:ext cx="0" cy="0"/>
+          <a:chOff x="0" y="0"/>
+          <a:chExt cx="0" cy="0"/>
+        </a:xfrm>
+      </p:grpSpPr>
+      <p:sp>
+        <p:nvSpPr>
+          <p:cNvPr id="246" name="PlaceHolder 1"/>
+          <p:cNvSpPr>
+            <a:spLocks noGrp="1"/>
+          </p:cNvSpPr>
+          <p:nvPr>
+            <p:ph type="title"/>
+          </p:nvPr>
+        </p:nvSpPr>
+        <p:spPr>
+          <a:xfrm>
+            <a:off x="540000" y="270000"/>
+            <a:ext cx="8999280" cy="989280"/>
+          </a:xfrm>
+          <a:prstGeom prst="rect">
+            <a:avLst/>
+          </a:prstGeom>
+        </p:spPr>
+        <p:txBody>
+          <a:bodyPr lIns="0" rIns="0" tIns="0" bIns="0" anchor="ctr">
+            <a:noAutofit/>
+          </a:bodyPr>
+          <a:p>
+            <a:pPr algn="ctr"/>
+            <a:endParaRPr b="0" lang="en-US" sz="4400" spc="-1" strike="noStrike">
+              <a:latin typeface="Arial"/>
+            </a:endParaRPr>
+          </a:p>
+        </p:txBody>
+      </p:sp>
+      <p:sp>
+        <p:nvSpPr>
+          <p:cNvPr id="247" name="PlaceHolder 2"/>
+          <p:cNvSpPr>
+            <a:spLocks noGrp="1"/>
+          </p:cNvSpPr>
+          <p:nvPr>
+            <p:ph type="body"/>
+          </p:nvPr>
+        </p:nvSpPr>
+        <p:spPr>
+          <a:xfrm>
+            <a:off x="540000" y="1440000"/>
+            <a:ext cx="8999280" cy="3599280"/>
+          </a:xfrm>
+          <a:prstGeom prst="rect">
+            <a:avLst/>
+          </a:prstGeom>
+        </p:spPr>
+        <p:txBody>
+          <a:bodyPr lIns="0" rIns="0" tIns="0" bIns="0">
+            <a:normAutofit/>
+          </a:bodyPr>
+          <a:p>
+            <a:endParaRPr b="0" lang="en-US" sz="3200" spc="-1" strike="noStrike">
+              <a:latin typeface="Arial"/>
+            </a:endParaRPr>
+          </a:p>
+        </p:txBody>
+      </p:sp>
+    </p:spTree>
+  </p:cSld>
+</p:sldLayout>
+</file>
+
+<file path=ppt/slideLayouts/slideLayout64.xml><?xml version="1.0" encoding="utf-8"?>
+<p:sldLayout xmlns:a="http://schemas.openxmlformats.org/drawingml/2006/main" xmlns:p="http://schemas.openxmlformats.org/presentationml/2006/main" xmlns:r="http://schemas.openxmlformats.org/officeDocument/2006/relationships" xmlns:p14="http://schemas.microsoft.com/office/powerpoint/2010/main" xmlns:p15="http://schemas.microsoft.com/office/powerpoint/2012/main" xmlns:mc="http://schemas.openxmlformats.org/markup-compatibility/2006" type="twoObj" preserve="1">
+  <p:cSld name="Title, 2 Content">
+    <p:spTree>
+      <p:nvGrpSpPr>
+        <p:cNvPr id="1" name=""/>
+        <p:cNvGrpSpPr/>
+        <p:nvPr/>
+      </p:nvGrpSpPr>
+      <p:grpSpPr>
+        <a:xfrm>
+          <a:off x="0" y="0"/>
+          <a:ext cx="0" cy="0"/>
+          <a:chOff x="0" y="0"/>
+          <a:chExt cx="0" cy="0"/>
+        </a:xfrm>
+      </p:grpSpPr>
+      <p:sp>
+        <p:nvSpPr>
+          <p:cNvPr id="248" name="PlaceHolder 1"/>
+          <p:cNvSpPr>
+            <a:spLocks noGrp="1"/>
+          </p:cNvSpPr>
+          <p:nvPr>
+            <p:ph type="title"/>
+          </p:nvPr>
+        </p:nvSpPr>
+        <p:spPr>
+          <a:xfrm>
+            <a:off x="540000" y="270000"/>
+            <a:ext cx="8999280" cy="989280"/>
+          </a:xfrm>
+          <a:prstGeom prst="rect">
+            <a:avLst/>
+          </a:prstGeom>
+        </p:spPr>
+        <p:txBody>
+          <a:bodyPr lIns="0" rIns="0" tIns="0" bIns="0" anchor="ctr">
+            <a:noAutofit/>
+          </a:bodyPr>
+          <a:p>
+            <a:pPr algn="ctr"/>
+            <a:endParaRPr b="0" lang="en-US" sz="4400" spc="-1" strike="noStrike">
+              <a:latin typeface="Arial"/>
+            </a:endParaRPr>
+          </a:p>
+        </p:txBody>
+      </p:sp>
+      <p:sp>
+        <p:nvSpPr>
+          <p:cNvPr id="249" name="PlaceHolder 2"/>
+          <p:cNvSpPr>
+            <a:spLocks noGrp="1"/>
+          </p:cNvSpPr>
+          <p:nvPr>
+            <p:ph type="body"/>
+          </p:nvPr>
+        </p:nvSpPr>
+        <p:spPr>
+          <a:xfrm>
+            <a:off x="540000" y="1440000"/>
+            <a:ext cx="4391640" cy="3599280"/>
+          </a:xfrm>
+          <a:prstGeom prst="rect">
+            <a:avLst/>
+          </a:prstGeom>
+        </p:spPr>
+        <p:txBody>
+          <a:bodyPr lIns="0" rIns="0" tIns="0" bIns="0">
+            <a:normAutofit/>
+          </a:bodyPr>
+          <a:p>
+            <a:endParaRPr b="0" lang="en-US" sz="3200" spc="-1" strike="noStrike">
+              <a:latin typeface="Arial"/>
+            </a:endParaRPr>
+          </a:p>
+        </p:txBody>
+      </p:sp>
+      <p:sp>
+        <p:nvSpPr>
+          <p:cNvPr id="250" name="PlaceHolder 3"/>
+          <p:cNvSpPr>
+            <a:spLocks noGrp="1"/>
+          </p:cNvSpPr>
+          <p:nvPr>
+            <p:ph type="body"/>
+          </p:nvPr>
+        </p:nvSpPr>
+        <p:spPr>
+          <a:xfrm>
+            <a:off x="5151600" y="1440000"/>
+            <a:ext cx="4391640" cy="3599280"/>
+          </a:xfrm>
+          <a:prstGeom prst="rect">
+            <a:avLst/>
+          </a:prstGeom>
+        </p:spPr>
+        <p:txBody>
+          <a:bodyPr lIns="0" rIns="0" tIns="0" bIns="0">
+            <a:normAutofit/>
+          </a:bodyPr>
+          <a:p>
+            <a:endParaRPr b="0" lang="en-US" sz="3200" spc="-1" strike="noStrike">
+              <a:latin typeface="Arial"/>
+            </a:endParaRPr>
+          </a:p>
+        </p:txBody>
+      </p:sp>
+    </p:spTree>
+  </p:cSld>
+</p:sldLayout>
+</file>
+
+<file path=ppt/slideLayouts/slideLayout65.xml><?xml version="1.0" encoding="utf-8"?>
+<p:sldLayout xmlns:a="http://schemas.openxmlformats.org/drawingml/2006/main" xmlns:p="http://schemas.openxmlformats.org/presentationml/2006/main" xmlns:r="http://schemas.openxmlformats.org/officeDocument/2006/relationships" xmlns:p14="http://schemas.microsoft.com/office/powerpoint/2010/main" xmlns:p15="http://schemas.microsoft.com/office/powerpoint/2012/main" xmlns:mc="http://schemas.openxmlformats.org/markup-compatibility/2006" type="titleOnly" preserve="1">
+  <p:cSld name="Title Only">
+    <p:spTree>
+      <p:nvGrpSpPr>
+        <p:cNvPr id="1" name=""/>
+        <p:cNvGrpSpPr/>
+        <p:nvPr/>
+      </p:nvGrpSpPr>
+      <p:grpSpPr>
+        <a:xfrm>
+          <a:off x="0" y="0"/>
+          <a:ext cx="0" cy="0"/>
+          <a:chOff x="0" y="0"/>
+          <a:chExt cx="0" cy="0"/>
+        </a:xfrm>
+      </p:grpSpPr>
+      <p:sp>
+        <p:nvSpPr>
+          <p:cNvPr id="251" name="PlaceHolder 1"/>
+          <p:cNvSpPr>
+            <a:spLocks noGrp="1"/>
+          </p:cNvSpPr>
+          <p:nvPr>
+            <p:ph type="title"/>
+          </p:nvPr>
+        </p:nvSpPr>
+        <p:spPr>
+          <a:xfrm>
+            <a:off x="540000" y="270000"/>
+            <a:ext cx="8999280" cy="989280"/>
+          </a:xfrm>
+          <a:prstGeom prst="rect">
+            <a:avLst/>
+          </a:prstGeom>
+        </p:spPr>
+        <p:txBody>
+          <a:bodyPr lIns="0" rIns="0" tIns="0" bIns="0" anchor="ctr">
+            <a:noAutofit/>
+          </a:bodyPr>
+          <a:p>
+            <a:pPr algn="ctr"/>
+            <a:endParaRPr b="0" lang="en-US" sz="4400" spc="-1" strike="noStrike">
+              <a:latin typeface="Arial"/>
+            </a:endParaRPr>
+          </a:p>
+        </p:txBody>
+      </p:sp>
+    </p:spTree>
+  </p:cSld>
+</p:sldLayout>
+</file>
+
+<file path=ppt/slideLayouts/slideLayout66.xml><?xml version="1.0" encoding="utf-8"?>
+<p:sldLayout xmlns:a="http://schemas.openxmlformats.org/drawingml/2006/main" xmlns:p="http://schemas.openxmlformats.org/presentationml/2006/main" xmlns:r="http://schemas.openxmlformats.org/officeDocument/2006/relationships" xmlns:p14="http://schemas.microsoft.com/office/powerpoint/2010/main" xmlns:p15="http://schemas.microsoft.com/office/powerpoint/2012/main" xmlns:mc="http://schemas.openxmlformats.org/markup-compatibility/2006" type="objOnly" preserve="1">
+  <p:cSld name="Centered Text">
+    <p:spTree>
+      <p:nvGrpSpPr>
+        <p:cNvPr id="1" name=""/>
+        <p:cNvGrpSpPr/>
+        <p:nvPr/>
+      </p:nvGrpSpPr>
+      <p:grpSpPr>
+        <a:xfrm>
+          <a:off x="0" y="0"/>
+          <a:ext cx="0" cy="0"/>
+          <a:chOff x="0" y="0"/>
+          <a:chExt cx="0" cy="0"/>
+        </a:xfrm>
+      </p:grpSpPr>
+      <p:sp>
+        <p:nvSpPr>
+          <p:cNvPr id="252" name="PlaceHolder 1"/>
+          <p:cNvSpPr>
+            <a:spLocks noGrp="1"/>
+          </p:cNvSpPr>
+          <p:nvPr>
+            <p:ph type="subTitle"/>
+          </p:nvPr>
+        </p:nvSpPr>
+        <p:spPr>
+          <a:xfrm>
+            <a:off x="540000" y="270000"/>
+            <a:ext cx="8999280" cy="4587120"/>
+          </a:xfrm>
+          <a:prstGeom prst="rect">
+            <a:avLst/>
+          </a:prstGeom>
+        </p:spPr>
+        <p:txBody>
+          <a:bodyPr lIns="0" rIns="0" tIns="0" bIns="0" anchor="ctr">
+            <a:noAutofit/>
+          </a:bodyPr>
+          <a:p>
+            <a:pPr algn="ctr"/>
+            <a:endParaRPr b="0" lang="en-US" sz="3200" spc="-1" strike="noStrike">
+              <a:latin typeface="Arial"/>
+            </a:endParaRPr>
+          </a:p>
+        </p:txBody>
+      </p:sp>
+    </p:spTree>
+  </p:cSld>
+</p:sldLayout>
+</file>
+
+<file path=ppt/slideLayouts/slideLayout67.xml><?xml version="1.0" encoding="utf-8"?>
+<p:sldLayout xmlns:a="http://schemas.openxmlformats.org/drawingml/2006/main" xmlns:p="http://schemas.openxmlformats.org/presentationml/2006/main" xmlns:r="http://schemas.openxmlformats.org/officeDocument/2006/relationships" xmlns:p14="http://schemas.microsoft.com/office/powerpoint/2010/main" xmlns:p15="http://schemas.microsoft.com/office/powerpoint/2012/main" xmlns:mc="http://schemas.openxmlformats.org/markup-compatibility/2006" type="twoObjAndObj" preserve="1">
+  <p:cSld name="Title, 2 Content and Content">
+    <p:spTree>
+      <p:nvGrpSpPr>
+        <p:cNvPr id="1" name=""/>
+        <p:cNvGrpSpPr/>
+        <p:nvPr/>
+      </p:nvGrpSpPr>
+      <p:grpSpPr>
+        <a:xfrm>
+          <a:off x="0" y="0"/>
+          <a:ext cx="0" cy="0"/>
+          <a:chOff x="0" y="0"/>
+          <a:chExt cx="0" cy="0"/>
+        </a:xfrm>
+      </p:grpSpPr>
+      <p:sp>
+        <p:nvSpPr>
+          <p:cNvPr id="253" name="PlaceHolder 1"/>
+          <p:cNvSpPr>
+            <a:spLocks noGrp="1"/>
+          </p:cNvSpPr>
+          <p:nvPr>
+            <p:ph type="title"/>
+          </p:nvPr>
+        </p:nvSpPr>
+        <p:spPr>
+          <a:xfrm>
+            <a:off x="540000" y="270000"/>
+            <a:ext cx="8999280" cy="989280"/>
+          </a:xfrm>
+          <a:prstGeom prst="rect">
+            <a:avLst/>
+          </a:prstGeom>
+        </p:spPr>
+        <p:txBody>
+          <a:bodyPr lIns="0" rIns="0" tIns="0" bIns="0" anchor="ctr">
+            <a:noAutofit/>
+          </a:bodyPr>
+          <a:p>
+            <a:pPr algn="ctr"/>
+            <a:endParaRPr b="0" lang="en-US" sz="4400" spc="-1" strike="noStrike">
+              <a:latin typeface="Arial"/>
+            </a:endParaRPr>
+          </a:p>
+        </p:txBody>
+      </p:sp>
+      <p:sp>
+        <p:nvSpPr>
+          <p:cNvPr id="254" name="PlaceHolder 2"/>
+          <p:cNvSpPr>
+            <a:spLocks noGrp="1"/>
+          </p:cNvSpPr>
+          <p:nvPr>
+            <p:ph type="body"/>
+          </p:nvPr>
+        </p:nvSpPr>
+        <p:spPr>
+          <a:xfrm>
+            <a:off x="540000" y="1440000"/>
+            <a:ext cx="4391640" cy="1716840"/>
+          </a:xfrm>
+          <a:prstGeom prst="rect">
+            <a:avLst/>
+          </a:prstGeom>
+        </p:spPr>
+        <p:txBody>
+          <a:bodyPr lIns="0" rIns="0" tIns="0" bIns="0">
+            <a:normAutofit/>
+          </a:bodyPr>
+          <a:p>
+            <a:endParaRPr b="0" lang="en-US" sz="3200" spc="-1" strike="noStrike">
+              <a:latin typeface="Arial"/>
+            </a:endParaRPr>
+          </a:p>
+        </p:txBody>
+      </p:sp>
+      <p:sp>
+        <p:nvSpPr>
+          <p:cNvPr id="255" name="PlaceHolder 3"/>
+          <p:cNvSpPr>
+            <a:spLocks noGrp="1"/>
+          </p:cNvSpPr>
+          <p:nvPr>
+            <p:ph type="body"/>
+          </p:nvPr>
+        </p:nvSpPr>
+        <p:spPr>
+          <a:xfrm>
+            <a:off x="5151600" y="1440000"/>
+            <a:ext cx="4391640" cy="3599280"/>
+          </a:xfrm>
+          <a:prstGeom prst="rect">
+            <a:avLst/>
+          </a:prstGeom>
+        </p:spPr>
+        <p:txBody>
+          <a:bodyPr lIns="0" rIns="0" tIns="0" bIns="0">
+            <a:normAutofit/>
+          </a:bodyPr>
+          <a:p>
+            <a:endParaRPr b="0" lang="en-US" sz="3200" spc="-1" strike="noStrike">
+              <a:latin typeface="Arial"/>
+            </a:endParaRPr>
+          </a:p>
+        </p:txBody>
+      </p:sp>
+      <p:sp>
+        <p:nvSpPr>
+          <p:cNvPr id="256" name="PlaceHolder 4"/>
+          <p:cNvSpPr>
+            <a:spLocks noGrp="1"/>
+          </p:cNvSpPr>
+          <p:nvPr>
+            <p:ph type="body"/>
+          </p:nvPr>
+        </p:nvSpPr>
+        <p:spPr>
+          <a:xfrm>
+            <a:off x="540000" y="3320280"/>
+            <a:ext cx="4391640" cy="1716840"/>
+          </a:xfrm>
+          <a:prstGeom prst="rect">
+            <a:avLst/>
+          </a:prstGeom>
+        </p:spPr>
+        <p:txBody>
+          <a:bodyPr lIns="0" rIns="0" tIns="0" bIns="0">
+            <a:normAutofit/>
+          </a:bodyPr>
+          <a:p>
+            <a:endParaRPr b="0" lang="en-US" sz="3200" spc="-1" strike="noStrike">
+              <a:latin typeface="Arial"/>
+            </a:endParaRPr>
+          </a:p>
+        </p:txBody>
+      </p:sp>
+    </p:spTree>
+  </p:cSld>
+</p:sldLayout>
+</file>
+
+<file path=ppt/slideLayouts/slideLayout68.xml><?xml version="1.0" encoding="utf-8"?>
+<p:sldLayout xmlns:a="http://schemas.openxmlformats.org/drawingml/2006/main" xmlns:p="http://schemas.openxmlformats.org/presentationml/2006/main" xmlns:r="http://schemas.openxmlformats.org/officeDocument/2006/relationships" xmlns:p14="http://schemas.microsoft.com/office/powerpoint/2010/main" xmlns:p15="http://schemas.microsoft.com/office/powerpoint/2012/main" xmlns:mc="http://schemas.openxmlformats.org/markup-compatibility/2006" type="objAndTwoObj" preserve="1">
+  <p:cSld name="Title Content and 2 Content">
+    <p:spTree>
+      <p:nvGrpSpPr>
+        <p:cNvPr id="1" name=""/>
+        <p:cNvGrpSpPr/>
+        <p:nvPr/>
+      </p:nvGrpSpPr>
+      <p:grpSpPr>
+        <a:xfrm>
+          <a:off x="0" y="0"/>
+          <a:ext cx="0" cy="0"/>
+          <a:chOff x="0" y="0"/>
+          <a:chExt cx="0" cy="0"/>
+        </a:xfrm>
+      </p:grpSpPr>
+      <p:sp>
+        <p:nvSpPr>
+          <p:cNvPr id="257" name="PlaceHolder 1"/>
+          <p:cNvSpPr>
+            <a:spLocks noGrp="1"/>
+          </p:cNvSpPr>
+          <p:nvPr>
+            <p:ph type="title"/>
+          </p:nvPr>
+        </p:nvSpPr>
+        <p:spPr>
+          <a:xfrm>
+            <a:off x="540000" y="270000"/>
+            <a:ext cx="8999280" cy="989280"/>
+          </a:xfrm>
+          <a:prstGeom prst="rect">
+            <a:avLst/>
+          </a:prstGeom>
+        </p:spPr>
+        <p:txBody>
+          <a:bodyPr lIns="0" rIns="0" tIns="0" bIns="0" anchor="ctr">
+            <a:noAutofit/>
+          </a:bodyPr>
+          <a:p>
+            <a:pPr algn="ctr"/>
+            <a:endParaRPr b="0" lang="en-US" sz="4400" spc="-1" strike="noStrike">
+              <a:latin typeface="Arial"/>
+            </a:endParaRPr>
+          </a:p>
+        </p:txBody>
+      </p:sp>
+      <p:sp>
+        <p:nvSpPr>
+          <p:cNvPr id="258" name="PlaceHolder 2"/>
+          <p:cNvSpPr>
+            <a:spLocks noGrp="1"/>
+          </p:cNvSpPr>
+          <p:nvPr>
+            <p:ph type="body"/>
+          </p:nvPr>
+        </p:nvSpPr>
+        <p:spPr>
+          <a:xfrm>
+            <a:off x="540000" y="1440000"/>
+            <a:ext cx="4391640" cy="3599280"/>
+          </a:xfrm>
+          <a:prstGeom prst="rect">
+            <a:avLst/>
+          </a:prstGeom>
+        </p:spPr>
+        <p:txBody>
+          <a:bodyPr lIns="0" rIns="0" tIns="0" bIns="0">
+            <a:normAutofit/>
+          </a:bodyPr>
+          <a:p>
+            <a:endParaRPr b="0" lang="en-US" sz="3200" spc="-1" strike="noStrike">
+              <a:latin typeface="Arial"/>
+            </a:endParaRPr>
+          </a:p>
+        </p:txBody>
+      </p:sp>
+      <p:sp>
+        <p:nvSpPr>
+          <p:cNvPr id="259" name="PlaceHolder 3"/>
+          <p:cNvSpPr>
+            <a:spLocks noGrp="1"/>
+          </p:cNvSpPr>
+          <p:nvPr>
+            <p:ph type="body"/>
+          </p:nvPr>
+        </p:nvSpPr>
+        <p:spPr>
+          <a:xfrm>
+            <a:off x="5151600" y="1440000"/>
+            <a:ext cx="4391640" cy="1716840"/>
+          </a:xfrm>
+          <a:prstGeom prst="rect">
+            <a:avLst/>
+          </a:prstGeom>
+        </p:spPr>
+        <p:txBody>
+          <a:bodyPr lIns="0" rIns="0" tIns="0" bIns="0">
+            <a:normAutofit/>
+          </a:bodyPr>
+          <a:p>
+            <a:endParaRPr b="0" lang="en-US" sz="3200" spc="-1" strike="noStrike">
+              <a:latin typeface="Arial"/>
+            </a:endParaRPr>
+          </a:p>
+        </p:txBody>
+      </p:sp>
+      <p:sp>
+        <p:nvSpPr>
+          <p:cNvPr id="260" name="PlaceHolder 4"/>
+          <p:cNvSpPr>
+            <a:spLocks noGrp="1"/>
+          </p:cNvSpPr>
+          <p:nvPr>
+            <p:ph type="body"/>
+          </p:nvPr>
+        </p:nvSpPr>
+        <p:spPr>
+          <a:xfrm>
+            <a:off x="5151600" y="3320280"/>
+            <a:ext cx="4391640" cy="1716840"/>
+          </a:xfrm>
+          <a:prstGeom prst="rect">
+            <a:avLst/>
+          </a:prstGeom>
+        </p:spPr>
+        <p:txBody>
+          <a:bodyPr lIns="0" rIns="0" tIns="0" bIns="0">
+            <a:normAutofit/>
+          </a:bodyPr>
+          <a:p>
+            <a:endParaRPr b="0" lang="en-US" sz="3200" spc="-1" strike="noStrike">
+              <a:latin typeface="Arial"/>
+            </a:endParaRPr>
+          </a:p>
+        </p:txBody>
+      </p:sp>
+    </p:spTree>
+  </p:cSld>
+</p:sldLayout>
+</file>
+
+<file path=ppt/slideLayouts/slideLayout69.xml><?xml version="1.0" encoding="utf-8"?>
+<p:sldLayout xmlns:a="http://schemas.openxmlformats.org/drawingml/2006/main" xmlns:p="http://schemas.openxmlformats.org/presentationml/2006/main" xmlns:r="http://schemas.openxmlformats.org/officeDocument/2006/relationships" xmlns:p14="http://schemas.microsoft.com/office/powerpoint/2010/main" xmlns:p15="http://schemas.microsoft.com/office/powerpoint/2012/main" xmlns:mc="http://schemas.openxmlformats.org/markup-compatibility/2006" type="twoObjOverTx" preserve="1">
+  <p:cSld name="Title, 2 Content over Content">
+    <p:spTree>
+      <p:nvGrpSpPr>
+        <p:cNvPr id="1" name=""/>
+        <p:cNvGrpSpPr/>
+        <p:nvPr/>
+      </p:nvGrpSpPr>
+      <p:grpSpPr>
+        <a:xfrm>
+          <a:off x="0" y="0"/>
+          <a:ext cx="0" cy="0"/>
+          <a:chOff x="0" y="0"/>
+          <a:chExt cx="0" cy="0"/>
+        </a:xfrm>
+      </p:grpSpPr>
+      <p:sp>
+        <p:nvSpPr>
+          <p:cNvPr id="261" name="PlaceHolder 1"/>
+          <p:cNvSpPr>
+            <a:spLocks noGrp="1"/>
+          </p:cNvSpPr>
+          <p:nvPr>
+            <p:ph type="title"/>
+          </p:nvPr>
+        </p:nvSpPr>
+        <p:spPr>
+          <a:xfrm>
+            <a:off x="540000" y="270000"/>
+            <a:ext cx="8999280" cy="989280"/>
+          </a:xfrm>
+          <a:prstGeom prst="rect">
+            <a:avLst/>
+          </a:prstGeom>
+        </p:spPr>
+        <p:txBody>
+          <a:bodyPr lIns="0" rIns="0" tIns="0" bIns="0" anchor="ctr">
+            <a:noAutofit/>
+          </a:bodyPr>
+          <a:p>
+            <a:pPr algn="ctr"/>
+            <a:endParaRPr b="0" lang="en-US" sz="4400" spc="-1" strike="noStrike">
+              <a:latin typeface="Arial"/>
+            </a:endParaRPr>
+          </a:p>
+        </p:txBody>
+      </p:sp>
+      <p:sp>
+        <p:nvSpPr>
+          <p:cNvPr id="262" name="PlaceHolder 2"/>
+          <p:cNvSpPr>
+            <a:spLocks noGrp="1"/>
+          </p:cNvSpPr>
+          <p:nvPr>
+            <p:ph type="body"/>
+          </p:nvPr>
+        </p:nvSpPr>
+        <p:spPr>
+          <a:xfrm>
+            <a:off x="540000" y="1440000"/>
+            <a:ext cx="4391640" cy="1716840"/>
+          </a:xfrm>
+          <a:prstGeom prst="rect">
+            <a:avLst/>
+          </a:prstGeom>
+        </p:spPr>
+        <p:txBody>
+          <a:bodyPr lIns="0" rIns="0" tIns="0" bIns="0">
+            <a:normAutofit/>
+          </a:bodyPr>
+          <a:p>
+            <a:endParaRPr b="0" lang="en-US" sz="3200" spc="-1" strike="noStrike">
+              <a:latin typeface="Arial"/>
+            </a:endParaRPr>
+          </a:p>
+        </p:txBody>
+      </p:sp>
+      <p:sp>
+        <p:nvSpPr>
+          <p:cNvPr id="263" name="PlaceHolder 3"/>
+          <p:cNvSpPr>
+            <a:spLocks noGrp="1"/>
+          </p:cNvSpPr>
+          <p:nvPr>
+            <p:ph type="body"/>
+          </p:nvPr>
+        </p:nvSpPr>
+        <p:spPr>
+          <a:xfrm>
+            <a:off x="5151600" y="1440000"/>
+            <a:ext cx="4391640" cy="1716840"/>
+          </a:xfrm>
+          <a:prstGeom prst="rect">
+            <a:avLst/>
+          </a:prstGeom>
+        </p:spPr>
+        <p:txBody>
+          <a:bodyPr lIns="0" rIns="0" tIns="0" bIns="0">
+            <a:normAutofit/>
+          </a:bodyPr>
+          <a:p>
+            <a:endParaRPr b="0" lang="en-US" sz="3200" spc="-1" strike="noStrike">
+              <a:latin typeface="Arial"/>
+            </a:endParaRPr>
+          </a:p>
+        </p:txBody>
+      </p:sp>
+      <p:sp>
+        <p:nvSpPr>
+          <p:cNvPr id="264" name="PlaceHolder 4"/>
+          <p:cNvSpPr>
+            <a:spLocks noGrp="1"/>
+          </p:cNvSpPr>
+          <p:nvPr>
+            <p:ph type="body"/>
+          </p:nvPr>
+        </p:nvSpPr>
+        <p:spPr>
+          <a:xfrm>
+            <a:off x="540000" y="3320280"/>
+            <a:ext cx="8999280" cy="1716840"/>
           </a:xfrm>
           <a:prstGeom prst="rect">
             <a:avLst/>
@@ -6399,7 +7237,7 @@
       </p:grpSpPr>
       <p:sp>
         <p:nvSpPr>
-          <p:cNvPr id="23" name="PlaceHolder 1"/>
+          <p:cNvPr id="12" name="PlaceHolder 1"/>
           <p:cNvSpPr>
             <a:spLocks noGrp="1"/>
           </p:cNvSpPr>
@@ -6410,7 +7248,7 @@
         <p:spPr>
           <a:xfrm>
             <a:off x="540000" y="270000"/>
-            <a:ext cx="8999640" cy="989640"/>
+            <a:ext cx="8999280" cy="989280"/>
           </a:xfrm>
           <a:prstGeom prst="rect">
             <a:avLst/>
@@ -6430,7 +7268,7 @@
       </p:sp>
       <p:sp>
         <p:nvSpPr>
-          <p:cNvPr id="24" name="PlaceHolder 2"/>
+          <p:cNvPr id="13" name="PlaceHolder 2"/>
           <p:cNvSpPr>
             <a:spLocks noGrp="1"/>
           </p:cNvSpPr>
@@ -6460,7 +7298,7 @@
       </p:sp>
       <p:sp>
         <p:nvSpPr>
-          <p:cNvPr id="25" name="PlaceHolder 3"/>
+          <p:cNvPr id="14" name="PlaceHolder 3"/>
           <p:cNvSpPr>
             <a:spLocks noGrp="1"/>
           </p:cNvSpPr>
@@ -6471,26 +7309,26 @@
         <p:spPr>
           <a:xfrm>
             <a:off x="5151600" y="1440000"/>
-            <a:ext cx="4391640" cy="3599640"/>
-          </a:xfrm>
-          <a:prstGeom prst="rect">
-            <a:avLst/>
-          </a:prstGeom>
-        </p:spPr>
-        <p:txBody>
-          <a:bodyPr lIns="0" rIns="0" tIns="0" bIns="0">
-            <a:normAutofit/>
-          </a:bodyPr>
-          <a:p>
-            <a:endParaRPr b="0" lang="en-US" sz="3200" spc="-1" strike="noStrike">
-              <a:latin typeface="Arial"/>
-            </a:endParaRPr>
-          </a:p>
-        </p:txBody>
-      </p:sp>
-      <p:sp>
-        <p:nvSpPr>
-          <p:cNvPr id="26" name="PlaceHolder 4"/>
+            <a:ext cx="4391640" cy="3599280"/>
+          </a:xfrm>
+          <a:prstGeom prst="rect">
+            <a:avLst/>
+          </a:prstGeom>
+        </p:spPr>
+        <p:txBody>
+          <a:bodyPr lIns="0" rIns="0" tIns="0" bIns="0">
+            <a:normAutofit/>
+          </a:bodyPr>
+          <a:p>
+            <a:endParaRPr b="0" lang="en-US" sz="3200" spc="-1" strike="noStrike">
+              <a:latin typeface="Arial"/>
+            </a:endParaRPr>
+          </a:p>
+        </p:txBody>
+      </p:sp>
+      <p:sp>
+        <p:nvSpPr>
+          <p:cNvPr id="15" name="PlaceHolder 4"/>
           <p:cNvSpPr>
             <a:spLocks noGrp="1"/>
           </p:cNvSpPr>
@@ -6502,6 +7340,525 @@
           <a:xfrm>
             <a:off x="540000" y="3320280"/>
             <a:ext cx="4391640" cy="1716840"/>
+          </a:xfrm>
+          <a:prstGeom prst="rect">
+            <a:avLst/>
+          </a:prstGeom>
+        </p:spPr>
+        <p:txBody>
+          <a:bodyPr lIns="0" rIns="0" tIns="0" bIns="0">
+            <a:normAutofit/>
+          </a:bodyPr>
+          <a:p>
+            <a:endParaRPr b="0" lang="en-US" sz="3200" spc="-1" strike="noStrike">
+              <a:latin typeface="Arial"/>
+            </a:endParaRPr>
+          </a:p>
+        </p:txBody>
+      </p:sp>
+    </p:spTree>
+  </p:cSld>
+</p:sldLayout>
+</file>
+
+<file path=ppt/slideLayouts/slideLayout70.xml><?xml version="1.0" encoding="utf-8"?>
+<p:sldLayout xmlns:a="http://schemas.openxmlformats.org/drawingml/2006/main" xmlns:p="http://schemas.openxmlformats.org/presentationml/2006/main" xmlns:r="http://schemas.openxmlformats.org/officeDocument/2006/relationships" xmlns:p14="http://schemas.microsoft.com/office/powerpoint/2010/main" xmlns:p15="http://schemas.microsoft.com/office/powerpoint/2012/main" xmlns:mc="http://schemas.openxmlformats.org/markup-compatibility/2006" type="objOverTx" preserve="1">
+  <p:cSld name="Title, Content over Content">
+    <p:spTree>
+      <p:nvGrpSpPr>
+        <p:cNvPr id="1" name=""/>
+        <p:cNvGrpSpPr/>
+        <p:nvPr/>
+      </p:nvGrpSpPr>
+      <p:grpSpPr>
+        <a:xfrm>
+          <a:off x="0" y="0"/>
+          <a:ext cx="0" cy="0"/>
+          <a:chOff x="0" y="0"/>
+          <a:chExt cx="0" cy="0"/>
+        </a:xfrm>
+      </p:grpSpPr>
+      <p:sp>
+        <p:nvSpPr>
+          <p:cNvPr id="265" name="PlaceHolder 1"/>
+          <p:cNvSpPr>
+            <a:spLocks noGrp="1"/>
+          </p:cNvSpPr>
+          <p:nvPr>
+            <p:ph type="title"/>
+          </p:nvPr>
+        </p:nvSpPr>
+        <p:spPr>
+          <a:xfrm>
+            <a:off x="540000" y="270000"/>
+            <a:ext cx="8999280" cy="989280"/>
+          </a:xfrm>
+          <a:prstGeom prst="rect">
+            <a:avLst/>
+          </a:prstGeom>
+        </p:spPr>
+        <p:txBody>
+          <a:bodyPr lIns="0" rIns="0" tIns="0" bIns="0" anchor="ctr">
+            <a:noAutofit/>
+          </a:bodyPr>
+          <a:p>
+            <a:pPr algn="ctr"/>
+            <a:endParaRPr b="0" lang="en-US" sz="4400" spc="-1" strike="noStrike">
+              <a:latin typeface="Arial"/>
+            </a:endParaRPr>
+          </a:p>
+        </p:txBody>
+      </p:sp>
+      <p:sp>
+        <p:nvSpPr>
+          <p:cNvPr id="266" name="PlaceHolder 2"/>
+          <p:cNvSpPr>
+            <a:spLocks noGrp="1"/>
+          </p:cNvSpPr>
+          <p:nvPr>
+            <p:ph type="body"/>
+          </p:nvPr>
+        </p:nvSpPr>
+        <p:spPr>
+          <a:xfrm>
+            <a:off x="540000" y="1440000"/>
+            <a:ext cx="8999280" cy="1716840"/>
+          </a:xfrm>
+          <a:prstGeom prst="rect">
+            <a:avLst/>
+          </a:prstGeom>
+        </p:spPr>
+        <p:txBody>
+          <a:bodyPr lIns="0" rIns="0" tIns="0" bIns="0">
+            <a:normAutofit/>
+          </a:bodyPr>
+          <a:p>
+            <a:endParaRPr b="0" lang="en-US" sz="3200" spc="-1" strike="noStrike">
+              <a:latin typeface="Arial"/>
+            </a:endParaRPr>
+          </a:p>
+        </p:txBody>
+      </p:sp>
+      <p:sp>
+        <p:nvSpPr>
+          <p:cNvPr id="267" name="PlaceHolder 3"/>
+          <p:cNvSpPr>
+            <a:spLocks noGrp="1"/>
+          </p:cNvSpPr>
+          <p:nvPr>
+            <p:ph type="body"/>
+          </p:nvPr>
+        </p:nvSpPr>
+        <p:spPr>
+          <a:xfrm>
+            <a:off x="540000" y="3320280"/>
+            <a:ext cx="8999280" cy="1716840"/>
+          </a:xfrm>
+          <a:prstGeom prst="rect">
+            <a:avLst/>
+          </a:prstGeom>
+        </p:spPr>
+        <p:txBody>
+          <a:bodyPr lIns="0" rIns="0" tIns="0" bIns="0">
+            <a:normAutofit/>
+          </a:bodyPr>
+          <a:p>
+            <a:endParaRPr b="0" lang="en-US" sz="3200" spc="-1" strike="noStrike">
+              <a:latin typeface="Arial"/>
+            </a:endParaRPr>
+          </a:p>
+        </p:txBody>
+      </p:sp>
+    </p:spTree>
+  </p:cSld>
+</p:sldLayout>
+</file>
+
+<file path=ppt/slideLayouts/slideLayout71.xml><?xml version="1.0" encoding="utf-8"?>
+<p:sldLayout xmlns:a="http://schemas.openxmlformats.org/drawingml/2006/main" xmlns:p="http://schemas.openxmlformats.org/presentationml/2006/main" xmlns:r="http://schemas.openxmlformats.org/officeDocument/2006/relationships" xmlns:p14="http://schemas.microsoft.com/office/powerpoint/2010/main" xmlns:p15="http://schemas.microsoft.com/office/powerpoint/2012/main" xmlns:mc="http://schemas.openxmlformats.org/markup-compatibility/2006" type="fourObj" preserve="1">
+  <p:cSld name="Title, 4 Content">
+    <p:spTree>
+      <p:nvGrpSpPr>
+        <p:cNvPr id="1" name=""/>
+        <p:cNvGrpSpPr/>
+        <p:nvPr/>
+      </p:nvGrpSpPr>
+      <p:grpSpPr>
+        <a:xfrm>
+          <a:off x="0" y="0"/>
+          <a:ext cx="0" cy="0"/>
+          <a:chOff x="0" y="0"/>
+          <a:chExt cx="0" cy="0"/>
+        </a:xfrm>
+      </p:grpSpPr>
+      <p:sp>
+        <p:nvSpPr>
+          <p:cNvPr id="268" name="PlaceHolder 1"/>
+          <p:cNvSpPr>
+            <a:spLocks noGrp="1"/>
+          </p:cNvSpPr>
+          <p:nvPr>
+            <p:ph type="title"/>
+          </p:nvPr>
+        </p:nvSpPr>
+        <p:spPr>
+          <a:xfrm>
+            <a:off x="540000" y="270000"/>
+            <a:ext cx="8999280" cy="989280"/>
+          </a:xfrm>
+          <a:prstGeom prst="rect">
+            <a:avLst/>
+          </a:prstGeom>
+        </p:spPr>
+        <p:txBody>
+          <a:bodyPr lIns="0" rIns="0" tIns="0" bIns="0" anchor="ctr">
+            <a:noAutofit/>
+          </a:bodyPr>
+          <a:p>
+            <a:pPr algn="ctr"/>
+            <a:endParaRPr b="0" lang="en-US" sz="4400" spc="-1" strike="noStrike">
+              <a:latin typeface="Arial"/>
+            </a:endParaRPr>
+          </a:p>
+        </p:txBody>
+      </p:sp>
+      <p:sp>
+        <p:nvSpPr>
+          <p:cNvPr id="269" name="PlaceHolder 2"/>
+          <p:cNvSpPr>
+            <a:spLocks noGrp="1"/>
+          </p:cNvSpPr>
+          <p:nvPr>
+            <p:ph type="body"/>
+          </p:nvPr>
+        </p:nvSpPr>
+        <p:spPr>
+          <a:xfrm>
+            <a:off x="540000" y="1440000"/>
+            <a:ext cx="4391640" cy="1716840"/>
+          </a:xfrm>
+          <a:prstGeom prst="rect">
+            <a:avLst/>
+          </a:prstGeom>
+        </p:spPr>
+        <p:txBody>
+          <a:bodyPr lIns="0" rIns="0" tIns="0" bIns="0">
+            <a:normAutofit/>
+          </a:bodyPr>
+          <a:p>
+            <a:endParaRPr b="0" lang="en-US" sz="3200" spc="-1" strike="noStrike">
+              <a:latin typeface="Arial"/>
+            </a:endParaRPr>
+          </a:p>
+        </p:txBody>
+      </p:sp>
+      <p:sp>
+        <p:nvSpPr>
+          <p:cNvPr id="270" name="PlaceHolder 3"/>
+          <p:cNvSpPr>
+            <a:spLocks noGrp="1"/>
+          </p:cNvSpPr>
+          <p:nvPr>
+            <p:ph type="body"/>
+          </p:nvPr>
+        </p:nvSpPr>
+        <p:spPr>
+          <a:xfrm>
+            <a:off x="5151600" y="1440000"/>
+            <a:ext cx="4391640" cy="1716840"/>
+          </a:xfrm>
+          <a:prstGeom prst="rect">
+            <a:avLst/>
+          </a:prstGeom>
+        </p:spPr>
+        <p:txBody>
+          <a:bodyPr lIns="0" rIns="0" tIns="0" bIns="0">
+            <a:normAutofit/>
+          </a:bodyPr>
+          <a:p>
+            <a:endParaRPr b="0" lang="en-US" sz="3200" spc="-1" strike="noStrike">
+              <a:latin typeface="Arial"/>
+            </a:endParaRPr>
+          </a:p>
+        </p:txBody>
+      </p:sp>
+      <p:sp>
+        <p:nvSpPr>
+          <p:cNvPr id="271" name="PlaceHolder 4"/>
+          <p:cNvSpPr>
+            <a:spLocks noGrp="1"/>
+          </p:cNvSpPr>
+          <p:nvPr>
+            <p:ph type="body"/>
+          </p:nvPr>
+        </p:nvSpPr>
+        <p:spPr>
+          <a:xfrm>
+            <a:off x="540000" y="3320280"/>
+            <a:ext cx="4391640" cy="1716840"/>
+          </a:xfrm>
+          <a:prstGeom prst="rect">
+            <a:avLst/>
+          </a:prstGeom>
+        </p:spPr>
+        <p:txBody>
+          <a:bodyPr lIns="0" rIns="0" tIns="0" bIns="0">
+            <a:normAutofit/>
+          </a:bodyPr>
+          <a:p>
+            <a:endParaRPr b="0" lang="en-US" sz="3200" spc="-1" strike="noStrike">
+              <a:latin typeface="Arial"/>
+            </a:endParaRPr>
+          </a:p>
+        </p:txBody>
+      </p:sp>
+      <p:sp>
+        <p:nvSpPr>
+          <p:cNvPr id="272" name="PlaceHolder 5"/>
+          <p:cNvSpPr>
+            <a:spLocks noGrp="1"/>
+          </p:cNvSpPr>
+          <p:nvPr>
+            <p:ph type="body"/>
+          </p:nvPr>
+        </p:nvSpPr>
+        <p:spPr>
+          <a:xfrm>
+            <a:off x="5151600" y="3320280"/>
+            <a:ext cx="4391640" cy="1716840"/>
+          </a:xfrm>
+          <a:prstGeom prst="rect">
+            <a:avLst/>
+          </a:prstGeom>
+        </p:spPr>
+        <p:txBody>
+          <a:bodyPr lIns="0" rIns="0" tIns="0" bIns="0">
+            <a:normAutofit/>
+          </a:bodyPr>
+          <a:p>
+            <a:endParaRPr b="0" lang="en-US" sz="3200" spc="-1" strike="noStrike">
+              <a:latin typeface="Arial"/>
+            </a:endParaRPr>
+          </a:p>
+        </p:txBody>
+      </p:sp>
+    </p:spTree>
+  </p:cSld>
+</p:sldLayout>
+</file>
+
+<file path=ppt/slideLayouts/slideLayout72.xml><?xml version="1.0" encoding="utf-8"?>
+<p:sldLayout xmlns:a="http://schemas.openxmlformats.org/drawingml/2006/main" xmlns:p="http://schemas.openxmlformats.org/presentationml/2006/main" xmlns:r="http://schemas.openxmlformats.org/officeDocument/2006/relationships" xmlns:p14="http://schemas.microsoft.com/office/powerpoint/2010/main" xmlns:p15="http://schemas.microsoft.com/office/powerpoint/2012/main" xmlns:mc="http://schemas.openxmlformats.org/markup-compatibility/2006" type="blank" preserve="1">
+  <p:cSld name="Title, 6 Content">
+    <p:spTree>
+      <p:nvGrpSpPr>
+        <p:cNvPr id="1" name=""/>
+        <p:cNvGrpSpPr/>
+        <p:nvPr/>
+      </p:nvGrpSpPr>
+      <p:grpSpPr>
+        <a:xfrm>
+          <a:off x="0" y="0"/>
+          <a:ext cx="0" cy="0"/>
+          <a:chOff x="0" y="0"/>
+          <a:chExt cx="0" cy="0"/>
+        </a:xfrm>
+      </p:grpSpPr>
+      <p:sp>
+        <p:nvSpPr>
+          <p:cNvPr id="273" name="PlaceHolder 1"/>
+          <p:cNvSpPr>
+            <a:spLocks noGrp="1"/>
+          </p:cNvSpPr>
+          <p:nvPr>
+            <p:ph type="title"/>
+          </p:nvPr>
+        </p:nvSpPr>
+        <p:spPr>
+          <a:xfrm>
+            <a:off x="540000" y="270000"/>
+            <a:ext cx="8999280" cy="989280"/>
+          </a:xfrm>
+          <a:prstGeom prst="rect">
+            <a:avLst/>
+          </a:prstGeom>
+        </p:spPr>
+        <p:txBody>
+          <a:bodyPr lIns="0" rIns="0" tIns="0" bIns="0" anchor="ctr">
+            <a:noAutofit/>
+          </a:bodyPr>
+          <a:p>
+            <a:pPr algn="ctr"/>
+            <a:endParaRPr b="0" lang="en-US" sz="4400" spc="-1" strike="noStrike">
+              <a:latin typeface="Arial"/>
+            </a:endParaRPr>
+          </a:p>
+        </p:txBody>
+      </p:sp>
+      <p:sp>
+        <p:nvSpPr>
+          <p:cNvPr id="274" name="PlaceHolder 2"/>
+          <p:cNvSpPr>
+            <a:spLocks noGrp="1"/>
+          </p:cNvSpPr>
+          <p:nvPr>
+            <p:ph type="body"/>
+          </p:nvPr>
+        </p:nvSpPr>
+        <p:spPr>
+          <a:xfrm>
+            <a:off x="540000" y="1440000"/>
+            <a:ext cx="2897640" cy="1716840"/>
+          </a:xfrm>
+          <a:prstGeom prst="rect">
+            <a:avLst/>
+          </a:prstGeom>
+        </p:spPr>
+        <p:txBody>
+          <a:bodyPr lIns="0" rIns="0" tIns="0" bIns="0">
+            <a:normAutofit/>
+          </a:bodyPr>
+          <a:p>
+            <a:endParaRPr b="0" lang="en-US" sz="3200" spc="-1" strike="noStrike">
+              <a:latin typeface="Arial"/>
+            </a:endParaRPr>
+          </a:p>
+        </p:txBody>
+      </p:sp>
+      <p:sp>
+        <p:nvSpPr>
+          <p:cNvPr id="275" name="PlaceHolder 3"/>
+          <p:cNvSpPr>
+            <a:spLocks noGrp="1"/>
+          </p:cNvSpPr>
+          <p:nvPr>
+            <p:ph type="body"/>
+          </p:nvPr>
+        </p:nvSpPr>
+        <p:spPr>
+          <a:xfrm>
+            <a:off x="3583080" y="1440000"/>
+            <a:ext cx="2897640" cy="1716840"/>
+          </a:xfrm>
+          <a:prstGeom prst="rect">
+            <a:avLst/>
+          </a:prstGeom>
+        </p:spPr>
+        <p:txBody>
+          <a:bodyPr lIns="0" rIns="0" tIns="0" bIns="0">
+            <a:normAutofit/>
+          </a:bodyPr>
+          <a:p>
+            <a:endParaRPr b="0" lang="en-US" sz="3200" spc="-1" strike="noStrike">
+              <a:latin typeface="Arial"/>
+            </a:endParaRPr>
+          </a:p>
+        </p:txBody>
+      </p:sp>
+      <p:sp>
+        <p:nvSpPr>
+          <p:cNvPr id="276" name="PlaceHolder 4"/>
+          <p:cNvSpPr>
+            <a:spLocks noGrp="1"/>
+          </p:cNvSpPr>
+          <p:nvPr>
+            <p:ph type="body"/>
+          </p:nvPr>
+        </p:nvSpPr>
+        <p:spPr>
+          <a:xfrm>
+            <a:off x="6625800" y="1440000"/>
+            <a:ext cx="2897640" cy="1716840"/>
+          </a:xfrm>
+          <a:prstGeom prst="rect">
+            <a:avLst/>
+          </a:prstGeom>
+        </p:spPr>
+        <p:txBody>
+          <a:bodyPr lIns="0" rIns="0" tIns="0" bIns="0">
+            <a:normAutofit/>
+          </a:bodyPr>
+          <a:p>
+            <a:endParaRPr b="0" lang="en-US" sz="3200" spc="-1" strike="noStrike">
+              <a:latin typeface="Arial"/>
+            </a:endParaRPr>
+          </a:p>
+        </p:txBody>
+      </p:sp>
+      <p:sp>
+        <p:nvSpPr>
+          <p:cNvPr id="277" name="PlaceHolder 5"/>
+          <p:cNvSpPr>
+            <a:spLocks noGrp="1"/>
+          </p:cNvSpPr>
+          <p:nvPr>
+            <p:ph type="body"/>
+          </p:nvPr>
+        </p:nvSpPr>
+        <p:spPr>
+          <a:xfrm>
+            <a:off x="540000" y="3320280"/>
+            <a:ext cx="2897640" cy="1716840"/>
+          </a:xfrm>
+          <a:prstGeom prst="rect">
+            <a:avLst/>
+          </a:prstGeom>
+        </p:spPr>
+        <p:txBody>
+          <a:bodyPr lIns="0" rIns="0" tIns="0" bIns="0">
+            <a:normAutofit/>
+          </a:bodyPr>
+          <a:p>
+            <a:endParaRPr b="0" lang="en-US" sz="3200" spc="-1" strike="noStrike">
+              <a:latin typeface="Arial"/>
+            </a:endParaRPr>
+          </a:p>
+        </p:txBody>
+      </p:sp>
+      <p:sp>
+        <p:nvSpPr>
+          <p:cNvPr id="278" name="PlaceHolder 6"/>
+          <p:cNvSpPr>
+            <a:spLocks noGrp="1"/>
+          </p:cNvSpPr>
+          <p:nvPr>
+            <p:ph type="body"/>
+          </p:nvPr>
+        </p:nvSpPr>
+        <p:spPr>
+          <a:xfrm>
+            <a:off x="3583080" y="3320280"/>
+            <a:ext cx="2897640" cy="1716840"/>
+          </a:xfrm>
+          <a:prstGeom prst="rect">
+            <a:avLst/>
+          </a:prstGeom>
+        </p:spPr>
+        <p:txBody>
+          <a:bodyPr lIns="0" rIns="0" tIns="0" bIns="0">
+            <a:normAutofit/>
+          </a:bodyPr>
+          <a:p>
+            <a:endParaRPr b="0" lang="en-US" sz="3200" spc="-1" strike="noStrike">
+              <a:latin typeface="Arial"/>
+            </a:endParaRPr>
+          </a:p>
+        </p:txBody>
+      </p:sp>
+      <p:sp>
+        <p:nvSpPr>
+          <p:cNvPr id="279" name="PlaceHolder 7"/>
+          <p:cNvSpPr>
+            <a:spLocks noGrp="1"/>
+          </p:cNvSpPr>
+          <p:nvPr>
+            <p:ph type="body"/>
+          </p:nvPr>
+        </p:nvSpPr>
+        <p:spPr>
+          <a:xfrm>
+            <a:off x="6625800" y="3320280"/>
+            <a:ext cx="2897640" cy="1716840"/>
           </a:xfrm>
           <a:prstGeom prst="rect">
             <a:avLst/>
@@ -6542,7 +7899,7 @@
       </p:grpSpPr>
       <p:sp>
         <p:nvSpPr>
-          <p:cNvPr id="27" name="PlaceHolder 1"/>
+          <p:cNvPr id="16" name="PlaceHolder 1"/>
           <p:cNvSpPr>
             <a:spLocks noGrp="1"/>
           </p:cNvSpPr>
@@ -6553,7 +7910,7 @@
         <p:spPr>
           <a:xfrm>
             <a:off x="540000" y="270000"/>
-            <a:ext cx="8999640" cy="989640"/>
+            <a:ext cx="8999280" cy="989280"/>
           </a:xfrm>
           <a:prstGeom prst="rect">
             <a:avLst/>
@@ -6573,7 +7930,7 @@
       </p:sp>
       <p:sp>
         <p:nvSpPr>
-          <p:cNvPr id="28" name="PlaceHolder 2"/>
+          <p:cNvPr id="17" name="PlaceHolder 2"/>
           <p:cNvSpPr>
             <a:spLocks noGrp="1"/>
           </p:cNvSpPr>
@@ -6584,26 +7941,26 @@
         <p:spPr>
           <a:xfrm>
             <a:off x="540000" y="1440000"/>
-            <a:ext cx="4391640" cy="3599640"/>
-          </a:xfrm>
-          <a:prstGeom prst="rect">
-            <a:avLst/>
-          </a:prstGeom>
-        </p:spPr>
-        <p:txBody>
-          <a:bodyPr lIns="0" rIns="0" tIns="0" bIns="0">
-            <a:normAutofit/>
-          </a:bodyPr>
-          <a:p>
-            <a:endParaRPr b="0" lang="en-US" sz="3200" spc="-1" strike="noStrike">
-              <a:latin typeface="Arial"/>
-            </a:endParaRPr>
-          </a:p>
-        </p:txBody>
-      </p:sp>
-      <p:sp>
-        <p:nvSpPr>
-          <p:cNvPr id="29" name="PlaceHolder 3"/>
+            <a:ext cx="4391640" cy="3599280"/>
+          </a:xfrm>
+          <a:prstGeom prst="rect">
+            <a:avLst/>
+          </a:prstGeom>
+        </p:spPr>
+        <p:txBody>
+          <a:bodyPr lIns="0" rIns="0" tIns="0" bIns="0">
+            <a:normAutofit/>
+          </a:bodyPr>
+          <a:p>
+            <a:endParaRPr b="0" lang="en-US" sz="3200" spc="-1" strike="noStrike">
+              <a:latin typeface="Arial"/>
+            </a:endParaRPr>
+          </a:p>
+        </p:txBody>
+      </p:sp>
+      <p:sp>
+        <p:nvSpPr>
+          <p:cNvPr id="18" name="PlaceHolder 3"/>
           <p:cNvSpPr>
             <a:spLocks noGrp="1"/>
           </p:cNvSpPr>
@@ -6633,7 +7990,7 @@
       </p:sp>
       <p:sp>
         <p:nvSpPr>
-          <p:cNvPr id="30" name="PlaceHolder 4"/>
+          <p:cNvPr id="19" name="PlaceHolder 4"/>
           <p:cNvSpPr>
             <a:spLocks noGrp="1"/>
           </p:cNvSpPr>
@@ -6685,7 +8042,7 @@
       </p:grpSpPr>
       <p:sp>
         <p:nvSpPr>
-          <p:cNvPr id="31" name="PlaceHolder 1"/>
+          <p:cNvPr id="20" name="PlaceHolder 1"/>
           <p:cNvSpPr>
             <a:spLocks noGrp="1"/>
           </p:cNvSpPr>
@@ -6696,7 +8053,7 @@
         <p:spPr>
           <a:xfrm>
             <a:off x="540000" y="270000"/>
-            <a:ext cx="8999640" cy="989640"/>
+            <a:ext cx="8999280" cy="989280"/>
           </a:xfrm>
           <a:prstGeom prst="rect">
             <a:avLst/>
@@ -6716,7 +8073,7 @@
       </p:sp>
       <p:sp>
         <p:nvSpPr>
-          <p:cNvPr id="32" name="PlaceHolder 2"/>
+          <p:cNvPr id="21" name="PlaceHolder 2"/>
           <p:cNvSpPr>
             <a:spLocks noGrp="1"/>
           </p:cNvSpPr>
@@ -6746,7 +8103,7 @@
       </p:sp>
       <p:sp>
         <p:nvSpPr>
-          <p:cNvPr id="33" name="PlaceHolder 3"/>
+          <p:cNvPr id="22" name="PlaceHolder 3"/>
           <p:cNvSpPr>
             <a:spLocks noGrp="1"/>
           </p:cNvSpPr>
@@ -6776,7 +8133,7 @@
       </p:sp>
       <p:sp>
         <p:nvSpPr>
-          <p:cNvPr id="34" name="PlaceHolder 4"/>
+          <p:cNvPr id="23" name="PlaceHolder 4"/>
           <p:cNvSpPr>
             <a:spLocks noGrp="1"/>
           </p:cNvSpPr>
@@ -6787,7 +8144,7 @@
         <p:spPr>
           <a:xfrm>
             <a:off x="540000" y="3320280"/>
-            <a:ext cx="8999640" cy="1716840"/>
+            <a:ext cx="8999280" cy="1716840"/>
           </a:xfrm>
           <a:prstGeom prst="rect">
             <a:avLst/>
@@ -6835,24 +8192,41 @@
         <p:spPr>
           <a:xfrm>
             <a:off x="0" y="0"/>
-            <a:ext cx="10079640" cy="5669640"/>
-          </a:xfrm>
-          <a:prstGeom prst="rect">
-            <a:avLst/>
-          </a:prstGeom>
-          <a:gradFill rotWithShape="0">
-            <a:gsLst>
-              <a:gs pos="30000">
-                <a:srgbClr val="000032"/>
-              </a:gs>
-              <a:gs pos="100000">
-                <a:srgbClr val="f60063"/>
-              </a:gs>
-            </a:gsLst>
-            <a:lin ang="4200000"/>
-          </a:gradFill>
+            <a:ext cx="10080720" cy="4252320"/>
+          </a:xfrm>
+          <a:custGeom>
+            <a:avLst/>
+            <a:gdLst/>
+            <a:ahLst/>
+            <a:rect l="l" t="t" r="r" b="b"/>
+            <a:pathLst>
+              <a:path w="28003" h="11813">
+                <a:moveTo>
+                  <a:pt x="0" y="11812"/>
+                </a:moveTo>
+                <a:lnTo>
+                  <a:pt x="0" y="0"/>
+                </a:lnTo>
+                <a:lnTo>
+                  <a:pt x="28002" y="0"/>
+                </a:lnTo>
+                <a:lnTo>
+                  <a:pt x="28002" y="7812"/>
+                </a:lnTo>
+                <a:lnTo>
+                  <a:pt x="0" y="11812"/>
+                </a:lnTo>
+                <a:close/>
+              </a:path>
+            </a:pathLst>
+          </a:custGeom>
+          <a:solidFill>
+            <a:srgbClr val="729fcf"/>
+          </a:solidFill>
           <a:ln w="0">
-            <a:noFill/>
+            <a:solidFill>
+              <a:srgbClr val="3465a4"/>
+            </a:solidFill>
           </a:ln>
         </p:spPr>
         <p:style>
@@ -6864,337 +8238,7 @@
       </p:sp>
       <p:sp>
         <p:nvSpPr>
-          <p:cNvPr id="1" name="CustomShape 2"/>
-          <p:cNvSpPr/>
-          <p:nvPr/>
-        </p:nvSpPr>
-        <p:spPr>
-          <a:xfrm>
-            <a:off x="1440000" y="1080000"/>
-            <a:ext cx="1439640" cy="1259640"/>
-          </a:xfrm>
-          <a:prstGeom prst="ellipse">
-            <a:avLst/>
-          </a:prstGeom>
-          <a:solidFill>
-            <a:srgbClr val="ffffff">
-              <a:alpha val="30000"/>
-            </a:srgbClr>
-          </a:solidFill>
-          <a:ln w="0">
-            <a:noFill/>
-          </a:ln>
-        </p:spPr>
-        <p:style>
-          <a:lnRef idx="0"/>
-          <a:fillRef idx="0"/>
-          <a:effectRef idx="0"/>
-          <a:fontRef idx="minor"/>
-        </p:style>
-      </p:sp>
-      <p:sp>
-        <p:nvSpPr>
-          <p:cNvPr id="2" name="CustomShape 3"/>
-          <p:cNvSpPr/>
-          <p:nvPr/>
-        </p:nvSpPr>
-        <p:spPr>
-          <a:xfrm>
-            <a:off x="7380000" y="3960000"/>
-            <a:ext cx="1439640" cy="1259640"/>
-          </a:xfrm>
-          <a:prstGeom prst="ellipse">
-            <a:avLst/>
-          </a:prstGeom>
-          <a:solidFill>
-            <a:srgbClr val="ffffff">
-              <a:alpha val="30000"/>
-            </a:srgbClr>
-          </a:solidFill>
-          <a:ln w="0">
-            <a:noFill/>
-          </a:ln>
-        </p:spPr>
-        <p:style>
-          <a:lnRef idx="0"/>
-          <a:fillRef idx="0"/>
-          <a:effectRef idx="0"/>
-          <a:fontRef idx="minor"/>
-        </p:style>
-      </p:sp>
-      <p:sp>
-        <p:nvSpPr>
-          <p:cNvPr id="3" name="CustomShape 4"/>
-          <p:cNvSpPr/>
-          <p:nvPr/>
-        </p:nvSpPr>
-        <p:spPr>
-          <a:xfrm>
-            <a:off x="9000000" y="2700000"/>
-            <a:ext cx="1259640" cy="1079640"/>
-          </a:xfrm>
-          <a:prstGeom prst="ellipse">
-            <a:avLst/>
-          </a:prstGeom>
-          <a:solidFill>
-            <a:srgbClr val="ffffff">
-              <a:alpha val="20000"/>
-            </a:srgbClr>
-          </a:solidFill>
-          <a:ln w="0">
-            <a:noFill/>
-          </a:ln>
-        </p:spPr>
-        <p:style>
-          <a:lnRef idx="0"/>
-          <a:fillRef idx="0"/>
-          <a:effectRef idx="0"/>
-          <a:fontRef idx="minor"/>
-        </p:style>
-      </p:sp>
-      <p:sp>
-        <p:nvSpPr>
-          <p:cNvPr id="4" name="CustomShape 5"/>
-          <p:cNvSpPr/>
-          <p:nvPr/>
-        </p:nvSpPr>
-        <p:spPr>
-          <a:xfrm>
-            <a:off x="-180000" y="2430000"/>
-            <a:ext cx="1439640" cy="1349640"/>
-          </a:xfrm>
-          <a:prstGeom prst="ellipse">
-            <a:avLst/>
-          </a:prstGeom>
-          <a:solidFill>
-            <a:srgbClr val="ffffff">
-              <a:alpha val="20000"/>
-            </a:srgbClr>
-          </a:solidFill>
-          <a:ln w="0">
-            <a:noFill/>
-          </a:ln>
-        </p:spPr>
-        <p:style>
-          <a:lnRef idx="0"/>
-          <a:fillRef idx="0"/>
-          <a:effectRef idx="0"/>
-          <a:fontRef idx="minor"/>
-        </p:style>
-      </p:sp>
-      <p:sp>
-        <p:nvSpPr>
-          <p:cNvPr id="5" name="CustomShape 6"/>
-          <p:cNvSpPr/>
-          <p:nvPr/>
-        </p:nvSpPr>
-        <p:spPr>
-          <a:xfrm>
-            <a:off x="540000" y="1080000"/>
-            <a:ext cx="719640" cy="719640"/>
-          </a:xfrm>
-          <a:prstGeom prst="ellipse">
-            <a:avLst/>
-          </a:prstGeom>
-          <a:solidFill>
-            <a:srgbClr val="ffffff">
-              <a:alpha val="20000"/>
-            </a:srgbClr>
-          </a:solidFill>
-          <a:ln w="0">
-            <a:noFill/>
-          </a:ln>
-        </p:spPr>
-        <p:style>
-          <a:lnRef idx="0"/>
-          <a:fillRef idx="0"/>
-          <a:effectRef idx="0"/>
-          <a:fontRef idx="minor"/>
-        </p:style>
-      </p:sp>
-      <p:sp>
-        <p:nvSpPr>
-          <p:cNvPr id="6" name="CustomShape 7"/>
-          <p:cNvSpPr/>
-          <p:nvPr/>
-        </p:nvSpPr>
-        <p:spPr>
-          <a:xfrm>
-            <a:off x="0" y="1260000"/>
-            <a:ext cx="719640" cy="719640"/>
-          </a:xfrm>
-          <a:prstGeom prst="ellipse">
-            <a:avLst/>
-          </a:prstGeom>
-          <a:solidFill>
-            <a:srgbClr val="ffffff">
-              <a:alpha val="10000"/>
-            </a:srgbClr>
-          </a:solidFill>
-          <a:ln w="0">
-            <a:noFill/>
-          </a:ln>
-        </p:spPr>
-        <p:style>
-          <a:lnRef idx="0"/>
-          <a:fillRef idx="0"/>
-          <a:effectRef idx="0"/>
-          <a:fontRef idx="minor"/>
-        </p:style>
-      </p:sp>
-      <p:sp>
-        <p:nvSpPr>
-          <p:cNvPr id="7" name="CustomShape 8"/>
-          <p:cNvSpPr/>
-          <p:nvPr/>
-        </p:nvSpPr>
-        <p:spPr>
-          <a:xfrm>
-            <a:off x="0" y="5220000"/>
-            <a:ext cx="1619640" cy="1259640"/>
-          </a:xfrm>
-          <a:prstGeom prst="ellipse">
-            <a:avLst/>
-          </a:prstGeom>
-          <a:solidFill>
-            <a:srgbClr val="ffffff">
-              <a:alpha val="15000"/>
-            </a:srgbClr>
-          </a:solidFill>
-          <a:ln w="0">
-            <a:noFill/>
-          </a:ln>
-        </p:spPr>
-        <p:style>
-          <a:lnRef idx="0"/>
-          <a:fillRef idx="0"/>
-          <a:effectRef idx="0"/>
-          <a:fontRef idx="minor"/>
-        </p:style>
-      </p:sp>
-      <p:sp>
-        <p:nvSpPr>
-          <p:cNvPr id="8" name="CustomShape 9"/>
-          <p:cNvSpPr/>
-          <p:nvPr/>
-        </p:nvSpPr>
-        <p:spPr>
-          <a:xfrm>
-            <a:off x="9720000" y="4680000"/>
-            <a:ext cx="719640" cy="719640"/>
-          </a:xfrm>
-          <a:prstGeom prst="ellipse">
-            <a:avLst/>
-          </a:prstGeom>
-          <a:solidFill>
-            <a:srgbClr val="ffffff">
-              <a:alpha val="30000"/>
-            </a:srgbClr>
-          </a:solidFill>
-          <a:ln w="0">
-            <a:noFill/>
-          </a:ln>
-        </p:spPr>
-        <p:style>
-          <a:lnRef idx="0"/>
-          <a:fillRef idx="0"/>
-          <a:effectRef idx="0"/>
-          <a:fontRef idx="minor"/>
-        </p:style>
-      </p:sp>
-      <p:sp>
-        <p:nvSpPr>
-          <p:cNvPr id="9" name="CustomShape 10"/>
-          <p:cNvSpPr/>
-          <p:nvPr/>
-        </p:nvSpPr>
-        <p:spPr>
-          <a:xfrm>
-            <a:off x="9540000" y="3420000"/>
-            <a:ext cx="719640" cy="719640"/>
-          </a:xfrm>
-          <a:prstGeom prst="ellipse">
-            <a:avLst/>
-          </a:prstGeom>
-          <a:solidFill>
-            <a:srgbClr val="ffffff">
-              <a:alpha val="10000"/>
-            </a:srgbClr>
-          </a:solidFill>
-          <a:ln w="0">
-            <a:noFill/>
-          </a:ln>
-        </p:spPr>
-        <p:style>
-          <a:lnRef idx="0"/>
-          <a:fillRef idx="0"/>
-          <a:effectRef idx="0"/>
-          <a:fontRef idx="minor"/>
-        </p:style>
-      </p:sp>
-      <p:sp>
-        <p:nvSpPr>
-          <p:cNvPr id="10" name="CustomShape 11"/>
-          <p:cNvSpPr/>
-          <p:nvPr/>
-        </p:nvSpPr>
-        <p:spPr>
-          <a:xfrm>
-            <a:off x="8100000" y="4680000"/>
-            <a:ext cx="1079640" cy="842040"/>
-          </a:xfrm>
-          <a:prstGeom prst="ellipse">
-            <a:avLst/>
-          </a:prstGeom>
-          <a:solidFill>
-            <a:srgbClr val="ffffff">
-              <a:alpha val="20000"/>
-            </a:srgbClr>
-          </a:solidFill>
-          <a:ln w="0">
-            <a:noFill/>
-          </a:ln>
-        </p:spPr>
-        <p:style>
-          <a:lnRef idx="0"/>
-          <a:fillRef idx="0"/>
-          <a:effectRef idx="0"/>
-          <a:fontRef idx="minor"/>
-        </p:style>
-      </p:sp>
-      <p:sp>
-        <p:nvSpPr>
-          <p:cNvPr id="11" name="CustomShape 12"/>
-          <p:cNvSpPr/>
-          <p:nvPr/>
-        </p:nvSpPr>
-        <p:spPr>
-          <a:xfrm>
-            <a:off x="7920000" y="5400000"/>
-            <a:ext cx="899640" cy="899640"/>
-          </a:xfrm>
-          <a:prstGeom prst="ellipse">
-            <a:avLst/>
-          </a:prstGeom>
-          <a:solidFill>
-            <a:srgbClr val="ffffff">
-              <a:alpha val="25000"/>
-            </a:srgbClr>
-          </a:solidFill>
-          <a:ln w="0">
-            <a:noFill/>
-          </a:ln>
-        </p:spPr>
-        <p:style>
-          <a:lnRef idx="0"/>
-          <a:fillRef idx="0"/>
-          <a:effectRef idx="0"/>
-          <a:fontRef idx="minor"/>
-        </p:style>
-      </p:sp>
-      <p:sp>
-        <p:nvSpPr>
-          <p:cNvPr id="12" name="PlaceHolder 13"/>
+          <p:cNvPr id="1" name="PlaceHolder 2"/>
           <p:cNvSpPr>
             <a:spLocks noGrp="1"/>
           </p:cNvSpPr>
@@ -7205,7 +8249,7 @@
         <p:spPr>
           <a:xfrm>
             <a:off x="540000" y="270000"/>
-            <a:ext cx="8999640" cy="989640"/>
+            <a:ext cx="8999280" cy="989280"/>
           </a:xfrm>
           <a:prstGeom prst="rect">
             <a:avLst/>
@@ -7231,7 +8275,7 @@
       </p:sp>
       <p:sp>
         <p:nvSpPr>
-          <p:cNvPr id="13" name="PlaceHolder 14"/>
+          <p:cNvPr id="2" name="PlaceHolder 3"/>
           <p:cNvSpPr>
             <a:spLocks noGrp="1"/>
           </p:cNvSpPr>
@@ -7241,19 +8285,19 @@
         </p:nvSpPr>
         <p:spPr>
           <a:xfrm>
-            <a:off x="504000" y="1326600"/>
-            <a:ext cx="9072000" cy="3288600"/>
-          </a:xfrm>
-          <a:prstGeom prst="rect">
-            <a:avLst/>
-          </a:prstGeom>
-        </p:spPr>
-        <p:txBody>
-          <a:bodyPr lIns="0" rIns="0" tIns="0" bIns="0">
-            <a:normAutofit/>
-          </a:bodyPr>
-          <a:p>
-            <a:pPr marL="432000" indent="-324000">
+            <a:off x="540000" y="1440000"/>
+            <a:ext cx="8999280" cy="3599280"/>
+          </a:xfrm>
+          <a:prstGeom prst="rect">
+            <a:avLst/>
+          </a:prstGeom>
+        </p:spPr>
+        <p:txBody>
+          <a:bodyPr lIns="0" rIns="0" tIns="0" bIns="0">
+            <a:normAutofit/>
+          </a:bodyPr>
+          <a:p>
+            <a:pPr marL="432000" indent="-324000" algn="ctr">
               <a:spcBef>
                 <a:spcPts val="1417"/>
               </a:spcBef>
@@ -7265,17 +8309,17 @@
               <a:buChar char=""/>
             </a:pPr>
             <a:r>
-              <a:rPr b="0" lang="en-US" sz="3200" spc="-1" strike="noStrike">
+              <a:rPr b="0" lang="en-US" sz="1800" spc="-1" strike="noStrike">
                 <a:latin typeface="Arial"/>
               </a:rPr>
               <a:t>Click to edit the outline text format</a:t>
             </a:r>
-            <a:endParaRPr b="0" lang="en-US" sz="3200" spc="-1" strike="noStrike">
-              <a:latin typeface="Arial"/>
-            </a:endParaRPr>
-          </a:p>
-          <a:p>
-            <a:pPr lvl="1" marL="864000" indent="-324000">
+            <a:endParaRPr b="0" lang="en-US" sz="1800" spc="-1" strike="noStrike">
+              <a:latin typeface="Arial"/>
+            </a:endParaRPr>
+          </a:p>
+          <a:p>
+            <a:pPr lvl="1" marL="864000" indent="-324000" algn="ctr">
               <a:spcBef>
                 <a:spcPts val="1134"/>
               </a:spcBef>
@@ -7287,17 +8331,17 @@
               <a:buChar char=""/>
             </a:pPr>
             <a:r>
-              <a:rPr b="0" lang="en-US" sz="2800" spc="-1" strike="noStrike">
+              <a:rPr b="0" lang="en-US" sz="1800" spc="-1" strike="noStrike">
                 <a:latin typeface="Arial"/>
               </a:rPr>
               <a:t>Second Outline Level</a:t>
             </a:r>
-            <a:endParaRPr b="0" lang="en-US" sz="2800" spc="-1" strike="noStrike">
-              <a:latin typeface="Arial"/>
-            </a:endParaRPr>
-          </a:p>
-          <a:p>
-            <a:pPr lvl="2" marL="1296000" indent="-288000">
+            <a:endParaRPr b="0" lang="en-US" sz="1800" spc="-1" strike="noStrike">
+              <a:latin typeface="Arial"/>
+            </a:endParaRPr>
+          </a:p>
+          <a:p>
+            <a:pPr lvl="2" marL="1296000" indent="-288000" algn="ctr">
               <a:spcBef>
                 <a:spcPts val="850"/>
               </a:spcBef>
@@ -7309,17 +8353,17 @@
               <a:buChar char=""/>
             </a:pPr>
             <a:r>
-              <a:rPr b="0" lang="en-US" sz="2400" spc="-1" strike="noStrike">
+              <a:rPr b="0" lang="en-US" sz="1800" spc="-1" strike="noStrike">
                 <a:latin typeface="Arial"/>
               </a:rPr>
               <a:t>Third Outline Level</a:t>
             </a:r>
-            <a:endParaRPr b="0" lang="en-US" sz="2400" spc="-1" strike="noStrike">
-              <a:latin typeface="Arial"/>
-            </a:endParaRPr>
-          </a:p>
-          <a:p>
-            <a:pPr lvl="3" marL="1728000" indent="-216000">
+            <a:endParaRPr b="0" lang="en-US" sz="1800" spc="-1" strike="noStrike">
+              <a:latin typeface="Arial"/>
+            </a:endParaRPr>
+          </a:p>
+          <a:p>
+            <a:pPr lvl="3" marL="1728000" indent="-216000" algn="ctr">
               <a:spcBef>
                 <a:spcPts val="567"/>
               </a:spcBef>
@@ -7331,17 +8375,17 @@
               <a:buChar char=""/>
             </a:pPr>
             <a:r>
-              <a:rPr b="0" lang="en-US" sz="2000" spc="-1" strike="noStrike">
+              <a:rPr b="0" lang="en-US" sz="1800" spc="-1" strike="noStrike">
                 <a:latin typeface="Arial"/>
               </a:rPr>
               <a:t>Fourth Outline Level</a:t>
             </a:r>
-            <a:endParaRPr b="0" lang="en-US" sz="2000" spc="-1" strike="noStrike">
-              <a:latin typeface="Arial"/>
-            </a:endParaRPr>
-          </a:p>
-          <a:p>
-            <a:pPr lvl="4" marL="2160000" indent="-216000">
+            <a:endParaRPr b="0" lang="en-US" sz="1800" spc="-1" strike="noStrike">
+              <a:latin typeface="Arial"/>
+            </a:endParaRPr>
+          </a:p>
+          <a:p>
+            <a:pPr lvl="4" marL="2160000" indent="-216000" algn="ctr">
               <a:spcBef>
                 <a:spcPts val="283"/>
               </a:spcBef>
@@ -7353,17 +8397,17 @@
               <a:buChar char=""/>
             </a:pPr>
             <a:r>
-              <a:rPr b="0" lang="en-US" sz="2000" spc="-1" strike="noStrike">
+              <a:rPr b="0" lang="en-US" sz="1800" spc="-1" strike="noStrike">
                 <a:latin typeface="Arial"/>
               </a:rPr>
               <a:t>Fifth Outline Level</a:t>
             </a:r>
-            <a:endParaRPr b="0" lang="en-US" sz="2000" spc="-1" strike="noStrike">
-              <a:latin typeface="Arial"/>
-            </a:endParaRPr>
-          </a:p>
-          <a:p>
-            <a:pPr lvl="5" marL="2592000" indent="-216000">
+            <a:endParaRPr b="0" lang="en-US" sz="1800" spc="-1" strike="noStrike">
+              <a:latin typeface="Arial"/>
+            </a:endParaRPr>
+          </a:p>
+          <a:p>
+            <a:pPr lvl="5" marL="2592000" indent="-216000" algn="ctr">
               <a:spcBef>
                 <a:spcPts val="283"/>
               </a:spcBef>
@@ -7375,17 +8419,17 @@
               <a:buChar char=""/>
             </a:pPr>
             <a:r>
-              <a:rPr b="0" lang="en-US" sz="2000" spc="-1" strike="noStrike">
+              <a:rPr b="0" lang="en-US" sz="1800" spc="-1" strike="noStrike">
                 <a:latin typeface="Arial"/>
               </a:rPr>
               <a:t>Sixth Outline Level</a:t>
             </a:r>
-            <a:endParaRPr b="0" lang="en-US" sz="2000" spc="-1" strike="noStrike">
-              <a:latin typeface="Arial"/>
-            </a:endParaRPr>
-          </a:p>
-          <a:p>
-            <a:pPr lvl="6" marL="3024000" indent="-216000">
+            <a:endParaRPr b="0" lang="en-US" sz="1800" spc="-1" strike="noStrike">
+              <a:latin typeface="Arial"/>
+            </a:endParaRPr>
+          </a:p>
+          <a:p>
+            <a:pPr lvl="6" marL="3024000" indent="-216000" algn="ctr">
               <a:spcBef>
                 <a:spcPts val="283"/>
               </a:spcBef>
@@ -7397,12 +8441,12 @@
               <a:buChar char=""/>
             </a:pPr>
             <a:r>
-              <a:rPr b="0" lang="en-US" sz="2000" spc="-1" strike="noStrike">
+              <a:rPr b="0" lang="en-US" sz="1800" spc="-1" strike="noStrike">
                 <a:latin typeface="Arial"/>
               </a:rPr>
               <a:t>Seventh Outline Level</a:t>
             </a:r>
-            <a:endParaRPr b="0" lang="en-US" sz="2000" spc="-1" strike="noStrike">
+            <a:endParaRPr b="0" lang="en-US" sz="1800" spc="-1" strike="noStrike">
               <a:latin typeface="Arial"/>
             </a:endParaRPr>
           </a:p>
@@ -7447,54 +8491,503 @@
       </p:grpSpPr>
       <p:sp>
         <p:nvSpPr>
-          <p:cNvPr id="50" name="Freeform 1"/>
+          <p:cNvPr id="39" name="CustomShape 1"/>
           <p:cNvSpPr/>
           <p:nvPr/>
         </p:nvSpPr>
         <p:spPr>
           <a:xfrm>
-            <a:off x="0" y="0"/>
-            <a:ext cx="10081080" cy="4252680"/>
-          </a:xfrm>
-          <a:custGeom>
-            <a:avLst/>
-            <a:gdLst/>
-            <a:ahLst/>
-            <a:rect l="0" t="0" r="r" b="b"/>
-            <a:pathLst>
-              <a:path w="28003" h="11813">
-                <a:moveTo>
-                  <a:pt x="0" y="11812"/>
-                </a:moveTo>
-                <a:lnTo>
-                  <a:pt x="0" y="0"/>
-                </a:lnTo>
-                <a:lnTo>
-                  <a:pt x="28002" y="0"/>
-                </a:lnTo>
-                <a:lnTo>
-                  <a:pt x="28002" y="7812"/>
-                </a:lnTo>
-                <a:lnTo>
-                  <a:pt x="0" y="11812"/>
-                </a:lnTo>
-                <a:close/>
-              </a:path>
-            </a:pathLst>
-          </a:custGeom>
+            <a:off x="360" y="360"/>
+            <a:ext cx="10079280" cy="5669280"/>
+          </a:xfrm>
+          <a:prstGeom prst="rect">
+            <a:avLst/>
+          </a:prstGeom>
+          <a:gradFill rotWithShape="0">
+            <a:gsLst>
+              <a:gs pos="30000">
+                <a:srgbClr val="000032"/>
+              </a:gs>
+              <a:gs pos="100000">
+                <a:srgbClr val="f60063"/>
+              </a:gs>
+            </a:gsLst>
+            <a:lin ang="4200000"/>
+          </a:gradFill>
+          <a:ln w="0">
+            <a:noFill/>
+          </a:ln>
+        </p:spPr>
+        <p:style>
+          <a:lnRef idx="0"/>
+          <a:fillRef idx="0"/>
+          <a:effectRef idx="0"/>
+          <a:fontRef idx="minor"/>
+        </p:style>
+      </p:sp>
+      <p:sp>
+        <p:nvSpPr>
+          <p:cNvPr id="40" name="CustomShape 2"/>
+          <p:cNvSpPr/>
+          <p:nvPr/>
+        </p:nvSpPr>
+        <p:spPr>
+          <a:xfrm flipH="1">
+            <a:off x="-3600" y="0"/>
+            <a:ext cx="10079640" cy="5669640"/>
+          </a:xfrm>
+          <a:prstGeom prst="rect">
+            <a:avLst/>
+          </a:prstGeom>
           <a:solidFill>
-            <a:srgbClr val="729fcf"/>
+            <a:srgbClr val="ffffff"/>
           </a:solidFill>
           <a:ln w="0">
-            <a:solidFill>
-              <a:srgbClr val="3465a4"/>
-            </a:solidFill>
+            <a:noFill/>
           </a:ln>
         </p:spPr>
-      </p:sp>
-      <p:sp>
-        <p:nvSpPr>
-          <p:cNvPr id="51" name="PlaceHolder 2"/>
+        <p:style>
+          <a:lnRef idx="0"/>
+          <a:fillRef idx="0"/>
+          <a:effectRef idx="0"/>
+          <a:fontRef idx="minor"/>
+        </p:style>
+      </p:sp>
+      <p:sp>
+        <p:nvSpPr>
+          <p:cNvPr id="41" name="CustomShape 3"/>
+          <p:cNvSpPr/>
+          <p:nvPr/>
+        </p:nvSpPr>
+        <p:spPr>
+          <a:xfrm>
+            <a:off x="180360" y="5130360"/>
+            <a:ext cx="2339280" cy="391680"/>
+          </a:xfrm>
+          <a:prstGeom prst="rect">
+            <a:avLst/>
+          </a:prstGeom>
+          <a:noFill/>
+          <a:ln w="0">
+            <a:noFill/>
+          </a:ln>
+        </p:spPr>
+        <p:style>
+          <a:lnRef idx="0"/>
+          <a:fillRef idx="0"/>
+          <a:effectRef idx="0"/>
+          <a:fontRef idx="minor"/>
+        </p:style>
+        <p:txBody>
+          <a:bodyPr lIns="0" rIns="0" tIns="0" bIns="0" anchor="b">
+            <a:noAutofit/>
+          </a:bodyPr>
+          <a:p>
+            <a:pPr>
+              <a:lnSpc>
+                <a:spcPct val="100000"/>
+              </a:lnSpc>
+            </a:pPr>
+            <a:r>
+              <a:rPr b="0" lang="en-US" sz="1400" spc="-1" strike="noStrike">
+                <a:solidFill>
+                  <a:srgbClr val="ffffff"/>
+                </a:solidFill>
+                <a:latin typeface="Arial"/>
+                <a:ea typeface="DejaVu Sans"/>
+              </a:rPr>
+              <a:t>&lt;date/time&gt;</a:t>
+            </a:r>
+            <a:endParaRPr b="0" lang="en-US" sz="1400" spc="-1" strike="noStrike">
+              <a:latin typeface="Arial"/>
+            </a:endParaRPr>
+          </a:p>
+        </p:txBody>
+      </p:sp>
+      <p:sp>
+        <p:nvSpPr>
+          <p:cNvPr id="42" name="CustomShape 4"/>
+          <p:cNvSpPr/>
+          <p:nvPr/>
+        </p:nvSpPr>
+        <p:spPr>
+          <a:xfrm>
+            <a:off x="7560360" y="5130360"/>
+            <a:ext cx="2339280" cy="391680"/>
+          </a:xfrm>
+          <a:prstGeom prst="rect">
+            <a:avLst/>
+          </a:prstGeom>
+          <a:noFill/>
+          <a:ln w="0">
+            <a:noFill/>
+          </a:ln>
+        </p:spPr>
+        <p:style>
+          <a:lnRef idx="0"/>
+          <a:fillRef idx="0"/>
+          <a:effectRef idx="0"/>
+          <a:fontRef idx="minor"/>
+        </p:style>
+        <p:txBody>
+          <a:bodyPr lIns="0" rIns="0" tIns="0" bIns="0" anchor="b">
+            <a:noAutofit/>
+          </a:bodyPr>
+          <a:p>
+            <a:pPr algn="r">
+              <a:lnSpc>
+                <a:spcPct val="100000"/>
+              </a:lnSpc>
+            </a:pPr>
+            <a:fld id="{00D52199-5441-45C4-B494-3B539DE2152A}" type="slidenum">
+              <a:rPr b="0" lang="en-US" sz="1400" spc="-1" strike="noStrike">
+                <a:solidFill>
+                  <a:srgbClr val="ffffff"/>
+                </a:solidFill>
+                <a:latin typeface="Arial"/>
+                <a:ea typeface="DejaVu Sans"/>
+              </a:rPr>
+              <a:t>&lt;number&gt;</a:t>
+            </a:fld>
+            <a:endParaRPr b="0" lang="en-US" sz="1400" spc="-1" strike="noStrike">
+              <a:latin typeface="Arial"/>
+            </a:endParaRPr>
+          </a:p>
+        </p:txBody>
+      </p:sp>
+      <p:sp>
+        <p:nvSpPr>
+          <p:cNvPr id="43" name="CustomShape 5"/>
+          <p:cNvSpPr/>
+          <p:nvPr/>
+        </p:nvSpPr>
+        <p:spPr>
+          <a:xfrm>
+            <a:off x="1440360" y="1080360"/>
+            <a:ext cx="1439280" cy="1259280"/>
+          </a:xfrm>
+          <a:prstGeom prst="ellipse">
+            <a:avLst/>
+          </a:prstGeom>
+          <a:solidFill>
+            <a:srgbClr val="ffffff">
+              <a:alpha val="30000"/>
+            </a:srgbClr>
+          </a:solidFill>
+          <a:ln w="0">
+            <a:noFill/>
+          </a:ln>
+        </p:spPr>
+        <p:style>
+          <a:lnRef idx="0"/>
+          <a:fillRef idx="0"/>
+          <a:effectRef idx="0"/>
+          <a:fontRef idx="minor"/>
+        </p:style>
+      </p:sp>
+      <p:sp>
+        <p:nvSpPr>
+          <p:cNvPr id="44" name="CustomShape 6"/>
+          <p:cNvSpPr/>
+          <p:nvPr/>
+        </p:nvSpPr>
+        <p:spPr>
+          <a:xfrm>
+            <a:off x="7380360" y="3960360"/>
+            <a:ext cx="1439280" cy="1259280"/>
+          </a:xfrm>
+          <a:prstGeom prst="ellipse">
+            <a:avLst/>
+          </a:prstGeom>
+          <a:solidFill>
+            <a:srgbClr val="ffffff">
+              <a:alpha val="30000"/>
+            </a:srgbClr>
+          </a:solidFill>
+          <a:ln w="0">
+            <a:noFill/>
+          </a:ln>
+        </p:spPr>
+        <p:style>
+          <a:lnRef idx="0"/>
+          <a:fillRef idx="0"/>
+          <a:effectRef idx="0"/>
+          <a:fontRef idx="minor"/>
+        </p:style>
+      </p:sp>
+      <p:sp>
+        <p:nvSpPr>
+          <p:cNvPr id="45" name="CustomShape 7"/>
+          <p:cNvSpPr/>
+          <p:nvPr/>
+        </p:nvSpPr>
+        <p:spPr>
+          <a:xfrm>
+            <a:off x="9000360" y="2700360"/>
+            <a:ext cx="1259280" cy="1079280"/>
+          </a:xfrm>
+          <a:prstGeom prst="ellipse">
+            <a:avLst/>
+          </a:prstGeom>
+          <a:solidFill>
+            <a:srgbClr val="ffffff">
+              <a:alpha val="20000"/>
+            </a:srgbClr>
+          </a:solidFill>
+          <a:ln w="0">
+            <a:noFill/>
+          </a:ln>
+        </p:spPr>
+        <p:style>
+          <a:lnRef idx="0"/>
+          <a:fillRef idx="0"/>
+          <a:effectRef idx="0"/>
+          <a:fontRef idx="minor"/>
+        </p:style>
+      </p:sp>
+      <p:sp>
+        <p:nvSpPr>
+          <p:cNvPr id="46" name="CustomShape 8"/>
+          <p:cNvSpPr/>
+          <p:nvPr/>
+        </p:nvSpPr>
+        <p:spPr>
+          <a:xfrm>
+            <a:off x="-179640" y="2430360"/>
+            <a:ext cx="1439280" cy="1349280"/>
+          </a:xfrm>
+          <a:prstGeom prst="ellipse">
+            <a:avLst/>
+          </a:prstGeom>
+          <a:solidFill>
+            <a:srgbClr val="ffffff">
+              <a:alpha val="20000"/>
+            </a:srgbClr>
+          </a:solidFill>
+          <a:ln w="0">
+            <a:noFill/>
+          </a:ln>
+        </p:spPr>
+        <p:style>
+          <a:lnRef idx="0"/>
+          <a:fillRef idx="0"/>
+          <a:effectRef idx="0"/>
+          <a:fontRef idx="minor"/>
+        </p:style>
+      </p:sp>
+      <p:sp>
+        <p:nvSpPr>
+          <p:cNvPr id="47" name="CustomShape 9"/>
+          <p:cNvSpPr/>
+          <p:nvPr/>
+        </p:nvSpPr>
+        <p:spPr>
+          <a:xfrm>
+            <a:off x="540360" y="1080360"/>
+            <a:ext cx="719280" cy="719280"/>
+          </a:xfrm>
+          <a:prstGeom prst="ellipse">
+            <a:avLst/>
+          </a:prstGeom>
+          <a:solidFill>
+            <a:srgbClr val="ffffff">
+              <a:alpha val="20000"/>
+            </a:srgbClr>
+          </a:solidFill>
+          <a:ln w="0">
+            <a:noFill/>
+          </a:ln>
+        </p:spPr>
+        <p:style>
+          <a:lnRef idx="0"/>
+          <a:fillRef idx="0"/>
+          <a:effectRef idx="0"/>
+          <a:fontRef idx="minor"/>
+        </p:style>
+      </p:sp>
+      <p:sp>
+        <p:nvSpPr>
+          <p:cNvPr id="48" name="CustomShape 10"/>
+          <p:cNvSpPr/>
+          <p:nvPr/>
+        </p:nvSpPr>
+        <p:spPr>
+          <a:xfrm>
+            <a:off x="360" y="1260360"/>
+            <a:ext cx="719280" cy="719280"/>
+          </a:xfrm>
+          <a:prstGeom prst="ellipse">
+            <a:avLst/>
+          </a:prstGeom>
+          <a:solidFill>
+            <a:srgbClr val="ffffff">
+              <a:alpha val="10000"/>
+            </a:srgbClr>
+          </a:solidFill>
+          <a:ln w="0">
+            <a:noFill/>
+          </a:ln>
+        </p:spPr>
+        <p:style>
+          <a:lnRef idx="0"/>
+          <a:fillRef idx="0"/>
+          <a:effectRef idx="0"/>
+          <a:fontRef idx="minor"/>
+        </p:style>
+      </p:sp>
+      <p:sp>
+        <p:nvSpPr>
+          <p:cNvPr id="49" name="CustomShape 11"/>
+          <p:cNvSpPr/>
+          <p:nvPr/>
+        </p:nvSpPr>
+        <p:spPr>
+          <a:xfrm>
+            <a:off x="360" y="5220360"/>
+            <a:ext cx="1619280" cy="1259280"/>
+          </a:xfrm>
+          <a:prstGeom prst="ellipse">
+            <a:avLst/>
+          </a:prstGeom>
+          <a:solidFill>
+            <a:srgbClr val="ffffff">
+              <a:alpha val="15000"/>
+            </a:srgbClr>
+          </a:solidFill>
+          <a:ln w="0">
+            <a:noFill/>
+          </a:ln>
+        </p:spPr>
+        <p:style>
+          <a:lnRef idx="0"/>
+          <a:fillRef idx="0"/>
+          <a:effectRef idx="0"/>
+          <a:fontRef idx="minor"/>
+        </p:style>
+      </p:sp>
+      <p:sp>
+        <p:nvSpPr>
+          <p:cNvPr id="50" name="CustomShape 12"/>
+          <p:cNvSpPr/>
+          <p:nvPr/>
+        </p:nvSpPr>
+        <p:spPr>
+          <a:xfrm>
+            <a:off x="9720360" y="4680360"/>
+            <a:ext cx="719280" cy="719280"/>
+          </a:xfrm>
+          <a:prstGeom prst="ellipse">
+            <a:avLst/>
+          </a:prstGeom>
+          <a:solidFill>
+            <a:srgbClr val="ffffff">
+              <a:alpha val="30000"/>
+            </a:srgbClr>
+          </a:solidFill>
+          <a:ln w="0">
+            <a:noFill/>
+          </a:ln>
+        </p:spPr>
+        <p:style>
+          <a:lnRef idx="0"/>
+          <a:fillRef idx="0"/>
+          <a:effectRef idx="0"/>
+          <a:fontRef idx="minor"/>
+        </p:style>
+      </p:sp>
+      <p:sp>
+        <p:nvSpPr>
+          <p:cNvPr id="51" name="CustomShape 13"/>
+          <p:cNvSpPr/>
+          <p:nvPr/>
+        </p:nvSpPr>
+        <p:spPr>
+          <a:xfrm>
+            <a:off x="9540360" y="3420360"/>
+            <a:ext cx="719280" cy="719280"/>
+          </a:xfrm>
+          <a:prstGeom prst="ellipse">
+            <a:avLst/>
+          </a:prstGeom>
+          <a:solidFill>
+            <a:srgbClr val="ffffff">
+              <a:alpha val="10000"/>
+            </a:srgbClr>
+          </a:solidFill>
+          <a:ln w="0">
+            <a:noFill/>
+          </a:ln>
+        </p:spPr>
+        <p:style>
+          <a:lnRef idx="0"/>
+          <a:fillRef idx="0"/>
+          <a:effectRef idx="0"/>
+          <a:fontRef idx="minor"/>
+        </p:style>
+      </p:sp>
+      <p:sp>
+        <p:nvSpPr>
+          <p:cNvPr id="52" name="CustomShape 14"/>
+          <p:cNvSpPr/>
+          <p:nvPr/>
+        </p:nvSpPr>
+        <p:spPr>
+          <a:xfrm>
+            <a:off x="8100360" y="4680360"/>
+            <a:ext cx="1079280" cy="841680"/>
+          </a:xfrm>
+          <a:prstGeom prst="ellipse">
+            <a:avLst/>
+          </a:prstGeom>
+          <a:solidFill>
+            <a:srgbClr val="ffffff">
+              <a:alpha val="20000"/>
+            </a:srgbClr>
+          </a:solidFill>
+          <a:ln w="0">
+            <a:noFill/>
+          </a:ln>
+        </p:spPr>
+        <p:style>
+          <a:lnRef idx="0"/>
+          <a:fillRef idx="0"/>
+          <a:effectRef idx="0"/>
+          <a:fontRef idx="minor"/>
+        </p:style>
+      </p:sp>
+      <p:sp>
+        <p:nvSpPr>
+          <p:cNvPr id="53" name="CustomShape 15"/>
+          <p:cNvSpPr/>
+          <p:nvPr/>
+        </p:nvSpPr>
+        <p:spPr>
+          <a:xfrm>
+            <a:off x="7920360" y="5400360"/>
+            <a:ext cx="899280" cy="899280"/>
+          </a:xfrm>
+          <a:prstGeom prst="ellipse">
+            <a:avLst/>
+          </a:prstGeom>
+          <a:solidFill>
+            <a:srgbClr val="ffffff">
+              <a:alpha val="25000"/>
+            </a:srgbClr>
+          </a:solidFill>
+          <a:ln w="0">
+            <a:noFill/>
+          </a:ln>
+        </p:spPr>
+        <p:style>
+          <a:lnRef idx="0"/>
+          <a:fillRef idx="0"/>
+          <a:effectRef idx="0"/>
+          <a:fontRef idx="minor"/>
+        </p:style>
+      </p:sp>
+      <p:sp>
+        <p:nvSpPr>
+          <p:cNvPr id="54" name="PlaceHolder 16"/>
           <p:cNvSpPr>
             <a:spLocks noGrp="1"/>
           </p:cNvSpPr>
@@ -7503,9 +8996,9 @@
           </p:nvPr>
         </p:nvSpPr>
         <p:spPr>
-          <a:xfrm rot="21111000">
-            <a:off x="488160" y="2604600"/>
-            <a:ext cx="9002520" cy="954360"/>
+          <a:xfrm>
+            <a:off x="504000" y="226080"/>
+            <a:ext cx="9072000" cy="946440"/>
           </a:xfrm>
           <a:prstGeom prst="rect">
             <a:avLst/>
@@ -7518,20 +9011,20 @@
           <a:p>
             <a:pPr algn="ctr"/>
             <a:r>
-              <a:rPr b="1" lang="en-US" sz="5270" spc="-1" strike="noStrike">
+              <a:rPr b="0" lang="en-US" sz="4400" spc="-1" strike="noStrike">
                 <a:latin typeface="Arial"/>
               </a:rPr>
               <a:t>Click to edit the title text format</a:t>
             </a:r>
-            <a:endParaRPr b="1" lang="en-US" sz="5270" spc="-1" strike="noStrike">
-              <a:latin typeface="Arial"/>
-            </a:endParaRPr>
-          </a:p>
-        </p:txBody>
-      </p:sp>
-      <p:sp>
-        <p:nvSpPr>
-          <p:cNvPr id="52" name="PlaceHolder 3"/>
+            <a:endParaRPr b="0" lang="en-US" sz="4400" spc="-1" strike="noStrike">
+              <a:latin typeface="Arial"/>
+            </a:endParaRPr>
+          </a:p>
+        </p:txBody>
+      </p:sp>
+      <p:sp>
+        <p:nvSpPr>
+          <p:cNvPr id="55" name="PlaceHolder 17"/>
           <p:cNvSpPr>
             <a:spLocks noGrp="1"/>
           </p:cNvSpPr>
@@ -7540,23 +9033,23 @@
           </p:nvPr>
         </p:nvSpPr>
         <p:spPr>
-          <a:xfrm rot="21111000">
-            <a:off x="462960" y="3606120"/>
-            <a:ext cx="8802720" cy="3314880"/>
-          </a:xfrm>
-          <a:prstGeom prst="rect">
-            <a:avLst/>
-          </a:prstGeom>
-        </p:spPr>
-        <p:txBody>
-          <a:bodyPr lIns="0" rIns="0" tIns="0" bIns="0">
-            <a:noAutofit/>
-          </a:bodyPr>
-          <a:p>
-            <a:pPr marL="432000" indent="-324000" algn="ctr">
-              <a:spcAft>
-                <a:spcPts val="1182"/>
-              </a:spcAft>
+          <a:xfrm>
+            <a:off x="504000" y="1326600"/>
+            <a:ext cx="9072000" cy="3288600"/>
+          </a:xfrm>
+          <a:prstGeom prst="rect">
+            <a:avLst/>
+          </a:prstGeom>
+        </p:spPr>
+        <p:txBody>
+          <a:bodyPr lIns="0" rIns="0" tIns="0" bIns="0">
+            <a:normAutofit/>
+          </a:bodyPr>
+          <a:p>
+            <a:pPr marL="432000" indent="-324000">
+              <a:spcBef>
+                <a:spcPts val="1417"/>
+              </a:spcBef>
               <a:buClr>
                 <a:srgbClr val="000000"/>
               </a:buClr>
@@ -7565,20 +9058,20 @@
               <a:buChar char=""/>
             </a:pPr>
             <a:r>
-              <a:rPr b="0" lang="en-US" sz="2700" spc="-1" strike="noStrike">
+              <a:rPr b="0" lang="en-US" sz="3200" spc="-1" strike="noStrike">
                 <a:latin typeface="Arial"/>
               </a:rPr>
               <a:t>Click to edit the outline text format</a:t>
             </a:r>
-            <a:endParaRPr b="0" lang="en-US" sz="2700" spc="-1" strike="noStrike">
-              <a:latin typeface="Arial"/>
-            </a:endParaRPr>
-          </a:p>
-          <a:p>
-            <a:pPr lvl="1" marL="864000" indent="-324000" algn="ctr">
-              <a:spcAft>
-                <a:spcPts val="850"/>
-              </a:spcAft>
+            <a:endParaRPr b="0" lang="en-US" sz="3200" spc="-1" strike="noStrike">
+              <a:latin typeface="Arial"/>
+            </a:endParaRPr>
+          </a:p>
+          <a:p>
+            <a:pPr lvl="1" marL="864000" indent="-324000">
+              <a:spcBef>
+                <a:spcPts val="1134"/>
+              </a:spcBef>
               <a:buClr>
                 <a:srgbClr val="000000"/>
               </a:buClr>
@@ -7587,20 +9080,20 @@
               <a:buChar char=""/>
             </a:pPr>
             <a:r>
-              <a:rPr b="0" lang="en-US" sz="2100" spc="-1" strike="noStrike">
+              <a:rPr b="0" lang="en-US" sz="2800" spc="-1" strike="noStrike">
                 <a:latin typeface="Arial"/>
               </a:rPr>
               <a:t>Second Outline Level</a:t>
             </a:r>
-            <a:endParaRPr b="0" lang="en-US" sz="2100" spc="-1" strike="noStrike">
-              <a:latin typeface="Arial"/>
-            </a:endParaRPr>
-          </a:p>
-          <a:p>
-            <a:pPr lvl="2" marL="1296000" indent="-288000" algn="ctr">
-              <a:spcAft>
-                <a:spcPts val="638"/>
-              </a:spcAft>
+            <a:endParaRPr b="0" lang="en-US" sz="2800" spc="-1" strike="noStrike">
+              <a:latin typeface="Arial"/>
+            </a:endParaRPr>
+          </a:p>
+          <a:p>
+            <a:pPr lvl="2" marL="1296000" indent="-288000">
+              <a:spcBef>
+                <a:spcPts val="850"/>
+              </a:spcBef>
               <a:buClr>
                 <a:srgbClr val="000000"/>
               </a:buClr>
@@ -7609,20 +9102,20 @@
               <a:buChar char=""/>
             </a:pPr>
             <a:r>
-              <a:rPr b="0" lang="en-US" sz="1800" spc="-1" strike="noStrike">
+              <a:rPr b="0" lang="en-US" sz="2400" spc="-1" strike="noStrike">
                 <a:latin typeface="Arial"/>
               </a:rPr>
               <a:t>Third Outline Level</a:t>
             </a:r>
-            <a:endParaRPr b="0" lang="en-US" sz="1800" spc="-1" strike="noStrike">
-              <a:latin typeface="Arial"/>
-            </a:endParaRPr>
-          </a:p>
-          <a:p>
-            <a:pPr lvl="3" marL="1728000" indent="-216000" algn="ctr">
-              <a:spcAft>
-                <a:spcPts val="425"/>
-              </a:spcAft>
+            <a:endParaRPr b="0" lang="en-US" sz="2400" spc="-1" strike="noStrike">
+              <a:latin typeface="Arial"/>
+            </a:endParaRPr>
+          </a:p>
+          <a:p>
+            <a:pPr lvl="3" marL="1728000" indent="-216000">
+              <a:spcBef>
+                <a:spcPts val="567"/>
+              </a:spcBef>
               <a:buClr>
                 <a:srgbClr val="000000"/>
               </a:buClr>
@@ -7631,20 +9124,20 @@
               <a:buChar char=""/>
             </a:pPr>
             <a:r>
-              <a:rPr b="0" lang="en-US" sz="1500" spc="-1" strike="noStrike">
+              <a:rPr b="0" lang="en-US" sz="2000" spc="-1" strike="noStrike">
                 <a:latin typeface="Arial"/>
               </a:rPr>
               <a:t>Fourth Outline Level</a:t>
             </a:r>
-            <a:endParaRPr b="0" lang="en-US" sz="1500" spc="-1" strike="noStrike">
-              <a:latin typeface="Arial"/>
-            </a:endParaRPr>
-          </a:p>
-          <a:p>
-            <a:pPr lvl="4" marL="2160000" indent="-216000" algn="ctr">
-              <a:spcAft>
-                <a:spcPts val="213"/>
-              </a:spcAft>
+            <a:endParaRPr b="0" lang="en-US" sz="2000" spc="-1" strike="noStrike">
+              <a:latin typeface="Arial"/>
+            </a:endParaRPr>
+          </a:p>
+          <a:p>
+            <a:pPr lvl="4" marL="2160000" indent="-216000">
+              <a:spcBef>
+                <a:spcPts val="283"/>
+              </a:spcBef>
               <a:buClr>
                 <a:srgbClr val="000000"/>
               </a:buClr>
@@ -7653,20 +9146,20 @@
               <a:buChar char=""/>
             </a:pPr>
             <a:r>
-              <a:rPr b="0" lang="en-US" sz="1500" spc="-1" strike="noStrike">
+              <a:rPr b="0" lang="en-US" sz="2000" spc="-1" strike="noStrike">
                 <a:latin typeface="Arial"/>
               </a:rPr>
               <a:t>Fifth Outline Level</a:t>
             </a:r>
-            <a:endParaRPr b="0" lang="en-US" sz="1500" spc="-1" strike="noStrike">
-              <a:latin typeface="Arial"/>
-            </a:endParaRPr>
-          </a:p>
-          <a:p>
-            <a:pPr lvl="5" marL="2592000" indent="-216000" algn="ctr">
-              <a:spcAft>
-                <a:spcPts val="213"/>
-              </a:spcAft>
+            <a:endParaRPr b="0" lang="en-US" sz="2000" spc="-1" strike="noStrike">
+              <a:latin typeface="Arial"/>
+            </a:endParaRPr>
+          </a:p>
+          <a:p>
+            <a:pPr lvl="5" marL="2592000" indent="-216000">
+              <a:spcBef>
+                <a:spcPts val="283"/>
+              </a:spcBef>
               <a:buClr>
                 <a:srgbClr val="000000"/>
               </a:buClr>
@@ -7675,20 +9168,20 @@
               <a:buChar char=""/>
             </a:pPr>
             <a:r>
-              <a:rPr b="0" lang="en-US" sz="1500" spc="-1" strike="noStrike">
+              <a:rPr b="0" lang="en-US" sz="2000" spc="-1" strike="noStrike">
                 <a:latin typeface="Arial"/>
               </a:rPr>
               <a:t>Sixth Outline Level</a:t>
             </a:r>
-            <a:endParaRPr b="0" lang="en-US" sz="1500" spc="-1" strike="noStrike">
-              <a:latin typeface="Arial"/>
-            </a:endParaRPr>
-          </a:p>
-          <a:p>
-            <a:pPr lvl="6" marL="3024000" indent="-216000" algn="ctr">
-              <a:spcAft>
-                <a:spcPts val="213"/>
-              </a:spcAft>
+            <a:endParaRPr b="0" lang="en-US" sz="2000" spc="-1" strike="noStrike">
+              <a:latin typeface="Arial"/>
+            </a:endParaRPr>
+          </a:p>
+          <a:p>
+            <a:pPr lvl="6" marL="3024000" indent="-216000">
+              <a:spcBef>
+                <a:spcPts val="283"/>
+              </a:spcBef>
               <a:buClr>
                 <a:srgbClr val="000000"/>
               </a:buClr>
@@ -7697,124 +9190,13 @@
               <a:buChar char=""/>
             </a:pPr>
             <a:r>
-              <a:rPr b="0" lang="en-US" sz="1500" spc="-1" strike="noStrike">
+              <a:rPr b="0" lang="en-US" sz="2000" spc="-1" strike="noStrike">
                 <a:latin typeface="Arial"/>
               </a:rPr>
               <a:t>Seventh Outline Level</a:t>
             </a:r>
-            <a:endParaRPr b="0" lang="en-US" sz="1500" spc="-1" strike="noStrike">
-              <a:latin typeface="Arial"/>
-            </a:endParaRPr>
-          </a:p>
-        </p:txBody>
-      </p:sp>
-      <p:sp>
-        <p:nvSpPr>
-          <p:cNvPr id="53" name="PlaceHolder 4"/>
-          <p:cNvSpPr>
-            <a:spLocks noGrp="1"/>
-          </p:cNvSpPr>
-          <p:nvPr>
-            <p:ph type="dt"/>
-          </p:nvPr>
-        </p:nvSpPr>
-        <p:spPr>
-          <a:xfrm>
-            <a:off x="7020000" y="4914000"/>
-            <a:ext cx="2880360" cy="391320"/>
-          </a:xfrm>
-          <a:prstGeom prst="rect">
-            <a:avLst/>
-          </a:prstGeom>
-        </p:spPr>
-        <p:txBody>
-          <a:bodyPr lIns="0" rIns="0" tIns="0" bIns="0">
-            <a:noAutofit/>
-          </a:bodyPr>
-          <a:p>
-            <a:pPr algn="r"/>
-            <a:r>
-              <a:rPr b="0" lang="en-US" sz="1400" spc="-1" strike="noStrike">
-                <a:latin typeface="Liberation Sans Narrow"/>
-              </a:rPr>
-              <a:t>&lt;date/time&gt;</a:t>
-            </a:r>
-            <a:endParaRPr b="0" lang="en-US" sz="1400" spc="-1" strike="noStrike">
-              <a:latin typeface="Liberation Sans Narrow"/>
-            </a:endParaRPr>
-          </a:p>
-        </p:txBody>
-      </p:sp>
-      <p:sp>
-        <p:nvSpPr>
-          <p:cNvPr id="54" name="PlaceHolder 5"/>
-          <p:cNvSpPr>
-            <a:spLocks noGrp="1"/>
-          </p:cNvSpPr>
-          <p:nvPr>
-            <p:ph type="ftr"/>
-          </p:nvPr>
-        </p:nvSpPr>
-        <p:spPr>
-          <a:xfrm>
-            <a:off x="5580000" y="5130000"/>
-            <a:ext cx="4320360" cy="391320"/>
-          </a:xfrm>
-          <a:prstGeom prst="rect">
-            <a:avLst/>
-          </a:prstGeom>
-        </p:spPr>
-        <p:txBody>
-          <a:bodyPr lIns="0" rIns="0" tIns="0" bIns="0">
-            <a:noAutofit/>
-          </a:bodyPr>
-          <a:p>
-            <a:pPr algn="r"/>
-            <a:r>
-              <a:rPr b="0" lang="en-US" sz="1400" spc="-1" strike="noStrike">
-                <a:latin typeface="Liberation Sans Narrow"/>
-              </a:rPr>
-              <a:t>&lt;footer&gt;</a:t>
-            </a:r>
-            <a:endParaRPr b="0" lang="en-US" sz="1400" spc="-1" strike="noStrike">
-              <a:latin typeface="Liberation Sans Narrow"/>
-            </a:endParaRPr>
-          </a:p>
-        </p:txBody>
-      </p:sp>
-      <p:sp>
-        <p:nvSpPr>
-          <p:cNvPr id="55" name="PlaceHolder 6"/>
-          <p:cNvSpPr>
-            <a:spLocks noGrp="1"/>
-          </p:cNvSpPr>
-          <p:nvPr>
-            <p:ph type="sldNum"/>
-          </p:nvPr>
-        </p:nvSpPr>
-        <p:spPr>
-          <a:xfrm>
-            <a:off x="7380000" y="4590000"/>
-            <a:ext cx="2520000" cy="391320"/>
-          </a:xfrm>
-          <a:prstGeom prst="rect">
-            <a:avLst/>
-          </a:prstGeom>
-        </p:spPr>
-        <p:txBody>
-          <a:bodyPr lIns="0" rIns="0" tIns="0" bIns="0">
-            <a:noAutofit/>
-          </a:bodyPr>
-          <a:p>
-            <a:pPr algn="r"/>
-            <a:fld id="{3A9C1EF3-8D84-466A-9919-2809E60F05A4}" type="slidenum">
-              <a:rPr b="0" lang="en-US" sz="2600" spc="-1" strike="noStrike">
-                <a:latin typeface="Liberation Sans Narrow"/>
-              </a:rPr>
-              <a:t>&lt;number&gt;</a:t>
-            </a:fld>
-            <a:endParaRPr b="0" lang="en-US" sz="2600" spc="-1" strike="noStrike">
-              <a:latin typeface="Liberation Sans Narrow"/>
+            <a:endParaRPr b="0" lang="en-US" sz="2000" spc="-1" strike="noStrike">
+              <a:latin typeface="Arial"/>
             </a:endParaRPr>
           </a:p>
         </p:txBody>
@@ -7864,8 +9246,8 @@
         </p:nvSpPr>
         <p:spPr>
           <a:xfrm>
-            <a:off x="360" y="360"/>
-            <a:ext cx="10079640" cy="5669640"/>
+            <a:off x="0" y="360"/>
+            <a:ext cx="10079280" cy="5668920"/>
           </a:xfrm>
           <a:prstGeom prst="rect">
             <a:avLst/>
@@ -7900,8 +9282,8 @@
         </p:nvSpPr>
         <p:spPr>
           <a:xfrm flipH="1">
-            <a:off x="-2880" y="0"/>
-            <a:ext cx="10080000" cy="5670000"/>
+            <a:off x="-3240" y="0"/>
+            <a:ext cx="10079640" cy="5669640"/>
           </a:xfrm>
           <a:prstGeom prst="rect">
             <a:avLst/>
@@ -7928,8 +9310,36 @@
         </p:nvSpPr>
         <p:spPr>
           <a:xfrm>
+            <a:off x="0" y="1260360"/>
+            <a:ext cx="10259280" cy="4498920"/>
+          </a:xfrm>
+          <a:prstGeom prst="rect">
+            <a:avLst/>
+          </a:prstGeom>
+          <a:solidFill>
+            <a:srgbClr val="ffffff"/>
+          </a:solidFill>
+          <a:ln w="0">
+            <a:noFill/>
+          </a:ln>
+        </p:spPr>
+        <p:style>
+          <a:lnRef idx="0"/>
+          <a:fillRef idx="0"/>
+          <a:effectRef idx="0"/>
+          <a:fontRef idx="minor"/>
+        </p:style>
+      </p:sp>
+      <p:sp>
+        <p:nvSpPr>
+          <p:cNvPr id="95" name="CustomShape 4"/>
+          <p:cNvSpPr/>
+          <p:nvPr/>
+        </p:nvSpPr>
+        <p:spPr>
+          <a:xfrm>
             <a:off x="180360" y="5130360"/>
-            <a:ext cx="2339640" cy="392040"/>
+            <a:ext cx="2339280" cy="391680"/>
           </a:xfrm>
           <a:prstGeom prst="rect">
             <a:avLst/>
@@ -7958,9 +9368,10 @@
             <a:r>
               <a:rPr b="0" lang="en-US" sz="1400" spc="-1" strike="noStrike">
                 <a:solidFill>
-                  <a:srgbClr val="ffffff"/>
+                  <a:srgbClr val="000000"/>
                 </a:solidFill>
                 <a:latin typeface="Arial"/>
+                <a:ea typeface="DejaVu Sans"/>
               </a:rPr>
               <a:t>&lt;date/time&gt;</a:t>
             </a:r>
@@ -7972,14 +9383,14 @@
       </p:sp>
       <p:sp>
         <p:nvSpPr>
-          <p:cNvPr id="95" name="CustomShape 4"/>
+          <p:cNvPr id="96" name="CustomShape 5"/>
           <p:cNvSpPr/>
           <p:nvPr/>
         </p:nvSpPr>
         <p:spPr>
           <a:xfrm>
             <a:off x="7560360" y="5130360"/>
-            <a:ext cx="2339640" cy="392040"/>
+            <a:ext cx="2339280" cy="391680"/>
           </a:xfrm>
           <a:prstGeom prst="rect">
             <a:avLst/>
@@ -8005,12 +9416,13 @@
                 <a:spcPct val="100000"/>
               </a:lnSpc>
             </a:pPr>
-            <a:fld id="{39F98DAC-3CA4-4428-950B-037C75C424E7}" type="slidenum">
+            <a:fld id="{1594B82B-CDA6-4820-8CE9-73B5DA02812D}" type="slidenum">
               <a:rPr b="0" lang="en-US" sz="1400" spc="-1" strike="noStrike">
                 <a:solidFill>
-                  <a:srgbClr val="ffffff"/>
+                  <a:srgbClr val="000000"/>
                 </a:solidFill>
                 <a:latin typeface="Arial"/>
+                <a:ea typeface="DejaVu Sans"/>
               </a:rPr>
               <a:t>&lt;number&gt;</a:t>
             </a:fld>
@@ -8022,14 +9434,14 @@
       </p:sp>
       <p:sp>
         <p:nvSpPr>
-          <p:cNvPr id="96" name="CustomShape 5"/>
+          <p:cNvPr id="97" name="CustomShape 6"/>
           <p:cNvSpPr/>
           <p:nvPr/>
         </p:nvSpPr>
         <p:spPr>
           <a:xfrm>
             <a:off x="1440360" y="1080360"/>
-            <a:ext cx="1439640" cy="1259640"/>
+            <a:ext cx="1439280" cy="1259280"/>
           </a:xfrm>
           <a:prstGeom prst="ellipse">
             <a:avLst/>
@@ -8052,14 +9464,14 @@
       </p:sp>
       <p:sp>
         <p:nvSpPr>
-          <p:cNvPr id="97" name="CustomShape 6"/>
+          <p:cNvPr id="98" name="CustomShape 7"/>
           <p:cNvSpPr/>
           <p:nvPr/>
         </p:nvSpPr>
         <p:spPr>
           <a:xfrm>
             <a:off x="7380360" y="3960360"/>
-            <a:ext cx="1439640" cy="1259640"/>
+            <a:ext cx="1439280" cy="1259280"/>
           </a:xfrm>
           <a:prstGeom prst="ellipse">
             <a:avLst/>
@@ -8082,14 +9494,14 @@
       </p:sp>
       <p:sp>
         <p:nvSpPr>
-          <p:cNvPr id="98" name="CustomShape 7"/>
+          <p:cNvPr id="99" name="CustomShape 8"/>
           <p:cNvSpPr/>
           <p:nvPr/>
         </p:nvSpPr>
         <p:spPr>
           <a:xfrm>
-            <a:off x="9000360" y="2700360"/>
-            <a:ext cx="1259640" cy="1079640"/>
+            <a:off x="540360" y="1080360"/>
+            <a:ext cx="719280" cy="719280"/>
           </a:xfrm>
           <a:prstGeom prst="ellipse">
             <a:avLst/>
@@ -8112,74 +9524,14 @@
       </p:sp>
       <p:sp>
         <p:nvSpPr>
-          <p:cNvPr id="99" name="CustomShape 8"/>
-          <p:cNvSpPr/>
-          <p:nvPr/>
-        </p:nvSpPr>
-        <p:spPr>
-          <a:xfrm>
-            <a:off x="-179640" y="2430360"/>
-            <a:ext cx="1439640" cy="1349640"/>
-          </a:xfrm>
-          <a:prstGeom prst="ellipse">
-            <a:avLst/>
-          </a:prstGeom>
-          <a:solidFill>
-            <a:srgbClr val="ffffff">
-              <a:alpha val="20000"/>
-            </a:srgbClr>
-          </a:solidFill>
-          <a:ln w="0">
-            <a:noFill/>
-          </a:ln>
-        </p:spPr>
-        <p:style>
-          <a:lnRef idx="0"/>
-          <a:fillRef idx="0"/>
-          <a:effectRef idx="0"/>
-          <a:fontRef idx="minor"/>
-        </p:style>
-      </p:sp>
-      <p:sp>
-        <p:nvSpPr>
           <p:cNvPr id="100" name="CustomShape 9"/>
           <p:cNvSpPr/>
           <p:nvPr/>
         </p:nvSpPr>
         <p:spPr>
           <a:xfrm>
-            <a:off x="540360" y="1080360"/>
-            <a:ext cx="719640" cy="719640"/>
-          </a:xfrm>
-          <a:prstGeom prst="ellipse">
-            <a:avLst/>
-          </a:prstGeom>
-          <a:solidFill>
-            <a:srgbClr val="ffffff">
-              <a:alpha val="20000"/>
-            </a:srgbClr>
-          </a:solidFill>
-          <a:ln w="0">
-            <a:noFill/>
-          </a:ln>
-        </p:spPr>
-        <p:style>
-          <a:lnRef idx="0"/>
-          <a:fillRef idx="0"/>
-          <a:effectRef idx="0"/>
-          <a:fontRef idx="minor"/>
-        </p:style>
-      </p:sp>
-      <p:sp>
-        <p:nvSpPr>
-          <p:cNvPr id="101" name="CustomShape 10"/>
-          <p:cNvSpPr/>
-          <p:nvPr/>
-        </p:nvSpPr>
-        <p:spPr>
-          <a:xfrm>
             <a:off x="360" y="1260360"/>
-            <a:ext cx="719640" cy="719640"/>
+            <a:ext cx="719280" cy="719280"/>
           </a:xfrm>
           <a:prstGeom prst="ellipse">
             <a:avLst/>
@@ -8202,157 +9554,7 @@
       </p:sp>
       <p:sp>
         <p:nvSpPr>
-          <p:cNvPr id="102" name="CustomShape 11"/>
-          <p:cNvSpPr/>
-          <p:nvPr/>
-        </p:nvSpPr>
-        <p:spPr>
-          <a:xfrm>
-            <a:off x="360" y="5220360"/>
-            <a:ext cx="1619640" cy="1259640"/>
-          </a:xfrm>
-          <a:prstGeom prst="ellipse">
-            <a:avLst/>
-          </a:prstGeom>
-          <a:solidFill>
-            <a:srgbClr val="ffffff">
-              <a:alpha val="15000"/>
-            </a:srgbClr>
-          </a:solidFill>
-          <a:ln w="0">
-            <a:noFill/>
-          </a:ln>
-        </p:spPr>
-        <p:style>
-          <a:lnRef idx="0"/>
-          <a:fillRef idx="0"/>
-          <a:effectRef idx="0"/>
-          <a:fontRef idx="minor"/>
-        </p:style>
-      </p:sp>
-      <p:sp>
-        <p:nvSpPr>
-          <p:cNvPr id="103" name="CustomShape 12"/>
-          <p:cNvSpPr/>
-          <p:nvPr/>
-        </p:nvSpPr>
-        <p:spPr>
-          <a:xfrm>
-            <a:off x="9720360" y="4680360"/>
-            <a:ext cx="719640" cy="719640"/>
-          </a:xfrm>
-          <a:prstGeom prst="ellipse">
-            <a:avLst/>
-          </a:prstGeom>
-          <a:solidFill>
-            <a:srgbClr val="ffffff">
-              <a:alpha val="30000"/>
-            </a:srgbClr>
-          </a:solidFill>
-          <a:ln w="0">
-            <a:noFill/>
-          </a:ln>
-        </p:spPr>
-        <p:style>
-          <a:lnRef idx="0"/>
-          <a:fillRef idx="0"/>
-          <a:effectRef idx="0"/>
-          <a:fontRef idx="minor"/>
-        </p:style>
-      </p:sp>
-      <p:sp>
-        <p:nvSpPr>
-          <p:cNvPr id="104" name="CustomShape 13"/>
-          <p:cNvSpPr/>
-          <p:nvPr/>
-        </p:nvSpPr>
-        <p:spPr>
-          <a:xfrm>
-            <a:off x="9540360" y="3420360"/>
-            <a:ext cx="719640" cy="719640"/>
-          </a:xfrm>
-          <a:prstGeom prst="ellipse">
-            <a:avLst/>
-          </a:prstGeom>
-          <a:solidFill>
-            <a:srgbClr val="ffffff">
-              <a:alpha val="10000"/>
-            </a:srgbClr>
-          </a:solidFill>
-          <a:ln w="0">
-            <a:noFill/>
-          </a:ln>
-        </p:spPr>
-        <p:style>
-          <a:lnRef idx="0"/>
-          <a:fillRef idx="0"/>
-          <a:effectRef idx="0"/>
-          <a:fontRef idx="minor"/>
-        </p:style>
-      </p:sp>
-      <p:sp>
-        <p:nvSpPr>
-          <p:cNvPr id="105" name="CustomShape 14"/>
-          <p:cNvSpPr/>
-          <p:nvPr/>
-        </p:nvSpPr>
-        <p:spPr>
-          <a:xfrm>
-            <a:off x="8100360" y="4680360"/>
-            <a:ext cx="1079640" cy="842040"/>
-          </a:xfrm>
-          <a:prstGeom prst="ellipse">
-            <a:avLst/>
-          </a:prstGeom>
-          <a:solidFill>
-            <a:srgbClr val="ffffff">
-              <a:alpha val="20000"/>
-            </a:srgbClr>
-          </a:solidFill>
-          <a:ln w="0">
-            <a:noFill/>
-          </a:ln>
-        </p:spPr>
-        <p:style>
-          <a:lnRef idx="0"/>
-          <a:fillRef idx="0"/>
-          <a:effectRef idx="0"/>
-          <a:fontRef idx="minor"/>
-        </p:style>
-      </p:sp>
-      <p:sp>
-        <p:nvSpPr>
-          <p:cNvPr id="106" name="CustomShape 15"/>
-          <p:cNvSpPr/>
-          <p:nvPr/>
-        </p:nvSpPr>
-        <p:spPr>
-          <a:xfrm>
-            <a:off x="7920360" y="5400360"/>
-            <a:ext cx="899640" cy="899640"/>
-          </a:xfrm>
-          <a:prstGeom prst="ellipse">
-            <a:avLst/>
-          </a:prstGeom>
-          <a:solidFill>
-            <a:srgbClr val="ffffff">
-              <a:alpha val="25000"/>
-            </a:srgbClr>
-          </a:solidFill>
-          <a:ln w="0">
-            <a:noFill/>
-          </a:ln>
-        </p:spPr>
-        <p:style>
-          <a:lnRef idx="0"/>
-          <a:fillRef idx="0"/>
-          <a:effectRef idx="0"/>
-          <a:fontRef idx="minor"/>
-        </p:style>
-      </p:sp>
-      <p:sp>
-        <p:nvSpPr>
-          <p:cNvPr id="107" name="PlaceHolder 16"/>
+          <p:cNvPr id="101" name="PlaceHolder 10"/>
           <p:cNvSpPr>
             <a:spLocks noGrp="1"/>
           </p:cNvSpPr>
@@ -8363,7 +9565,7 @@
         <p:spPr>
           <a:xfrm>
             <a:off x="540000" y="270000"/>
-            <a:ext cx="8999640" cy="989640"/>
+            <a:ext cx="8999280" cy="989280"/>
           </a:xfrm>
           <a:prstGeom prst="rect">
             <a:avLst/>
@@ -8389,7 +9591,7 @@
       </p:sp>
       <p:sp>
         <p:nvSpPr>
-          <p:cNvPr id="108" name="PlaceHolder 17"/>
+          <p:cNvPr id="102" name="PlaceHolder 11"/>
           <p:cNvSpPr>
             <a:spLocks noGrp="1"/>
           </p:cNvSpPr>
@@ -8400,7 +9602,7 @@
         <p:spPr>
           <a:xfrm>
             <a:off x="540000" y="1440000"/>
-            <a:ext cx="8999640" cy="3599640"/>
+            <a:ext cx="8999280" cy="3599280"/>
           </a:xfrm>
           <a:prstGeom prst="rect">
             <a:avLst/>
@@ -8605,14 +9807,14 @@
       </p:grpSpPr>
       <p:sp>
         <p:nvSpPr>
-          <p:cNvPr id="145" name="CustomShape 1"/>
+          <p:cNvPr id="139" name="CustomShape 1"/>
           <p:cNvSpPr/>
           <p:nvPr/>
         </p:nvSpPr>
         <p:spPr>
           <a:xfrm>
             <a:off x="0" y="360"/>
-            <a:ext cx="10079640" cy="5669280"/>
+            <a:ext cx="10079280" cy="5668920"/>
           </a:xfrm>
           <a:prstGeom prst="rect">
             <a:avLst/>
@@ -8641,14 +9843,14 @@
       </p:sp>
       <p:sp>
         <p:nvSpPr>
-          <p:cNvPr id="146" name="CustomShape 2"/>
+          <p:cNvPr id="140" name="CustomShape 2"/>
           <p:cNvSpPr/>
           <p:nvPr/>
         </p:nvSpPr>
         <p:spPr>
           <a:xfrm flipH="1">
-            <a:off x="-2520" y="0"/>
-            <a:ext cx="10080000" cy="5670000"/>
+            <a:off x="-3240" y="0"/>
+            <a:ext cx="10079640" cy="5669640"/>
           </a:xfrm>
           <a:prstGeom prst="rect">
             <a:avLst/>
@@ -8669,14 +9871,14 @@
       </p:sp>
       <p:sp>
         <p:nvSpPr>
-          <p:cNvPr id="147" name="CustomShape 3"/>
+          <p:cNvPr id="141" name="CustomShape 3"/>
           <p:cNvSpPr/>
           <p:nvPr/>
         </p:nvSpPr>
         <p:spPr>
           <a:xfrm>
             <a:off x="0" y="1260360"/>
-            <a:ext cx="10259640" cy="4499280"/>
+            <a:ext cx="10259280" cy="4498920"/>
           </a:xfrm>
           <a:prstGeom prst="rect">
             <a:avLst/>
@@ -8697,14 +9899,14 @@
       </p:sp>
       <p:sp>
         <p:nvSpPr>
-          <p:cNvPr id="148" name="CustomShape 4"/>
+          <p:cNvPr id="142" name="CustomShape 4"/>
           <p:cNvSpPr/>
           <p:nvPr/>
         </p:nvSpPr>
         <p:spPr>
           <a:xfrm>
             <a:off x="180360" y="5130360"/>
-            <a:ext cx="2339640" cy="392040"/>
+            <a:ext cx="2339280" cy="391680"/>
           </a:xfrm>
           <a:prstGeom prst="rect">
             <a:avLst/>
@@ -8732,7 +9934,11 @@
             </a:pPr>
             <a:r>
               <a:rPr b="0" lang="en-US" sz="1400" spc="-1" strike="noStrike">
+                <a:solidFill>
+                  <a:srgbClr val="000000"/>
+                </a:solidFill>
                 <a:latin typeface="Arial"/>
+                <a:ea typeface="DejaVu Sans"/>
               </a:rPr>
               <a:t>&lt;date/time&gt;</a:t>
             </a:r>
@@ -8744,14 +9950,14 @@
       </p:sp>
       <p:sp>
         <p:nvSpPr>
-          <p:cNvPr id="149" name="CustomShape 5"/>
+          <p:cNvPr id="143" name="CustomShape 5"/>
           <p:cNvSpPr/>
           <p:nvPr/>
         </p:nvSpPr>
         <p:spPr>
           <a:xfrm>
             <a:off x="7560360" y="5130360"/>
-            <a:ext cx="2339640" cy="392040"/>
+            <a:ext cx="2339280" cy="391680"/>
           </a:xfrm>
           <a:prstGeom prst="rect">
             <a:avLst/>
@@ -8777,9 +9983,13 @@
                 <a:spcPct val="100000"/>
               </a:lnSpc>
             </a:pPr>
-            <a:fld id="{FC290EBC-95D3-4EC7-98BF-08F461C976EC}" type="slidenum">
+            <a:fld id="{71AEB32D-6636-494D-90BA-75420156D525}" type="slidenum">
               <a:rPr b="0" lang="en-US" sz="1400" spc="-1" strike="noStrike">
+                <a:solidFill>
+                  <a:srgbClr val="000000"/>
+                </a:solidFill>
                 <a:latin typeface="Arial"/>
+                <a:ea typeface="DejaVu Sans"/>
               </a:rPr>
               <a:t>&lt;number&gt;</a:t>
             </a:fld>
@@ -8791,14 +10001,14 @@
       </p:sp>
       <p:sp>
         <p:nvSpPr>
-          <p:cNvPr id="150" name="CustomShape 6"/>
+          <p:cNvPr id="144" name="CustomShape 6"/>
           <p:cNvSpPr/>
           <p:nvPr/>
         </p:nvSpPr>
         <p:spPr>
           <a:xfrm>
             <a:off x="1440360" y="1080360"/>
-            <a:ext cx="1439640" cy="1259640"/>
+            <a:ext cx="1439280" cy="1259280"/>
           </a:xfrm>
           <a:prstGeom prst="ellipse">
             <a:avLst/>
@@ -8821,14 +10031,14 @@
       </p:sp>
       <p:sp>
         <p:nvSpPr>
-          <p:cNvPr id="151" name="CustomShape 7"/>
+          <p:cNvPr id="145" name="CustomShape 7"/>
           <p:cNvSpPr/>
           <p:nvPr/>
         </p:nvSpPr>
         <p:spPr>
           <a:xfrm>
             <a:off x="7380360" y="3960360"/>
-            <a:ext cx="1439640" cy="1259640"/>
+            <a:ext cx="1439280" cy="1259280"/>
           </a:xfrm>
           <a:prstGeom prst="ellipse">
             <a:avLst/>
@@ -8851,14 +10061,14 @@
       </p:sp>
       <p:sp>
         <p:nvSpPr>
-          <p:cNvPr id="152" name="CustomShape 8"/>
+          <p:cNvPr id="146" name="CustomShape 8"/>
           <p:cNvSpPr/>
           <p:nvPr/>
         </p:nvSpPr>
         <p:spPr>
           <a:xfrm>
             <a:off x="540360" y="1080360"/>
-            <a:ext cx="719640" cy="719640"/>
+            <a:ext cx="719280" cy="719280"/>
           </a:xfrm>
           <a:prstGeom prst="ellipse">
             <a:avLst/>
@@ -8881,14 +10091,14 @@
       </p:sp>
       <p:sp>
         <p:nvSpPr>
-          <p:cNvPr id="153" name="CustomShape 9"/>
+          <p:cNvPr id="147" name="CustomShape 9"/>
           <p:cNvSpPr/>
           <p:nvPr/>
         </p:nvSpPr>
         <p:spPr>
           <a:xfrm>
             <a:off x="360" y="1260360"/>
-            <a:ext cx="719640" cy="719640"/>
+            <a:ext cx="719280" cy="719280"/>
           </a:xfrm>
           <a:prstGeom prst="ellipse">
             <a:avLst/>
@@ -8911,7 +10121,7 @@
       </p:sp>
       <p:sp>
         <p:nvSpPr>
-          <p:cNvPr id="154" name="PlaceHolder 10"/>
+          <p:cNvPr id="148" name="PlaceHolder 10"/>
           <p:cNvSpPr>
             <a:spLocks noGrp="1"/>
           </p:cNvSpPr>
@@ -8921,8 +10131,8 @@
         </p:nvSpPr>
         <p:spPr>
           <a:xfrm>
-            <a:off x="540000" y="270000"/>
-            <a:ext cx="8999640" cy="989640"/>
+            <a:off x="504000" y="226080"/>
+            <a:ext cx="9072000" cy="946440"/>
           </a:xfrm>
           <a:prstGeom prst="rect">
             <a:avLst/>
@@ -8935,20 +10145,20 @@
           <a:p>
             <a:pPr algn="ctr"/>
             <a:r>
-              <a:rPr b="0" lang="en-US" sz="1800" spc="-1" strike="noStrike">
+              <a:rPr b="0" lang="en-US" sz="4400" spc="-1" strike="noStrike">
                 <a:latin typeface="Arial"/>
               </a:rPr>
               <a:t>Click to edit the title text format</a:t>
             </a:r>
-            <a:endParaRPr b="0" lang="en-US" sz="1800" spc="-1" strike="noStrike">
-              <a:latin typeface="Arial"/>
-            </a:endParaRPr>
-          </a:p>
-        </p:txBody>
-      </p:sp>
-      <p:sp>
-        <p:nvSpPr>
-          <p:cNvPr id="155" name="PlaceHolder 11"/>
+            <a:endParaRPr b="0" lang="en-US" sz="4400" spc="-1" strike="noStrike">
+              <a:latin typeface="Arial"/>
+            </a:endParaRPr>
+          </a:p>
+        </p:txBody>
+      </p:sp>
+      <p:sp>
+        <p:nvSpPr>
+          <p:cNvPr id="149" name="PlaceHolder 11"/>
           <p:cNvSpPr>
             <a:spLocks noGrp="1"/>
           </p:cNvSpPr>
@@ -9164,14 +10374,14 @@
       </p:grpSpPr>
       <p:sp>
         <p:nvSpPr>
-          <p:cNvPr id="192" name="CustomShape 1"/>
+          <p:cNvPr id="186" name="CustomShape 1"/>
           <p:cNvSpPr/>
           <p:nvPr/>
         </p:nvSpPr>
         <p:spPr>
           <a:xfrm>
             <a:off x="0" y="360"/>
-            <a:ext cx="10079640" cy="5669280"/>
+            <a:ext cx="10079280" cy="5668920"/>
           </a:xfrm>
           <a:prstGeom prst="rect">
             <a:avLst/>
@@ -9200,14 +10410,14 @@
       </p:sp>
       <p:sp>
         <p:nvSpPr>
-          <p:cNvPr id="193" name="CustomShape 2"/>
+          <p:cNvPr id="187" name="CustomShape 2"/>
           <p:cNvSpPr/>
           <p:nvPr/>
         </p:nvSpPr>
         <p:spPr>
           <a:xfrm flipH="1">
-            <a:off x="-2520" y="0"/>
-            <a:ext cx="10080000" cy="5670000"/>
+            <a:off x="-3240" y="0"/>
+            <a:ext cx="10079640" cy="5669640"/>
           </a:xfrm>
           <a:prstGeom prst="rect">
             <a:avLst/>
@@ -9228,14 +10438,14 @@
       </p:sp>
       <p:sp>
         <p:nvSpPr>
-          <p:cNvPr id="194" name="CustomShape 3"/>
+          <p:cNvPr id="188" name="CustomShape 3"/>
           <p:cNvSpPr/>
           <p:nvPr/>
         </p:nvSpPr>
         <p:spPr>
           <a:xfrm>
             <a:off x="0" y="1260360"/>
-            <a:ext cx="10259640" cy="4499280"/>
+            <a:ext cx="10259280" cy="4498920"/>
           </a:xfrm>
           <a:prstGeom prst="rect">
             <a:avLst/>
@@ -9256,14 +10466,14 @@
       </p:sp>
       <p:sp>
         <p:nvSpPr>
-          <p:cNvPr id="195" name="CustomShape 4"/>
+          <p:cNvPr id="189" name="CustomShape 4"/>
           <p:cNvSpPr/>
           <p:nvPr/>
         </p:nvSpPr>
         <p:spPr>
           <a:xfrm>
             <a:off x="180360" y="5130360"/>
-            <a:ext cx="2339640" cy="392040"/>
+            <a:ext cx="2339280" cy="391680"/>
           </a:xfrm>
           <a:prstGeom prst="rect">
             <a:avLst/>
@@ -9291,7 +10501,11 @@
             </a:pPr>
             <a:r>
               <a:rPr b="0" lang="en-US" sz="1400" spc="-1" strike="noStrike">
+                <a:solidFill>
+                  <a:srgbClr val="000000"/>
+                </a:solidFill>
                 <a:latin typeface="Arial"/>
+                <a:ea typeface="DejaVu Sans"/>
               </a:rPr>
               <a:t>&lt;date/time&gt;</a:t>
             </a:r>
@@ -9303,14 +10517,14 @@
       </p:sp>
       <p:sp>
         <p:nvSpPr>
-          <p:cNvPr id="196" name="CustomShape 5"/>
+          <p:cNvPr id="190" name="CustomShape 5"/>
           <p:cNvSpPr/>
           <p:nvPr/>
         </p:nvSpPr>
         <p:spPr>
           <a:xfrm>
             <a:off x="7560360" y="5130360"/>
-            <a:ext cx="2339640" cy="392040"/>
+            <a:ext cx="2339280" cy="391680"/>
           </a:xfrm>
           <a:prstGeom prst="rect">
             <a:avLst/>
@@ -9336,9 +10550,13 @@
                 <a:spcPct val="100000"/>
               </a:lnSpc>
             </a:pPr>
-            <a:fld id="{DF67E6C9-13D1-4F2F-89F1-8E5B6BE41599}" type="slidenum">
+            <a:fld id="{9AE4CAC3-C427-474D-A5EC-C30F1D610A54}" type="slidenum">
               <a:rPr b="0" lang="en-US" sz="1400" spc="-1" strike="noStrike">
+                <a:solidFill>
+                  <a:srgbClr val="000000"/>
+                </a:solidFill>
                 <a:latin typeface="Arial"/>
+                <a:ea typeface="DejaVu Sans"/>
               </a:rPr>
               <a:t>&lt;number&gt;</a:t>
             </a:fld>
@@ -9350,14 +10568,14 @@
       </p:sp>
       <p:sp>
         <p:nvSpPr>
-          <p:cNvPr id="197" name="CustomShape 6"/>
+          <p:cNvPr id="191" name="CustomShape 6"/>
           <p:cNvSpPr/>
           <p:nvPr/>
         </p:nvSpPr>
         <p:spPr>
           <a:xfrm>
             <a:off x="1440360" y="1080360"/>
-            <a:ext cx="1439640" cy="1259640"/>
+            <a:ext cx="1439280" cy="1259280"/>
           </a:xfrm>
           <a:prstGeom prst="ellipse">
             <a:avLst/>
@@ -9380,14 +10598,14 @@
       </p:sp>
       <p:sp>
         <p:nvSpPr>
-          <p:cNvPr id="198" name="CustomShape 7"/>
+          <p:cNvPr id="192" name="CustomShape 7"/>
           <p:cNvSpPr/>
           <p:nvPr/>
         </p:nvSpPr>
         <p:spPr>
           <a:xfrm>
             <a:off x="7380360" y="3960360"/>
-            <a:ext cx="1439640" cy="1259640"/>
+            <a:ext cx="1439280" cy="1259280"/>
           </a:xfrm>
           <a:prstGeom prst="ellipse">
             <a:avLst/>
@@ -9410,14 +10628,14 @@
       </p:sp>
       <p:sp>
         <p:nvSpPr>
-          <p:cNvPr id="199" name="CustomShape 8"/>
+          <p:cNvPr id="193" name="CustomShape 8"/>
           <p:cNvSpPr/>
           <p:nvPr/>
         </p:nvSpPr>
         <p:spPr>
           <a:xfrm>
             <a:off x="540360" y="1080360"/>
-            <a:ext cx="719640" cy="719640"/>
+            <a:ext cx="719280" cy="719280"/>
           </a:xfrm>
           <a:prstGeom prst="ellipse">
             <a:avLst/>
@@ -9440,14 +10658,14 @@
       </p:sp>
       <p:sp>
         <p:nvSpPr>
-          <p:cNvPr id="200" name="CustomShape 9"/>
+          <p:cNvPr id="194" name="CustomShape 9"/>
           <p:cNvSpPr/>
           <p:nvPr/>
         </p:nvSpPr>
         <p:spPr>
           <a:xfrm>
             <a:off x="360" y="1260360"/>
-            <a:ext cx="719640" cy="719640"/>
+            <a:ext cx="719280" cy="719280"/>
           </a:xfrm>
           <a:prstGeom prst="ellipse">
             <a:avLst/>
@@ -9470,7 +10688,7 @@
       </p:sp>
       <p:sp>
         <p:nvSpPr>
-          <p:cNvPr id="201" name="PlaceHolder 10"/>
+          <p:cNvPr id="195" name="PlaceHolder 10"/>
           <p:cNvSpPr>
             <a:spLocks noGrp="1"/>
           </p:cNvSpPr>
@@ -9481,7 +10699,7 @@
         <p:spPr>
           <a:xfrm>
             <a:off x="540000" y="270000"/>
-            <a:ext cx="8999640" cy="989640"/>
+            <a:ext cx="8999280" cy="989280"/>
           </a:xfrm>
           <a:prstGeom prst="rect">
             <a:avLst/>
@@ -9507,7 +10725,7 @@
       </p:sp>
       <p:sp>
         <p:nvSpPr>
-          <p:cNvPr id="202" name="PlaceHolder 11"/>
+          <p:cNvPr id="196" name="PlaceHolder 11"/>
           <p:cNvSpPr>
             <a:spLocks noGrp="1"/>
           </p:cNvSpPr>
@@ -9517,8 +10735,575 @@
         </p:nvSpPr>
         <p:spPr>
           <a:xfrm>
+            <a:off x="504000" y="1326600"/>
+            <a:ext cx="9072000" cy="3288600"/>
+          </a:xfrm>
+          <a:prstGeom prst="rect">
+            <a:avLst/>
+          </a:prstGeom>
+        </p:spPr>
+        <p:txBody>
+          <a:bodyPr lIns="0" rIns="0" tIns="0" bIns="0">
+            <a:normAutofit/>
+          </a:bodyPr>
+          <a:p>
+            <a:pPr marL="432000" indent="-324000">
+              <a:spcBef>
+                <a:spcPts val="1417"/>
+              </a:spcBef>
+              <a:buClr>
+                <a:srgbClr val="000000"/>
+              </a:buClr>
+              <a:buSzPct val="45000"/>
+              <a:buFont typeface="Wingdings" charset="2"/>
+              <a:buChar char=""/>
+            </a:pPr>
+            <a:r>
+              <a:rPr b="0" lang="en-US" sz="3200" spc="-1" strike="noStrike">
+                <a:latin typeface="Arial"/>
+              </a:rPr>
+              <a:t>Click to edit the outline text format</a:t>
+            </a:r>
+            <a:endParaRPr b="0" lang="en-US" sz="3200" spc="-1" strike="noStrike">
+              <a:latin typeface="Arial"/>
+            </a:endParaRPr>
+          </a:p>
+          <a:p>
+            <a:pPr lvl="1" marL="864000" indent="-324000">
+              <a:spcBef>
+                <a:spcPts val="1134"/>
+              </a:spcBef>
+              <a:buClr>
+                <a:srgbClr val="000000"/>
+              </a:buClr>
+              <a:buSzPct val="75000"/>
+              <a:buFont typeface="Symbol" charset="2"/>
+              <a:buChar char=""/>
+            </a:pPr>
+            <a:r>
+              <a:rPr b="0" lang="en-US" sz="2800" spc="-1" strike="noStrike">
+                <a:latin typeface="Arial"/>
+              </a:rPr>
+              <a:t>Second Outline Level</a:t>
+            </a:r>
+            <a:endParaRPr b="0" lang="en-US" sz="2800" spc="-1" strike="noStrike">
+              <a:latin typeface="Arial"/>
+            </a:endParaRPr>
+          </a:p>
+          <a:p>
+            <a:pPr lvl="2" marL="1296000" indent="-288000">
+              <a:spcBef>
+                <a:spcPts val="850"/>
+              </a:spcBef>
+              <a:buClr>
+                <a:srgbClr val="000000"/>
+              </a:buClr>
+              <a:buSzPct val="45000"/>
+              <a:buFont typeface="Wingdings" charset="2"/>
+              <a:buChar char=""/>
+            </a:pPr>
+            <a:r>
+              <a:rPr b="0" lang="en-US" sz="2400" spc="-1" strike="noStrike">
+                <a:latin typeface="Arial"/>
+              </a:rPr>
+              <a:t>Third Outline Level</a:t>
+            </a:r>
+            <a:endParaRPr b="0" lang="en-US" sz="2400" spc="-1" strike="noStrike">
+              <a:latin typeface="Arial"/>
+            </a:endParaRPr>
+          </a:p>
+          <a:p>
+            <a:pPr lvl="3" marL="1728000" indent="-216000">
+              <a:spcBef>
+                <a:spcPts val="567"/>
+              </a:spcBef>
+              <a:buClr>
+                <a:srgbClr val="000000"/>
+              </a:buClr>
+              <a:buSzPct val="75000"/>
+              <a:buFont typeface="Symbol" charset="2"/>
+              <a:buChar char=""/>
+            </a:pPr>
+            <a:r>
+              <a:rPr b="0" lang="en-US" sz="2000" spc="-1" strike="noStrike">
+                <a:latin typeface="Arial"/>
+              </a:rPr>
+              <a:t>Fourth Outline Level</a:t>
+            </a:r>
+            <a:endParaRPr b="0" lang="en-US" sz="2000" spc="-1" strike="noStrike">
+              <a:latin typeface="Arial"/>
+            </a:endParaRPr>
+          </a:p>
+          <a:p>
+            <a:pPr lvl="4" marL="2160000" indent="-216000">
+              <a:spcBef>
+                <a:spcPts val="283"/>
+              </a:spcBef>
+              <a:buClr>
+                <a:srgbClr val="000000"/>
+              </a:buClr>
+              <a:buSzPct val="45000"/>
+              <a:buFont typeface="Wingdings" charset="2"/>
+              <a:buChar char=""/>
+            </a:pPr>
+            <a:r>
+              <a:rPr b="0" lang="en-US" sz="2000" spc="-1" strike="noStrike">
+                <a:latin typeface="Arial"/>
+              </a:rPr>
+              <a:t>Fifth Outline Level</a:t>
+            </a:r>
+            <a:endParaRPr b="0" lang="en-US" sz="2000" spc="-1" strike="noStrike">
+              <a:latin typeface="Arial"/>
+            </a:endParaRPr>
+          </a:p>
+          <a:p>
+            <a:pPr lvl="5" marL="2592000" indent="-216000">
+              <a:spcBef>
+                <a:spcPts val="283"/>
+              </a:spcBef>
+              <a:buClr>
+                <a:srgbClr val="000000"/>
+              </a:buClr>
+              <a:buSzPct val="45000"/>
+              <a:buFont typeface="Wingdings" charset="2"/>
+              <a:buChar char=""/>
+            </a:pPr>
+            <a:r>
+              <a:rPr b="0" lang="en-US" sz="2000" spc="-1" strike="noStrike">
+                <a:latin typeface="Arial"/>
+              </a:rPr>
+              <a:t>Sixth Outline Level</a:t>
+            </a:r>
+            <a:endParaRPr b="0" lang="en-US" sz="2000" spc="-1" strike="noStrike">
+              <a:latin typeface="Arial"/>
+            </a:endParaRPr>
+          </a:p>
+          <a:p>
+            <a:pPr lvl="6" marL="3024000" indent="-216000">
+              <a:spcBef>
+                <a:spcPts val="283"/>
+              </a:spcBef>
+              <a:buClr>
+                <a:srgbClr val="000000"/>
+              </a:buClr>
+              <a:buSzPct val="45000"/>
+              <a:buFont typeface="Wingdings" charset="2"/>
+              <a:buChar char=""/>
+            </a:pPr>
+            <a:r>
+              <a:rPr b="0" lang="en-US" sz="2000" spc="-1" strike="noStrike">
+                <a:latin typeface="Arial"/>
+              </a:rPr>
+              <a:t>Seventh Outline Level</a:t>
+            </a:r>
+            <a:endParaRPr b="0" lang="en-US" sz="2000" spc="-1" strike="noStrike">
+              <a:latin typeface="Arial"/>
+            </a:endParaRPr>
+          </a:p>
+        </p:txBody>
+      </p:sp>
+    </p:spTree>
+  </p:cSld>
+  <p:clrMap bg1="lt1" bg2="lt2" tx1="dk1" tx2="dk2" accent1="accent1" accent2="accent2" accent3="accent3" accent4="accent4" accent5="accent5" accent6="accent6" hlink="hlink" folHlink="folHlink"/>
+  <p:sldLayoutIdLst>
+    <p:sldLayoutId id="2147483701" r:id="rId2"/>
+    <p:sldLayoutId id="2147483702" r:id="rId3"/>
+    <p:sldLayoutId id="2147483703" r:id="rId4"/>
+    <p:sldLayoutId id="2147483704" r:id="rId5"/>
+    <p:sldLayoutId id="2147483705" r:id="rId6"/>
+    <p:sldLayoutId id="2147483706" r:id="rId7"/>
+    <p:sldLayoutId id="2147483707" r:id="rId8"/>
+    <p:sldLayoutId id="2147483708" r:id="rId9"/>
+    <p:sldLayoutId id="2147483709" r:id="rId10"/>
+    <p:sldLayoutId id="2147483710" r:id="rId11"/>
+    <p:sldLayoutId id="2147483711" r:id="rId12"/>
+    <p:sldLayoutId id="2147483712" r:id="rId13"/>
+  </p:sldLayoutIdLst>
+</p:sldMaster>
+</file>
+
+<file path=ppt/slideMasters/slideMaster6.xml><?xml version="1.0" encoding="utf-8"?>
+<p:sldMaster xmlns:a="http://schemas.openxmlformats.org/drawingml/2006/main" xmlns:p="http://schemas.openxmlformats.org/presentationml/2006/main" xmlns:r="http://schemas.openxmlformats.org/officeDocument/2006/relationships" xmlns:p14="http://schemas.microsoft.com/office/powerpoint/2010/main" xmlns:p15="http://schemas.microsoft.com/office/powerpoint/2012/main" xmlns:mc="http://schemas.openxmlformats.org/markup-compatibility/2006">
+  <p:cSld>
+    <p:spTree>
+      <p:nvGrpSpPr>
+        <p:cNvPr id="1" name=""/>
+        <p:cNvGrpSpPr/>
+        <p:nvPr/>
+      </p:nvGrpSpPr>
+      <p:grpSpPr>
+        <a:xfrm>
+          <a:off x="0" y="0"/>
+          <a:ext cx="0" cy="0"/>
+          <a:chOff x="0" y="0"/>
+          <a:chExt cx="0" cy="0"/>
+        </a:xfrm>
+      </p:grpSpPr>
+      <p:sp>
+        <p:nvSpPr>
+          <p:cNvPr id="233" name="CustomShape 1"/>
+          <p:cNvSpPr/>
+          <p:nvPr/>
+        </p:nvSpPr>
+        <p:spPr>
+          <a:xfrm>
+            <a:off x="0" y="360"/>
+            <a:ext cx="10079280" cy="5668920"/>
+          </a:xfrm>
+          <a:prstGeom prst="rect">
+            <a:avLst/>
+          </a:prstGeom>
+          <a:gradFill rotWithShape="0">
+            <a:gsLst>
+              <a:gs pos="30000">
+                <a:srgbClr val="000032"/>
+              </a:gs>
+              <a:gs pos="100000">
+                <a:srgbClr val="f60063"/>
+              </a:gs>
+            </a:gsLst>
+            <a:lin ang="4200000"/>
+          </a:gradFill>
+          <a:ln w="0">
+            <a:noFill/>
+          </a:ln>
+        </p:spPr>
+        <p:style>
+          <a:lnRef idx="0"/>
+          <a:fillRef idx="0"/>
+          <a:effectRef idx="0"/>
+          <a:fontRef idx="minor"/>
+        </p:style>
+      </p:sp>
+      <p:sp>
+        <p:nvSpPr>
+          <p:cNvPr id="234" name="CustomShape 2"/>
+          <p:cNvSpPr/>
+          <p:nvPr/>
+        </p:nvSpPr>
+        <p:spPr>
+          <a:xfrm flipH="1">
+            <a:off x="-3240" y="0"/>
+            <a:ext cx="10079640" cy="5669640"/>
+          </a:xfrm>
+          <a:prstGeom prst="rect">
+            <a:avLst/>
+          </a:prstGeom>
+          <a:solidFill>
+            <a:srgbClr val="ffffff"/>
+          </a:solidFill>
+          <a:ln w="0">
+            <a:noFill/>
+          </a:ln>
+        </p:spPr>
+        <p:style>
+          <a:lnRef idx="0"/>
+          <a:fillRef idx="0"/>
+          <a:effectRef idx="0"/>
+          <a:fontRef idx="minor"/>
+        </p:style>
+      </p:sp>
+      <p:sp>
+        <p:nvSpPr>
+          <p:cNvPr id="235" name="CustomShape 3"/>
+          <p:cNvSpPr/>
+          <p:nvPr/>
+        </p:nvSpPr>
+        <p:spPr>
+          <a:xfrm>
+            <a:off x="0" y="1260360"/>
+            <a:ext cx="10259280" cy="4498920"/>
+          </a:xfrm>
+          <a:prstGeom prst="rect">
+            <a:avLst/>
+          </a:prstGeom>
+          <a:solidFill>
+            <a:srgbClr val="ffffff"/>
+          </a:solidFill>
+          <a:ln w="0">
+            <a:noFill/>
+          </a:ln>
+        </p:spPr>
+        <p:style>
+          <a:lnRef idx="0"/>
+          <a:fillRef idx="0"/>
+          <a:effectRef idx="0"/>
+          <a:fontRef idx="minor"/>
+        </p:style>
+      </p:sp>
+      <p:sp>
+        <p:nvSpPr>
+          <p:cNvPr id="236" name="CustomShape 4"/>
+          <p:cNvSpPr/>
+          <p:nvPr/>
+        </p:nvSpPr>
+        <p:spPr>
+          <a:xfrm>
+            <a:off x="180360" y="5130360"/>
+            <a:ext cx="2339280" cy="391680"/>
+          </a:xfrm>
+          <a:prstGeom prst="rect">
+            <a:avLst/>
+          </a:prstGeom>
+          <a:noFill/>
+          <a:ln w="0">
+            <a:noFill/>
+          </a:ln>
+        </p:spPr>
+        <p:style>
+          <a:lnRef idx="0"/>
+          <a:fillRef idx="0"/>
+          <a:effectRef idx="0"/>
+          <a:fontRef idx="minor"/>
+        </p:style>
+        <p:txBody>
+          <a:bodyPr lIns="0" rIns="0" tIns="0" bIns="0" anchor="b">
+            <a:noAutofit/>
+          </a:bodyPr>
+          <a:p>
+            <a:pPr>
+              <a:lnSpc>
+                <a:spcPct val="100000"/>
+              </a:lnSpc>
+            </a:pPr>
+            <a:r>
+              <a:rPr b="0" lang="en-US" sz="1400" spc="-1" strike="noStrike">
+                <a:solidFill>
+                  <a:srgbClr val="000000"/>
+                </a:solidFill>
+                <a:latin typeface="Arial"/>
+                <a:ea typeface="DejaVu Sans"/>
+              </a:rPr>
+              <a:t>&lt;date/time&gt;</a:t>
+            </a:r>
+            <a:endParaRPr b="0" lang="en-US" sz="1400" spc="-1" strike="noStrike">
+              <a:latin typeface="Arial"/>
+            </a:endParaRPr>
+          </a:p>
+        </p:txBody>
+      </p:sp>
+      <p:sp>
+        <p:nvSpPr>
+          <p:cNvPr id="237" name="CustomShape 5"/>
+          <p:cNvSpPr/>
+          <p:nvPr/>
+        </p:nvSpPr>
+        <p:spPr>
+          <a:xfrm>
+            <a:off x="7560360" y="5130360"/>
+            <a:ext cx="2339280" cy="391680"/>
+          </a:xfrm>
+          <a:prstGeom prst="rect">
+            <a:avLst/>
+          </a:prstGeom>
+          <a:noFill/>
+          <a:ln w="0">
+            <a:noFill/>
+          </a:ln>
+        </p:spPr>
+        <p:style>
+          <a:lnRef idx="0"/>
+          <a:fillRef idx="0"/>
+          <a:effectRef idx="0"/>
+          <a:fontRef idx="minor"/>
+        </p:style>
+        <p:txBody>
+          <a:bodyPr lIns="0" rIns="0" tIns="0" bIns="0" anchor="b">
+            <a:noAutofit/>
+          </a:bodyPr>
+          <a:p>
+            <a:pPr algn="r">
+              <a:lnSpc>
+                <a:spcPct val="100000"/>
+              </a:lnSpc>
+            </a:pPr>
+            <a:fld id="{72245FB7-092D-4E2E-902A-E39788F74AA6}" type="slidenum">
+              <a:rPr b="0" lang="en-US" sz="1400" spc="-1" strike="noStrike">
+                <a:solidFill>
+                  <a:srgbClr val="000000"/>
+                </a:solidFill>
+                <a:latin typeface="Arial"/>
+                <a:ea typeface="DejaVu Sans"/>
+              </a:rPr>
+              <a:t>&lt;number&gt;</a:t>
+            </a:fld>
+            <a:endParaRPr b="0" lang="en-US" sz="1400" spc="-1" strike="noStrike">
+              <a:latin typeface="Arial"/>
+            </a:endParaRPr>
+          </a:p>
+        </p:txBody>
+      </p:sp>
+      <p:sp>
+        <p:nvSpPr>
+          <p:cNvPr id="238" name="CustomShape 6"/>
+          <p:cNvSpPr/>
+          <p:nvPr/>
+        </p:nvSpPr>
+        <p:spPr>
+          <a:xfrm>
+            <a:off x="1440360" y="1080360"/>
+            <a:ext cx="1439280" cy="1259280"/>
+          </a:xfrm>
+          <a:prstGeom prst="ellipse">
+            <a:avLst/>
+          </a:prstGeom>
+          <a:solidFill>
+            <a:srgbClr val="ffffff">
+              <a:alpha val="30000"/>
+            </a:srgbClr>
+          </a:solidFill>
+          <a:ln w="0">
+            <a:noFill/>
+          </a:ln>
+        </p:spPr>
+        <p:style>
+          <a:lnRef idx="0"/>
+          <a:fillRef idx="0"/>
+          <a:effectRef idx="0"/>
+          <a:fontRef idx="minor"/>
+        </p:style>
+      </p:sp>
+      <p:sp>
+        <p:nvSpPr>
+          <p:cNvPr id="239" name="CustomShape 7"/>
+          <p:cNvSpPr/>
+          <p:nvPr/>
+        </p:nvSpPr>
+        <p:spPr>
+          <a:xfrm>
+            <a:off x="7380360" y="3960360"/>
+            <a:ext cx="1439280" cy="1259280"/>
+          </a:xfrm>
+          <a:prstGeom prst="ellipse">
+            <a:avLst/>
+          </a:prstGeom>
+          <a:solidFill>
+            <a:srgbClr val="ffffff">
+              <a:alpha val="30000"/>
+            </a:srgbClr>
+          </a:solidFill>
+          <a:ln w="0">
+            <a:noFill/>
+          </a:ln>
+        </p:spPr>
+        <p:style>
+          <a:lnRef idx="0"/>
+          <a:fillRef idx="0"/>
+          <a:effectRef idx="0"/>
+          <a:fontRef idx="minor"/>
+        </p:style>
+      </p:sp>
+      <p:sp>
+        <p:nvSpPr>
+          <p:cNvPr id="240" name="CustomShape 8"/>
+          <p:cNvSpPr/>
+          <p:nvPr/>
+        </p:nvSpPr>
+        <p:spPr>
+          <a:xfrm>
+            <a:off x="540360" y="1080360"/>
+            <a:ext cx="719280" cy="719280"/>
+          </a:xfrm>
+          <a:prstGeom prst="ellipse">
+            <a:avLst/>
+          </a:prstGeom>
+          <a:solidFill>
+            <a:srgbClr val="ffffff">
+              <a:alpha val="20000"/>
+            </a:srgbClr>
+          </a:solidFill>
+          <a:ln w="0">
+            <a:noFill/>
+          </a:ln>
+        </p:spPr>
+        <p:style>
+          <a:lnRef idx="0"/>
+          <a:fillRef idx="0"/>
+          <a:effectRef idx="0"/>
+          <a:fontRef idx="minor"/>
+        </p:style>
+      </p:sp>
+      <p:sp>
+        <p:nvSpPr>
+          <p:cNvPr id="241" name="CustomShape 9"/>
+          <p:cNvSpPr/>
+          <p:nvPr/>
+        </p:nvSpPr>
+        <p:spPr>
+          <a:xfrm>
+            <a:off x="360" y="1260360"/>
+            <a:ext cx="719280" cy="719280"/>
+          </a:xfrm>
+          <a:prstGeom prst="ellipse">
+            <a:avLst/>
+          </a:prstGeom>
+          <a:solidFill>
+            <a:srgbClr val="ffffff">
+              <a:alpha val="10000"/>
+            </a:srgbClr>
+          </a:solidFill>
+          <a:ln w="0">
+            <a:noFill/>
+          </a:ln>
+        </p:spPr>
+        <p:style>
+          <a:lnRef idx="0"/>
+          <a:fillRef idx="0"/>
+          <a:effectRef idx="0"/>
+          <a:fontRef idx="minor"/>
+        </p:style>
+      </p:sp>
+      <p:sp>
+        <p:nvSpPr>
+          <p:cNvPr id="242" name="PlaceHolder 10"/>
+          <p:cNvSpPr>
+            <a:spLocks noGrp="1"/>
+          </p:cNvSpPr>
+          <p:nvPr>
+            <p:ph type="title"/>
+          </p:nvPr>
+        </p:nvSpPr>
+        <p:spPr>
+          <a:xfrm>
+            <a:off x="540000" y="270000"/>
+            <a:ext cx="8999280" cy="989280"/>
+          </a:xfrm>
+          <a:prstGeom prst="rect">
+            <a:avLst/>
+          </a:prstGeom>
+        </p:spPr>
+        <p:txBody>
+          <a:bodyPr lIns="0" rIns="0" tIns="0" bIns="0" anchor="ctr">
+            <a:noAutofit/>
+          </a:bodyPr>
+          <a:p>
+            <a:pPr algn="ctr"/>
+            <a:r>
+              <a:rPr b="0" lang="en-US" sz="1800" spc="-1" strike="noStrike">
+                <a:latin typeface="Arial"/>
+              </a:rPr>
+              <a:t>Click to edit the title text format</a:t>
+            </a:r>
+            <a:endParaRPr b="0" lang="en-US" sz="1800" spc="-1" strike="noStrike">
+              <a:latin typeface="Arial"/>
+            </a:endParaRPr>
+          </a:p>
+        </p:txBody>
+      </p:sp>
+      <p:sp>
+        <p:nvSpPr>
+          <p:cNvPr id="243" name="PlaceHolder 11"/>
+          <p:cNvSpPr>
+            <a:spLocks noGrp="1"/>
+          </p:cNvSpPr>
+          <p:nvPr>
+            <p:ph type="body"/>
+          </p:nvPr>
+        </p:nvSpPr>
+        <p:spPr>
+          <a:xfrm>
             <a:off x="540000" y="1440000"/>
-            <a:ext cx="8999640" cy="3599640"/>
+            <a:ext cx="8999280" cy="3599280"/>
           </a:xfrm>
           <a:prstGeom prst="rect">
             <a:avLst/>
@@ -9688,18 +11473,18 @@
   </p:cSld>
   <p:clrMap bg1="lt1" bg2="lt2" tx1="dk1" tx2="dk2" accent1="accent1" accent2="accent2" accent3="accent3" accent4="accent4" accent5="accent5" accent6="accent6" hlink="hlink" folHlink="folHlink"/>
   <p:sldLayoutIdLst>
-    <p:sldLayoutId id="2147483701" r:id="rId2"/>
-    <p:sldLayoutId id="2147483702" r:id="rId3"/>
-    <p:sldLayoutId id="2147483703" r:id="rId4"/>
-    <p:sldLayoutId id="2147483704" r:id="rId5"/>
-    <p:sldLayoutId id="2147483705" r:id="rId6"/>
-    <p:sldLayoutId id="2147483706" r:id="rId7"/>
-    <p:sldLayoutId id="2147483707" r:id="rId8"/>
-    <p:sldLayoutId id="2147483708" r:id="rId9"/>
-    <p:sldLayoutId id="2147483709" r:id="rId10"/>
-    <p:sldLayoutId id="2147483710" r:id="rId11"/>
-    <p:sldLayoutId id="2147483711" r:id="rId12"/>
-    <p:sldLayoutId id="2147483712" r:id="rId13"/>
+    <p:sldLayoutId id="2147483714" r:id="rId2"/>
+    <p:sldLayoutId id="2147483715" r:id="rId3"/>
+    <p:sldLayoutId id="2147483716" r:id="rId4"/>
+    <p:sldLayoutId id="2147483717" r:id="rId5"/>
+    <p:sldLayoutId id="2147483718" r:id="rId6"/>
+    <p:sldLayoutId id="2147483719" r:id="rId7"/>
+    <p:sldLayoutId id="2147483720" r:id="rId8"/>
+    <p:sldLayoutId id="2147483721" r:id="rId9"/>
+    <p:sldLayoutId id="2147483722" r:id="rId10"/>
+    <p:sldLayoutId id="2147483723" r:id="rId11"/>
+    <p:sldLayoutId id="2147483724" r:id="rId12"/>
+    <p:sldLayoutId id="2147483725" r:id="rId13"/>
   </p:sldLayoutIdLst>
 </p:sldMaster>
 </file>
@@ -9723,14 +11508,14 @@
       </p:grpSpPr>
       <p:sp>
         <p:nvSpPr>
-          <p:cNvPr id="239" name="CustomShape 1"/>
+          <p:cNvPr id="280" name="CustomShape 1"/>
           <p:cNvSpPr/>
           <p:nvPr/>
         </p:nvSpPr>
         <p:spPr>
           <a:xfrm>
             <a:off x="504000" y="1567800"/>
-            <a:ext cx="9071280" cy="946440"/>
+            <a:ext cx="9070920" cy="946080"/>
           </a:xfrm>
           <a:prstGeom prst="rect">
             <a:avLst/>
@@ -9762,6 +11547,7 @@
                   <a:srgbClr val="ffffff"/>
                 </a:solidFill>
                 <a:latin typeface="Arial"/>
+                <a:ea typeface="DejaVu Sans"/>
               </a:rPr>
               <a:t>Movie Ratings</a:t>
             </a:r>
@@ -9773,14 +11559,14 @@
       </p:sp>
       <p:sp>
         <p:nvSpPr>
-          <p:cNvPr id="240" name="CustomShape 2"/>
+          <p:cNvPr id="281" name="CustomShape 2"/>
           <p:cNvSpPr/>
           <p:nvPr/>
         </p:nvSpPr>
         <p:spPr>
           <a:xfrm>
             <a:off x="504000" y="2088000"/>
-            <a:ext cx="9071280" cy="2022480"/>
+            <a:ext cx="9070920" cy="2022120"/>
           </a:xfrm>
           <a:prstGeom prst="rect">
             <a:avLst/>
@@ -9812,6 +11598,7 @@
                   <a:srgbClr val="ffffff"/>
                 </a:solidFill>
                 <a:latin typeface="Arial"/>
+                <a:ea typeface="DejaVu Sans"/>
               </a:rPr>
               <a:t>Aydin Hasanli,Zi Yang, Evgeny Grobov, OPA Towobola</a:t>
             </a:r>
@@ -9831,6 +11618,7 @@
                   <a:srgbClr val="ffffff"/>
                 </a:solidFill>
                 <a:latin typeface="Arial"/>
+                <a:ea typeface="DejaVu Sans"/>
               </a:rPr>
               <a:t>11 Dec 2020</a:t>
             </a:r>
@@ -9842,7 +11630,7 @@
       </p:sp>
       <p:pic>
         <p:nvPicPr>
-          <p:cNvPr id="241" name="" descr=""/>
+          <p:cNvPr id="282" name="" descr=""/>
           <p:cNvPicPr/>
           <p:nvPr/>
         </p:nvPicPr>
@@ -9853,7 +11641,7 @@
         <p:spPr>
           <a:xfrm>
             <a:off x="8337600" y="3070800"/>
-            <a:ext cx="1752120" cy="2599920"/>
+            <a:ext cx="1751760" cy="2599560"/>
           </a:xfrm>
           <a:prstGeom prst="rect">
             <a:avLst/>
@@ -9895,7 +11683,7 @@
       </p:grpSpPr>
       <p:pic>
         <p:nvPicPr>
-          <p:cNvPr id="268" name="" descr=""/>
+          <p:cNvPr id="309" name="" descr=""/>
           <p:cNvPicPr/>
           <p:nvPr/>
         </p:nvPicPr>
@@ -9906,7 +11694,7 @@
         <p:spPr>
           <a:xfrm>
             <a:off x="28800" y="457200"/>
-            <a:ext cx="5121000" cy="3886200"/>
+            <a:ext cx="5120640" cy="3885840"/>
           </a:xfrm>
           <a:prstGeom prst="rect">
             <a:avLst/>
@@ -9918,14 +11706,14 @@
       </p:pic>
       <p:sp>
         <p:nvSpPr>
-          <p:cNvPr id="269" name="CustomShape 1"/>
+          <p:cNvPr id="310" name="CustomShape 1"/>
           <p:cNvSpPr/>
           <p:nvPr/>
         </p:nvSpPr>
         <p:spPr>
           <a:xfrm>
             <a:off x="540000" y="270000"/>
-            <a:ext cx="8999640" cy="989640"/>
+            <a:ext cx="8999280" cy="989280"/>
           </a:xfrm>
           <a:prstGeom prst="rect">
             <a:avLst/>
@@ -9957,6 +11745,7 @@
                   <a:srgbClr val="ffffff"/>
                 </a:solidFill>
                 <a:latin typeface="Arial"/>
+                <a:ea typeface="DejaVu Sans"/>
               </a:rPr>
               <a:t>Stationarity</a:t>
             </a:r>
@@ -9968,14 +11757,14 @@
       </p:sp>
       <p:sp>
         <p:nvSpPr>
-          <p:cNvPr id="270" name="CustomShape 2"/>
+          <p:cNvPr id="311" name="CustomShape 2"/>
           <p:cNvSpPr/>
           <p:nvPr/>
         </p:nvSpPr>
         <p:spPr>
           <a:xfrm>
             <a:off x="540000" y="1440000"/>
-            <a:ext cx="8999640" cy="3599640"/>
+            <a:ext cx="8999280" cy="3599280"/>
           </a:xfrm>
           <a:prstGeom prst="rect">
             <a:avLst/>
@@ -9994,7 +11783,7 @@
       </p:sp>
       <p:pic>
         <p:nvPicPr>
-          <p:cNvPr id="271" name="" descr=""/>
+          <p:cNvPr id="312" name="" descr=""/>
           <p:cNvPicPr/>
           <p:nvPr/>
         </p:nvPicPr>
@@ -10006,7 +11795,7 @@
         <p:spPr>
           <a:xfrm>
             <a:off x="5029200" y="360"/>
-            <a:ext cx="5482080" cy="5670360"/>
+            <a:ext cx="5481720" cy="5670000"/>
           </a:xfrm>
           <a:prstGeom prst="rect">
             <a:avLst/>
@@ -10048,14 +11837,14 @@
       </p:grpSpPr>
       <p:sp>
         <p:nvSpPr>
-          <p:cNvPr id="272" name="TextShape 1"/>
-          <p:cNvSpPr txBox="1"/>
+          <p:cNvPr id="313" name="CustomShape 1"/>
+          <p:cNvSpPr/>
           <p:nvPr/>
         </p:nvSpPr>
         <p:spPr>
           <a:xfrm>
             <a:off x="540000" y="270000"/>
-            <a:ext cx="8999640" cy="989640"/>
+            <a:ext cx="8999280" cy="989280"/>
           </a:xfrm>
           <a:prstGeom prst="rect">
             <a:avLst/>
@@ -10065,21 +11854,16 @@
             <a:noFill/>
           </a:ln>
         </p:spPr>
-        <p:txBody>
-          <a:bodyPr lIns="0" rIns="0" tIns="0" bIns="0" anchor="ctr">
-            <a:noAutofit/>
-          </a:bodyPr>
-          <a:p>
-            <a:pPr algn="ctr"/>
-            <a:endParaRPr b="0" lang="en-US" sz="4400" spc="-1" strike="noStrike">
-              <a:latin typeface="Arial"/>
-            </a:endParaRPr>
-          </a:p>
-        </p:txBody>
+        <p:style>
+          <a:lnRef idx="0"/>
+          <a:fillRef idx="0"/>
+          <a:effectRef idx="0"/>
+          <a:fontRef idx="minor"/>
+        </p:style>
       </p:sp>
       <p:pic>
         <p:nvPicPr>
-          <p:cNvPr id="273" name="" descr=""/>
+          <p:cNvPr id="314" name="" descr=""/>
           <p:cNvPicPr/>
           <p:nvPr/>
         </p:nvPicPr>
@@ -10089,8 +11873,8 @@
         </p:blipFill>
         <p:spPr>
           <a:xfrm>
-            <a:off x="2514600" y="368640"/>
-            <a:ext cx="5383800" cy="5670360"/>
+            <a:off x="2583000" y="-75240"/>
+            <a:ext cx="5806800" cy="5670360"/>
           </a:xfrm>
           <a:prstGeom prst="rect">
             <a:avLst/>
@@ -10132,14 +11916,14 @@
       </p:grpSpPr>
       <p:sp>
         <p:nvSpPr>
-          <p:cNvPr id="274" name="TextShape 1"/>
-          <p:cNvSpPr txBox="1"/>
+          <p:cNvPr id="315" name="CustomShape 1"/>
+          <p:cNvSpPr/>
           <p:nvPr/>
         </p:nvSpPr>
         <p:spPr>
           <a:xfrm>
             <a:off x="540000" y="270000"/>
-            <a:ext cx="8999640" cy="989640"/>
+            <a:ext cx="8999280" cy="989280"/>
           </a:xfrm>
           <a:prstGeom prst="rect">
             <a:avLst/>
@@ -10149,21 +11933,16 @@
             <a:noFill/>
           </a:ln>
         </p:spPr>
-        <p:txBody>
-          <a:bodyPr lIns="0" rIns="0" tIns="0" bIns="0" anchor="ctr">
-            <a:noAutofit/>
-          </a:bodyPr>
-          <a:p>
-            <a:pPr algn="ctr"/>
-            <a:endParaRPr b="0" lang="en-US" sz="4400" spc="-1" strike="noStrike">
-              <a:latin typeface="Arial"/>
-            </a:endParaRPr>
-          </a:p>
-        </p:txBody>
+        <p:style>
+          <a:lnRef idx="0"/>
+          <a:fillRef idx="0"/>
+          <a:effectRef idx="0"/>
+          <a:fontRef idx="minor"/>
+        </p:style>
       </p:sp>
       <p:pic>
         <p:nvPicPr>
-          <p:cNvPr id="275" name="" descr=""/>
+          <p:cNvPr id="316" name="" descr=""/>
           <p:cNvPicPr/>
           <p:nvPr/>
         </p:nvPicPr>
@@ -10174,7 +11953,7 @@
         <p:spPr>
           <a:xfrm>
             <a:off x="2147040" y="44640"/>
-            <a:ext cx="5790960" cy="5670360"/>
+            <a:ext cx="5790600" cy="5670000"/>
           </a:xfrm>
           <a:prstGeom prst="rect">
             <a:avLst/>
@@ -10216,14 +11995,14 @@
       </p:grpSpPr>
       <p:sp>
         <p:nvSpPr>
-          <p:cNvPr id="276" name="CustomShape 1"/>
+          <p:cNvPr id="317" name="CustomShape 1"/>
           <p:cNvSpPr/>
           <p:nvPr/>
         </p:nvSpPr>
         <p:spPr>
           <a:xfrm>
             <a:off x="540000" y="270000"/>
-            <a:ext cx="8999640" cy="989640"/>
+            <a:ext cx="8999280" cy="989280"/>
           </a:xfrm>
           <a:prstGeom prst="rect">
             <a:avLst/>
@@ -10255,6 +12034,7 @@
                   <a:srgbClr val="ffffff"/>
                 </a:solidFill>
                 <a:latin typeface="Arial"/>
+                <a:ea typeface="DejaVu Sans"/>
               </a:rPr>
               <a:t>Summary</a:t>
             </a:r>
@@ -10266,14 +12046,14 @@
       </p:sp>
       <p:sp>
         <p:nvSpPr>
-          <p:cNvPr id="277" name="CustomShape 2"/>
+          <p:cNvPr id="318" name="CustomShape 2"/>
           <p:cNvSpPr/>
           <p:nvPr/>
         </p:nvSpPr>
         <p:spPr>
           <a:xfrm>
             <a:off x="540000" y="1440000"/>
-            <a:ext cx="8999640" cy="3599640"/>
+            <a:ext cx="8999280" cy="3599280"/>
           </a:xfrm>
           <a:prstGeom prst="rect">
             <a:avLst/>
@@ -10294,7 +12074,7 @@
             <a:normAutofit/>
           </a:bodyPr>
           <a:p>
-            <a:pPr marL="432000" indent="-323640">
+            <a:pPr marL="432000" indent="-323280">
               <a:lnSpc>
                 <a:spcPct val="100000"/>
               </a:lnSpc>
@@ -10310,7 +12090,11 @@
             </a:pPr>
             <a:r>
               <a:rPr b="0" lang="en-US" sz="2400" spc="-1" strike="noStrike">
+                <a:solidFill>
+                  <a:srgbClr val="000000"/>
+                </a:solidFill>
                 <a:latin typeface="Arial"/>
+                <a:ea typeface="DejaVu Sans"/>
               </a:rPr>
               <a:t>Means of the ratings is a simple and quick method</a:t>
             </a:r>
@@ -10319,7 +12103,7 @@
             </a:endParaRPr>
           </a:p>
           <a:p>
-            <a:pPr marL="432000" indent="-323640">
+            <a:pPr marL="432000" indent="-323280">
               <a:lnSpc>
                 <a:spcPct val="100000"/>
               </a:lnSpc>
@@ -10335,7 +12119,11 @@
             </a:pPr>
             <a:r>
               <a:rPr b="0" lang="en-US" sz="2400" spc="-1" strike="noStrike">
+                <a:solidFill>
+                  <a:srgbClr val="000000"/>
+                </a:solidFill>
                 <a:latin typeface="Arial"/>
+                <a:ea typeface="DejaVu Sans"/>
               </a:rPr>
               <a:t>A more sophisticated method gives more accurate results</a:t>
             </a:r>
@@ -10347,14 +12135,14 @@
       </p:sp>
       <p:sp>
         <p:nvSpPr>
-          <p:cNvPr id="278" name="TextShape 3"/>
-          <p:cNvSpPr txBox="1"/>
+          <p:cNvPr id="319" name="CustomShape 3"/>
+          <p:cNvSpPr/>
           <p:nvPr/>
         </p:nvSpPr>
         <p:spPr>
           <a:xfrm>
             <a:off x="1462680" y="1439640"/>
-            <a:ext cx="7153560" cy="3599640"/>
+            <a:ext cx="7153200" cy="3599280"/>
           </a:xfrm>
           <a:prstGeom prst="rect">
             <a:avLst/>
@@ -10364,27 +12152,23 @@
             <a:noFill/>
           </a:ln>
         </p:spPr>
-        <p:txBody>
-          <a:bodyPr lIns="0" rIns="0" tIns="0" bIns="0">
-            <a:normAutofit/>
-          </a:bodyPr>
-          <a:p>
-            <a:endParaRPr b="0" lang="en-US" sz="3200" spc="-1" strike="noStrike">
-              <a:latin typeface="Arial"/>
-            </a:endParaRPr>
-          </a:p>
-        </p:txBody>
-      </p:sp>
-      <p:sp>
-        <p:nvSpPr>
-          <p:cNvPr id="279" name="TextShape 4"/>
-          <p:cNvSpPr txBox="1"/>
+        <p:style>
+          <a:lnRef idx="0"/>
+          <a:fillRef idx="0"/>
+          <a:effectRef idx="0"/>
+          <a:fontRef idx="minor"/>
+        </p:style>
+      </p:sp>
+      <p:sp>
+        <p:nvSpPr>
+          <p:cNvPr id="320" name="CustomShape 4"/>
+          <p:cNvSpPr/>
           <p:nvPr/>
         </p:nvSpPr>
         <p:spPr>
           <a:xfrm>
             <a:off x="540000" y="270000"/>
-            <a:ext cx="8999640" cy="989640"/>
+            <a:ext cx="8999280" cy="989280"/>
           </a:xfrm>
           <a:prstGeom prst="rect">
             <a:avLst/>
@@ -10394,12 +12178,22 @@
             <a:noFill/>
           </a:ln>
         </p:spPr>
+        <p:style>
+          <a:lnRef idx="0"/>
+          <a:fillRef idx="0"/>
+          <a:effectRef idx="0"/>
+          <a:fontRef idx="minor"/>
+        </p:style>
         <p:txBody>
           <a:bodyPr lIns="0" rIns="0" tIns="0" bIns="0" anchor="ctr">
             <a:noAutofit/>
           </a:bodyPr>
           <a:p>
-            <a:pPr algn="ctr"/>
+            <a:pPr algn="ctr">
+              <a:lnSpc>
+                <a:spcPct val="100000"/>
+              </a:lnSpc>
+            </a:pPr>
             <a:r>
               <a:rPr b="0" lang="en-US" sz="4400" spc="-1" strike="noStrike">
                 <a:latin typeface="Arial"/>
@@ -10414,7 +12208,7 @@
       </p:sp>
       <p:pic>
         <p:nvPicPr>
-          <p:cNvPr id="280" name="" descr=""/>
+          <p:cNvPr id="321" name="" descr=""/>
           <p:cNvPicPr/>
           <p:nvPr/>
         </p:nvPicPr>
@@ -10425,7 +12219,7 @@
         <p:spPr>
           <a:xfrm>
             <a:off x="3200400" y="2271960"/>
-            <a:ext cx="3200400" cy="3214440"/>
+            <a:ext cx="3200040" cy="3214080"/>
           </a:xfrm>
           <a:prstGeom prst="rect">
             <a:avLst/>
@@ -10467,14 +12261,14 @@
       </p:grpSpPr>
       <p:sp>
         <p:nvSpPr>
-          <p:cNvPr id="281" name="CustomShape 1"/>
+          <p:cNvPr id="322" name="CustomShape 1"/>
           <p:cNvSpPr/>
           <p:nvPr/>
         </p:nvSpPr>
         <p:spPr>
           <a:xfrm>
             <a:off x="540000" y="270000"/>
-            <a:ext cx="8999640" cy="989640"/>
+            <a:ext cx="8999280" cy="989280"/>
           </a:xfrm>
           <a:prstGeom prst="rect">
             <a:avLst/>
@@ -10506,6 +12300,7 @@
                   <a:srgbClr val="ffffff"/>
                 </a:solidFill>
                 <a:latin typeface="Arial"/>
+                <a:ea typeface="DejaVu Sans"/>
               </a:rPr>
               <a:t>Thank you</a:t>
             </a:r>
@@ -10517,14 +12312,14 @@
       </p:sp>
       <p:sp>
         <p:nvSpPr>
-          <p:cNvPr id="282" name="CustomShape 2"/>
+          <p:cNvPr id="323" name="CustomShape 2"/>
           <p:cNvSpPr/>
           <p:nvPr/>
         </p:nvSpPr>
         <p:spPr>
           <a:xfrm>
             <a:off x="540000" y="1440000"/>
-            <a:ext cx="8999640" cy="3599640"/>
+            <a:ext cx="8999280" cy="3599280"/>
           </a:xfrm>
           <a:prstGeom prst="rect">
             <a:avLst/>
@@ -10543,14 +12338,14 @@
       </p:sp>
       <p:sp>
         <p:nvSpPr>
-          <p:cNvPr id="283" name="TextShape 3"/>
-          <p:cNvSpPr txBox="1"/>
+          <p:cNvPr id="324" name="CustomShape 3"/>
+          <p:cNvSpPr/>
           <p:nvPr/>
         </p:nvSpPr>
         <p:spPr>
           <a:xfrm>
             <a:off x="540000" y="270000"/>
-            <a:ext cx="8999640" cy="989640"/>
+            <a:ext cx="8999280" cy="989280"/>
           </a:xfrm>
           <a:prstGeom prst="rect">
             <a:avLst/>
@@ -10560,12 +12355,22 @@
             <a:noFill/>
           </a:ln>
         </p:spPr>
+        <p:style>
+          <a:lnRef idx="0"/>
+          <a:fillRef idx="0"/>
+          <a:effectRef idx="0"/>
+          <a:fontRef idx="minor"/>
+        </p:style>
         <p:txBody>
           <a:bodyPr lIns="0" rIns="0" tIns="0" bIns="0" anchor="ctr">
             <a:noAutofit/>
           </a:bodyPr>
           <a:p>
-            <a:pPr algn="ctr"/>
+            <a:pPr algn="ctr">
+              <a:lnSpc>
+                <a:spcPct val="100000"/>
+              </a:lnSpc>
+            </a:pPr>
             <a:r>
               <a:rPr b="0" lang="en-US" sz="4400" spc="-1" strike="noStrike">
                 <a:latin typeface="Arial"/>
@@ -10580,14 +12385,14 @@
       </p:sp>
       <p:sp>
         <p:nvSpPr>
-          <p:cNvPr id="284" name="TextShape 4"/>
-          <p:cNvSpPr txBox="1"/>
+          <p:cNvPr id="325" name="CustomShape 4"/>
+          <p:cNvSpPr/>
           <p:nvPr/>
         </p:nvSpPr>
         <p:spPr>
           <a:xfrm>
             <a:off x="540000" y="1440000"/>
-            <a:ext cx="8999640" cy="3599640"/>
+            <a:ext cx="8999280" cy="3599280"/>
           </a:xfrm>
           <a:prstGeom prst="rect">
             <a:avLst/>
@@ -10597,20 +12402,16 @@
             <a:noFill/>
           </a:ln>
         </p:spPr>
-        <p:txBody>
-          <a:bodyPr lIns="0" rIns="0" tIns="0" bIns="0">
-            <a:normAutofit/>
-          </a:bodyPr>
-          <a:p>
-            <a:endParaRPr b="0" lang="en-US" sz="3200" spc="-1" strike="noStrike">
-              <a:latin typeface="Arial"/>
-            </a:endParaRPr>
-          </a:p>
-        </p:txBody>
+        <p:style>
+          <a:lnRef idx="0"/>
+          <a:fillRef idx="0"/>
+          <a:effectRef idx="0"/>
+          <a:fontRef idx="minor"/>
+        </p:style>
       </p:sp>
       <p:pic>
         <p:nvPicPr>
-          <p:cNvPr id="285" name="" descr=""/>
+          <p:cNvPr id="326" name="" descr=""/>
           <p:cNvPicPr/>
           <p:nvPr/>
         </p:nvPicPr>
@@ -10621,7 +12422,7 @@
         <p:spPr>
           <a:xfrm>
             <a:off x="2813760" y="2055240"/>
-            <a:ext cx="4501440" cy="2984400"/>
+            <a:ext cx="4501080" cy="2984040"/>
           </a:xfrm>
           <a:prstGeom prst="rect">
             <a:avLst/>
@@ -10663,14 +12464,14 @@
       </p:grpSpPr>
       <p:sp>
         <p:nvSpPr>
-          <p:cNvPr id="242" name="TextShape 1"/>
-          <p:cNvSpPr txBox="1"/>
+          <p:cNvPr id="283" name="CustomShape 1"/>
+          <p:cNvSpPr/>
           <p:nvPr/>
         </p:nvSpPr>
         <p:spPr>
           <a:xfrm>
             <a:off x="466200" y="3247560"/>
-            <a:ext cx="9002520" cy="954360"/>
+            <a:ext cx="9002160" cy="954000"/>
           </a:xfrm>
           <a:prstGeom prst="rect">
             <a:avLst/>
@@ -10680,28 +12481,23 @@
             <a:noFill/>
           </a:ln>
         </p:spPr>
-        <p:txBody>
-          <a:bodyPr lIns="0" rIns="0" tIns="0" bIns="0" anchor="ctr">
-            <a:noAutofit/>
-          </a:bodyPr>
-          <a:p>
-            <a:pPr algn="ctr"/>
-            <a:endParaRPr b="1" lang="en-US" sz="5270" spc="-1" strike="noStrike">
-              <a:latin typeface="Arial"/>
-            </a:endParaRPr>
-          </a:p>
-        </p:txBody>
-      </p:sp>
-      <p:sp>
-        <p:nvSpPr>
-          <p:cNvPr id="243" name="TextShape 2"/>
-          <p:cNvSpPr txBox="1"/>
+        <p:style>
+          <a:lnRef idx="0"/>
+          <a:fillRef idx="0"/>
+          <a:effectRef idx="0"/>
+          <a:fontRef idx="minor"/>
+        </p:style>
+      </p:sp>
+      <p:sp>
+        <p:nvSpPr>
+          <p:cNvPr id="284" name="CustomShape 2"/>
+          <p:cNvSpPr/>
           <p:nvPr/>
         </p:nvSpPr>
         <p:spPr>
           <a:xfrm>
             <a:off x="272520" y="4246920"/>
-            <a:ext cx="8802720" cy="3314880"/>
+            <a:ext cx="8802360" cy="3314520"/>
           </a:xfrm>
           <a:prstGeom prst="rect">
             <a:avLst/>
@@ -10711,20 +12507,16 @@
             <a:noFill/>
           </a:ln>
         </p:spPr>
-        <p:txBody>
-          <a:bodyPr lIns="0" rIns="0" tIns="0" bIns="0">
-            <a:normAutofit/>
-          </a:bodyPr>
-          <a:p>
-            <a:endParaRPr b="0" lang="en-US" sz="3200" spc="-1" strike="noStrike">
-              <a:latin typeface="Arial"/>
-            </a:endParaRPr>
-          </a:p>
-        </p:txBody>
+        <p:style>
+          <a:lnRef idx="0"/>
+          <a:fillRef idx="0"/>
+          <a:effectRef idx="0"/>
+          <a:fontRef idx="minor"/>
+        </p:style>
       </p:sp>
       <p:pic>
         <p:nvPicPr>
-          <p:cNvPr id="244" name="" descr=""/>
+          <p:cNvPr id="285" name="" descr=""/>
           <p:cNvPicPr/>
           <p:nvPr/>
         </p:nvPicPr>
@@ -10735,7 +12527,7 @@
         <p:spPr>
           <a:xfrm>
             <a:off x="2851560" y="-11880"/>
-            <a:ext cx="4373640" cy="5670360"/>
+            <a:ext cx="4373280" cy="5670000"/>
           </a:xfrm>
           <a:prstGeom prst="rect">
             <a:avLst/>
@@ -10777,14 +12569,14 @@
       </p:grpSpPr>
       <p:sp>
         <p:nvSpPr>
-          <p:cNvPr id="245" name="CustomShape 1"/>
+          <p:cNvPr id="286" name="CustomShape 1"/>
           <p:cNvSpPr/>
           <p:nvPr/>
         </p:nvSpPr>
         <p:spPr>
           <a:xfrm>
             <a:off x="540000" y="270000"/>
-            <a:ext cx="8999640" cy="989640"/>
+            <a:ext cx="8999280" cy="989280"/>
           </a:xfrm>
           <a:prstGeom prst="rect">
             <a:avLst/>
@@ -10816,6 +12608,7 @@
                   <a:srgbClr val="ffffff"/>
                 </a:solidFill>
                 <a:latin typeface="Arial"/>
+                <a:ea typeface="DejaVu Sans"/>
               </a:rPr>
               <a:t>Overview</a:t>
             </a:r>
@@ -10827,14 +12620,14 @@
       </p:sp>
       <p:sp>
         <p:nvSpPr>
-          <p:cNvPr id="246" name="CustomShape 2"/>
+          <p:cNvPr id="287" name="CustomShape 2"/>
           <p:cNvSpPr/>
           <p:nvPr/>
         </p:nvSpPr>
         <p:spPr>
           <a:xfrm>
             <a:off x="540000" y="1440000"/>
-            <a:ext cx="8999640" cy="3599640"/>
+            <a:ext cx="8999280" cy="3599280"/>
           </a:xfrm>
           <a:prstGeom prst="rect">
             <a:avLst/>
@@ -10859,7 +12652,7 @@
             <a:normAutofit/>
           </a:bodyPr>
           <a:p>
-            <a:pPr marL="432000" indent="-323640">
+            <a:pPr marL="432000" indent="-323280">
               <a:lnSpc>
                 <a:spcPct val="100000"/>
               </a:lnSpc>
@@ -10875,7 +12668,11 @@
             </a:pPr>
             <a:r>
               <a:rPr b="0" lang="en-US" sz="2400" spc="-1" strike="noStrike">
+                <a:solidFill>
+                  <a:srgbClr val="000000"/>
+                </a:solidFill>
                 <a:latin typeface="Arial"/>
+                <a:ea typeface="DejaVu Sans"/>
               </a:rPr>
               <a:t>Exploration</a:t>
             </a:r>
@@ -10884,7 +12681,7 @@
             </a:endParaRPr>
           </a:p>
           <a:p>
-            <a:pPr marL="432000" indent="-323640">
+            <a:pPr marL="432000" indent="-323280">
               <a:lnSpc>
                 <a:spcPct val="100000"/>
               </a:lnSpc>
@@ -10900,7 +12697,11 @@
             </a:pPr>
             <a:r>
               <a:rPr b="0" lang="en-US" sz="2400" spc="-1" strike="noStrike">
+                <a:solidFill>
+                  <a:srgbClr val="000000"/>
+                </a:solidFill>
                 <a:latin typeface="Arial"/>
+                <a:ea typeface="DejaVu Sans"/>
               </a:rPr>
               <a:t>Analysis</a:t>
             </a:r>
@@ -10909,7 +12710,7 @@
             </a:endParaRPr>
           </a:p>
           <a:p>
-            <a:pPr marL="432000" indent="-323640">
+            <a:pPr marL="432000" indent="-323280">
               <a:lnSpc>
                 <a:spcPct val="100000"/>
               </a:lnSpc>
@@ -10925,7 +12726,11 @@
             </a:pPr>
             <a:r>
               <a:rPr b="0" lang="en-US" sz="2400" spc="-1" strike="noStrike">
+                <a:solidFill>
+                  <a:srgbClr val="000000"/>
+                </a:solidFill>
                 <a:latin typeface="Arial"/>
+                <a:ea typeface="DejaVu Sans"/>
               </a:rPr>
               <a:t>Results</a:t>
             </a:r>
@@ -10937,7 +12742,7 @@
       </p:sp>
       <p:pic>
         <p:nvPicPr>
-          <p:cNvPr id="247" name="" descr=""/>
+          <p:cNvPr id="288" name="" descr=""/>
           <p:cNvPicPr/>
           <p:nvPr/>
         </p:nvPicPr>
@@ -10948,7 +12753,7 @@
         <p:spPr>
           <a:xfrm>
             <a:off x="2743200" y="914400"/>
-            <a:ext cx="5992200" cy="3581640"/>
+            <a:ext cx="5991840" cy="3581280"/>
           </a:xfrm>
           <a:prstGeom prst="rect">
             <a:avLst/>
@@ -10990,14 +12795,14 @@
       </p:grpSpPr>
       <p:sp>
         <p:nvSpPr>
-          <p:cNvPr id="248" name="CustomShape 1"/>
+          <p:cNvPr id="289" name="CustomShape 1"/>
           <p:cNvSpPr/>
           <p:nvPr/>
         </p:nvSpPr>
         <p:spPr>
           <a:xfrm>
             <a:off x="540000" y="270000"/>
-            <a:ext cx="8999640" cy="989640"/>
+            <a:ext cx="8999280" cy="989280"/>
           </a:xfrm>
           <a:prstGeom prst="rect">
             <a:avLst/>
@@ -11029,6 +12834,7 @@
                   <a:srgbClr val="ffffff"/>
                 </a:solidFill>
                 <a:latin typeface="Arial"/>
+                <a:ea typeface="DejaVu Sans"/>
               </a:rPr>
               <a:t>Goals</a:t>
             </a:r>
@@ -11040,14 +12846,14 @@
       </p:sp>
       <p:sp>
         <p:nvSpPr>
-          <p:cNvPr id="249" name="CustomShape 2"/>
+          <p:cNvPr id="290" name="CustomShape 2"/>
           <p:cNvSpPr/>
           <p:nvPr/>
         </p:nvSpPr>
         <p:spPr>
           <a:xfrm>
             <a:off x="540000" y="1440000"/>
-            <a:ext cx="8999640" cy="3599640"/>
+            <a:ext cx="8999280" cy="3599280"/>
           </a:xfrm>
           <a:prstGeom prst="rect">
             <a:avLst/>
@@ -11075,7 +12881,11 @@
             </a:pPr>
             <a:r>
               <a:rPr b="0" lang="en-US" sz="3200" spc="-1" strike="noStrike">
+                <a:solidFill>
+                  <a:srgbClr val="000000"/>
+                </a:solidFill>
                 <a:latin typeface="Arial"/>
+                <a:ea typeface="DejaVu Sans"/>
               </a:rPr>
               <a:t>Given a dataset</a:t>
             </a:r>
@@ -11091,7 +12901,11 @@
             </a:pPr>
             <a:r>
               <a:rPr b="0" lang="en-US" sz="3200" spc="-1" strike="noStrike">
+                <a:solidFill>
+                  <a:srgbClr val="000000"/>
+                </a:solidFill>
                 <a:latin typeface="Arial"/>
+                <a:ea typeface="DejaVu Sans"/>
               </a:rPr>
               <a:t>Determine a good recommender model</a:t>
             </a:r>
@@ -11107,7 +12921,11 @@
             </a:pPr>
             <a:r>
               <a:rPr b="0" lang="en-US" sz="3200" spc="-1" strike="noStrike">
+                <a:solidFill>
+                  <a:srgbClr val="000000"/>
+                </a:solidFill>
                 <a:latin typeface="Arial"/>
+                <a:ea typeface="DejaVu Sans"/>
               </a:rPr>
               <a:t>Make recommendations</a:t>
             </a:r>
@@ -11123,7 +12941,11 @@
             </a:pPr>
             <a:r>
               <a:rPr b="0" lang="en-US" sz="3200" spc="-1" strike="noStrike">
+                <a:solidFill>
+                  <a:srgbClr val="000000"/>
+                </a:solidFill>
                 <a:latin typeface="Arial"/>
+                <a:ea typeface="DejaVu Sans"/>
               </a:rPr>
               <a:t>Using a web-app inteface</a:t>
             </a:r>
@@ -11145,7 +12967,7 @@
       </p:sp>
       <p:pic>
         <p:nvPicPr>
-          <p:cNvPr id="250" name="" descr=""/>
+          <p:cNvPr id="291" name="" descr=""/>
           <p:cNvPicPr/>
           <p:nvPr/>
         </p:nvPicPr>
@@ -11156,7 +12978,7 @@
         <p:spPr>
           <a:xfrm>
             <a:off x="457200" y="228600"/>
-            <a:ext cx="2619000" cy="1742760"/>
+            <a:ext cx="2618640" cy="1742400"/>
           </a:xfrm>
           <a:prstGeom prst="rect">
             <a:avLst/>
@@ -11198,14 +13020,14 @@
       </p:grpSpPr>
       <p:sp>
         <p:nvSpPr>
-          <p:cNvPr id="251" name="CustomShape 1"/>
+          <p:cNvPr id="292" name="CustomShape 1"/>
           <p:cNvSpPr/>
           <p:nvPr/>
         </p:nvSpPr>
         <p:spPr>
           <a:xfrm>
             <a:off x="540000" y="270000"/>
-            <a:ext cx="8999640" cy="989640"/>
+            <a:ext cx="8999280" cy="989280"/>
           </a:xfrm>
           <a:prstGeom prst="rect">
             <a:avLst/>
@@ -11237,6 +13059,7 @@
                   <a:srgbClr val="ffffff"/>
                 </a:solidFill>
                 <a:latin typeface="Arial"/>
+                <a:ea typeface="DejaVu Sans"/>
               </a:rPr>
               <a:t>Data Set</a:t>
             </a:r>
@@ -11248,14 +13071,14 @@
       </p:sp>
       <p:sp>
         <p:nvSpPr>
-          <p:cNvPr id="252" name="CustomShape 2"/>
+          <p:cNvPr id="293" name="CustomShape 2"/>
           <p:cNvSpPr/>
           <p:nvPr/>
         </p:nvSpPr>
         <p:spPr>
           <a:xfrm>
             <a:off x="540000" y="1440000"/>
-            <a:ext cx="8999640" cy="3599640"/>
+            <a:ext cx="8999280" cy="3599280"/>
           </a:xfrm>
           <a:prstGeom prst="rect">
             <a:avLst/>
@@ -11276,7 +13099,7 @@
             <a:normAutofit/>
           </a:bodyPr>
           <a:p>
-            <a:pPr marL="432000" indent="-323640">
+            <a:pPr marL="432000" indent="-323280">
               <a:lnSpc>
                 <a:spcPct val="100000"/>
               </a:lnSpc>
@@ -11292,7 +13115,11 @@
             </a:pPr>
             <a:r>
               <a:rPr b="0" lang="en-US" sz="2400" spc="-1" strike="noStrike">
+                <a:solidFill>
+                  <a:srgbClr val="000000"/>
+                </a:solidFill>
                 <a:latin typeface="Arial"/>
+                <a:ea typeface="DejaVu Sans"/>
               </a:rPr>
               <a:t>20 genres</a:t>
             </a:r>
@@ -11301,7 +13128,7 @@
             </a:endParaRPr>
           </a:p>
           <a:p>
-            <a:pPr marL="432000" indent="-323640">
+            <a:pPr marL="432000" indent="-323280">
               <a:lnSpc>
                 <a:spcPct val="100000"/>
               </a:lnSpc>
@@ -11317,7 +13144,11 @@
             </a:pPr>
             <a:r>
               <a:rPr b="0" lang="en-US" sz="2100" spc="-1" strike="noStrike">
+                <a:solidFill>
+                  <a:srgbClr val="000000"/>
+                </a:solidFill>
                 <a:latin typeface="Arial"/>
+                <a:ea typeface="DejaVu Sans"/>
               </a:rPr>
               <a:t>using ml small 2018 data set </a:t>
             </a:r>
@@ -11336,13 +13167,21 @@
             </a:pPr>
             <a:r>
               <a:rPr b="0" lang="en-US" sz="2100" spc="-1" strike="noStrike">
+                <a:solidFill>
+                  <a:srgbClr val="000000"/>
+                </a:solidFill>
                 <a:latin typeface="Arial"/>
+                <a:ea typeface="DejaVu Sans"/>
               </a:rPr>
               <a:t>	</a:t>
             </a:r>
             <a:r>
               <a:rPr b="0" lang="en-US" sz="2100" spc="-1" strike="noStrike">
+                <a:solidFill>
+                  <a:srgbClr val="000000"/>
+                </a:solidFill>
                 <a:latin typeface="Arial"/>
+                <a:ea typeface="DejaVu Sans"/>
               </a:rPr>
               <a:t>~9742  movies</a:t>
             </a:r>
@@ -11351,7 +13190,7 @@
             </a:endParaRPr>
           </a:p>
           <a:p>
-            <a:pPr lvl="1" marL="864000" indent="-323640">
+            <a:pPr lvl="1" marL="864000" indent="-323280">
               <a:lnSpc>
                 <a:spcPct val="100000"/>
               </a:lnSpc>
@@ -11367,7 +13206,11 @@
             </a:pPr>
             <a:r>
               <a:rPr b="0" lang="en-US" sz="2100" spc="-1" strike="noStrike">
+                <a:solidFill>
+                  <a:srgbClr val="000000"/>
+                </a:solidFill>
                 <a:latin typeface="Arial"/>
+                <a:ea typeface="DejaVu Sans"/>
               </a:rPr>
               <a:t>Exploded into multiple genres for each movie</a:t>
             </a:r>
@@ -11379,7 +13222,7 @@
       </p:sp>
       <p:pic>
         <p:nvPicPr>
-          <p:cNvPr id="253" name="" descr=""/>
+          <p:cNvPr id="294" name="" descr=""/>
           <p:cNvPicPr/>
           <p:nvPr/>
         </p:nvPicPr>
@@ -11390,7 +13233,7 @@
         <p:spPr>
           <a:xfrm>
             <a:off x="4114800" y="3220200"/>
-            <a:ext cx="4971960" cy="1819440"/>
+            <a:ext cx="4971600" cy="1819080"/>
           </a:xfrm>
           <a:prstGeom prst="rect">
             <a:avLst/>
@@ -11402,7 +13245,7 @@
       </p:pic>
       <p:pic>
         <p:nvPicPr>
-          <p:cNvPr id="254" name="" descr=""/>
+          <p:cNvPr id="295" name="" descr=""/>
           <p:cNvPicPr/>
           <p:nvPr/>
         </p:nvPicPr>
@@ -11413,7 +13256,7 @@
         <p:spPr>
           <a:xfrm>
             <a:off x="7448760" y="228960"/>
-            <a:ext cx="1923840" cy="2857320"/>
+            <a:ext cx="1923480" cy="2856960"/>
           </a:xfrm>
           <a:prstGeom prst="rect">
             <a:avLst/>
@@ -11455,7 +13298,7 @@
       </p:grpSpPr>
       <p:pic>
         <p:nvPicPr>
-          <p:cNvPr id="255" name="" descr=""/>
+          <p:cNvPr id="296" name="" descr=""/>
           <p:cNvPicPr/>
           <p:nvPr/>
         </p:nvPicPr>
@@ -11466,7 +13309,7 @@
         <p:spPr>
           <a:xfrm>
             <a:off x="875160" y="380520"/>
-            <a:ext cx="8334360" cy="4886280"/>
+            <a:ext cx="8334000" cy="4885920"/>
           </a:xfrm>
           <a:prstGeom prst="rect">
             <a:avLst/>
@@ -11508,14 +13351,14 @@
       </p:grpSpPr>
       <p:sp>
         <p:nvSpPr>
-          <p:cNvPr id="256" name="CustomShape 1"/>
+          <p:cNvPr id="297" name="CustomShape 1"/>
           <p:cNvSpPr/>
           <p:nvPr/>
         </p:nvSpPr>
         <p:spPr>
           <a:xfrm>
             <a:off x="540000" y="270000"/>
-            <a:ext cx="8999640" cy="989640"/>
+            <a:ext cx="8999280" cy="989280"/>
           </a:xfrm>
           <a:prstGeom prst="rect">
             <a:avLst/>
@@ -11534,14 +13377,14 @@
       </p:sp>
       <p:sp>
         <p:nvSpPr>
-          <p:cNvPr id="257" name="CustomShape 2"/>
+          <p:cNvPr id="298" name="CustomShape 2"/>
           <p:cNvSpPr/>
           <p:nvPr/>
         </p:nvSpPr>
         <p:spPr>
           <a:xfrm>
             <a:off x="540000" y="1440000"/>
-            <a:ext cx="8999640" cy="3599640"/>
+            <a:ext cx="8999280" cy="3599280"/>
           </a:xfrm>
           <a:prstGeom prst="rect">
             <a:avLst/>
@@ -11560,7 +13403,7 @@
       </p:sp>
       <p:pic>
         <p:nvPicPr>
-          <p:cNvPr id="258" name="" descr=""/>
+          <p:cNvPr id="299" name="" descr=""/>
           <p:cNvPicPr/>
           <p:nvPr/>
         </p:nvPicPr>
@@ -11571,7 +13414,7 @@
         <p:spPr>
           <a:xfrm>
             <a:off x="228600" y="1440000"/>
-            <a:ext cx="3485880" cy="2542680"/>
+            <a:ext cx="3485520" cy="2542320"/>
           </a:xfrm>
           <a:prstGeom prst="rect">
             <a:avLst/>
@@ -11583,7 +13426,7 @@
       </p:pic>
       <p:pic>
         <p:nvPicPr>
-          <p:cNvPr id="259" name="" descr=""/>
+          <p:cNvPr id="300" name="" descr=""/>
           <p:cNvPicPr/>
           <p:nvPr/>
         </p:nvPicPr>
@@ -11594,7 +13437,7 @@
         <p:spPr>
           <a:xfrm>
             <a:off x="4572000" y="2514600"/>
-            <a:ext cx="4762080" cy="2542680"/>
+            <a:ext cx="4761720" cy="2542320"/>
           </a:xfrm>
           <a:prstGeom prst="rect">
             <a:avLst/>
@@ -11606,14 +13449,14 @@
       </p:pic>
       <p:sp>
         <p:nvSpPr>
-          <p:cNvPr id="260" name="TextShape 3"/>
-          <p:cNvSpPr txBox="1"/>
+          <p:cNvPr id="301" name="CustomShape 3"/>
+          <p:cNvSpPr/>
           <p:nvPr/>
         </p:nvSpPr>
         <p:spPr>
           <a:xfrm>
             <a:off x="540000" y="270000"/>
-            <a:ext cx="8999640" cy="989640"/>
+            <a:ext cx="8999280" cy="989280"/>
           </a:xfrm>
           <a:prstGeom prst="rect">
             <a:avLst/>
@@ -11623,12 +13466,22 @@
             <a:noFill/>
           </a:ln>
         </p:spPr>
+        <p:style>
+          <a:lnRef idx="0"/>
+          <a:fillRef idx="0"/>
+          <a:effectRef idx="0"/>
+          <a:fontRef idx="minor"/>
+        </p:style>
         <p:txBody>
           <a:bodyPr lIns="0" rIns="0" tIns="0" bIns="0" anchor="ctr">
             <a:noAutofit/>
           </a:bodyPr>
           <a:p>
-            <a:pPr algn="ctr"/>
+            <a:pPr algn="ctr">
+              <a:lnSpc>
+                <a:spcPct val="100000"/>
+              </a:lnSpc>
+            </a:pPr>
             <a:r>
               <a:rPr b="0" lang="en-US" sz="4400" spc="-1" strike="noStrike">
                 <a:latin typeface="Arial"/>
@@ -11673,14 +13526,14 @@
       </p:grpSpPr>
       <p:sp>
         <p:nvSpPr>
-          <p:cNvPr id="261" name="TextShape 1"/>
-          <p:cNvSpPr txBox="1"/>
+          <p:cNvPr id="302" name="CustomShape 1"/>
+          <p:cNvSpPr/>
           <p:nvPr/>
         </p:nvSpPr>
         <p:spPr>
           <a:xfrm>
             <a:off x="540000" y="270000"/>
-            <a:ext cx="8999640" cy="989640"/>
+            <a:ext cx="8999280" cy="989280"/>
           </a:xfrm>
           <a:prstGeom prst="rect">
             <a:avLst/>
@@ -11690,21 +13543,16 @@
             <a:noFill/>
           </a:ln>
         </p:spPr>
-        <p:txBody>
-          <a:bodyPr lIns="0" rIns="0" tIns="0" bIns="0" anchor="ctr">
-            <a:noAutofit/>
-          </a:bodyPr>
-          <a:p>
-            <a:pPr algn="ctr"/>
-            <a:endParaRPr b="0" lang="en-US" sz="4400" spc="-1" strike="noStrike">
-              <a:latin typeface="Arial"/>
-            </a:endParaRPr>
-          </a:p>
-        </p:txBody>
+        <p:style>
+          <a:lnRef idx="0"/>
+          <a:fillRef idx="0"/>
+          <a:effectRef idx="0"/>
+          <a:fontRef idx="minor"/>
+        </p:style>
       </p:sp>
       <p:pic>
         <p:nvPicPr>
-          <p:cNvPr id="262" name="" descr=""/>
+          <p:cNvPr id="303" name="" descr=""/>
           <p:cNvPicPr/>
           <p:nvPr/>
         </p:nvPicPr>
@@ -11715,7 +13563,7 @@
         <p:spPr>
           <a:xfrm>
             <a:off x="1302120" y="-12240"/>
-            <a:ext cx="7472160" cy="5670360"/>
+            <a:ext cx="7471800" cy="5670000"/>
           </a:xfrm>
           <a:prstGeom prst="rect">
             <a:avLst/>
@@ -11757,14 +13605,14 @@
       </p:grpSpPr>
       <p:sp>
         <p:nvSpPr>
-          <p:cNvPr id="263" name="CustomShape 1"/>
+          <p:cNvPr id="304" name="CustomShape 1"/>
           <p:cNvSpPr/>
           <p:nvPr/>
         </p:nvSpPr>
         <p:spPr>
           <a:xfrm>
             <a:off x="540000" y="270000"/>
-            <a:ext cx="8999640" cy="989640"/>
+            <a:ext cx="8999280" cy="989280"/>
           </a:xfrm>
           <a:prstGeom prst="rect">
             <a:avLst/>
@@ -11796,6 +13644,7 @@
                   <a:srgbClr val="ffffff"/>
                 </a:solidFill>
                 <a:latin typeface="Arial"/>
+                <a:ea typeface="DejaVu Sans"/>
               </a:rPr>
               <a:t>Exploration </a:t>
             </a:r>
@@ -11807,14 +13656,14 @@
       </p:sp>
       <p:sp>
         <p:nvSpPr>
-          <p:cNvPr id="264" name="CustomShape 2"/>
+          <p:cNvPr id="305" name="CustomShape 2"/>
           <p:cNvSpPr/>
           <p:nvPr/>
         </p:nvSpPr>
         <p:spPr>
           <a:xfrm>
             <a:off x="540000" y="1440000"/>
-            <a:ext cx="8999640" cy="3599640"/>
+            <a:ext cx="8999280" cy="3599280"/>
           </a:xfrm>
           <a:prstGeom prst="rect">
             <a:avLst/>
@@ -11833,7 +13682,7 @@
       </p:sp>
       <p:pic>
         <p:nvPicPr>
-          <p:cNvPr id="265" name="" descr=""/>
+          <p:cNvPr id="306" name="" descr=""/>
           <p:cNvPicPr/>
           <p:nvPr/>
         </p:nvPicPr>
@@ -11844,7 +13693,7 @@
         <p:spPr>
           <a:xfrm>
             <a:off x="457200" y="24480"/>
-            <a:ext cx="5277960" cy="5670360"/>
+            <a:ext cx="5277600" cy="5670000"/>
           </a:xfrm>
           <a:prstGeom prst="rect">
             <a:avLst/>
@@ -11856,7 +13705,7 @@
       </p:pic>
       <p:pic>
         <p:nvPicPr>
-          <p:cNvPr id="266" name="" descr=""/>
+          <p:cNvPr id="307" name="" descr=""/>
           <p:cNvPicPr/>
           <p:nvPr/>
         </p:nvPicPr>
@@ -11867,7 +13716,7 @@
         <p:spPr>
           <a:xfrm>
             <a:off x="6343920" y="2143440"/>
-            <a:ext cx="3028680" cy="1514160"/>
+            <a:ext cx="3028320" cy="1513800"/>
           </a:xfrm>
           <a:prstGeom prst="rect">
             <a:avLst/>
@@ -11879,14 +13728,14 @@
       </p:pic>
       <p:sp>
         <p:nvSpPr>
-          <p:cNvPr id="267" name="TextShape 3"/>
-          <p:cNvSpPr txBox="1"/>
+          <p:cNvPr id="308" name="CustomShape 3"/>
+          <p:cNvSpPr/>
           <p:nvPr/>
         </p:nvSpPr>
         <p:spPr>
           <a:xfrm>
             <a:off x="1287360" y="270000"/>
-            <a:ext cx="8999640" cy="989640"/>
+            <a:ext cx="8999280" cy="989280"/>
           </a:xfrm>
           <a:prstGeom prst="rect">
             <a:avLst/>
@@ -11896,12 +13745,22 @@
             <a:noFill/>
           </a:ln>
         </p:spPr>
+        <p:style>
+          <a:lnRef idx="0"/>
+          <a:fillRef idx="0"/>
+          <a:effectRef idx="0"/>
+          <a:fontRef idx="minor"/>
+        </p:style>
         <p:txBody>
           <a:bodyPr lIns="0" rIns="0" tIns="0" bIns="0" anchor="ctr">
             <a:noAutofit/>
           </a:bodyPr>
           <a:p>
-            <a:pPr algn="ctr"/>
+            <a:pPr algn="ctr">
+              <a:lnSpc>
+                <a:spcPct val="100000"/>
+              </a:lnSpc>
+            </a:pPr>
             <a:r>
               <a:rPr b="0" lang="en-US" sz="4400" spc="-1" strike="noStrike">
                 <a:latin typeface="Arial"/>
@@ -13055,4 +14914,230 @@
     </a:fmtScheme>
   </a:themeElements>
 </a:theme>
+</file>
+
+<file path=ppt/theme/theme6.xml><?xml version="1.0" encoding="utf-8"?>
+<a:theme xmlns:a="http://schemas.openxmlformats.org/drawingml/2006/main" name="Office Theme">
+  <a:themeElements>
+    <a:clrScheme name="Office">
+      <a:dk1>
+        <a:sysClr val="windowText" lastClr="000000"/>
+      </a:dk1>
+      <a:lt1>
+        <a:sysClr val="window" lastClr="FFFFFF"/>
+      </a:lt1>
+      <a:dk2>
+        <a:srgbClr val="1f497d"/>
+      </a:dk2>
+      <a:lt2>
+        <a:srgbClr val="eeece1"/>
+      </a:lt2>
+      <a:accent1>
+        <a:srgbClr val="4f81bd"/>
+      </a:accent1>
+      <a:accent2>
+        <a:srgbClr val="c0504d"/>
+      </a:accent2>
+      <a:accent3>
+        <a:srgbClr val="9bbb59"/>
+      </a:accent3>
+      <a:accent4>
+        <a:srgbClr val="8064a2"/>
+      </a:accent4>
+      <a:accent5>
+        <a:srgbClr val="4bacc6"/>
+      </a:accent5>
+      <a:accent6>
+        <a:srgbClr val="f79646"/>
+      </a:accent6>
+      <a:hlink>
+        <a:srgbClr val="0000ff"/>
+      </a:hlink>
+      <a:folHlink>
+        <a:srgbClr val="800080"/>
+      </a:folHlink>
+    </a:clrScheme>
+    <a:fontScheme name="Office">
+      <a:majorFont>
+        <a:latin typeface="Arial"/>
+        <a:ea typeface="DejaVu Sans"/>
+        <a:cs typeface="DejaVu Sans"/>
+      </a:majorFont>
+      <a:minorFont>
+        <a:latin typeface="Arial"/>
+        <a:ea typeface="DejaVu Sans"/>
+        <a:cs typeface="DejaVu Sans"/>
+      </a:minorFont>
+    </a:fontScheme>
+    <a:fmtScheme name="Office">
+      <a:fillStyleLst>
+        <a:solidFill>
+          <a:schemeClr val="phClr"/>
+        </a:solidFill>
+        <a:gradFill rotWithShape="1">
+          <a:gsLst>
+            <a:gs pos="0">
+              <a:schemeClr val="phClr">
+                <a:tint val="50000"/>
+                <a:satMod val="300000"/>
+              </a:schemeClr>
+            </a:gs>
+            <a:gs pos="35000">
+              <a:schemeClr val="phClr">
+                <a:tint val="37000"/>
+                <a:satMod val="300000"/>
+              </a:schemeClr>
+            </a:gs>
+            <a:gs pos="100000">
+              <a:schemeClr val="phClr">
+                <a:tint val="15000"/>
+                <a:satMod val="350000"/>
+              </a:schemeClr>
+            </a:gs>
+          </a:gsLst>
+          <a:lin ang="16200000" scaled="1"/>
+        </a:gradFill>
+        <a:gradFill rotWithShape="1">
+          <a:gsLst>
+            <a:gs pos="0">
+              <a:schemeClr val="phClr">
+                <a:shade val="51000"/>
+                <a:satMod val="130000"/>
+              </a:schemeClr>
+            </a:gs>
+            <a:gs pos="80000">
+              <a:schemeClr val="phClr">
+                <a:shade val="93000"/>
+                <a:satMod val="130000"/>
+              </a:schemeClr>
+            </a:gs>
+            <a:gs pos="100000">
+              <a:schemeClr val="phClr">
+                <a:shade val="94000"/>
+                <a:satMod val="135000"/>
+              </a:schemeClr>
+            </a:gs>
+          </a:gsLst>
+          <a:lin ang="16200000" scaled="0"/>
+        </a:gradFill>
+      </a:fillStyleLst>
+      <a:lnStyleLst>
+        <a:ln w="9525" cap="flat" cmpd="sng" algn="ctr">
+          <a:solidFill>
+            <a:schemeClr val="phClr">
+              <a:shade val="95000"/>
+              <a:satMod val="105000"/>
+            </a:schemeClr>
+          </a:solidFill>
+          <a:prstDash val="solid"/>
+          <a:miter/>
+        </a:ln>
+        <a:ln w="25400" cap="flat" cmpd="sng" algn="ctr">
+          <a:solidFill>
+            <a:schemeClr val="phClr"/>
+          </a:solidFill>
+          <a:prstDash val="solid"/>
+          <a:miter/>
+        </a:ln>
+        <a:ln w="38100" cap="flat" cmpd="sng" algn="ctr">
+          <a:solidFill>
+            <a:schemeClr val="phClr"/>
+          </a:solidFill>
+          <a:prstDash val="solid"/>
+          <a:miter/>
+        </a:ln>
+      </a:lnStyleLst>
+      <a:effectStyleLst>
+        <a:effectStyle>
+          <a:effectLst>
+            <a:outerShdw blurRad="40000" dist="20000" dir="5400000" rotWithShape="0">
+              <a:srgbClr val="000000">
+                <a:alpha val="38000"/>
+              </a:srgbClr>
+            </a:outerShdw>
+          </a:effectLst>
+        </a:effectStyle>
+        <a:effectStyle>
+          <a:effectLst>
+            <a:outerShdw blurRad="40000" dist="23000" dir="5400000" rotWithShape="0">
+              <a:srgbClr val="000000">
+                <a:alpha val="35000"/>
+              </a:srgbClr>
+            </a:outerShdw>
+          </a:effectLst>
+        </a:effectStyle>
+        <a:effectStyle>
+          <a:effectLst>
+            <a:outerShdw blurRad="40000" dist="23000" dir="5400000" rotWithShape="0">
+              <a:srgbClr val="000000">
+                <a:alpha val="35000"/>
+              </a:srgbClr>
+            </a:outerShdw>
+          </a:effectLst>
+          <a:scene3d>
+            <a:camera prst="orthographicFront">
+              <a:rot lat="0" lon="0" rev="0"/>
+            </a:camera>
+            <a:lightRig rig="threePt" dir="t">
+              <a:rot lat="0" lon="0" rev="1200000"/>
+            </a:lightRig>
+          </a:scene3d>
+          <a:sp3d>
+            <a:bevelT w="63500" h="25400"/>
+          </a:sp3d>
+        </a:effectStyle>
+      </a:effectStyleLst>
+      <a:bgFillStyleLst>
+        <a:solidFill>
+          <a:schemeClr val="phClr"/>
+        </a:solidFill>
+        <a:gradFill rotWithShape="1">
+          <a:gsLst>
+            <a:gs pos="0">
+              <a:schemeClr val="phClr">
+                <a:tint val="40000"/>
+                <a:satMod val="350000"/>
+              </a:schemeClr>
+            </a:gs>
+            <a:gs pos="40000">
+              <a:schemeClr val="phClr">
+                <a:tint val="45000"/>
+                <a:shade val="99000"/>
+                <a:satMod val="350000"/>
+              </a:schemeClr>
+            </a:gs>
+            <a:gs pos="100000">
+              <a:schemeClr val="phClr">
+                <a:shade val="20000"/>
+                <a:satMod val="255000"/>
+              </a:schemeClr>
+            </a:gs>
+          </a:gsLst>
+          <a:path path="circle">
+            <a:fillToRect l="50000" t="-80000" r="50000" b="180000"/>
+          </a:path>
+        </a:gradFill>
+        <a:gradFill rotWithShape="1">
+          <a:gsLst>
+            <a:gs pos="0">
+              <a:schemeClr val="phClr">
+                <a:tint val="80000"/>
+                <a:satMod val="300000"/>
+              </a:schemeClr>
+            </a:gs>
+            <a:gs pos="100000">
+              <a:schemeClr val="phClr">
+                <a:shade val="30000"/>
+                <a:satMod val="200000"/>
+              </a:schemeClr>
+            </a:gs>
+          </a:gsLst>
+          <a:path path="circle">
+            <a:fillToRect l="50000" t="50000" r="50000" b="50000"/>
+          </a:path>
+        </a:gradFill>
+      </a:bgFillStyleLst>
+    </a:fmtScheme>
+  </a:themeElements>
+</a:theme>
 </file>